--- a/Files/img/icons/icons.pptx
+++ b/Files/img/icons/icons.pptx
@@ -11,8 +11,8 @@
     <p:sldId id="259" r:id="rId5"/>
     <p:sldId id="258" r:id="rId6"/>
     <p:sldId id="262" r:id="rId7"/>
-    <p:sldId id="264" r:id="rId8"/>
-    <p:sldId id="263" r:id="rId9"/>
+    <p:sldId id="265" r:id="rId8"/>
+    <p:sldId id="264" r:id="rId9"/>
   </p:sldIdLst>
   <p:sldSz cx="12192000" cy="6858000"/>
   <p:notesSz cx="6858000" cy="9144000"/>
@@ -250,7 +250,7 @@
           <a:p>
             <a:fld id="{CC428904-F1C2-4D26-8D70-F5FEF6F0A606}" type="datetimeFigureOut">
               <a:rPr lang="en-US" smtClean="0"/>
-              <a:t>2016-06-05</a:t>
+              <a:t>2016-06-08</a:t>
             </a:fld>
             <a:endParaRPr lang="en-US"/>
           </a:p>
@@ -420,7 +420,7 @@
           <a:p>
             <a:fld id="{CC428904-F1C2-4D26-8D70-F5FEF6F0A606}" type="datetimeFigureOut">
               <a:rPr lang="en-US" smtClean="0"/>
-              <a:t>2016-06-05</a:t>
+              <a:t>2016-06-08</a:t>
             </a:fld>
             <a:endParaRPr lang="en-US"/>
           </a:p>
@@ -600,7 +600,7 @@
           <a:p>
             <a:fld id="{CC428904-F1C2-4D26-8D70-F5FEF6F0A606}" type="datetimeFigureOut">
               <a:rPr lang="en-US" smtClean="0"/>
-              <a:t>2016-06-05</a:t>
+              <a:t>2016-06-08</a:t>
             </a:fld>
             <a:endParaRPr lang="en-US"/>
           </a:p>
@@ -770,7 +770,7 @@
           <a:p>
             <a:fld id="{CC428904-F1C2-4D26-8D70-F5FEF6F0A606}" type="datetimeFigureOut">
               <a:rPr lang="en-US" smtClean="0"/>
-              <a:t>2016-06-05</a:t>
+              <a:t>2016-06-08</a:t>
             </a:fld>
             <a:endParaRPr lang="en-US"/>
           </a:p>
@@ -1016,7 +1016,7 @@
           <a:p>
             <a:fld id="{CC428904-F1C2-4D26-8D70-F5FEF6F0A606}" type="datetimeFigureOut">
               <a:rPr lang="en-US" smtClean="0"/>
-              <a:t>2016-06-05</a:t>
+              <a:t>2016-06-08</a:t>
             </a:fld>
             <a:endParaRPr lang="en-US"/>
           </a:p>
@@ -1248,7 +1248,7 @@
           <a:p>
             <a:fld id="{CC428904-F1C2-4D26-8D70-F5FEF6F0A606}" type="datetimeFigureOut">
               <a:rPr lang="en-US" smtClean="0"/>
-              <a:t>2016-06-05</a:t>
+              <a:t>2016-06-08</a:t>
             </a:fld>
             <a:endParaRPr lang="en-US"/>
           </a:p>
@@ -1615,7 +1615,7 @@
           <a:p>
             <a:fld id="{CC428904-F1C2-4D26-8D70-F5FEF6F0A606}" type="datetimeFigureOut">
               <a:rPr lang="en-US" smtClean="0"/>
-              <a:t>2016-06-05</a:t>
+              <a:t>2016-06-08</a:t>
             </a:fld>
             <a:endParaRPr lang="en-US"/>
           </a:p>
@@ -1733,7 +1733,7 @@
           <a:p>
             <a:fld id="{CC428904-F1C2-4D26-8D70-F5FEF6F0A606}" type="datetimeFigureOut">
               <a:rPr lang="en-US" smtClean="0"/>
-              <a:t>2016-06-05</a:t>
+              <a:t>2016-06-08</a:t>
             </a:fld>
             <a:endParaRPr lang="en-US"/>
           </a:p>
@@ -1828,7 +1828,7 @@
           <a:p>
             <a:fld id="{CC428904-F1C2-4D26-8D70-F5FEF6F0A606}" type="datetimeFigureOut">
               <a:rPr lang="en-US" smtClean="0"/>
-              <a:t>2016-06-05</a:t>
+              <a:t>2016-06-08</a:t>
             </a:fld>
             <a:endParaRPr lang="en-US"/>
           </a:p>
@@ -2105,7 +2105,7 @@
           <a:p>
             <a:fld id="{CC428904-F1C2-4D26-8D70-F5FEF6F0A606}" type="datetimeFigureOut">
               <a:rPr lang="en-US" smtClean="0"/>
-              <a:t>2016-06-05</a:t>
+              <a:t>2016-06-08</a:t>
             </a:fld>
             <a:endParaRPr lang="en-US"/>
           </a:p>
@@ -2358,7 +2358,7 @@
           <a:p>
             <a:fld id="{CC428904-F1C2-4D26-8D70-F5FEF6F0A606}" type="datetimeFigureOut">
               <a:rPr lang="en-US" smtClean="0"/>
-              <a:t>2016-06-05</a:t>
+              <a:t>2016-06-08</a:t>
             </a:fld>
             <a:endParaRPr lang="en-US"/>
           </a:p>
@@ -2571,7 +2571,7 @@
           <a:p>
             <a:fld id="{CC428904-F1C2-4D26-8D70-F5FEF6F0A606}" type="datetimeFigureOut">
               <a:rPr lang="en-US" smtClean="0"/>
-              <a:t>2016-06-05</a:t>
+              <a:t>2016-06-08</a:t>
             </a:fld>
             <a:endParaRPr lang="en-US"/>
           </a:p>
@@ -4804,60 +4804,10 @@
           </a:p>
         </p:txBody>
       </p:sp>
-      <p:sp>
-        <p:nvSpPr>
-          <p:cNvPr id="3" name="Half Frame 2"/>
-          <p:cNvSpPr/>
-          <p:nvPr/>
-        </p:nvSpPr>
-        <p:spPr>
-          <a:xfrm rot="18900000">
-            <a:off x="1028699" y="1028700"/>
-            <a:ext cx="2514600" cy="2514600"/>
-          </a:xfrm>
-          <a:prstGeom prst="halfFrame">
-            <a:avLst/>
-          </a:prstGeom>
-          <a:solidFill>
-            <a:schemeClr val="bg1"/>
-          </a:solidFill>
-          <a:ln>
-            <a:noFill/>
-          </a:ln>
-        </p:spPr>
-        <p:style>
-          <a:lnRef idx="2">
-            <a:schemeClr val="accent1">
-              <a:shade val="50000"/>
-            </a:schemeClr>
-          </a:lnRef>
-          <a:fillRef idx="1">
-            <a:schemeClr val="accent1"/>
-          </a:fillRef>
-          <a:effectRef idx="0">
-            <a:schemeClr val="accent1"/>
-          </a:effectRef>
-          <a:fontRef idx="minor">
-            <a:schemeClr val="lt1"/>
-          </a:fontRef>
-        </p:style>
-        <p:txBody>
-          <a:bodyPr rtlCol="0" anchor="ctr"/>
-          <a:lstStyle/>
-          <a:p>
-            <a:pPr algn="ctr"/>
-            <a:endParaRPr lang="en-US">
-              <a:solidFill>
-                <a:schemeClr val="tx1"/>
-              </a:solidFill>
-            </a:endParaRPr>
-          </a:p>
-        </p:txBody>
-      </p:sp>
     </p:spTree>
     <p:extLst>
       <p:ext uri="{BB962C8B-B14F-4D97-AF65-F5344CB8AC3E}">
-        <p14:creationId xmlns:p14="http://schemas.microsoft.com/office/powerpoint/2010/main" val="829015734"/>
+        <p14:creationId xmlns:p14="http://schemas.microsoft.com/office/powerpoint/2010/main" val="3551588154"/>
       </p:ext>
     </p:extLst>
   </p:cSld>
@@ -4891,121 +4841,60 @@
           <a:chExt cx="0" cy="0"/>
         </a:xfrm>
       </p:grpSpPr>
-      <p:grpSp>
-        <p:nvGrpSpPr>
-          <p:cNvPr id="3" name="Group 2"/>
-          <p:cNvGrpSpPr/>
+      <p:sp>
+        <p:nvSpPr>
+          <p:cNvPr id="3" name="Half Frame 2"/>
+          <p:cNvSpPr/>
           <p:nvPr/>
-        </p:nvGrpSpPr>
-        <p:grpSpPr>
-          <a:xfrm>
-            <a:off x="0" y="-1"/>
-            <a:ext cx="3438144" cy="4572000"/>
-            <a:chOff x="0" y="-1"/>
-            <a:chExt cx="3438144" cy="4572000"/>
+        </p:nvSpPr>
+        <p:spPr>
+          <a:xfrm rot="18900000">
+            <a:off x="670223" y="670223"/>
+            <a:ext cx="3236125" cy="3236125"/>
           </a:xfrm>
-        </p:grpSpPr>
-        <p:sp>
-          <p:nvSpPr>
-            <p:cNvPr id="13" name="Rectangle 12"/>
-            <p:cNvSpPr/>
-            <p:nvPr/>
-          </p:nvSpPr>
-          <p:spPr>
-            <a:xfrm>
-              <a:off x="0" y="-1"/>
-              <a:ext cx="2743200" cy="4572000"/>
-            </a:xfrm>
-            <a:prstGeom prst="rect">
-              <a:avLst/>
-            </a:prstGeom>
-            <a:solidFill>
-              <a:srgbClr val="000064"/>
-            </a:solidFill>
-            <a:ln>
-              <a:noFill/>
-            </a:ln>
-          </p:spPr>
-          <p:style>
-            <a:lnRef idx="2">
-              <a:schemeClr val="accent1">
-                <a:shade val="50000"/>
-              </a:schemeClr>
-            </a:lnRef>
-            <a:fillRef idx="1">
-              <a:schemeClr val="accent1"/>
-            </a:fillRef>
-            <a:effectRef idx="0">
-              <a:schemeClr val="accent1"/>
-            </a:effectRef>
-            <a:fontRef idx="minor">
-              <a:schemeClr val="lt1"/>
-            </a:fontRef>
-          </p:style>
-          <p:txBody>
-            <a:bodyPr rtlCol="0" anchor="ctr"/>
-            <a:lstStyle/>
-            <a:p>
-              <a:pPr algn="ctr"/>
-              <a:endParaRPr lang="en-US"/>
-            </a:p>
-          </p:txBody>
-        </p:sp>
-        <p:sp>
-          <p:nvSpPr>
-            <p:cNvPr id="6" name="Half Frame 5"/>
-            <p:cNvSpPr/>
-            <p:nvPr/>
-          </p:nvSpPr>
-          <p:spPr>
-            <a:xfrm rot="18900000">
-              <a:off x="923544" y="1028698"/>
-              <a:ext cx="2514600" cy="2514600"/>
-            </a:xfrm>
-            <a:prstGeom prst="halfFrame">
-              <a:avLst/>
-            </a:prstGeom>
-            <a:solidFill>
-              <a:schemeClr val="bg1"/>
-            </a:solidFill>
-            <a:ln>
-              <a:noFill/>
-            </a:ln>
-          </p:spPr>
-          <p:style>
-            <a:lnRef idx="2">
-              <a:schemeClr val="accent1">
-                <a:shade val="50000"/>
-              </a:schemeClr>
-            </a:lnRef>
-            <a:fillRef idx="1">
-              <a:schemeClr val="accent1"/>
-            </a:fillRef>
-            <a:effectRef idx="0">
-              <a:schemeClr val="accent1"/>
-            </a:effectRef>
-            <a:fontRef idx="minor">
-              <a:schemeClr val="lt1"/>
-            </a:fontRef>
-          </p:style>
-          <p:txBody>
-            <a:bodyPr rtlCol="0" anchor="ctr"/>
-            <a:lstStyle/>
-            <a:p>
-              <a:pPr algn="ctr"/>
-              <a:endParaRPr lang="en-US">
-                <a:solidFill>
-                  <a:schemeClr val="tx1"/>
-                </a:solidFill>
-              </a:endParaRPr>
-            </a:p>
-          </p:txBody>
-        </p:sp>
-      </p:grpSp>
+          <a:prstGeom prst="halfFrame">
+            <a:avLst/>
+          </a:prstGeom>
+          <a:solidFill>
+            <a:srgbClr val="000064"/>
+          </a:solidFill>
+          <a:ln>
+            <a:noFill/>
+          </a:ln>
+        </p:spPr>
+        <p:style>
+          <a:lnRef idx="2">
+            <a:schemeClr val="accent1">
+              <a:shade val="50000"/>
+            </a:schemeClr>
+          </a:lnRef>
+          <a:fillRef idx="1">
+            <a:schemeClr val="accent1"/>
+          </a:fillRef>
+          <a:effectRef idx="0">
+            <a:schemeClr val="accent1"/>
+          </a:effectRef>
+          <a:fontRef idx="minor">
+            <a:schemeClr val="lt1"/>
+          </a:fontRef>
+        </p:style>
+        <p:txBody>
+          <a:bodyPr rtlCol="0" anchor="ctr"/>
+          <a:lstStyle/>
+          <a:p>
+            <a:pPr algn="ctr"/>
+            <a:endParaRPr lang="en-US">
+              <a:solidFill>
+                <a:schemeClr val="tx1"/>
+              </a:solidFill>
+            </a:endParaRPr>
+          </a:p>
+        </p:txBody>
+      </p:sp>
     </p:spTree>
     <p:extLst>
       <p:ext uri="{BB962C8B-B14F-4D97-AF65-F5344CB8AC3E}">
-        <p14:creationId xmlns:p14="http://schemas.microsoft.com/office/powerpoint/2010/main" val="2544371399"/>
+        <p14:creationId xmlns:p14="http://schemas.microsoft.com/office/powerpoint/2010/main" val="829015734"/>
       </p:ext>
     </p:extLst>
   </p:cSld>

--- a/Files/img/icons/icons.pptx
+++ b/Files/img/icons/icons.pptx
@@ -6,13 +6,14 @@
   </p:sldMasterIdLst>
   <p:sldIdLst>
     <p:sldId id="261" r:id="rId2"/>
-    <p:sldId id="256" r:id="rId3"/>
-    <p:sldId id="257" r:id="rId4"/>
-    <p:sldId id="259" r:id="rId5"/>
-    <p:sldId id="258" r:id="rId6"/>
-    <p:sldId id="262" r:id="rId7"/>
-    <p:sldId id="265" r:id="rId8"/>
-    <p:sldId id="264" r:id="rId9"/>
+    <p:sldId id="265" r:id="rId3"/>
+    <p:sldId id="256" r:id="rId4"/>
+    <p:sldId id="257" r:id="rId5"/>
+    <p:sldId id="259" r:id="rId6"/>
+    <p:sldId id="258" r:id="rId7"/>
+    <p:sldId id="262" r:id="rId8"/>
+    <p:sldId id="266" r:id="rId9"/>
+    <p:sldId id="264" r:id="rId10"/>
   </p:sldIdLst>
   <p:sldSz cx="12192000" cy="6858000"/>
   <p:notesSz cx="6858000" cy="9144000"/>
@@ -250,7 +251,7 @@
           <a:p>
             <a:fld id="{CC428904-F1C2-4D26-8D70-F5FEF6F0A606}" type="datetimeFigureOut">
               <a:rPr lang="en-US" smtClean="0"/>
-              <a:t>2016-06-08</a:t>
+              <a:t>8/5/2016</a:t>
             </a:fld>
             <a:endParaRPr lang="en-US"/>
           </a:p>
@@ -420,7 +421,7 @@
           <a:p>
             <a:fld id="{CC428904-F1C2-4D26-8D70-F5FEF6F0A606}" type="datetimeFigureOut">
               <a:rPr lang="en-US" smtClean="0"/>
-              <a:t>2016-06-08</a:t>
+              <a:t>8/5/2016</a:t>
             </a:fld>
             <a:endParaRPr lang="en-US"/>
           </a:p>
@@ -600,7 +601,7 @@
           <a:p>
             <a:fld id="{CC428904-F1C2-4D26-8D70-F5FEF6F0A606}" type="datetimeFigureOut">
               <a:rPr lang="en-US" smtClean="0"/>
-              <a:t>2016-06-08</a:t>
+              <a:t>8/5/2016</a:t>
             </a:fld>
             <a:endParaRPr lang="en-US"/>
           </a:p>
@@ -770,7 +771,7 @@
           <a:p>
             <a:fld id="{CC428904-F1C2-4D26-8D70-F5FEF6F0A606}" type="datetimeFigureOut">
               <a:rPr lang="en-US" smtClean="0"/>
-              <a:t>2016-06-08</a:t>
+              <a:t>8/5/2016</a:t>
             </a:fld>
             <a:endParaRPr lang="en-US"/>
           </a:p>
@@ -1016,7 +1017,7 @@
           <a:p>
             <a:fld id="{CC428904-F1C2-4D26-8D70-F5FEF6F0A606}" type="datetimeFigureOut">
               <a:rPr lang="en-US" smtClean="0"/>
-              <a:t>2016-06-08</a:t>
+              <a:t>8/5/2016</a:t>
             </a:fld>
             <a:endParaRPr lang="en-US"/>
           </a:p>
@@ -1248,7 +1249,7 @@
           <a:p>
             <a:fld id="{CC428904-F1C2-4D26-8D70-F5FEF6F0A606}" type="datetimeFigureOut">
               <a:rPr lang="en-US" smtClean="0"/>
-              <a:t>2016-06-08</a:t>
+              <a:t>8/5/2016</a:t>
             </a:fld>
             <a:endParaRPr lang="en-US"/>
           </a:p>
@@ -1615,7 +1616,7 @@
           <a:p>
             <a:fld id="{CC428904-F1C2-4D26-8D70-F5FEF6F0A606}" type="datetimeFigureOut">
               <a:rPr lang="en-US" smtClean="0"/>
-              <a:t>2016-06-08</a:t>
+              <a:t>8/5/2016</a:t>
             </a:fld>
             <a:endParaRPr lang="en-US"/>
           </a:p>
@@ -1733,7 +1734,7 @@
           <a:p>
             <a:fld id="{CC428904-F1C2-4D26-8D70-F5FEF6F0A606}" type="datetimeFigureOut">
               <a:rPr lang="en-US" smtClean="0"/>
-              <a:t>2016-06-08</a:t>
+              <a:t>8/5/2016</a:t>
             </a:fld>
             <a:endParaRPr lang="en-US"/>
           </a:p>
@@ -1828,7 +1829,7 @@
           <a:p>
             <a:fld id="{CC428904-F1C2-4D26-8D70-F5FEF6F0A606}" type="datetimeFigureOut">
               <a:rPr lang="en-US" smtClean="0"/>
-              <a:t>2016-06-08</a:t>
+              <a:t>8/5/2016</a:t>
             </a:fld>
             <a:endParaRPr lang="en-US"/>
           </a:p>
@@ -2105,7 +2106,7 @@
           <a:p>
             <a:fld id="{CC428904-F1C2-4D26-8D70-F5FEF6F0A606}" type="datetimeFigureOut">
               <a:rPr lang="en-US" smtClean="0"/>
-              <a:t>2016-06-08</a:t>
+              <a:t>8/5/2016</a:t>
             </a:fld>
             <a:endParaRPr lang="en-US"/>
           </a:p>
@@ -2358,7 +2359,7 @@
           <a:p>
             <a:fld id="{CC428904-F1C2-4D26-8D70-F5FEF6F0A606}" type="datetimeFigureOut">
               <a:rPr lang="en-US" smtClean="0"/>
-              <a:t>2016-06-08</a:t>
+              <a:t>8/5/2016</a:t>
             </a:fld>
             <a:endParaRPr lang="en-US"/>
           </a:p>
@@ -2571,7 +2572,7 @@
           <a:p>
             <a:fld id="{CC428904-F1C2-4D26-8D70-F5FEF6F0A606}" type="datetimeFigureOut">
               <a:rPr lang="en-US" smtClean="0"/>
-              <a:t>2016-06-08</a:t>
+              <a:t>8/5/2016</a:t>
             </a:fld>
             <a:endParaRPr lang="en-US"/>
           </a:p>
@@ -3297,6 +3298,266 @@
           <a:chExt cx="0" cy="0"/>
         </a:xfrm>
       </p:grpSpPr>
+      <p:sp>
+        <p:nvSpPr>
+          <p:cNvPr id="4" name="Oval 3"/>
+          <p:cNvSpPr/>
+          <p:nvPr/>
+        </p:nvSpPr>
+        <p:spPr>
+          <a:xfrm>
+            <a:off x="0" y="0"/>
+            <a:ext cx="4572000" cy="4572000"/>
+          </a:xfrm>
+          <a:prstGeom prst="ellipse">
+            <a:avLst/>
+          </a:prstGeom>
+          <a:solidFill>
+            <a:srgbClr val="000064"/>
+          </a:solidFill>
+          <a:ln>
+            <a:noFill/>
+          </a:ln>
+        </p:spPr>
+        <p:style>
+          <a:lnRef idx="2">
+            <a:schemeClr val="accent1">
+              <a:shade val="50000"/>
+            </a:schemeClr>
+          </a:lnRef>
+          <a:fillRef idx="1">
+            <a:schemeClr val="accent1"/>
+          </a:fillRef>
+          <a:effectRef idx="0">
+            <a:schemeClr val="accent1"/>
+          </a:effectRef>
+          <a:fontRef idx="minor">
+            <a:schemeClr val="lt1"/>
+          </a:fontRef>
+        </p:style>
+        <p:txBody>
+          <a:bodyPr rtlCol="0" anchor="ctr"/>
+          <a:lstStyle/>
+          <a:p>
+            <a:pPr algn="ctr"/>
+            <a:endParaRPr lang="en-US"/>
+          </a:p>
+        </p:txBody>
+      </p:sp>
+      <p:sp>
+        <p:nvSpPr>
+          <p:cNvPr id="13" name="Donut 12"/>
+          <p:cNvSpPr/>
+          <p:nvPr/>
+        </p:nvSpPr>
+        <p:spPr>
+          <a:xfrm>
+            <a:off x="227311" y="228600"/>
+            <a:ext cx="4114800" cy="4114800"/>
+          </a:xfrm>
+          <a:prstGeom prst="donut">
+            <a:avLst>
+              <a:gd name="adj" fmla="val 6001"/>
+            </a:avLst>
+          </a:prstGeom>
+          <a:solidFill>
+            <a:schemeClr val="bg1"/>
+          </a:solidFill>
+          <a:ln>
+            <a:solidFill>
+              <a:schemeClr val="bg1"/>
+            </a:solidFill>
+          </a:ln>
+        </p:spPr>
+        <p:style>
+          <a:lnRef idx="2">
+            <a:schemeClr val="accent1">
+              <a:shade val="50000"/>
+            </a:schemeClr>
+          </a:lnRef>
+          <a:fillRef idx="1">
+            <a:schemeClr val="accent1"/>
+          </a:fillRef>
+          <a:effectRef idx="0">
+            <a:schemeClr val="accent1"/>
+          </a:effectRef>
+          <a:fontRef idx="minor">
+            <a:schemeClr val="lt1"/>
+          </a:fontRef>
+        </p:style>
+        <p:txBody>
+          <a:bodyPr rtlCol="0" anchor="ctr"/>
+          <a:lstStyle/>
+          <a:p>
+            <a:pPr algn="ctr"/>
+            <a:endParaRPr lang="en-US">
+              <a:solidFill>
+                <a:schemeClr val="tx1"/>
+              </a:solidFill>
+            </a:endParaRPr>
+          </a:p>
+        </p:txBody>
+      </p:sp>
+      <p:grpSp>
+        <p:nvGrpSpPr>
+          <p:cNvPr id="25" name="Group 24"/>
+          <p:cNvGrpSpPr/>
+          <p:nvPr/>
+        </p:nvGrpSpPr>
+        <p:grpSpPr>
+          <a:xfrm>
+            <a:off x="1406785" y="1002529"/>
+            <a:ext cx="1755852" cy="2566941"/>
+            <a:chOff x="265922" y="233919"/>
+            <a:chExt cx="1755852" cy="2566941"/>
+          </a:xfrm>
+        </p:grpSpPr>
+        <p:sp>
+          <p:nvSpPr>
+            <p:cNvPr id="23" name="Frame 22"/>
+            <p:cNvSpPr/>
+            <p:nvPr/>
+          </p:nvSpPr>
+          <p:spPr>
+            <a:xfrm>
+              <a:off x="265922" y="233919"/>
+              <a:ext cx="1755852" cy="1755852"/>
+            </a:xfrm>
+            <a:prstGeom prst="frame">
+              <a:avLst>
+                <a:gd name="adj1" fmla="val 19031"/>
+              </a:avLst>
+            </a:prstGeom>
+            <a:ln>
+              <a:solidFill>
+                <a:schemeClr val="bg1"/>
+              </a:solidFill>
+            </a:ln>
+            <a:scene3d>
+              <a:camera prst="orthographicFront">
+                <a:rot lat="0" lon="0" rev="2700000"/>
+              </a:camera>
+              <a:lightRig rig="threePt" dir="t"/>
+            </a:scene3d>
+          </p:spPr>
+          <p:style>
+            <a:lnRef idx="2">
+              <a:schemeClr val="dk1">
+                <a:shade val="50000"/>
+              </a:schemeClr>
+            </a:lnRef>
+            <a:fillRef idx="1">
+              <a:schemeClr val="dk1"/>
+            </a:fillRef>
+            <a:effectRef idx="0">
+              <a:schemeClr val="dk1"/>
+            </a:effectRef>
+            <a:fontRef idx="minor">
+              <a:schemeClr val="lt1"/>
+            </a:fontRef>
+          </p:style>
+          <p:txBody>
+            <a:bodyPr rtlCol="0" anchor="ctr"/>
+            <a:lstStyle/>
+            <a:p>
+              <a:pPr algn="ctr"/>
+              <a:endParaRPr lang="en-US">
+                <a:solidFill>
+                  <a:schemeClr val="tx1"/>
+                </a:solidFill>
+              </a:endParaRPr>
+            </a:p>
+          </p:txBody>
+        </p:sp>
+        <p:sp>
+          <p:nvSpPr>
+            <p:cNvPr id="24" name="Rectangle 23"/>
+            <p:cNvSpPr/>
+            <p:nvPr/>
+          </p:nvSpPr>
+          <p:spPr>
+            <a:xfrm>
+              <a:off x="778088" y="2069340"/>
+              <a:ext cx="731520" cy="731520"/>
+            </a:xfrm>
+            <a:prstGeom prst="rect">
+              <a:avLst/>
+            </a:prstGeom>
+            <a:ln>
+              <a:solidFill>
+                <a:schemeClr val="bg1"/>
+              </a:solidFill>
+            </a:ln>
+            <a:scene3d>
+              <a:camera prst="orthographicFront">
+                <a:rot lat="0" lon="0" rev="2700000"/>
+              </a:camera>
+              <a:lightRig rig="threePt" dir="t"/>
+            </a:scene3d>
+          </p:spPr>
+          <p:style>
+            <a:lnRef idx="2">
+              <a:schemeClr val="dk1">
+                <a:shade val="50000"/>
+              </a:schemeClr>
+            </a:lnRef>
+            <a:fillRef idx="1">
+              <a:schemeClr val="dk1"/>
+            </a:fillRef>
+            <a:effectRef idx="0">
+              <a:schemeClr val="dk1"/>
+            </a:effectRef>
+            <a:fontRef idx="minor">
+              <a:schemeClr val="lt1"/>
+            </a:fontRef>
+          </p:style>
+          <p:txBody>
+            <a:bodyPr rtlCol="0" anchor="ctr"/>
+            <a:lstStyle/>
+            <a:p>
+              <a:pPr algn="ctr"/>
+              <a:endParaRPr lang="en-US"/>
+            </a:p>
+          </p:txBody>
+        </p:sp>
+      </p:grpSp>
+    </p:spTree>
+    <p:extLst>
+      <p:ext uri="{BB962C8B-B14F-4D97-AF65-F5344CB8AC3E}">
+        <p14:creationId xmlns:p14="http://schemas.microsoft.com/office/powerpoint/2010/main" val="3551588154"/>
+      </p:ext>
+    </p:extLst>
+  </p:cSld>
+  <p:clrMapOvr>
+    <a:masterClrMapping/>
+  </p:clrMapOvr>
+  <p:timing>
+    <p:tnLst>
+      <p:par>
+        <p:cTn id="1" dur="indefinite" restart="never" nodeType="tmRoot"/>
+      </p:par>
+    </p:tnLst>
+  </p:timing>
+</p:sld>
+</file>
+
+<file path=ppt/slides/slide3.xml><?xml version="1.0" encoding="utf-8"?>
+<p:sld xmlns:a="http://schemas.openxmlformats.org/drawingml/2006/main" xmlns:r="http://schemas.openxmlformats.org/officeDocument/2006/relationships" xmlns:p="http://schemas.openxmlformats.org/presentationml/2006/main">
+  <p:cSld>
+    <p:spTree>
+      <p:nvGrpSpPr>
+        <p:cNvPr id="1" name=""/>
+        <p:cNvGrpSpPr/>
+        <p:nvPr/>
+      </p:nvGrpSpPr>
+      <p:grpSpPr>
+        <a:xfrm>
+          <a:off x="0" y="0"/>
+          <a:ext cx="0" cy="0"/>
+          <a:chOff x="0" y="0"/>
+          <a:chExt cx="0" cy="0"/>
+        </a:xfrm>
+      </p:grpSpPr>
       <p:grpSp>
         <p:nvGrpSpPr>
           <p:cNvPr id="11" name="Group 10"/>
@@ -3656,7 +3917,7 @@
 </p:sld>
 </file>
 
-<file path=ppt/slides/slide3.xml><?xml version="1.0" encoding="utf-8"?>
+<file path=ppt/slides/slide4.xml><?xml version="1.0" encoding="utf-8"?>
 <p:sld xmlns:a="http://schemas.openxmlformats.org/drawingml/2006/main" xmlns:r="http://schemas.openxmlformats.org/officeDocument/2006/relationships" xmlns:p="http://schemas.openxmlformats.org/presentationml/2006/main">
   <p:cSld>
     <p:spTree>
@@ -3992,7 +4253,7 @@
 </p:sld>
 </file>
 
-<file path=ppt/slides/slide4.xml><?xml version="1.0" encoding="utf-8"?>
+<file path=ppt/slides/slide5.xml><?xml version="1.0" encoding="utf-8"?>
 <p:sld xmlns:a="http://schemas.openxmlformats.org/drawingml/2006/main" xmlns:r="http://schemas.openxmlformats.org/officeDocument/2006/relationships" xmlns:p="http://schemas.openxmlformats.org/presentationml/2006/main">
   <p:cSld>
     <p:spTree>
@@ -4223,7 +4484,7 @@
 </p:sld>
 </file>
 
-<file path=ppt/slides/slide5.xml><?xml version="1.0" encoding="utf-8"?>
+<file path=ppt/slides/slide6.xml><?xml version="1.0" encoding="utf-8"?>
 <p:sld xmlns:a="http://schemas.openxmlformats.org/drawingml/2006/main" xmlns:r="http://schemas.openxmlformats.org/officeDocument/2006/relationships" xmlns:p="http://schemas.openxmlformats.org/presentationml/2006/main">
   <p:cSld>
     <p:spTree>
@@ -4536,7 +4797,7 @@
 </p:sld>
 </file>
 
-<file path=ppt/slides/slide6.xml><?xml version="1.0" encoding="utf-8"?>
+<file path=ppt/slides/slide7.xml><?xml version="1.0" encoding="utf-8"?>
 <p:sld xmlns:a="http://schemas.openxmlformats.org/drawingml/2006/main" xmlns:r="http://schemas.openxmlformats.org/officeDocument/2006/relationships" xmlns:p="http://schemas.openxmlformats.org/presentationml/2006/main">
   <p:cSld>
     <p:spTree>
@@ -4741,7 +5002,7 @@
 </p:sld>
 </file>
 
-<file path=ppt/slides/slide7.xml><?xml version="1.0" encoding="utf-8"?>
+<file path=ppt/slides/slide8.xml><?xml version="1.0" encoding="utf-8"?>
 <p:sld xmlns:a="http://schemas.openxmlformats.org/drawingml/2006/main" xmlns:r="http://schemas.openxmlformats.org/officeDocument/2006/relationships" xmlns:p="http://schemas.openxmlformats.org/presentationml/2006/main">
   <p:cSld>
     <p:spTree>
@@ -4807,7 +5068,7 @@
     </p:spTree>
     <p:extLst>
       <p:ext uri="{BB962C8B-B14F-4D97-AF65-F5344CB8AC3E}">
-        <p14:creationId xmlns:p14="http://schemas.microsoft.com/office/powerpoint/2010/main" val="3551588154"/>
+        <p14:creationId xmlns:p14="http://schemas.microsoft.com/office/powerpoint/2010/main" val="561755351"/>
       </p:ext>
     </p:extLst>
   </p:cSld>
@@ -4824,7 +5085,7 @@
 </p:sld>
 </file>
 
-<file path=ppt/slides/slide8.xml><?xml version="1.0" encoding="utf-8"?>
+<file path=ppt/slides/slide9.xml><?xml version="1.0" encoding="utf-8"?>
 <p:sld xmlns:a="http://schemas.openxmlformats.org/drawingml/2006/main" xmlns:r="http://schemas.openxmlformats.org/officeDocument/2006/relationships" xmlns:p="http://schemas.openxmlformats.org/presentationml/2006/main">
   <p:cSld>
     <p:spTree>

--- a/Files/img/icons/icons.pptx
+++ b/Files/img/icons/icons.pptx
@@ -13,7 +13,10 @@
     <p:sldId id="258" r:id="rId7"/>
     <p:sldId id="262" r:id="rId8"/>
     <p:sldId id="266" r:id="rId9"/>
-    <p:sldId id="264" r:id="rId10"/>
+    <p:sldId id="267" r:id="rId10"/>
+    <p:sldId id="269" r:id="rId11"/>
+    <p:sldId id="268" r:id="rId12"/>
+    <p:sldId id="264" r:id="rId13"/>
   </p:sldIdLst>
   <p:sldSz cx="12192000" cy="6858000"/>
   <p:notesSz cx="6858000" cy="9144000"/>
@@ -251,7 +254,7 @@
           <a:p>
             <a:fld id="{CC428904-F1C2-4D26-8D70-F5FEF6F0A606}" type="datetimeFigureOut">
               <a:rPr lang="en-US" smtClean="0"/>
-              <a:t>8/5/2016</a:t>
+              <a:t>12/31/2016</a:t>
             </a:fld>
             <a:endParaRPr lang="en-US"/>
           </a:p>
@@ -421,7 +424,7 @@
           <a:p>
             <a:fld id="{CC428904-F1C2-4D26-8D70-F5FEF6F0A606}" type="datetimeFigureOut">
               <a:rPr lang="en-US" smtClean="0"/>
-              <a:t>8/5/2016</a:t>
+              <a:t>12/31/2016</a:t>
             </a:fld>
             <a:endParaRPr lang="en-US"/>
           </a:p>
@@ -601,7 +604,7 @@
           <a:p>
             <a:fld id="{CC428904-F1C2-4D26-8D70-F5FEF6F0A606}" type="datetimeFigureOut">
               <a:rPr lang="en-US" smtClean="0"/>
-              <a:t>8/5/2016</a:t>
+              <a:t>12/31/2016</a:t>
             </a:fld>
             <a:endParaRPr lang="en-US"/>
           </a:p>
@@ -771,7 +774,7 @@
           <a:p>
             <a:fld id="{CC428904-F1C2-4D26-8D70-F5FEF6F0A606}" type="datetimeFigureOut">
               <a:rPr lang="en-US" smtClean="0"/>
-              <a:t>8/5/2016</a:t>
+              <a:t>12/31/2016</a:t>
             </a:fld>
             <a:endParaRPr lang="en-US"/>
           </a:p>
@@ -1017,7 +1020,7 @@
           <a:p>
             <a:fld id="{CC428904-F1C2-4D26-8D70-F5FEF6F0A606}" type="datetimeFigureOut">
               <a:rPr lang="en-US" smtClean="0"/>
-              <a:t>8/5/2016</a:t>
+              <a:t>12/31/2016</a:t>
             </a:fld>
             <a:endParaRPr lang="en-US"/>
           </a:p>
@@ -1249,7 +1252,7 @@
           <a:p>
             <a:fld id="{CC428904-F1C2-4D26-8D70-F5FEF6F0A606}" type="datetimeFigureOut">
               <a:rPr lang="en-US" smtClean="0"/>
-              <a:t>8/5/2016</a:t>
+              <a:t>12/31/2016</a:t>
             </a:fld>
             <a:endParaRPr lang="en-US"/>
           </a:p>
@@ -1616,7 +1619,7 @@
           <a:p>
             <a:fld id="{CC428904-F1C2-4D26-8D70-F5FEF6F0A606}" type="datetimeFigureOut">
               <a:rPr lang="en-US" smtClean="0"/>
-              <a:t>8/5/2016</a:t>
+              <a:t>12/31/2016</a:t>
             </a:fld>
             <a:endParaRPr lang="en-US"/>
           </a:p>
@@ -1734,7 +1737,7 @@
           <a:p>
             <a:fld id="{CC428904-F1C2-4D26-8D70-F5FEF6F0A606}" type="datetimeFigureOut">
               <a:rPr lang="en-US" smtClean="0"/>
-              <a:t>8/5/2016</a:t>
+              <a:t>12/31/2016</a:t>
             </a:fld>
             <a:endParaRPr lang="en-US"/>
           </a:p>
@@ -1829,7 +1832,7 @@
           <a:p>
             <a:fld id="{CC428904-F1C2-4D26-8D70-F5FEF6F0A606}" type="datetimeFigureOut">
               <a:rPr lang="en-US" smtClean="0"/>
-              <a:t>8/5/2016</a:t>
+              <a:t>12/31/2016</a:t>
             </a:fld>
             <a:endParaRPr lang="en-US"/>
           </a:p>
@@ -2106,7 +2109,7 @@
           <a:p>
             <a:fld id="{CC428904-F1C2-4D26-8D70-F5FEF6F0A606}" type="datetimeFigureOut">
               <a:rPr lang="en-US" smtClean="0"/>
-              <a:t>8/5/2016</a:t>
+              <a:t>12/31/2016</a:t>
             </a:fld>
             <a:endParaRPr lang="en-US"/>
           </a:p>
@@ -2359,7 +2362,7 @@
           <a:p>
             <a:fld id="{CC428904-F1C2-4D26-8D70-F5FEF6F0A606}" type="datetimeFigureOut">
               <a:rPr lang="en-US" smtClean="0"/>
-              <a:t>8/5/2016</a:t>
+              <a:t>12/31/2016</a:t>
             </a:fld>
             <a:endParaRPr lang="en-US"/>
           </a:p>
@@ -2572,7 +2575,7 @@
           <a:p>
             <a:fld id="{CC428904-F1C2-4D26-8D70-F5FEF6F0A606}" type="datetimeFigureOut">
               <a:rPr lang="en-US" smtClean="0"/>
-              <a:t>8/5/2016</a:t>
+              <a:t>12/31/2016</a:t>
             </a:fld>
             <a:endParaRPr lang="en-US"/>
           </a:p>
@@ -3281,6 +3284,663 @@
 </p:sld>
 </file>
 
+<file path=ppt/slides/slide10.xml><?xml version="1.0" encoding="utf-8"?>
+<p:sld xmlns:a="http://schemas.openxmlformats.org/drawingml/2006/main" xmlns:r="http://schemas.openxmlformats.org/officeDocument/2006/relationships" xmlns:p="http://schemas.openxmlformats.org/presentationml/2006/main">
+  <p:cSld>
+    <p:spTree>
+      <p:nvGrpSpPr>
+        <p:cNvPr id="1" name=""/>
+        <p:cNvGrpSpPr/>
+        <p:nvPr/>
+      </p:nvGrpSpPr>
+      <p:grpSpPr>
+        <a:xfrm>
+          <a:off x="0" y="0"/>
+          <a:ext cx="0" cy="0"/>
+          <a:chOff x="0" y="0"/>
+          <a:chExt cx="0" cy="0"/>
+        </a:xfrm>
+      </p:grpSpPr>
+      <p:sp>
+        <p:nvSpPr>
+          <p:cNvPr id="4" name="Oval 3"/>
+          <p:cNvSpPr/>
+          <p:nvPr/>
+        </p:nvSpPr>
+        <p:spPr>
+          <a:xfrm>
+            <a:off x="0" y="0"/>
+            <a:ext cx="4572000" cy="4572000"/>
+          </a:xfrm>
+          <a:prstGeom prst="ellipse">
+            <a:avLst/>
+          </a:prstGeom>
+          <a:solidFill>
+            <a:srgbClr val="000064"/>
+          </a:solidFill>
+          <a:ln>
+            <a:noFill/>
+          </a:ln>
+        </p:spPr>
+        <p:style>
+          <a:lnRef idx="2">
+            <a:schemeClr val="accent1">
+              <a:shade val="50000"/>
+            </a:schemeClr>
+          </a:lnRef>
+          <a:fillRef idx="1">
+            <a:schemeClr val="accent1"/>
+          </a:fillRef>
+          <a:effectRef idx="0">
+            <a:schemeClr val="accent1"/>
+          </a:effectRef>
+          <a:fontRef idx="minor">
+            <a:schemeClr val="lt1"/>
+          </a:fontRef>
+        </p:style>
+        <p:txBody>
+          <a:bodyPr rtlCol="0" anchor="ctr"/>
+          <a:lstStyle/>
+          <a:p>
+            <a:pPr algn="ctr"/>
+            <a:endParaRPr lang="en-US"/>
+          </a:p>
+        </p:txBody>
+      </p:sp>
+      <p:grpSp>
+        <p:nvGrpSpPr>
+          <p:cNvPr id="2" name="Group 1"/>
+          <p:cNvGrpSpPr/>
+          <p:nvPr/>
+        </p:nvGrpSpPr>
+        <p:grpSpPr>
+          <a:xfrm>
+            <a:off x="771525" y="1355844"/>
+            <a:ext cx="2967037" cy="1863244"/>
+            <a:chOff x="771525" y="1355844"/>
+            <a:chExt cx="2967037" cy="1863244"/>
+          </a:xfrm>
+        </p:grpSpPr>
+        <p:sp>
+          <p:nvSpPr>
+            <p:cNvPr id="9" name="Rounded Rectangle 8"/>
+            <p:cNvSpPr/>
+            <p:nvPr/>
+          </p:nvSpPr>
+          <p:spPr>
+            <a:xfrm>
+              <a:off x="1471612" y="1355844"/>
+              <a:ext cx="2266950" cy="1396699"/>
+            </a:xfrm>
+            <a:prstGeom prst="roundRect">
+              <a:avLst>
+                <a:gd name="adj" fmla="val 2821"/>
+              </a:avLst>
+            </a:prstGeom>
+            <a:solidFill>
+              <a:srgbClr val="000064"/>
+            </a:solidFill>
+            <a:ln w="76200">
+              <a:solidFill>
+                <a:schemeClr val="bg1"/>
+              </a:solidFill>
+            </a:ln>
+          </p:spPr>
+          <p:style>
+            <a:lnRef idx="2">
+              <a:schemeClr val="accent1">
+                <a:shade val="50000"/>
+              </a:schemeClr>
+            </a:lnRef>
+            <a:fillRef idx="1">
+              <a:schemeClr val="accent1"/>
+            </a:fillRef>
+            <a:effectRef idx="0">
+              <a:schemeClr val="accent1"/>
+            </a:effectRef>
+            <a:fontRef idx="minor">
+              <a:schemeClr val="lt1"/>
+            </a:fontRef>
+          </p:style>
+          <p:txBody>
+            <a:bodyPr rtlCol="0" anchor="ctr"/>
+            <a:lstStyle/>
+            <a:p>
+              <a:pPr algn="ctr"/>
+              <a:endParaRPr lang="en-US"/>
+            </a:p>
+          </p:txBody>
+        </p:sp>
+        <p:sp>
+          <p:nvSpPr>
+            <p:cNvPr id="8" name="Rounded Rectangle 7"/>
+            <p:cNvSpPr/>
+            <p:nvPr/>
+          </p:nvSpPr>
+          <p:spPr>
+            <a:xfrm>
+              <a:off x="771525" y="2285999"/>
+              <a:ext cx="1514475" cy="933089"/>
+            </a:xfrm>
+            <a:prstGeom prst="roundRect">
+              <a:avLst>
+                <a:gd name="adj" fmla="val 2821"/>
+              </a:avLst>
+            </a:prstGeom>
+            <a:solidFill>
+              <a:srgbClr val="000064"/>
+            </a:solidFill>
+            <a:ln w="76200">
+              <a:solidFill>
+                <a:schemeClr val="bg1"/>
+              </a:solidFill>
+            </a:ln>
+          </p:spPr>
+          <p:style>
+            <a:lnRef idx="2">
+              <a:schemeClr val="accent1">
+                <a:shade val="50000"/>
+              </a:schemeClr>
+            </a:lnRef>
+            <a:fillRef idx="1">
+              <a:schemeClr val="accent1"/>
+            </a:fillRef>
+            <a:effectRef idx="0">
+              <a:schemeClr val="accent1"/>
+            </a:effectRef>
+            <a:fontRef idx="minor">
+              <a:schemeClr val="lt1"/>
+            </a:fontRef>
+          </p:style>
+          <p:txBody>
+            <a:bodyPr rtlCol="0" anchor="ctr"/>
+            <a:lstStyle/>
+            <a:p>
+              <a:pPr algn="ctr"/>
+              <a:endParaRPr lang="en-US"/>
+            </a:p>
+          </p:txBody>
+        </p:sp>
+        <p:sp>
+          <p:nvSpPr>
+            <p:cNvPr id="11" name="Up Arrow 10"/>
+            <p:cNvSpPr/>
+            <p:nvPr/>
+          </p:nvSpPr>
+          <p:spPr>
+            <a:xfrm rot="13500000">
+              <a:off x="1976464" y="1530790"/>
+              <a:ext cx="557212" cy="1510417"/>
+            </a:xfrm>
+            <a:prstGeom prst="upArrow">
+              <a:avLst>
+                <a:gd name="adj1" fmla="val 50000"/>
+                <a:gd name="adj2" fmla="val 76318"/>
+              </a:avLst>
+            </a:prstGeom>
+            <a:solidFill>
+              <a:schemeClr val="bg1"/>
+            </a:solidFill>
+            <a:ln w="38100">
+              <a:solidFill>
+                <a:srgbClr val="000064"/>
+              </a:solidFill>
+            </a:ln>
+          </p:spPr>
+          <p:style>
+            <a:lnRef idx="2">
+              <a:schemeClr val="accent1">
+                <a:shade val="50000"/>
+              </a:schemeClr>
+            </a:lnRef>
+            <a:fillRef idx="1">
+              <a:schemeClr val="accent1"/>
+            </a:fillRef>
+            <a:effectRef idx="0">
+              <a:schemeClr val="accent1"/>
+            </a:effectRef>
+            <a:fontRef idx="minor">
+              <a:schemeClr val="lt1"/>
+            </a:fontRef>
+          </p:style>
+          <p:txBody>
+            <a:bodyPr rtlCol="0" anchor="ctr"/>
+            <a:lstStyle/>
+            <a:p>
+              <a:pPr algn="ctr"/>
+              <a:endParaRPr lang="en-US"/>
+            </a:p>
+          </p:txBody>
+        </p:sp>
+      </p:grpSp>
+    </p:spTree>
+    <p:extLst>
+      <p:ext uri="{BB962C8B-B14F-4D97-AF65-F5344CB8AC3E}">
+        <p14:creationId xmlns:p14="http://schemas.microsoft.com/office/powerpoint/2010/main" val="3936721240"/>
+      </p:ext>
+    </p:extLst>
+  </p:cSld>
+  <p:clrMapOvr>
+    <a:masterClrMapping/>
+  </p:clrMapOvr>
+  <p:timing>
+    <p:tnLst>
+      <p:par>
+        <p:cTn id="1" dur="indefinite" restart="never" nodeType="tmRoot"/>
+      </p:par>
+    </p:tnLst>
+  </p:timing>
+</p:sld>
+</file>
+
+<file path=ppt/slides/slide11.xml><?xml version="1.0" encoding="utf-8"?>
+<p:sld xmlns:a="http://schemas.openxmlformats.org/drawingml/2006/main" xmlns:r="http://schemas.openxmlformats.org/officeDocument/2006/relationships" xmlns:p="http://schemas.openxmlformats.org/presentationml/2006/main">
+  <p:cSld>
+    <p:spTree>
+      <p:nvGrpSpPr>
+        <p:cNvPr id="1" name=""/>
+        <p:cNvGrpSpPr/>
+        <p:nvPr/>
+      </p:nvGrpSpPr>
+      <p:grpSpPr>
+        <a:xfrm>
+          <a:off x="0" y="0"/>
+          <a:ext cx="0" cy="0"/>
+          <a:chOff x="0" y="0"/>
+          <a:chExt cx="0" cy="0"/>
+        </a:xfrm>
+      </p:grpSpPr>
+      <p:sp>
+        <p:nvSpPr>
+          <p:cNvPr id="4" name="Oval 3"/>
+          <p:cNvSpPr/>
+          <p:nvPr/>
+        </p:nvSpPr>
+        <p:spPr>
+          <a:xfrm>
+            <a:off x="0" y="0"/>
+            <a:ext cx="4572000" cy="4572000"/>
+          </a:xfrm>
+          <a:prstGeom prst="ellipse">
+            <a:avLst/>
+          </a:prstGeom>
+          <a:solidFill>
+            <a:srgbClr val="000064"/>
+          </a:solidFill>
+          <a:ln>
+            <a:noFill/>
+          </a:ln>
+        </p:spPr>
+        <p:style>
+          <a:lnRef idx="2">
+            <a:schemeClr val="accent1">
+              <a:shade val="50000"/>
+            </a:schemeClr>
+          </a:lnRef>
+          <a:fillRef idx="1">
+            <a:schemeClr val="accent1"/>
+          </a:fillRef>
+          <a:effectRef idx="0">
+            <a:schemeClr val="accent1"/>
+          </a:effectRef>
+          <a:fontRef idx="minor">
+            <a:schemeClr val="lt1"/>
+          </a:fontRef>
+        </p:style>
+        <p:txBody>
+          <a:bodyPr rtlCol="0" anchor="ctr"/>
+          <a:lstStyle/>
+          <a:p>
+            <a:pPr algn="ctr"/>
+            <a:endParaRPr lang="en-US"/>
+          </a:p>
+        </p:txBody>
+      </p:sp>
+      <p:sp>
+        <p:nvSpPr>
+          <p:cNvPr id="2" name="Rounded Rectangle 1"/>
+          <p:cNvSpPr/>
+          <p:nvPr/>
+        </p:nvSpPr>
+        <p:spPr>
+          <a:xfrm>
+            <a:off x="1485900" y="800100"/>
+            <a:ext cx="1600200" cy="2971800"/>
+          </a:xfrm>
+          <a:prstGeom prst="roundRect">
+            <a:avLst>
+              <a:gd name="adj" fmla="val 4312"/>
+            </a:avLst>
+          </a:prstGeom>
+          <a:solidFill>
+            <a:schemeClr val="bg1"/>
+          </a:solidFill>
+          <a:ln>
+            <a:solidFill>
+              <a:srgbClr val="000064"/>
+            </a:solidFill>
+          </a:ln>
+        </p:spPr>
+        <p:style>
+          <a:lnRef idx="2">
+            <a:schemeClr val="accent1">
+              <a:shade val="50000"/>
+            </a:schemeClr>
+          </a:lnRef>
+          <a:fillRef idx="1">
+            <a:schemeClr val="accent1"/>
+          </a:fillRef>
+          <a:effectRef idx="0">
+            <a:schemeClr val="accent1"/>
+          </a:effectRef>
+          <a:fontRef idx="minor">
+            <a:schemeClr val="lt1"/>
+          </a:fontRef>
+        </p:style>
+        <p:txBody>
+          <a:bodyPr rtlCol="0" anchor="ctr"/>
+          <a:lstStyle/>
+          <a:p>
+            <a:pPr algn="ctr"/>
+            <a:endParaRPr lang="en-US"/>
+          </a:p>
+        </p:txBody>
+      </p:sp>
+      <p:sp>
+        <p:nvSpPr>
+          <p:cNvPr id="3" name="Rectangle 2"/>
+          <p:cNvSpPr/>
+          <p:nvPr/>
+        </p:nvSpPr>
+        <p:spPr>
+          <a:xfrm>
+            <a:off x="1600200" y="1028700"/>
+            <a:ext cx="1371600" cy="2514600"/>
+          </a:xfrm>
+          <a:prstGeom prst="rect">
+            <a:avLst/>
+          </a:prstGeom>
+          <a:solidFill>
+            <a:srgbClr val="000064"/>
+          </a:solidFill>
+          <a:ln>
+            <a:solidFill>
+              <a:schemeClr val="bg1"/>
+            </a:solidFill>
+          </a:ln>
+        </p:spPr>
+        <p:style>
+          <a:lnRef idx="2">
+            <a:schemeClr val="accent1">
+              <a:shade val="50000"/>
+            </a:schemeClr>
+          </a:lnRef>
+          <a:fillRef idx="1">
+            <a:schemeClr val="accent1"/>
+          </a:fillRef>
+          <a:effectRef idx="0">
+            <a:schemeClr val="accent1"/>
+          </a:effectRef>
+          <a:fontRef idx="minor">
+            <a:schemeClr val="lt1"/>
+          </a:fontRef>
+        </p:style>
+        <p:txBody>
+          <a:bodyPr rtlCol="0" anchor="ctr"/>
+          <a:lstStyle/>
+          <a:p>
+            <a:pPr algn="ctr"/>
+            <a:endParaRPr lang="en-US"/>
+          </a:p>
+        </p:txBody>
+      </p:sp>
+      <p:sp>
+        <p:nvSpPr>
+          <p:cNvPr id="5" name="Rounded Rectangle 4"/>
+          <p:cNvSpPr/>
+          <p:nvPr/>
+        </p:nvSpPr>
+        <p:spPr>
+          <a:xfrm>
+            <a:off x="2171700" y="3589020"/>
+            <a:ext cx="228600" cy="137160"/>
+          </a:xfrm>
+          <a:prstGeom prst="roundRect">
+            <a:avLst/>
+          </a:prstGeom>
+          <a:solidFill>
+            <a:srgbClr val="000064"/>
+          </a:solidFill>
+          <a:ln>
+            <a:noFill/>
+          </a:ln>
+        </p:spPr>
+        <p:style>
+          <a:lnRef idx="2">
+            <a:schemeClr val="accent1">
+              <a:shade val="50000"/>
+            </a:schemeClr>
+          </a:lnRef>
+          <a:fillRef idx="1">
+            <a:schemeClr val="accent1"/>
+          </a:fillRef>
+          <a:effectRef idx="0">
+            <a:schemeClr val="accent1"/>
+          </a:effectRef>
+          <a:fontRef idx="minor">
+            <a:schemeClr val="lt1"/>
+          </a:fontRef>
+        </p:style>
+        <p:txBody>
+          <a:bodyPr rtlCol="0" anchor="ctr"/>
+          <a:lstStyle/>
+          <a:p>
+            <a:pPr algn="ctr"/>
+            <a:endParaRPr lang="en-US"/>
+          </a:p>
+        </p:txBody>
+      </p:sp>
+      <p:sp>
+        <p:nvSpPr>
+          <p:cNvPr id="6" name="Oval 5"/>
+          <p:cNvSpPr/>
+          <p:nvPr/>
+        </p:nvSpPr>
+        <p:spPr>
+          <a:xfrm>
+            <a:off x="2515630" y="868680"/>
+            <a:ext cx="91440" cy="91440"/>
+          </a:xfrm>
+          <a:prstGeom prst="ellipse">
+            <a:avLst/>
+          </a:prstGeom>
+          <a:solidFill>
+            <a:srgbClr val="000064"/>
+          </a:solidFill>
+          <a:ln>
+            <a:noFill/>
+          </a:ln>
+        </p:spPr>
+        <p:style>
+          <a:lnRef idx="2">
+            <a:schemeClr val="accent1">
+              <a:shade val="50000"/>
+            </a:schemeClr>
+          </a:lnRef>
+          <a:fillRef idx="1">
+            <a:schemeClr val="accent1"/>
+          </a:fillRef>
+          <a:effectRef idx="0">
+            <a:schemeClr val="accent1"/>
+          </a:effectRef>
+          <a:fontRef idx="minor">
+            <a:schemeClr val="lt1"/>
+          </a:fontRef>
+        </p:style>
+        <p:txBody>
+          <a:bodyPr rtlCol="0" anchor="ctr"/>
+          <a:lstStyle/>
+          <a:p>
+            <a:pPr algn="ctr"/>
+            <a:endParaRPr lang="en-US"/>
+          </a:p>
+        </p:txBody>
+      </p:sp>
+      <p:sp>
+        <p:nvSpPr>
+          <p:cNvPr id="7" name="Rounded Rectangle 6"/>
+          <p:cNvSpPr/>
+          <p:nvPr/>
+        </p:nvSpPr>
+        <p:spPr>
+          <a:xfrm>
+            <a:off x="2217420" y="891540"/>
+            <a:ext cx="137160" cy="45719"/>
+          </a:xfrm>
+          <a:prstGeom prst="roundRect">
+            <a:avLst>
+              <a:gd name="adj" fmla="val 38584"/>
+            </a:avLst>
+          </a:prstGeom>
+          <a:solidFill>
+            <a:srgbClr val="000064"/>
+          </a:solidFill>
+          <a:ln>
+            <a:noFill/>
+          </a:ln>
+        </p:spPr>
+        <p:style>
+          <a:lnRef idx="2">
+            <a:schemeClr val="accent1">
+              <a:shade val="50000"/>
+            </a:schemeClr>
+          </a:lnRef>
+          <a:fillRef idx="1">
+            <a:schemeClr val="accent1"/>
+          </a:fillRef>
+          <a:effectRef idx="0">
+            <a:schemeClr val="accent1"/>
+          </a:effectRef>
+          <a:fontRef idx="minor">
+            <a:schemeClr val="lt1"/>
+          </a:fontRef>
+        </p:style>
+        <p:txBody>
+          <a:bodyPr rtlCol="0" anchor="ctr"/>
+          <a:lstStyle/>
+          <a:p>
+            <a:pPr algn="ctr"/>
+            <a:endParaRPr lang="en-US"/>
+          </a:p>
+        </p:txBody>
+      </p:sp>
+    </p:spTree>
+    <p:extLst>
+      <p:ext uri="{BB962C8B-B14F-4D97-AF65-F5344CB8AC3E}">
+        <p14:creationId xmlns:p14="http://schemas.microsoft.com/office/powerpoint/2010/main" val="2775428243"/>
+      </p:ext>
+    </p:extLst>
+  </p:cSld>
+  <p:clrMapOvr>
+    <a:masterClrMapping/>
+  </p:clrMapOvr>
+  <p:timing>
+    <p:tnLst>
+      <p:par>
+        <p:cTn id="1" dur="indefinite" restart="never" nodeType="tmRoot"/>
+      </p:par>
+    </p:tnLst>
+  </p:timing>
+</p:sld>
+</file>
+
+<file path=ppt/slides/slide12.xml><?xml version="1.0" encoding="utf-8"?>
+<p:sld xmlns:a="http://schemas.openxmlformats.org/drawingml/2006/main" xmlns:r="http://schemas.openxmlformats.org/officeDocument/2006/relationships" xmlns:p="http://schemas.openxmlformats.org/presentationml/2006/main">
+  <p:cSld>
+    <p:spTree>
+      <p:nvGrpSpPr>
+        <p:cNvPr id="1" name=""/>
+        <p:cNvGrpSpPr/>
+        <p:nvPr/>
+      </p:nvGrpSpPr>
+      <p:grpSpPr>
+        <a:xfrm>
+          <a:off x="0" y="0"/>
+          <a:ext cx="0" cy="0"/>
+          <a:chOff x="0" y="0"/>
+          <a:chExt cx="0" cy="0"/>
+        </a:xfrm>
+      </p:grpSpPr>
+      <p:sp>
+        <p:nvSpPr>
+          <p:cNvPr id="3" name="Half Frame 2"/>
+          <p:cNvSpPr/>
+          <p:nvPr/>
+        </p:nvSpPr>
+        <p:spPr>
+          <a:xfrm rot="18900000">
+            <a:off x="670223" y="670223"/>
+            <a:ext cx="3236125" cy="3236125"/>
+          </a:xfrm>
+          <a:prstGeom prst="halfFrame">
+            <a:avLst/>
+          </a:prstGeom>
+          <a:solidFill>
+            <a:srgbClr val="000064"/>
+          </a:solidFill>
+          <a:ln>
+            <a:noFill/>
+          </a:ln>
+        </p:spPr>
+        <p:style>
+          <a:lnRef idx="2">
+            <a:schemeClr val="accent1">
+              <a:shade val="50000"/>
+            </a:schemeClr>
+          </a:lnRef>
+          <a:fillRef idx="1">
+            <a:schemeClr val="accent1"/>
+          </a:fillRef>
+          <a:effectRef idx="0">
+            <a:schemeClr val="accent1"/>
+          </a:effectRef>
+          <a:fontRef idx="minor">
+            <a:schemeClr val="lt1"/>
+          </a:fontRef>
+        </p:style>
+        <p:txBody>
+          <a:bodyPr rtlCol="0" anchor="ctr"/>
+          <a:lstStyle/>
+          <a:p>
+            <a:pPr algn="ctr"/>
+            <a:endParaRPr lang="en-US">
+              <a:solidFill>
+                <a:schemeClr val="tx1"/>
+              </a:solidFill>
+            </a:endParaRPr>
+          </a:p>
+        </p:txBody>
+      </p:sp>
+    </p:spTree>
+    <p:extLst>
+      <p:ext uri="{BB962C8B-B14F-4D97-AF65-F5344CB8AC3E}">
+        <p14:creationId xmlns:p14="http://schemas.microsoft.com/office/powerpoint/2010/main" val="829015734"/>
+      </p:ext>
+    </p:extLst>
+  </p:cSld>
+  <p:clrMapOvr>
+    <a:masterClrMapping/>
+  </p:clrMapOvr>
+  <p:timing>
+    <p:tnLst>
+      <p:par>
+        <p:cTn id="1" dur="indefinite" restart="never" nodeType="tmRoot"/>
+      </p:par>
+    </p:tnLst>
+  </p:timing>
+</p:sld>
+</file>
+
 <file path=ppt/slides/slide2.xml><?xml version="1.0" encoding="utf-8"?>
 <p:sld xmlns:a="http://schemas.openxmlformats.org/drawingml/2006/main" xmlns:r="http://schemas.openxmlformats.org/officeDocument/2006/relationships" xmlns:p="http://schemas.openxmlformats.org/presentationml/2006/main">
   <p:cSld>
@@ -4860,128 +5520,110 @@
           </a:p>
         </p:txBody>
       </p:sp>
-      <p:grpSp>
-        <p:nvGrpSpPr>
-          <p:cNvPr id="8" name="Group 7"/>
-          <p:cNvGrpSpPr/>
+      <p:sp>
+        <p:nvSpPr>
+          <p:cNvPr id="9" name="Rectangle 8"/>
+          <p:cNvSpPr/>
           <p:nvPr/>
-        </p:nvGrpSpPr>
-        <p:grpSpPr>
+        </p:nvSpPr>
+        <p:spPr>
+          <a:xfrm>
+            <a:off x="2238990" y="1230185"/>
+            <a:ext cx="950649" cy="1556558"/>
+          </a:xfrm>
+          <a:prstGeom prst="rect">
+            <a:avLst/>
+          </a:prstGeom>
+          <a:solidFill>
+            <a:schemeClr val="bg1"/>
+          </a:solidFill>
+          <a:ln w="38100">
+            <a:solidFill>
+              <a:srgbClr val="000064"/>
+            </a:solidFill>
+          </a:ln>
+          <a:scene3d>
+            <a:camera prst="isometricOffAxis1Right"/>
+            <a:lightRig rig="threePt" dir="t"/>
+          </a:scene3d>
+        </p:spPr>
+        <p:style>
+          <a:lnRef idx="2">
+            <a:schemeClr val="accent1">
+              <a:shade val="50000"/>
+            </a:schemeClr>
+          </a:lnRef>
+          <a:fillRef idx="1">
+            <a:schemeClr val="accent1"/>
+          </a:fillRef>
+          <a:effectRef idx="0">
+            <a:schemeClr val="accent1"/>
+          </a:effectRef>
+          <a:fontRef idx="minor">
+            <a:schemeClr val="lt1"/>
+          </a:fontRef>
+        </p:style>
+        <p:txBody>
+          <a:bodyPr rtlCol="0" anchor="ctr"/>
+          <a:lstStyle/>
+          <a:p>
+            <a:pPr algn="ctr"/>
+            <a:endParaRPr lang="en-US"/>
+          </a:p>
+        </p:txBody>
+      </p:sp>
+      <p:sp>
+        <p:nvSpPr>
+          <p:cNvPr id="10" name="Rectangle 9"/>
+          <p:cNvSpPr/>
+          <p:nvPr/>
+        </p:nvSpPr>
+        <p:spPr>
           <a:xfrm>
             <a:off x="1382360" y="1230185"/>
-            <a:ext cx="1807279" cy="1556558"/>
-            <a:chOff x="1529542" y="2394065"/>
-            <a:chExt cx="1438102" cy="1238596"/>
+            <a:ext cx="950649" cy="1556558"/>
           </a:xfrm>
-          <a:effectLst>
-            <a:reflection stA="75000" endPos="55000" dir="5400000" sy="-100000" algn="bl" rotWithShape="0"/>
-          </a:effectLst>
-        </p:grpSpPr>
-        <p:sp>
-          <p:nvSpPr>
-            <p:cNvPr id="9" name="Rectangle 8"/>
-            <p:cNvSpPr/>
-            <p:nvPr/>
-          </p:nvSpPr>
-          <p:spPr>
-            <a:xfrm>
-              <a:off x="2211186" y="2394065"/>
-              <a:ext cx="756458" cy="1238596"/>
-            </a:xfrm>
-            <a:prstGeom prst="rect">
-              <a:avLst/>
-            </a:prstGeom>
+          <a:prstGeom prst="rect">
+            <a:avLst/>
+          </a:prstGeom>
+          <a:solidFill>
+            <a:schemeClr val="bg1"/>
+          </a:solidFill>
+          <a:ln w="38100">
             <a:solidFill>
-              <a:schemeClr val="bg1"/>
+              <a:srgbClr val="000064"/>
             </a:solidFill>
-            <a:ln w="38100">
-              <a:solidFill>
-                <a:srgbClr val="000064"/>
-              </a:solidFill>
-            </a:ln>
-            <a:scene3d>
-              <a:camera prst="isometricOffAxis1Right"/>
-              <a:lightRig rig="threePt" dir="t"/>
-            </a:scene3d>
-          </p:spPr>
-          <p:style>
-            <a:lnRef idx="2">
-              <a:schemeClr val="accent1">
-                <a:shade val="50000"/>
-              </a:schemeClr>
-            </a:lnRef>
-            <a:fillRef idx="1">
-              <a:schemeClr val="accent1"/>
-            </a:fillRef>
-            <a:effectRef idx="0">
-              <a:schemeClr val="accent1"/>
-            </a:effectRef>
-            <a:fontRef idx="minor">
-              <a:schemeClr val="lt1"/>
-            </a:fontRef>
-          </p:style>
-          <p:txBody>
-            <a:bodyPr rtlCol="0" anchor="ctr"/>
-            <a:lstStyle/>
-            <a:p>
-              <a:pPr algn="ctr"/>
-              <a:endParaRPr lang="en-US"/>
-            </a:p>
-          </p:txBody>
-        </p:sp>
-        <p:sp>
-          <p:nvSpPr>
-            <p:cNvPr id="10" name="Rectangle 9"/>
-            <p:cNvSpPr/>
-            <p:nvPr/>
-          </p:nvSpPr>
-          <p:spPr>
-            <a:xfrm>
-              <a:off x="1529542" y="2394065"/>
-              <a:ext cx="756458" cy="1238596"/>
-            </a:xfrm>
-            <a:prstGeom prst="rect">
-              <a:avLst/>
-            </a:prstGeom>
-            <a:solidFill>
-              <a:schemeClr val="bg1"/>
-            </a:solidFill>
-            <a:ln w="38100">
-              <a:solidFill>
-                <a:srgbClr val="000064"/>
-              </a:solidFill>
-            </a:ln>
-            <a:scene3d>
-              <a:camera prst="isometricOffAxis2Left"/>
-              <a:lightRig rig="threePt" dir="t"/>
-            </a:scene3d>
-          </p:spPr>
-          <p:style>
-            <a:lnRef idx="2">
-              <a:schemeClr val="accent1">
-                <a:shade val="50000"/>
-              </a:schemeClr>
-            </a:lnRef>
-            <a:fillRef idx="1">
-              <a:schemeClr val="accent1"/>
-            </a:fillRef>
-            <a:effectRef idx="0">
-              <a:schemeClr val="accent1"/>
-            </a:effectRef>
-            <a:fontRef idx="minor">
-              <a:schemeClr val="lt1"/>
-            </a:fontRef>
-          </p:style>
-          <p:txBody>
-            <a:bodyPr rtlCol="0" anchor="ctr"/>
-            <a:lstStyle/>
-            <a:p>
-              <a:pPr algn="ctr"/>
-              <a:endParaRPr lang="en-US"/>
-            </a:p>
-          </p:txBody>
-        </p:sp>
-      </p:grpSp>
+          </a:ln>
+          <a:scene3d>
+            <a:camera prst="isometricOffAxis2Left"/>
+            <a:lightRig rig="threePt" dir="t"/>
+          </a:scene3d>
+        </p:spPr>
+        <p:style>
+          <a:lnRef idx="2">
+            <a:schemeClr val="accent1">
+              <a:shade val="50000"/>
+            </a:schemeClr>
+          </a:lnRef>
+          <a:fillRef idx="1">
+            <a:schemeClr val="accent1"/>
+          </a:fillRef>
+          <a:effectRef idx="0">
+            <a:schemeClr val="accent1"/>
+          </a:effectRef>
+          <a:fontRef idx="minor">
+            <a:schemeClr val="lt1"/>
+          </a:fontRef>
+        </p:style>
+        <p:txBody>
+          <a:bodyPr rtlCol="0" anchor="ctr"/>
+          <a:lstStyle/>
+          <a:p>
+            <a:pPr algn="ctr"/>
+            <a:endParaRPr lang="en-US"/>
+          </a:p>
+        </p:txBody>
+      </p:sp>
     </p:spTree>
     <p:extLst>
       <p:ext uri="{BB962C8B-B14F-4D97-AF65-F5344CB8AC3E}">
@@ -5065,6 +5707,198 @@
           </a:p>
         </p:txBody>
       </p:sp>
+      <p:sp>
+        <p:nvSpPr>
+          <p:cNvPr id="2" name="Rounded Rectangle 1"/>
+          <p:cNvSpPr/>
+          <p:nvPr/>
+        </p:nvSpPr>
+        <p:spPr>
+          <a:xfrm>
+            <a:off x="685800" y="1371600"/>
+            <a:ext cx="3200400" cy="1828800"/>
+          </a:xfrm>
+          <a:prstGeom prst="roundRect">
+            <a:avLst>
+              <a:gd name="adj" fmla="val 3419"/>
+            </a:avLst>
+          </a:prstGeom>
+          <a:solidFill>
+            <a:schemeClr val="bg1"/>
+          </a:solidFill>
+          <a:ln>
+            <a:solidFill>
+              <a:schemeClr val="bg1"/>
+            </a:solidFill>
+          </a:ln>
+        </p:spPr>
+        <p:style>
+          <a:lnRef idx="2">
+            <a:schemeClr val="accent1">
+              <a:shade val="50000"/>
+            </a:schemeClr>
+          </a:lnRef>
+          <a:fillRef idx="1">
+            <a:schemeClr val="accent1"/>
+          </a:fillRef>
+          <a:effectRef idx="0">
+            <a:schemeClr val="accent1"/>
+          </a:effectRef>
+          <a:fontRef idx="minor">
+            <a:schemeClr val="lt1"/>
+          </a:fontRef>
+        </p:style>
+        <p:txBody>
+          <a:bodyPr rtlCol="0" anchor="ctr"/>
+          <a:lstStyle/>
+          <a:p>
+            <a:pPr algn="ctr"/>
+            <a:endParaRPr lang="en-US"/>
+          </a:p>
+        </p:txBody>
+      </p:sp>
+      <p:sp>
+        <p:nvSpPr>
+          <p:cNvPr id="3" name="Oval 2"/>
+          <p:cNvSpPr/>
+          <p:nvPr/>
+        </p:nvSpPr>
+        <p:spPr>
+          <a:xfrm>
+            <a:off x="2353963" y="1648389"/>
+            <a:ext cx="1276865" cy="1275222"/>
+          </a:xfrm>
+          <a:prstGeom prst="ellipse">
+            <a:avLst/>
+          </a:prstGeom>
+          <a:solidFill>
+            <a:schemeClr val="bg1"/>
+          </a:solidFill>
+          <a:ln w="127000">
+            <a:solidFill>
+              <a:srgbClr val="000064"/>
+            </a:solidFill>
+          </a:ln>
+        </p:spPr>
+        <p:style>
+          <a:lnRef idx="2">
+            <a:schemeClr val="accent1">
+              <a:shade val="50000"/>
+            </a:schemeClr>
+          </a:lnRef>
+          <a:fillRef idx="1">
+            <a:schemeClr val="accent1"/>
+          </a:fillRef>
+          <a:effectRef idx="0">
+            <a:schemeClr val="accent1"/>
+          </a:effectRef>
+          <a:fontRef idx="minor">
+            <a:schemeClr val="lt1"/>
+          </a:fontRef>
+        </p:style>
+        <p:txBody>
+          <a:bodyPr rtlCol="0" anchor="ctr"/>
+          <a:lstStyle/>
+          <a:p>
+            <a:pPr algn="ctr"/>
+            <a:endParaRPr lang="en-US"/>
+          </a:p>
+        </p:txBody>
+      </p:sp>
+      <p:sp>
+        <p:nvSpPr>
+          <p:cNvPr id="12" name="Oval 11"/>
+          <p:cNvSpPr/>
+          <p:nvPr/>
+        </p:nvSpPr>
+        <p:spPr>
+          <a:xfrm>
+            <a:off x="2154436" y="1516994"/>
+            <a:ext cx="263128" cy="262789"/>
+          </a:xfrm>
+          <a:prstGeom prst="ellipse">
+            <a:avLst/>
+          </a:prstGeom>
+          <a:solidFill>
+            <a:srgbClr val="000064"/>
+          </a:solidFill>
+          <a:ln w="38100">
+            <a:noFill/>
+          </a:ln>
+        </p:spPr>
+        <p:style>
+          <a:lnRef idx="2">
+            <a:schemeClr val="accent1">
+              <a:shade val="50000"/>
+            </a:schemeClr>
+          </a:lnRef>
+          <a:fillRef idx="1">
+            <a:schemeClr val="accent1"/>
+          </a:fillRef>
+          <a:effectRef idx="0">
+            <a:schemeClr val="accent1"/>
+          </a:effectRef>
+          <a:fontRef idx="minor">
+            <a:schemeClr val="lt1"/>
+          </a:fontRef>
+        </p:style>
+        <p:txBody>
+          <a:bodyPr rtlCol="0" anchor="ctr"/>
+          <a:lstStyle/>
+          <a:p>
+            <a:pPr algn="ctr"/>
+            <a:endParaRPr lang="en-US"/>
+          </a:p>
+        </p:txBody>
+      </p:sp>
+      <p:sp>
+        <p:nvSpPr>
+          <p:cNvPr id="13" name="Rounded Rectangle 12"/>
+          <p:cNvSpPr/>
+          <p:nvPr/>
+        </p:nvSpPr>
+        <p:spPr>
+          <a:xfrm>
+            <a:off x="999864" y="1192390"/>
+            <a:ext cx="314064" cy="119473"/>
+          </a:xfrm>
+          <a:prstGeom prst="roundRect">
+            <a:avLst>
+              <a:gd name="adj" fmla="val 6738"/>
+            </a:avLst>
+          </a:prstGeom>
+          <a:solidFill>
+            <a:schemeClr val="bg1"/>
+          </a:solidFill>
+          <a:ln>
+            <a:noFill/>
+          </a:ln>
+        </p:spPr>
+        <p:style>
+          <a:lnRef idx="2">
+            <a:schemeClr val="accent1">
+              <a:shade val="50000"/>
+            </a:schemeClr>
+          </a:lnRef>
+          <a:fillRef idx="1">
+            <a:schemeClr val="accent1"/>
+          </a:fillRef>
+          <a:effectRef idx="0">
+            <a:schemeClr val="accent1"/>
+          </a:effectRef>
+          <a:fontRef idx="minor">
+            <a:schemeClr val="lt1"/>
+          </a:fontRef>
+        </p:style>
+        <p:txBody>
+          <a:bodyPr rtlCol="0" anchor="ctr"/>
+          <a:lstStyle/>
+          <a:p>
+            <a:pPr algn="ctr"/>
+            <a:endParaRPr lang="en-US"/>
+          </a:p>
+        </p:txBody>
+      </p:sp>
     </p:spTree>
     <p:extLst>
       <p:ext uri="{BB962C8B-B14F-4D97-AF65-F5344CB8AC3E}">
@@ -5104,16 +5938,16 @@
       </p:grpSpPr>
       <p:sp>
         <p:nvSpPr>
-          <p:cNvPr id="3" name="Half Frame 2"/>
+          <p:cNvPr id="4" name="Oval 3"/>
           <p:cNvSpPr/>
           <p:nvPr/>
         </p:nvSpPr>
         <p:spPr>
-          <a:xfrm rot="18900000">
-            <a:off x="670223" y="670223"/>
-            <a:ext cx="3236125" cy="3236125"/>
+          <a:xfrm>
+            <a:off x="0" y="0"/>
+            <a:ext cx="4572000" cy="4572000"/>
           </a:xfrm>
-          <a:prstGeom prst="halfFrame">
+          <a:prstGeom prst="ellipse">
             <a:avLst/>
           </a:prstGeom>
           <a:solidFill>
@@ -5144,18 +5978,180 @@
           <a:lstStyle/>
           <a:p>
             <a:pPr algn="ctr"/>
-            <a:endParaRPr lang="en-US">
+            <a:endParaRPr lang="en-US"/>
+          </a:p>
+        </p:txBody>
+      </p:sp>
+      <p:grpSp>
+        <p:nvGrpSpPr>
+          <p:cNvPr id="12" name="Group 11"/>
+          <p:cNvGrpSpPr/>
+          <p:nvPr/>
+        </p:nvGrpSpPr>
+        <p:grpSpPr>
+          <a:xfrm>
+            <a:off x="771525" y="1355844"/>
+            <a:ext cx="2967037" cy="1863244"/>
+            <a:chOff x="771525" y="1355844"/>
+            <a:chExt cx="2967037" cy="1863244"/>
+          </a:xfrm>
+        </p:grpSpPr>
+        <p:sp>
+          <p:nvSpPr>
+            <p:cNvPr id="9" name="Rounded Rectangle 8"/>
+            <p:cNvSpPr/>
+            <p:nvPr/>
+          </p:nvSpPr>
+          <p:spPr>
+            <a:xfrm>
+              <a:off x="1471612" y="1355844"/>
+              <a:ext cx="2266950" cy="1396699"/>
+            </a:xfrm>
+            <a:prstGeom prst="roundRect">
+              <a:avLst>
+                <a:gd name="adj" fmla="val 2821"/>
+              </a:avLst>
+            </a:prstGeom>
+            <a:solidFill>
+              <a:srgbClr val="000064"/>
+            </a:solidFill>
+            <a:ln w="76200">
               <a:solidFill>
-                <a:schemeClr val="tx1"/>
+                <a:schemeClr val="bg1"/>
               </a:solidFill>
-            </a:endParaRPr>
-          </a:p>
-        </p:txBody>
-      </p:sp>
+            </a:ln>
+          </p:spPr>
+          <p:style>
+            <a:lnRef idx="2">
+              <a:schemeClr val="accent1">
+                <a:shade val="50000"/>
+              </a:schemeClr>
+            </a:lnRef>
+            <a:fillRef idx="1">
+              <a:schemeClr val="accent1"/>
+            </a:fillRef>
+            <a:effectRef idx="0">
+              <a:schemeClr val="accent1"/>
+            </a:effectRef>
+            <a:fontRef idx="minor">
+              <a:schemeClr val="lt1"/>
+            </a:fontRef>
+          </p:style>
+          <p:txBody>
+            <a:bodyPr rtlCol="0" anchor="ctr"/>
+            <a:lstStyle/>
+            <a:p>
+              <a:pPr algn="ctr"/>
+              <a:endParaRPr lang="en-US"/>
+            </a:p>
+          </p:txBody>
+        </p:sp>
+        <p:sp>
+          <p:nvSpPr>
+            <p:cNvPr id="8" name="Rounded Rectangle 7"/>
+            <p:cNvSpPr/>
+            <p:nvPr/>
+          </p:nvSpPr>
+          <p:spPr>
+            <a:xfrm>
+              <a:off x="771525" y="2285999"/>
+              <a:ext cx="1514475" cy="933089"/>
+            </a:xfrm>
+            <a:prstGeom prst="roundRect">
+              <a:avLst>
+                <a:gd name="adj" fmla="val 2821"/>
+              </a:avLst>
+            </a:prstGeom>
+            <a:solidFill>
+              <a:srgbClr val="000064"/>
+            </a:solidFill>
+            <a:ln w="76200">
+              <a:solidFill>
+                <a:schemeClr val="bg1"/>
+              </a:solidFill>
+            </a:ln>
+          </p:spPr>
+          <p:style>
+            <a:lnRef idx="2">
+              <a:schemeClr val="accent1">
+                <a:shade val="50000"/>
+              </a:schemeClr>
+            </a:lnRef>
+            <a:fillRef idx="1">
+              <a:schemeClr val="accent1"/>
+            </a:fillRef>
+            <a:effectRef idx="0">
+              <a:schemeClr val="accent1"/>
+            </a:effectRef>
+            <a:fontRef idx="minor">
+              <a:schemeClr val="lt1"/>
+            </a:fontRef>
+          </p:style>
+          <p:txBody>
+            <a:bodyPr rtlCol="0" anchor="ctr"/>
+            <a:lstStyle/>
+            <a:p>
+              <a:pPr algn="ctr"/>
+              <a:endParaRPr lang="en-US"/>
+            </a:p>
+          </p:txBody>
+        </p:sp>
+        <p:sp>
+          <p:nvSpPr>
+            <p:cNvPr id="11" name="Up Arrow 10"/>
+            <p:cNvSpPr/>
+            <p:nvPr/>
+          </p:nvSpPr>
+          <p:spPr>
+            <a:xfrm rot="2700000">
+              <a:off x="2047901" y="1530790"/>
+              <a:ext cx="557212" cy="1510417"/>
+            </a:xfrm>
+            <a:prstGeom prst="upArrow">
+              <a:avLst>
+                <a:gd name="adj1" fmla="val 50000"/>
+                <a:gd name="adj2" fmla="val 76318"/>
+              </a:avLst>
+            </a:prstGeom>
+            <a:solidFill>
+              <a:schemeClr val="bg1"/>
+            </a:solidFill>
+            <a:ln w="38100">
+              <a:solidFill>
+                <a:srgbClr val="000064"/>
+              </a:solidFill>
+            </a:ln>
+          </p:spPr>
+          <p:style>
+            <a:lnRef idx="2">
+              <a:schemeClr val="accent1">
+                <a:shade val="50000"/>
+              </a:schemeClr>
+            </a:lnRef>
+            <a:fillRef idx="1">
+              <a:schemeClr val="accent1"/>
+            </a:fillRef>
+            <a:effectRef idx="0">
+              <a:schemeClr val="accent1"/>
+            </a:effectRef>
+            <a:fontRef idx="minor">
+              <a:schemeClr val="lt1"/>
+            </a:fontRef>
+          </p:style>
+          <p:txBody>
+            <a:bodyPr rtlCol="0" anchor="ctr"/>
+            <a:lstStyle/>
+            <a:p>
+              <a:pPr algn="ctr"/>
+              <a:endParaRPr lang="en-US"/>
+            </a:p>
+          </p:txBody>
+        </p:sp>
+      </p:grpSp>
     </p:spTree>
     <p:extLst>
       <p:ext uri="{BB962C8B-B14F-4D97-AF65-F5344CB8AC3E}">
-        <p14:creationId xmlns:p14="http://schemas.microsoft.com/office/powerpoint/2010/main" val="829015734"/>
+        <p14:creationId xmlns:p14="http://schemas.microsoft.com/office/powerpoint/2010/main" val="540015416"/>
       </p:ext>
     </p:extLst>
   </p:cSld>

--- a/Files/img/icons/icons.pptx
+++ b/Files/img/icons/icons.pptx
@@ -13,10 +13,10 @@
     <p:sldId id="258" r:id="rId7"/>
     <p:sldId id="262" r:id="rId8"/>
     <p:sldId id="266" r:id="rId9"/>
-    <p:sldId id="267" r:id="rId10"/>
-    <p:sldId id="269" r:id="rId11"/>
-    <p:sldId id="268" r:id="rId12"/>
-    <p:sldId id="264" r:id="rId13"/>
+    <p:sldId id="268" r:id="rId10"/>
+    <p:sldId id="264" r:id="rId11"/>
+    <p:sldId id="267" r:id="rId12"/>
+    <p:sldId id="269" r:id="rId13"/>
   </p:sldIdLst>
   <p:sldSz cx="12192000" cy="6858000"/>
   <p:notesSz cx="6858000" cy="9144000"/>
@@ -254,7 +254,7 @@
           <a:p>
             <a:fld id="{CC428904-F1C2-4D26-8D70-F5FEF6F0A606}" type="datetimeFigureOut">
               <a:rPr lang="en-US" smtClean="0"/>
-              <a:t>12/31/2016</a:t>
+              <a:t>1/20/2017</a:t>
             </a:fld>
             <a:endParaRPr lang="en-US"/>
           </a:p>
@@ -424,7 +424,7 @@
           <a:p>
             <a:fld id="{CC428904-F1C2-4D26-8D70-F5FEF6F0A606}" type="datetimeFigureOut">
               <a:rPr lang="en-US" smtClean="0"/>
-              <a:t>12/31/2016</a:t>
+              <a:t>1/20/2017</a:t>
             </a:fld>
             <a:endParaRPr lang="en-US"/>
           </a:p>
@@ -604,7 +604,7 @@
           <a:p>
             <a:fld id="{CC428904-F1C2-4D26-8D70-F5FEF6F0A606}" type="datetimeFigureOut">
               <a:rPr lang="en-US" smtClean="0"/>
-              <a:t>12/31/2016</a:t>
+              <a:t>1/20/2017</a:t>
             </a:fld>
             <a:endParaRPr lang="en-US"/>
           </a:p>
@@ -774,7 +774,7 @@
           <a:p>
             <a:fld id="{CC428904-F1C2-4D26-8D70-F5FEF6F0A606}" type="datetimeFigureOut">
               <a:rPr lang="en-US" smtClean="0"/>
-              <a:t>12/31/2016</a:t>
+              <a:t>1/20/2017</a:t>
             </a:fld>
             <a:endParaRPr lang="en-US"/>
           </a:p>
@@ -1020,7 +1020,7 @@
           <a:p>
             <a:fld id="{CC428904-F1C2-4D26-8D70-F5FEF6F0A606}" type="datetimeFigureOut">
               <a:rPr lang="en-US" smtClean="0"/>
-              <a:t>12/31/2016</a:t>
+              <a:t>1/20/2017</a:t>
             </a:fld>
             <a:endParaRPr lang="en-US"/>
           </a:p>
@@ -1252,7 +1252,7 @@
           <a:p>
             <a:fld id="{CC428904-F1C2-4D26-8D70-F5FEF6F0A606}" type="datetimeFigureOut">
               <a:rPr lang="en-US" smtClean="0"/>
-              <a:t>12/31/2016</a:t>
+              <a:t>1/20/2017</a:t>
             </a:fld>
             <a:endParaRPr lang="en-US"/>
           </a:p>
@@ -1619,7 +1619,7 @@
           <a:p>
             <a:fld id="{CC428904-F1C2-4D26-8D70-F5FEF6F0A606}" type="datetimeFigureOut">
               <a:rPr lang="en-US" smtClean="0"/>
-              <a:t>12/31/2016</a:t>
+              <a:t>1/20/2017</a:t>
             </a:fld>
             <a:endParaRPr lang="en-US"/>
           </a:p>
@@ -1737,7 +1737,7 @@
           <a:p>
             <a:fld id="{CC428904-F1C2-4D26-8D70-F5FEF6F0A606}" type="datetimeFigureOut">
               <a:rPr lang="en-US" smtClean="0"/>
-              <a:t>12/31/2016</a:t>
+              <a:t>1/20/2017</a:t>
             </a:fld>
             <a:endParaRPr lang="en-US"/>
           </a:p>
@@ -1832,7 +1832,7 @@
           <a:p>
             <a:fld id="{CC428904-F1C2-4D26-8D70-F5FEF6F0A606}" type="datetimeFigureOut">
               <a:rPr lang="en-US" smtClean="0"/>
-              <a:t>12/31/2016</a:t>
+              <a:t>1/20/2017</a:t>
             </a:fld>
             <a:endParaRPr lang="en-US"/>
           </a:p>
@@ -2109,7 +2109,7 @@
           <a:p>
             <a:fld id="{CC428904-F1C2-4D26-8D70-F5FEF6F0A606}" type="datetimeFigureOut">
               <a:rPr lang="en-US" smtClean="0"/>
-              <a:t>12/31/2016</a:t>
+              <a:t>1/20/2017</a:t>
             </a:fld>
             <a:endParaRPr lang="en-US"/>
           </a:p>
@@ -2362,7 +2362,7 @@
           <a:p>
             <a:fld id="{CC428904-F1C2-4D26-8D70-F5FEF6F0A606}" type="datetimeFigureOut">
               <a:rPr lang="en-US" smtClean="0"/>
-              <a:t>12/31/2016</a:t>
+              <a:t>1/20/2017</a:t>
             </a:fld>
             <a:endParaRPr lang="en-US"/>
           </a:p>
@@ -2575,7 +2575,7 @@
           <a:p>
             <a:fld id="{CC428904-F1C2-4D26-8D70-F5FEF6F0A606}" type="datetimeFigureOut">
               <a:rPr lang="en-US" smtClean="0"/>
-              <a:t>12/31/2016</a:t>
+              <a:t>1/20/2017</a:t>
             </a:fld>
             <a:endParaRPr lang="en-US"/>
           </a:p>
@@ -2966,6 +2966,16 @@
 <file path=ppt/slides/slide1.xml><?xml version="1.0" encoding="utf-8"?>
 <p:sld xmlns:a="http://schemas.openxmlformats.org/drawingml/2006/main" xmlns:r="http://schemas.openxmlformats.org/officeDocument/2006/relationships" xmlns:p="http://schemas.openxmlformats.org/presentationml/2006/main">
   <p:cSld>
+    <p:bg>
+      <p:bgPr>
+        <a:solidFill>
+          <a:schemeClr val="bg1">
+            <a:lumMod val="50000"/>
+          </a:schemeClr>
+        </a:solidFill>
+        <a:effectLst/>
+      </p:bgPr>
+    </p:bg>
     <p:spTree>
       <p:nvGrpSpPr>
         <p:cNvPr id="1" name=""/>
@@ -2982,251 +2992,88 @@
       </p:grpSpPr>
       <p:grpSp>
         <p:nvGrpSpPr>
-          <p:cNvPr id="12" name="Group 11"/>
+          <p:cNvPr id="6" name="Group 5"/>
           <p:cNvGrpSpPr/>
           <p:nvPr/>
         </p:nvGrpSpPr>
         <p:grpSpPr>
           <a:xfrm>
-            <a:off x="-2" y="0"/>
-            <a:ext cx="3632202" cy="4104941"/>
-            <a:chOff x="-2" y="0"/>
-            <a:chExt cx="3632202" cy="4104941"/>
+            <a:off x="484632" y="484632"/>
+            <a:ext cx="2286000" cy="3187014"/>
+            <a:chOff x="484632" y="484632"/>
+            <a:chExt cx="2286000" cy="3187014"/>
           </a:xfrm>
         </p:grpSpPr>
-        <p:grpSp>
-          <p:nvGrpSpPr>
-            <p:cNvPr id="3" name="Group 2"/>
-            <p:cNvGrpSpPr/>
-            <p:nvPr/>
-          </p:nvGrpSpPr>
-          <p:grpSpPr>
-            <a:xfrm>
-              <a:off x="-2" y="0"/>
-              <a:ext cx="3632202" cy="3632201"/>
-              <a:chOff x="-2" y="0"/>
-              <a:chExt cx="6400802" cy="6400800"/>
-            </a:xfrm>
-          </p:grpSpPr>
-          <p:sp>
-            <p:nvSpPr>
-              <p:cNvPr id="2" name="Diagonal Stripe 1"/>
-              <p:cNvSpPr/>
-              <p:nvPr/>
-            </p:nvSpPr>
-            <p:spPr>
-              <a:xfrm rot="10800000">
-                <a:off x="0" y="0"/>
-                <a:ext cx="3200400" cy="3200400"/>
-              </a:xfrm>
-              <a:prstGeom prst="diagStripe">
-                <a:avLst>
-                  <a:gd name="adj" fmla="val 57576"/>
-                </a:avLst>
-              </a:prstGeom>
-              <a:solidFill>
-                <a:schemeClr val="tx1"/>
-              </a:solidFill>
-              <a:ln>
-                <a:noFill/>
-              </a:ln>
-            </p:spPr>
-            <p:style>
-              <a:lnRef idx="2">
-                <a:schemeClr val="accent1">
-                  <a:shade val="50000"/>
-                </a:schemeClr>
-              </a:lnRef>
-              <a:fillRef idx="1">
-                <a:schemeClr val="accent1"/>
-              </a:fillRef>
-              <a:effectRef idx="0">
-                <a:schemeClr val="accent1"/>
-              </a:effectRef>
-              <a:fontRef idx="minor">
-                <a:schemeClr val="lt1"/>
-              </a:fontRef>
-            </p:style>
-            <p:txBody>
-              <a:bodyPr rtlCol="0" anchor="ctr"/>
-              <a:lstStyle/>
-              <a:p>
-                <a:pPr algn="ctr"/>
-                <a:endParaRPr lang="en-US">
-                  <a:solidFill>
-                    <a:schemeClr val="tx1"/>
-                  </a:solidFill>
-                </a:endParaRPr>
-              </a:p>
-            </p:txBody>
-          </p:sp>
-          <p:sp>
-            <p:nvSpPr>
-              <p:cNvPr id="7" name="Diagonal Stripe 6"/>
-              <p:cNvSpPr/>
-              <p:nvPr/>
-            </p:nvSpPr>
-            <p:spPr>
-              <a:xfrm rot="16200000">
-                <a:off x="3200400" y="0"/>
-                <a:ext cx="3200400" cy="3200400"/>
-              </a:xfrm>
-              <a:prstGeom prst="diagStripe">
-                <a:avLst>
-                  <a:gd name="adj" fmla="val 57576"/>
-                </a:avLst>
-              </a:prstGeom>
-              <a:solidFill>
-                <a:schemeClr val="tx1"/>
-              </a:solidFill>
-              <a:ln>
-                <a:noFill/>
-              </a:ln>
-            </p:spPr>
-            <p:style>
-              <a:lnRef idx="2">
-                <a:schemeClr val="accent1">
-                  <a:shade val="50000"/>
-                </a:schemeClr>
-              </a:lnRef>
-              <a:fillRef idx="1">
-                <a:schemeClr val="accent1"/>
-              </a:fillRef>
-              <a:effectRef idx="0">
-                <a:schemeClr val="accent1"/>
-              </a:effectRef>
-              <a:fontRef idx="minor">
-                <a:schemeClr val="lt1"/>
-              </a:fontRef>
-            </p:style>
-            <p:txBody>
-              <a:bodyPr rtlCol="0" anchor="ctr"/>
-              <a:lstStyle/>
-              <a:p>
-                <a:pPr algn="ctr"/>
-                <a:endParaRPr lang="en-US">
-                  <a:solidFill>
-                    <a:schemeClr val="tx1"/>
-                  </a:solidFill>
-                </a:endParaRPr>
-              </a:p>
-            </p:txBody>
-          </p:sp>
-          <p:sp>
-            <p:nvSpPr>
-              <p:cNvPr id="8" name="Diagonal Stripe 7"/>
-              <p:cNvSpPr/>
-              <p:nvPr/>
-            </p:nvSpPr>
-            <p:spPr>
-              <a:xfrm rot="5400000">
-                <a:off x="-2" y="3200400"/>
-                <a:ext cx="3200400" cy="3200400"/>
-              </a:xfrm>
-              <a:prstGeom prst="diagStripe">
-                <a:avLst>
-                  <a:gd name="adj" fmla="val 57576"/>
-                </a:avLst>
-              </a:prstGeom>
-              <a:solidFill>
-                <a:schemeClr val="tx1"/>
-              </a:solidFill>
-              <a:ln>
-                <a:noFill/>
-              </a:ln>
-            </p:spPr>
-            <p:style>
-              <a:lnRef idx="2">
-                <a:schemeClr val="accent1">
-                  <a:shade val="50000"/>
-                </a:schemeClr>
-              </a:lnRef>
-              <a:fillRef idx="1">
-                <a:schemeClr val="accent1"/>
-              </a:fillRef>
-              <a:effectRef idx="0">
-                <a:schemeClr val="accent1"/>
-              </a:effectRef>
-              <a:fontRef idx="minor">
-                <a:schemeClr val="lt1"/>
-              </a:fontRef>
-            </p:style>
-            <p:txBody>
-              <a:bodyPr rtlCol="0" anchor="ctr"/>
-              <a:lstStyle/>
-              <a:p>
-                <a:pPr algn="ctr"/>
-                <a:endParaRPr lang="en-US">
-                  <a:solidFill>
-                    <a:schemeClr val="tx1"/>
-                  </a:solidFill>
-                </a:endParaRPr>
-              </a:p>
-            </p:txBody>
-          </p:sp>
-          <p:sp>
-            <p:nvSpPr>
-              <p:cNvPr id="9" name="Diagonal Stripe 8"/>
-              <p:cNvSpPr/>
-              <p:nvPr/>
-            </p:nvSpPr>
-            <p:spPr>
-              <a:xfrm>
-                <a:off x="3200400" y="3200400"/>
-                <a:ext cx="3200400" cy="3200400"/>
-              </a:xfrm>
-              <a:prstGeom prst="diagStripe">
-                <a:avLst>
-                  <a:gd name="adj" fmla="val 57576"/>
-                </a:avLst>
-              </a:prstGeom>
-              <a:solidFill>
-                <a:schemeClr val="tx1"/>
-              </a:solidFill>
-              <a:ln>
-                <a:noFill/>
-              </a:ln>
-            </p:spPr>
-            <p:style>
-              <a:lnRef idx="2">
-                <a:schemeClr val="accent1">
-                  <a:shade val="50000"/>
-                </a:schemeClr>
-              </a:lnRef>
-              <a:fillRef idx="1">
-                <a:schemeClr val="accent1"/>
-              </a:fillRef>
-              <a:effectRef idx="0">
-                <a:schemeClr val="accent1"/>
-              </a:effectRef>
-              <a:fontRef idx="minor">
-                <a:schemeClr val="lt1"/>
-              </a:fontRef>
-            </p:style>
-            <p:txBody>
-              <a:bodyPr rtlCol="0" anchor="ctr"/>
-              <a:lstStyle/>
-              <a:p>
-                <a:pPr algn="ctr"/>
-                <a:endParaRPr lang="en-US">
-                  <a:solidFill>
-                    <a:schemeClr val="tx1"/>
-                  </a:solidFill>
-                </a:endParaRPr>
-              </a:p>
-            </p:txBody>
-          </p:sp>
-        </p:grpSp>
         <p:sp>
           <p:nvSpPr>
-            <p:cNvPr id="10" name="Rectangle 9"/>
+            <p:cNvPr id="5" name="Frame 4"/>
             <p:cNvSpPr/>
             <p:nvPr/>
           </p:nvSpPr>
           <p:spPr>
-            <a:xfrm rot="2700000">
-              <a:off x="1301271" y="3078710"/>
-              <a:ext cx="1025568" cy="1026893"/>
+            <a:xfrm>
+              <a:off x="484632" y="484632"/>
+              <a:ext cx="2286000" cy="2286000"/>
+            </a:xfrm>
+            <a:prstGeom prst="frame">
+              <a:avLst>
+                <a:gd name="adj1" fmla="val 22230"/>
+              </a:avLst>
+            </a:prstGeom>
+            <a:solidFill>
+              <a:schemeClr val="tx1"/>
+            </a:solidFill>
+            <a:ln>
+              <a:solidFill>
+                <a:schemeClr val="bg1"/>
+              </a:solidFill>
+            </a:ln>
+            <a:scene3d>
+              <a:camera prst="orthographicFront">
+                <a:rot lat="0" lon="0" rev="2700000"/>
+              </a:camera>
+              <a:lightRig rig="threePt" dir="t"/>
+            </a:scene3d>
+          </p:spPr>
+          <p:style>
+            <a:lnRef idx="2">
+              <a:schemeClr val="accent1">
+                <a:shade val="50000"/>
+              </a:schemeClr>
+            </a:lnRef>
+            <a:fillRef idx="1">
+              <a:schemeClr val="accent1"/>
+            </a:fillRef>
+            <a:effectRef idx="0">
+              <a:schemeClr val="accent1"/>
+            </a:effectRef>
+            <a:fontRef idx="minor">
+              <a:schemeClr val="lt1"/>
+            </a:fontRef>
+          </p:style>
+          <p:txBody>
+            <a:bodyPr rtlCol="0" anchor="ctr"/>
+            <a:lstStyle/>
+            <a:p>
+              <a:pPr algn="ctr"/>
+              <a:endParaRPr lang="en-US">
+                <a:solidFill>
+                  <a:schemeClr val="tx1"/>
+                </a:solidFill>
+              </a:endParaRPr>
+            </a:p>
+          </p:txBody>
+        </p:sp>
+        <p:sp>
+          <p:nvSpPr>
+            <p:cNvPr id="16" name="Rectangle 15"/>
+            <p:cNvSpPr/>
+            <p:nvPr/>
+          </p:nvSpPr>
+          <p:spPr>
+            <a:xfrm>
+              <a:off x="1177125" y="2770632"/>
+              <a:ext cx="901014" cy="901014"/>
             </a:xfrm>
             <a:prstGeom prst="rect">
               <a:avLst/>
@@ -3235,8 +3082,16 @@
               <a:schemeClr val="tx1"/>
             </a:solidFill>
             <a:ln>
-              <a:noFill/>
+              <a:solidFill>
+                <a:schemeClr val="bg1"/>
+              </a:solidFill>
             </a:ln>
+            <a:scene3d>
+              <a:camera prst="orthographicFront">
+                <a:rot lat="0" lon="0" rev="2700000"/>
+              </a:camera>
+              <a:lightRig rig="threePt" dir="t"/>
+            </a:scene3d>
           </p:spPr>
           <p:style>
             <a:lnRef idx="2">
@@ -3303,16 +3158,16 @@
       </p:grpSpPr>
       <p:sp>
         <p:nvSpPr>
-          <p:cNvPr id="4" name="Oval 3"/>
+          <p:cNvPr id="3" name="Half Frame 2"/>
           <p:cNvSpPr/>
           <p:nvPr/>
         </p:nvSpPr>
         <p:spPr>
-          <a:xfrm>
-            <a:off x="0" y="0"/>
-            <a:ext cx="4572000" cy="4572000"/>
+          <a:xfrm rot="18900000">
+            <a:off x="670223" y="670223"/>
+            <a:ext cx="3236125" cy="3236125"/>
           </a:xfrm>
-          <a:prstGeom prst="ellipse">
+          <a:prstGeom prst="halfFrame">
             <a:avLst/>
           </a:prstGeom>
           <a:solidFill>
@@ -3320,6 +3175,346 @@
           </a:solidFill>
           <a:ln>
             <a:noFill/>
+          </a:ln>
+        </p:spPr>
+        <p:style>
+          <a:lnRef idx="2">
+            <a:schemeClr val="accent1">
+              <a:shade val="50000"/>
+            </a:schemeClr>
+          </a:lnRef>
+          <a:fillRef idx="1">
+            <a:schemeClr val="accent1"/>
+          </a:fillRef>
+          <a:effectRef idx="0">
+            <a:schemeClr val="accent1"/>
+          </a:effectRef>
+          <a:fontRef idx="minor">
+            <a:schemeClr val="lt1"/>
+          </a:fontRef>
+        </p:style>
+        <p:txBody>
+          <a:bodyPr rtlCol="0" anchor="ctr"/>
+          <a:lstStyle/>
+          <a:p>
+            <a:pPr algn="ctr"/>
+            <a:endParaRPr lang="en-US">
+              <a:solidFill>
+                <a:schemeClr val="tx1"/>
+              </a:solidFill>
+            </a:endParaRPr>
+          </a:p>
+        </p:txBody>
+      </p:sp>
+    </p:spTree>
+    <p:extLst>
+      <p:ext uri="{BB962C8B-B14F-4D97-AF65-F5344CB8AC3E}">
+        <p14:creationId xmlns:p14="http://schemas.microsoft.com/office/powerpoint/2010/main" val="829015734"/>
+      </p:ext>
+    </p:extLst>
+  </p:cSld>
+  <p:clrMapOvr>
+    <a:masterClrMapping/>
+  </p:clrMapOvr>
+  <p:timing>
+    <p:tnLst>
+      <p:par>
+        <p:cTn id="1" dur="indefinite" restart="never" nodeType="tmRoot"/>
+      </p:par>
+    </p:tnLst>
+  </p:timing>
+</p:sld>
+</file>
+
+<file path=ppt/slides/slide11.xml><?xml version="1.0" encoding="utf-8"?>
+<p:sld xmlns:a="http://schemas.openxmlformats.org/drawingml/2006/main" xmlns:r="http://schemas.openxmlformats.org/officeDocument/2006/relationships" xmlns:p="http://schemas.openxmlformats.org/presentationml/2006/main">
+  <p:cSld>
+    <p:spTree>
+      <p:nvGrpSpPr>
+        <p:cNvPr id="1" name=""/>
+        <p:cNvGrpSpPr/>
+        <p:nvPr/>
+      </p:nvGrpSpPr>
+      <p:grpSpPr>
+        <a:xfrm>
+          <a:off x="0" y="0"/>
+          <a:ext cx="0" cy="0"/>
+          <a:chOff x="0" y="0"/>
+          <a:chExt cx="0" cy="0"/>
+        </a:xfrm>
+      </p:grpSpPr>
+      <p:sp>
+        <p:nvSpPr>
+          <p:cNvPr id="7" name="Rectangle 6"/>
+          <p:cNvSpPr/>
+          <p:nvPr/>
+        </p:nvSpPr>
+        <p:spPr>
+          <a:xfrm>
+            <a:off x="-1" y="0"/>
+            <a:ext cx="4572000" cy="4572000"/>
+          </a:xfrm>
+          <a:prstGeom prst="rect">
+            <a:avLst/>
+          </a:prstGeom>
+          <a:solidFill>
+            <a:srgbClr val="000064"/>
+          </a:solidFill>
+          <a:ln>
+            <a:solidFill>
+              <a:srgbClr val="000064"/>
+            </a:solidFill>
+          </a:ln>
+        </p:spPr>
+        <p:style>
+          <a:lnRef idx="2">
+            <a:schemeClr val="accent1">
+              <a:shade val="50000"/>
+            </a:schemeClr>
+          </a:lnRef>
+          <a:fillRef idx="1">
+            <a:schemeClr val="accent1"/>
+          </a:fillRef>
+          <a:effectRef idx="0">
+            <a:schemeClr val="accent1"/>
+          </a:effectRef>
+          <a:fontRef idx="minor">
+            <a:schemeClr val="lt1"/>
+          </a:fontRef>
+        </p:style>
+        <p:txBody>
+          <a:bodyPr rtlCol="0" anchor="ctr"/>
+          <a:lstStyle/>
+          <a:p>
+            <a:pPr algn="ctr"/>
+            <a:endParaRPr lang="en-US"/>
+          </a:p>
+        </p:txBody>
+      </p:sp>
+      <p:grpSp>
+        <p:nvGrpSpPr>
+          <p:cNvPr id="12" name="Group 11"/>
+          <p:cNvGrpSpPr/>
+          <p:nvPr/>
+        </p:nvGrpSpPr>
+        <p:grpSpPr>
+          <a:xfrm>
+            <a:off x="771525" y="1355844"/>
+            <a:ext cx="2967037" cy="1863244"/>
+            <a:chOff x="771525" y="1355844"/>
+            <a:chExt cx="2967037" cy="1863244"/>
+          </a:xfrm>
+        </p:grpSpPr>
+        <p:sp>
+          <p:nvSpPr>
+            <p:cNvPr id="9" name="Rounded Rectangle 8"/>
+            <p:cNvSpPr/>
+            <p:nvPr/>
+          </p:nvSpPr>
+          <p:spPr>
+            <a:xfrm>
+              <a:off x="1471612" y="1355844"/>
+              <a:ext cx="2266950" cy="1396699"/>
+            </a:xfrm>
+            <a:prstGeom prst="roundRect">
+              <a:avLst>
+                <a:gd name="adj" fmla="val 2821"/>
+              </a:avLst>
+            </a:prstGeom>
+            <a:solidFill>
+              <a:srgbClr val="000064"/>
+            </a:solidFill>
+            <a:ln w="76200">
+              <a:solidFill>
+                <a:schemeClr val="bg1"/>
+              </a:solidFill>
+            </a:ln>
+          </p:spPr>
+          <p:style>
+            <a:lnRef idx="2">
+              <a:schemeClr val="accent1">
+                <a:shade val="50000"/>
+              </a:schemeClr>
+            </a:lnRef>
+            <a:fillRef idx="1">
+              <a:schemeClr val="accent1"/>
+            </a:fillRef>
+            <a:effectRef idx="0">
+              <a:schemeClr val="accent1"/>
+            </a:effectRef>
+            <a:fontRef idx="minor">
+              <a:schemeClr val="lt1"/>
+            </a:fontRef>
+          </p:style>
+          <p:txBody>
+            <a:bodyPr rtlCol="0" anchor="ctr"/>
+            <a:lstStyle/>
+            <a:p>
+              <a:pPr algn="ctr"/>
+              <a:endParaRPr lang="en-US"/>
+            </a:p>
+          </p:txBody>
+        </p:sp>
+        <p:sp>
+          <p:nvSpPr>
+            <p:cNvPr id="8" name="Rounded Rectangle 7"/>
+            <p:cNvSpPr/>
+            <p:nvPr/>
+          </p:nvSpPr>
+          <p:spPr>
+            <a:xfrm>
+              <a:off x="771525" y="2285999"/>
+              <a:ext cx="1514475" cy="933089"/>
+            </a:xfrm>
+            <a:prstGeom prst="roundRect">
+              <a:avLst>
+                <a:gd name="adj" fmla="val 2821"/>
+              </a:avLst>
+            </a:prstGeom>
+            <a:solidFill>
+              <a:srgbClr val="000064"/>
+            </a:solidFill>
+            <a:ln w="76200">
+              <a:solidFill>
+                <a:schemeClr val="bg1"/>
+              </a:solidFill>
+            </a:ln>
+          </p:spPr>
+          <p:style>
+            <a:lnRef idx="2">
+              <a:schemeClr val="accent1">
+                <a:shade val="50000"/>
+              </a:schemeClr>
+            </a:lnRef>
+            <a:fillRef idx="1">
+              <a:schemeClr val="accent1"/>
+            </a:fillRef>
+            <a:effectRef idx="0">
+              <a:schemeClr val="accent1"/>
+            </a:effectRef>
+            <a:fontRef idx="minor">
+              <a:schemeClr val="lt1"/>
+            </a:fontRef>
+          </p:style>
+          <p:txBody>
+            <a:bodyPr rtlCol="0" anchor="ctr"/>
+            <a:lstStyle/>
+            <a:p>
+              <a:pPr algn="ctr"/>
+              <a:endParaRPr lang="en-US"/>
+            </a:p>
+          </p:txBody>
+        </p:sp>
+        <p:sp>
+          <p:nvSpPr>
+            <p:cNvPr id="11" name="Up Arrow 10"/>
+            <p:cNvSpPr/>
+            <p:nvPr/>
+          </p:nvSpPr>
+          <p:spPr>
+            <a:xfrm rot="2700000">
+              <a:off x="2047901" y="1530790"/>
+              <a:ext cx="557212" cy="1510417"/>
+            </a:xfrm>
+            <a:prstGeom prst="upArrow">
+              <a:avLst>
+                <a:gd name="adj1" fmla="val 50000"/>
+                <a:gd name="adj2" fmla="val 76318"/>
+              </a:avLst>
+            </a:prstGeom>
+            <a:solidFill>
+              <a:schemeClr val="bg1"/>
+            </a:solidFill>
+            <a:ln w="38100">
+              <a:solidFill>
+                <a:srgbClr val="000064"/>
+              </a:solidFill>
+            </a:ln>
+          </p:spPr>
+          <p:style>
+            <a:lnRef idx="2">
+              <a:schemeClr val="accent1">
+                <a:shade val="50000"/>
+              </a:schemeClr>
+            </a:lnRef>
+            <a:fillRef idx="1">
+              <a:schemeClr val="accent1"/>
+            </a:fillRef>
+            <a:effectRef idx="0">
+              <a:schemeClr val="accent1"/>
+            </a:effectRef>
+            <a:fontRef idx="minor">
+              <a:schemeClr val="lt1"/>
+            </a:fontRef>
+          </p:style>
+          <p:txBody>
+            <a:bodyPr rtlCol="0" anchor="ctr"/>
+            <a:lstStyle/>
+            <a:p>
+              <a:pPr algn="ctr"/>
+              <a:endParaRPr lang="en-US"/>
+            </a:p>
+          </p:txBody>
+        </p:sp>
+      </p:grpSp>
+    </p:spTree>
+    <p:extLst>
+      <p:ext uri="{BB962C8B-B14F-4D97-AF65-F5344CB8AC3E}">
+        <p14:creationId xmlns:p14="http://schemas.microsoft.com/office/powerpoint/2010/main" val="540015416"/>
+      </p:ext>
+    </p:extLst>
+  </p:cSld>
+  <p:clrMapOvr>
+    <a:masterClrMapping/>
+  </p:clrMapOvr>
+  <p:timing>
+    <p:tnLst>
+      <p:par>
+        <p:cTn id="1" dur="indefinite" restart="never" nodeType="tmRoot"/>
+      </p:par>
+    </p:tnLst>
+  </p:timing>
+</p:sld>
+</file>
+
+<file path=ppt/slides/slide12.xml><?xml version="1.0" encoding="utf-8"?>
+<p:sld xmlns:a="http://schemas.openxmlformats.org/drawingml/2006/main" xmlns:r="http://schemas.openxmlformats.org/officeDocument/2006/relationships" xmlns:p="http://schemas.openxmlformats.org/presentationml/2006/main">
+  <p:cSld>
+    <p:spTree>
+      <p:nvGrpSpPr>
+        <p:cNvPr id="1" name=""/>
+        <p:cNvGrpSpPr/>
+        <p:nvPr/>
+      </p:nvGrpSpPr>
+      <p:grpSpPr>
+        <a:xfrm>
+          <a:off x="0" y="0"/>
+          <a:ext cx="0" cy="0"/>
+          <a:chOff x="0" y="0"/>
+          <a:chExt cx="0" cy="0"/>
+        </a:xfrm>
+      </p:grpSpPr>
+      <p:sp>
+        <p:nvSpPr>
+          <p:cNvPr id="7" name="Rectangle 6"/>
+          <p:cNvSpPr/>
+          <p:nvPr/>
+        </p:nvSpPr>
+        <p:spPr>
+          <a:xfrm>
+            <a:off x="-1" y="0"/>
+            <a:ext cx="4572000" cy="4572000"/>
+          </a:xfrm>
+          <a:prstGeom prst="rect">
+            <a:avLst/>
+          </a:prstGeom>
+          <a:solidFill>
+            <a:srgbClr val="000064"/>
+          </a:solidFill>
+          <a:ln>
+            <a:solidFill>
+              <a:srgbClr val="000064"/>
+            </a:solidFill>
           </a:ln>
         </p:spPr>
         <p:style>
@@ -3533,7 +3728,7 @@
 </p:sld>
 </file>
 
-<file path=ppt/slides/slide11.xml><?xml version="1.0" encoding="utf-8"?>
+<file path=ppt/slides/slide2.xml><?xml version="1.0" encoding="utf-8"?>
 <p:sld xmlns:a="http://schemas.openxmlformats.org/drawingml/2006/main" xmlns:r="http://schemas.openxmlformats.org/officeDocument/2006/relationships" xmlns:p="http://schemas.openxmlformats.org/presentationml/2006/main">
   <p:cSld>
     <p:spTree>
@@ -3552,68 +3747,20 @@
       </p:grpSpPr>
       <p:sp>
         <p:nvSpPr>
-          <p:cNvPr id="4" name="Oval 3"/>
+          <p:cNvPr id="3" name="Rectangle 2"/>
           <p:cNvSpPr/>
           <p:nvPr/>
         </p:nvSpPr>
         <p:spPr>
           <a:xfrm>
-            <a:off x="0" y="0"/>
+            <a:off x="-1" y="0"/>
             <a:ext cx="4572000" cy="4572000"/>
           </a:xfrm>
-          <a:prstGeom prst="ellipse">
+          <a:prstGeom prst="rect">
             <a:avLst/>
           </a:prstGeom>
           <a:solidFill>
             <a:srgbClr val="000064"/>
-          </a:solidFill>
-          <a:ln>
-            <a:noFill/>
-          </a:ln>
-        </p:spPr>
-        <p:style>
-          <a:lnRef idx="2">
-            <a:schemeClr val="accent1">
-              <a:shade val="50000"/>
-            </a:schemeClr>
-          </a:lnRef>
-          <a:fillRef idx="1">
-            <a:schemeClr val="accent1"/>
-          </a:fillRef>
-          <a:effectRef idx="0">
-            <a:schemeClr val="accent1"/>
-          </a:effectRef>
-          <a:fontRef idx="minor">
-            <a:schemeClr val="lt1"/>
-          </a:fontRef>
-        </p:style>
-        <p:txBody>
-          <a:bodyPr rtlCol="0" anchor="ctr"/>
-          <a:lstStyle/>
-          <a:p>
-            <a:pPr algn="ctr"/>
-            <a:endParaRPr lang="en-US"/>
-          </a:p>
-        </p:txBody>
-      </p:sp>
-      <p:sp>
-        <p:nvSpPr>
-          <p:cNvPr id="2" name="Rounded Rectangle 1"/>
-          <p:cNvSpPr/>
-          <p:nvPr/>
-        </p:nvSpPr>
-        <p:spPr>
-          <a:xfrm>
-            <a:off x="1485900" y="800100"/>
-            <a:ext cx="1600200" cy="2971800"/>
-          </a:xfrm>
-          <a:prstGeom prst="roundRect">
-            <a:avLst>
-              <a:gd name="adj" fmla="val 4312"/>
-            </a:avLst>
-          </a:prstGeom>
-          <a:solidFill>
-            <a:schemeClr val="bg1"/>
           </a:solidFill>
           <a:ln>
             <a:solidFill>
@@ -3646,448 +3793,39 @@
           </a:p>
         </p:txBody>
       </p:sp>
-      <p:sp>
-        <p:nvSpPr>
-          <p:cNvPr id="3" name="Rectangle 2"/>
-          <p:cNvSpPr/>
-          <p:nvPr/>
-        </p:nvSpPr>
-        <p:spPr>
-          <a:xfrm>
-            <a:off x="1600200" y="1028700"/>
-            <a:ext cx="1371600" cy="2514600"/>
-          </a:xfrm>
-          <a:prstGeom prst="rect">
-            <a:avLst/>
-          </a:prstGeom>
-          <a:solidFill>
-            <a:srgbClr val="000064"/>
-          </a:solidFill>
-          <a:ln>
-            <a:solidFill>
-              <a:schemeClr val="bg1"/>
-            </a:solidFill>
-          </a:ln>
-        </p:spPr>
-        <p:style>
-          <a:lnRef idx="2">
-            <a:schemeClr val="accent1">
-              <a:shade val="50000"/>
-            </a:schemeClr>
-          </a:lnRef>
-          <a:fillRef idx="1">
-            <a:schemeClr val="accent1"/>
-          </a:fillRef>
-          <a:effectRef idx="0">
-            <a:schemeClr val="accent1"/>
-          </a:effectRef>
-          <a:fontRef idx="minor">
-            <a:schemeClr val="lt1"/>
-          </a:fontRef>
-        </p:style>
-        <p:txBody>
-          <a:bodyPr rtlCol="0" anchor="ctr"/>
-          <a:lstStyle/>
-          <a:p>
-            <a:pPr algn="ctr"/>
-            <a:endParaRPr lang="en-US"/>
-          </a:p>
-        </p:txBody>
-      </p:sp>
-      <p:sp>
-        <p:nvSpPr>
-          <p:cNvPr id="5" name="Rounded Rectangle 4"/>
-          <p:cNvSpPr/>
-          <p:nvPr/>
-        </p:nvSpPr>
-        <p:spPr>
-          <a:xfrm>
-            <a:off x="2171700" y="3589020"/>
-            <a:ext cx="228600" cy="137160"/>
-          </a:xfrm>
-          <a:prstGeom prst="roundRect">
-            <a:avLst/>
-          </a:prstGeom>
-          <a:solidFill>
-            <a:srgbClr val="000064"/>
-          </a:solidFill>
-          <a:ln>
-            <a:noFill/>
-          </a:ln>
-        </p:spPr>
-        <p:style>
-          <a:lnRef idx="2">
-            <a:schemeClr val="accent1">
-              <a:shade val="50000"/>
-            </a:schemeClr>
-          </a:lnRef>
-          <a:fillRef idx="1">
-            <a:schemeClr val="accent1"/>
-          </a:fillRef>
-          <a:effectRef idx="0">
-            <a:schemeClr val="accent1"/>
-          </a:effectRef>
-          <a:fontRef idx="minor">
-            <a:schemeClr val="lt1"/>
-          </a:fontRef>
-        </p:style>
-        <p:txBody>
-          <a:bodyPr rtlCol="0" anchor="ctr"/>
-          <a:lstStyle/>
-          <a:p>
-            <a:pPr algn="ctr"/>
-            <a:endParaRPr lang="en-US"/>
-          </a:p>
-        </p:txBody>
-      </p:sp>
-      <p:sp>
-        <p:nvSpPr>
-          <p:cNvPr id="6" name="Oval 5"/>
-          <p:cNvSpPr/>
-          <p:nvPr/>
-        </p:nvSpPr>
-        <p:spPr>
-          <a:xfrm>
-            <a:off x="2515630" y="868680"/>
-            <a:ext cx="91440" cy="91440"/>
-          </a:xfrm>
-          <a:prstGeom prst="ellipse">
-            <a:avLst/>
-          </a:prstGeom>
-          <a:solidFill>
-            <a:srgbClr val="000064"/>
-          </a:solidFill>
-          <a:ln>
-            <a:noFill/>
-          </a:ln>
-        </p:spPr>
-        <p:style>
-          <a:lnRef idx="2">
-            <a:schemeClr val="accent1">
-              <a:shade val="50000"/>
-            </a:schemeClr>
-          </a:lnRef>
-          <a:fillRef idx="1">
-            <a:schemeClr val="accent1"/>
-          </a:fillRef>
-          <a:effectRef idx="0">
-            <a:schemeClr val="accent1"/>
-          </a:effectRef>
-          <a:fontRef idx="minor">
-            <a:schemeClr val="lt1"/>
-          </a:fontRef>
-        </p:style>
-        <p:txBody>
-          <a:bodyPr rtlCol="0" anchor="ctr"/>
-          <a:lstStyle/>
-          <a:p>
-            <a:pPr algn="ctr"/>
-            <a:endParaRPr lang="en-US"/>
-          </a:p>
-        </p:txBody>
-      </p:sp>
-      <p:sp>
-        <p:nvSpPr>
-          <p:cNvPr id="7" name="Rounded Rectangle 6"/>
-          <p:cNvSpPr/>
-          <p:nvPr/>
-        </p:nvSpPr>
-        <p:spPr>
-          <a:xfrm>
-            <a:off x="2217420" y="891540"/>
-            <a:ext cx="137160" cy="45719"/>
-          </a:xfrm>
-          <a:prstGeom prst="roundRect">
-            <a:avLst>
-              <a:gd name="adj" fmla="val 38584"/>
-            </a:avLst>
-          </a:prstGeom>
-          <a:solidFill>
-            <a:srgbClr val="000064"/>
-          </a:solidFill>
-          <a:ln>
-            <a:noFill/>
-          </a:ln>
-        </p:spPr>
-        <p:style>
-          <a:lnRef idx="2">
-            <a:schemeClr val="accent1">
-              <a:shade val="50000"/>
-            </a:schemeClr>
-          </a:lnRef>
-          <a:fillRef idx="1">
-            <a:schemeClr val="accent1"/>
-          </a:fillRef>
-          <a:effectRef idx="0">
-            <a:schemeClr val="accent1"/>
-          </a:effectRef>
-          <a:fontRef idx="minor">
-            <a:schemeClr val="lt1"/>
-          </a:fontRef>
-        </p:style>
-        <p:txBody>
-          <a:bodyPr rtlCol="0" anchor="ctr"/>
-          <a:lstStyle/>
-          <a:p>
-            <a:pPr algn="ctr"/>
-            <a:endParaRPr lang="en-US"/>
-          </a:p>
-        </p:txBody>
-      </p:sp>
-    </p:spTree>
-    <p:extLst>
-      <p:ext uri="{BB962C8B-B14F-4D97-AF65-F5344CB8AC3E}">
-        <p14:creationId xmlns:p14="http://schemas.microsoft.com/office/powerpoint/2010/main" val="2775428243"/>
-      </p:ext>
-    </p:extLst>
-  </p:cSld>
-  <p:clrMapOvr>
-    <a:masterClrMapping/>
-  </p:clrMapOvr>
-  <p:timing>
-    <p:tnLst>
-      <p:par>
-        <p:cTn id="1" dur="indefinite" restart="never" nodeType="tmRoot"/>
-      </p:par>
-    </p:tnLst>
-  </p:timing>
-</p:sld>
-</file>
-
-<file path=ppt/slides/slide12.xml><?xml version="1.0" encoding="utf-8"?>
-<p:sld xmlns:a="http://schemas.openxmlformats.org/drawingml/2006/main" xmlns:r="http://schemas.openxmlformats.org/officeDocument/2006/relationships" xmlns:p="http://schemas.openxmlformats.org/presentationml/2006/main">
-  <p:cSld>
-    <p:spTree>
-      <p:nvGrpSpPr>
-        <p:cNvPr id="1" name=""/>
-        <p:cNvGrpSpPr/>
-        <p:nvPr/>
-      </p:nvGrpSpPr>
-      <p:grpSpPr>
-        <a:xfrm>
-          <a:off x="0" y="0"/>
-          <a:ext cx="0" cy="0"/>
-          <a:chOff x="0" y="0"/>
-          <a:chExt cx="0" cy="0"/>
-        </a:xfrm>
-      </p:grpSpPr>
-      <p:sp>
-        <p:nvSpPr>
-          <p:cNvPr id="3" name="Half Frame 2"/>
-          <p:cNvSpPr/>
-          <p:nvPr/>
-        </p:nvSpPr>
-        <p:spPr>
-          <a:xfrm rot="18900000">
-            <a:off x="670223" y="670223"/>
-            <a:ext cx="3236125" cy="3236125"/>
-          </a:xfrm>
-          <a:prstGeom prst="halfFrame">
-            <a:avLst/>
-          </a:prstGeom>
-          <a:solidFill>
-            <a:srgbClr val="000064"/>
-          </a:solidFill>
-          <a:ln>
-            <a:noFill/>
-          </a:ln>
-        </p:spPr>
-        <p:style>
-          <a:lnRef idx="2">
-            <a:schemeClr val="accent1">
-              <a:shade val="50000"/>
-            </a:schemeClr>
-          </a:lnRef>
-          <a:fillRef idx="1">
-            <a:schemeClr val="accent1"/>
-          </a:fillRef>
-          <a:effectRef idx="0">
-            <a:schemeClr val="accent1"/>
-          </a:effectRef>
-          <a:fontRef idx="minor">
-            <a:schemeClr val="lt1"/>
-          </a:fontRef>
-        </p:style>
-        <p:txBody>
-          <a:bodyPr rtlCol="0" anchor="ctr"/>
-          <a:lstStyle/>
-          <a:p>
-            <a:pPr algn="ctr"/>
-            <a:endParaRPr lang="en-US">
-              <a:solidFill>
-                <a:schemeClr val="tx1"/>
-              </a:solidFill>
-            </a:endParaRPr>
-          </a:p>
-        </p:txBody>
-      </p:sp>
-    </p:spTree>
-    <p:extLst>
-      <p:ext uri="{BB962C8B-B14F-4D97-AF65-F5344CB8AC3E}">
-        <p14:creationId xmlns:p14="http://schemas.microsoft.com/office/powerpoint/2010/main" val="829015734"/>
-      </p:ext>
-    </p:extLst>
-  </p:cSld>
-  <p:clrMapOvr>
-    <a:masterClrMapping/>
-  </p:clrMapOvr>
-  <p:timing>
-    <p:tnLst>
-      <p:par>
-        <p:cTn id="1" dur="indefinite" restart="never" nodeType="tmRoot"/>
-      </p:par>
-    </p:tnLst>
-  </p:timing>
-</p:sld>
-</file>
-
-<file path=ppt/slides/slide2.xml><?xml version="1.0" encoding="utf-8"?>
-<p:sld xmlns:a="http://schemas.openxmlformats.org/drawingml/2006/main" xmlns:r="http://schemas.openxmlformats.org/officeDocument/2006/relationships" xmlns:p="http://schemas.openxmlformats.org/presentationml/2006/main">
-  <p:cSld>
-    <p:spTree>
-      <p:nvGrpSpPr>
-        <p:cNvPr id="1" name=""/>
-        <p:cNvGrpSpPr/>
-        <p:nvPr/>
-      </p:nvGrpSpPr>
-      <p:grpSpPr>
-        <a:xfrm>
-          <a:off x="0" y="0"/>
-          <a:ext cx="0" cy="0"/>
-          <a:chOff x="0" y="0"/>
-          <a:chExt cx="0" cy="0"/>
-        </a:xfrm>
-      </p:grpSpPr>
-      <p:sp>
-        <p:nvSpPr>
-          <p:cNvPr id="4" name="Oval 3"/>
-          <p:cNvSpPr/>
-          <p:nvPr/>
-        </p:nvSpPr>
-        <p:spPr>
-          <a:xfrm>
-            <a:off x="0" y="0"/>
-            <a:ext cx="4572000" cy="4572000"/>
-          </a:xfrm>
-          <a:prstGeom prst="ellipse">
-            <a:avLst/>
-          </a:prstGeom>
-          <a:solidFill>
-            <a:srgbClr val="000064"/>
-          </a:solidFill>
-          <a:ln>
-            <a:noFill/>
-          </a:ln>
-        </p:spPr>
-        <p:style>
-          <a:lnRef idx="2">
-            <a:schemeClr val="accent1">
-              <a:shade val="50000"/>
-            </a:schemeClr>
-          </a:lnRef>
-          <a:fillRef idx="1">
-            <a:schemeClr val="accent1"/>
-          </a:fillRef>
-          <a:effectRef idx="0">
-            <a:schemeClr val="accent1"/>
-          </a:effectRef>
-          <a:fontRef idx="minor">
-            <a:schemeClr val="lt1"/>
-          </a:fontRef>
-        </p:style>
-        <p:txBody>
-          <a:bodyPr rtlCol="0" anchor="ctr"/>
-          <a:lstStyle/>
-          <a:p>
-            <a:pPr algn="ctr"/>
-            <a:endParaRPr lang="en-US"/>
-          </a:p>
-        </p:txBody>
-      </p:sp>
-      <p:sp>
-        <p:nvSpPr>
-          <p:cNvPr id="13" name="Donut 12"/>
-          <p:cNvSpPr/>
-          <p:nvPr/>
-        </p:nvSpPr>
-        <p:spPr>
-          <a:xfrm>
-            <a:off x="227311" y="228600"/>
-            <a:ext cx="4114800" cy="4114800"/>
-          </a:xfrm>
-          <a:prstGeom prst="donut">
-            <a:avLst>
-              <a:gd name="adj" fmla="val 6001"/>
-            </a:avLst>
-          </a:prstGeom>
-          <a:solidFill>
-            <a:schemeClr val="bg1"/>
-          </a:solidFill>
-          <a:ln>
-            <a:solidFill>
-              <a:schemeClr val="bg1"/>
-            </a:solidFill>
-          </a:ln>
-        </p:spPr>
-        <p:style>
-          <a:lnRef idx="2">
-            <a:schemeClr val="accent1">
-              <a:shade val="50000"/>
-            </a:schemeClr>
-          </a:lnRef>
-          <a:fillRef idx="1">
-            <a:schemeClr val="accent1"/>
-          </a:fillRef>
-          <a:effectRef idx="0">
-            <a:schemeClr val="accent1"/>
-          </a:effectRef>
-          <a:fontRef idx="minor">
-            <a:schemeClr val="lt1"/>
-          </a:fontRef>
-        </p:style>
-        <p:txBody>
-          <a:bodyPr rtlCol="0" anchor="ctr"/>
-          <a:lstStyle/>
-          <a:p>
-            <a:pPr algn="ctr"/>
-            <a:endParaRPr lang="en-US">
-              <a:solidFill>
-                <a:schemeClr val="tx1"/>
-              </a:solidFill>
-            </a:endParaRPr>
-          </a:p>
-        </p:txBody>
-      </p:sp>
       <p:grpSp>
         <p:nvGrpSpPr>
-          <p:cNvPr id="25" name="Group 24"/>
+          <p:cNvPr id="2" name="Group 1"/>
           <p:cNvGrpSpPr/>
           <p:nvPr/>
         </p:nvGrpSpPr>
         <p:grpSpPr>
           <a:xfrm>
-            <a:off x="1406785" y="1002529"/>
-            <a:ext cx="1755852" cy="2566941"/>
-            <a:chOff x="265922" y="233919"/>
-            <a:chExt cx="1755852" cy="2566941"/>
+            <a:off x="1409524" y="1064066"/>
+            <a:ext cx="1752951" cy="2443867"/>
+            <a:chOff x="484632" y="484632"/>
+            <a:chExt cx="2286000" cy="3187014"/>
           </a:xfrm>
         </p:grpSpPr>
         <p:sp>
           <p:nvSpPr>
-            <p:cNvPr id="23" name="Frame 22"/>
+            <p:cNvPr id="9" name="Frame 8"/>
             <p:cNvSpPr/>
             <p:nvPr/>
           </p:nvSpPr>
           <p:spPr>
             <a:xfrm>
-              <a:off x="265922" y="233919"/>
-              <a:ext cx="1755852" cy="1755852"/>
+              <a:off x="484632" y="484632"/>
+              <a:ext cx="2286000" cy="2286000"/>
             </a:xfrm>
             <a:prstGeom prst="frame">
               <a:avLst>
-                <a:gd name="adj1" fmla="val 19031"/>
+                <a:gd name="adj1" fmla="val 22230"/>
               </a:avLst>
             </a:prstGeom>
+            <a:solidFill>
+              <a:schemeClr val="tx1"/>
+            </a:solidFill>
             <a:ln>
               <a:solidFill>
                 <a:schemeClr val="bg1"/>
@@ -4102,15 +3840,15 @@
           </p:spPr>
           <p:style>
             <a:lnRef idx="2">
-              <a:schemeClr val="dk1">
+              <a:schemeClr val="accent1">
                 <a:shade val="50000"/>
               </a:schemeClr>
             </a:lnRef>
             <a:fillRef idx="1">
-              <a:schemeClr val="dk1"/>
+              <a:schemeClr val="accent1"/>
             </a:fillRef>
             <a:effectRef idx="0">
-              <a:schemeClr val="dk1"/>
+              <a:schemeClr val="accent1"/>
             </a:effectRef>
             <a:fontRef idx="minor">
               <a:schemeClr val="lt1"/>
@@ -4131,18 +3869,21 @@
         </p:sp>
         <p:sp>
           <p:nvSpPr>
-            <p:cNvPr id="24" name="Rectangle 23"/>
+            <p:cNvPr id="10" name="Rectangle 9"/>
             <p:cNvSpPr/>
             <p:nvPr/>
           </p:nvSpPr>
           <p:spPr>
             <a:xfrm>
-              <a:off x="778088" y="2069340"/>
-              <a:ext cx="731520" cy="731520"/>
+              <a:off x="1177125" y="2770632"/>
+              <a:ext cx="901014" cy="901014"/>
             </a:xfrm>
             <a:prstGeom prst="rect">
               <a:avLst/>
             </a:prstGeom>
+            <a:solidFill>
+              <a:schemeClr val="tx1"/>
+            </a:solidFill>
             <a:ln>
               <a:solidFill>
                 <a:schemeClr val="bg1"/>
@@ -4157,15 +3898,15 @@
           </p:spPr>
           <p:style>
             <a:lnRef idx="2">
-              <a:schemeClr val="dk1">
+              <a:schemeClr val="accent1">
                 <a:shade val="50000"/>
               </a:schemeClr>
             </a:lnRef>
             <a:fillRef idx="1">
-              <a:schemeClr val="dk1"/>
+              <a:schemeClr val="accent1"/>
             </a:fillRef>
             <a:effectRef idx="0">
-              <a:schemeClr val="dk1"/>
+              <a:schemeClr val="accent1"/>
             </a:effectRef>
             <a:fontRef idx="minor">
               <a:schemeClr val="lt1"/>
@@ -4218,66 +3959,68 @@
           <a:chExt cx="0" cy="0"/>
         </a:xfrm>
       </p:grpSpPr>
+      <p:sp>
+        <p:nvSpPr>
+          <p:cNvPr id="12" name="Rectangle 11"/>
+          <p:cNvSpPr/>
+          <p:nvPr/>
+        </p:nvSpPr>
+        <p:spPr>
+          <a:xfrm>
+            <a:off x="-1" y="0"/>
+            <a:ext cx="4572000" cy="4572000"/>
+          </a:xfrm>
+          <a:prstGeom prst="rect">
+            <a:avLst/>
+          </a:prstGeom>
+          <a:solidFill>
+            <a:srgbClr val="000064"/>
+          </a:solidFill>
+          <a:ln>
+            <a:solidFill>
+              <a:srgbClr val="000064"/>
+            </a:solidFill>
+          </a:ln>
+        </p:spPr>
+        <p:style>
+          <a:lnRef idx="2">
+            <a:schemeClr val="accent1">
+              <a:shade val="50000"/>
+            </a:schemeClr>
+          </a:lnRef>
+          <a:fillRef idx="1">
+            <a:schemeClr val="accent1"/>
+          </a:fillRef>
+          <a:effectRef idx="0">
+            <a:schemeClr val="accent1"/>
+          </a:effectRef>
+          <a:fontRef idx="minor">
+            <a:schemeClr val="lt1"/>
+          </a:fontRef>
+        </p:style>
+        <p:txBody>
+          <a:bodyPr rtlCol="0" anchor="ctr"/>
+          <a:lstStyle/>
+          <a:p>
+            <a:pPr algn="ctr"/>
+            <a:endParaRPr lang="en-US"/>
+          </a:p>
+        </p:txBody>
+      </p:sp>
       <p:grpSp>
         <p:nvGrpSpPr>
-          <p:cNvPr id="11" name="Group 10"/>
+          <p:cNvPr id="2" name="Group 1"/>
           <p:cNvGrpSpPr/>
           <p:nvPr/>
         </p:nvGrpSpPr>
         <p:grpSpPr>
           <a:xfrm>
-            <a:off x="0" y="0"/>
-            <a:ext cx="4572000" cy="4572000"/>
-            <a:chOff x="0" y="0"/>
-            <a:chExt cx="4572000" cy="4572000"/>
+            <a:off x="731520" y="914400"/>
+            <a:ext cx="3108960" cy="2743200"/>
+            <a:chOff x="731520" y="914400"/>
+            <a:chExt cx="3108960" cy="2743200"/>
           </a:xfrm>
         </p:grpSpPr>
-        <p:sp>
-          <p:nvSpPr>
-            <p:cNvPr id="4" name="Oval 3"/>
-            <p:cNvSpPr/>
-            <p:nvPr/>
-          </p:nvSpPr>
-          <p:spPr>
-            <a:xfrm>
-              <a:off x="0" y="0"/>
-              <a:ext cx="4572000" cy="4572000"/>
-            </a:xfrm>
-            <a:prstGeom prst="ellipse">
-              <a:avLst/>
-            </a:prstGeom>
-            <a:solidFill>
-              <a:srgbClr val="000064"/>
-            </a:solidFill>
-            <a:ln>
-              <a:noFill/>
-            </a:ln>
-          </p:spPr>
-          <p:style>
-            <a:lnRef idx="2">
-              <a:schemeClr val="accent1">
-                <a:shade val="50000"/>
-              </a:schemeClr>
-            </a:lnRef>
-            <a:fillRef idx="1">
-              <a:schemeClr val="accent1"/>
-            </a:fillRef>
-            <a:effectRef idx="0">
-              <a:schemeClr val="accent1"/>
-            </a:effectRef>
-            <a:fontRef idx="minor">
-              <a:schemeClr val="lt1"/>
-            </a:fontRef>
-          </p:style>
-          <p:txBody>
-            <a:bodyPr rtlCol="0" anchor="ctr"/>
-            <a:lstStyle/>
-            <a:p>
-              <a:pPr algn="ctr"/>
-              <a:endParaRPr lang="en-US"/>
-            </a:p>
-          </p:txBody>
-        </p:sp>
         <p:sp>
           <p:nvSpPr>
             <p:cNvPr id="5" name="Rectangle 4"/>
@@ -4596,23 +4339,25 @@
       </p:grpSpPr>
       <p:sp>
         <p:nvSpPr>
-          <p:cNvPr id="4" name="Oval 3"/>
+          <p:cNvPr id="9" name="Rectangle 8"/>
           <p:cNvSpPr/>
           <p:nvPr/>
         </p:nvSpPr>
         <p:spPr>
           <a:xfrm>
-            <a:off x="0" y="0"/>
+            <a:off x="-1" y="0"/>
             <a:ext cx="4572000" cy="4572000"/>
           </a:xfrm>
-          <a:prstGeom prst="ellipse">
+          <a:prstGeom prst="rect">
             <a:avLst/>
           </a:prstGeom>
           <a:solidFill>
             <a:srgbClr val="000064"/>
           </a:solidFill>
           <a:ln>
-            <a:noFill/>
+            <a:solidFill>
+              <a:srgbClr val="000064"/>
+            </a:solidFill>
           </a:ln>
         </p:spPr>
         <p:style>
@@ -4853,7 +4598,7 @@
             <p:nvPr/>
           </p:nvSpPr>
           <p:spPr>
-            <a:xfrm rot="23520000">
+            <a:xfrm rot="1920000">
               <a:off x="3069332" y="719889"/>
               <a:ext cx="731520" cy="457200"/>
             </a:xfrm>
@@ -4932,23 +4677,25 @@
       </p:grpSpPr>
       <p:sp>
         <p:nvSpPr>
-          <p:cNvPr id="4" name="Oval 3"/>
+          <p:cNvPr id="6" name="Rectangle 5"/>
           <p:cNvSpPr/>
           <p:nvPr/>
         </p:nvSpPr>
         <p:spPr>
           <a:xfrm>
-            <a:off x="0" y="0"/>
+            <a:off x="-1" y="0"/>
             <a:ext cx="4572000" cy="4572000"/>
           </a:xfrm>
-          <a:prstGeom prst="ellipse">
+          <a:prstGeom prst="rect">
             <a:avLst/>
           </a:prstGeom>
           <a:solidFill>
             <a:srgbClr val="000064"/>
           </a:solidFill>
           <a:ln>
-            <a:noFill/>
+            <a:solidFill>
+              <a:srgbClr val="000064"/>
+            </a:solidFill>
           </a:ln>
         </p:spPr>
         <p:style>
@@ -5163,23 +4910,25 @@
       </p:grpSpPr>
       <p:sp>
         <p:nvSpPr>
-          <p:cNvPr id="4" name="Oval 3"/>
+          <p:cNvPr id="8" name="Rectangle 7"/>
           <p:cNvSpPr/>
           <p:nvPr/>
         </p:nvSpPr>
         <p:spPr>
           <a:xfrm>
-            <a:off x="0" y="0"/>
+            <a:off x="-1" y="0"/>
             <a:ext cx="4572000" cy="4572000"/>
           </a:xfrm>
-          <a:prstGeom prst="ellipse">
+          <a:prstGeom prst="rect">
             <a:avLst/>
           </a:prstGeom>
           <a:solidFill>
             <a:srgbClr val="000064"/>
           </a:solidFill>
           <a:ln>
-            <a:noFill/>
+            <a:solidFill>
+              <a:srgbClr val="000064"/>
+            </a:solidFill>
           </a:ln>
         </p:spPr>
         <p:style>
@@ -5476,23 +5225,25 @@
       </p:grpSpPr>
       <p:sp>
         <p:nvSpPr>
-          <p:cNvPr id="4" name="Oval 3"/>
+          <p:cNvPr id="5" name="Rectangle 4"/>
           <p:cNvSpPr/>
           <p:nvPr/>
         </p:nvSpPr>
         <p:spPr>
           <a:xfrm>
-            <a:off x="0" y="0"/>
+            <a:off x="-1" y="0"/>
             <a:ext cx="4572000" cy="4572000"/>
           </a:xfrm>
-          <a:prstGeom prst="ellipse">
+          <a:prstGeom prst="rect">
             <a:avLst/>
           </a:prstGeom>
           <a:solidFill>
             <a:srgbClr val="000064"/>
           </a:solidFill>
           <a:ln>
-            <a:noFill/>
+            <a:solidFill>
+              <a:srgbClr val="000064"/>
+            </a:solidFill>
           </a:ln>
         </p:spPr>
         <p:style>
@@ -5520,110 +5271,125 @@
           </a:p>
         </p:txBody>
       </p:sp>
-      <p:sp>
-        <p:nvSpPr>
-          <p:cNvPr id="9" name="Rectangle 8"/>
-          <p:cNvSpPr/>
+      <p:grpSp>
+        <p:nvGrpSpPr>
+          <p:cNvPr id="2" name="Group 1"/>
+          <p:cNvGrpSpPr/>
           <p:nvPr/>
-        </p:nvSpPr>
-        <p:spPr>
+        </p:nvGrpSpPr>
+        <p:grpSpPr>
           <a:xfrm>
-            <a:off x="2238990" y="1230185"/>
-            <a:ext cx="950649" cy="1556558"/>
+            <a:off x="1382359" y="1507721"/>
+            <a:ext cx="1807279" cy="1556558"/>
+            <a:chOff x="1382360" y="1230185"/>
+            <a:chExt cx="1807279" cy="1556558"/>
           </a:xfrm>
-          <a:prstGeom prst="rect">
-            <a:avLst/>
-          </a:prstGeom>
-          <a:solidFill>
-            <a:schemeClr val="bg1"/>
-          </a:solidFill>
-          <a:ln w="38100">
+        </p:grpSpPr>
+        <p:sp>
+          <p:nvSpPr>
+            <p:cNvPr id="9" name="Rectangle 8"/>
+            <p:cNvSpPr/>
+            <p:nvPr/>
+          </p:nvSpPr>
+          <p:spPr>
+            <a:xfrm>
+              <a:off x="2238990" y="1230185"/>
+              <a:ext cx="950649" cy="1556558"/>
+            </a:xfrm>
+            <a:prstGeom prst="rect">
+              <a:avLst/>
+            </a:prstGeom>
             <a:solidFill>
-              <a:srgbClr val="000064"/>
+              <a:schemeClr val="bg1"/>
             </a:solidFill>
-          </a:ln>
-          <a:scene3d>
-            <a:camera prst="isometricOffAxis1Right"/>
-            <a:lightRig rig="threePt" dir="t"/>
-          </a:scene3d>
-        </p:spPr>
-        <p:style>
-          <a:lnRef idx="2">
-            <a:schemeClr val="accent1">
-              <a:shade val="50000"/>
-            </a:schemeClr>
-          </a:lnRef>
-          <a:fillRef idx="1">
-            <a:schemeClr val="accent1"/>
-          </a:fillRef>
-          <a:effectRef idx="0">
-            <a:schemeClr val="accent1"/>
-          </a:effectRef>
-          <a:fontRef idx="minor">
-            <a:schemeClr val="lt1"/>
-          </a:fontRef>
-        </p:style>
-        <p:txBody>
-          <a:bodyPr rtlCol="0" anchor="ctr"/>
-          <a:lstStyle/>
-          <a:p>
-            <a:pPr algn="ctr"/>
-            <a:endParaRPr lang="en-US"/>
-          </a:p>
-        </p:txBody>
-      </p:sp>
-      <p:sp>
-        <p:nvSpPr>
-          <p:cNvPr id="10" name="Rectangle 9"/>
-          <p:cNvSpPr/>
-          <p:nvPr/>
-        </p:nvSpPr>
-        <p:spPr>
-          <a:xfrm>
-            <a:off x="1382360" y="1230185"/>
-            <a:ext cx="950649" cy="1556558"/>
-          </a:xfrm>
-          <a:prstGeom prst="rect">
-            <a:avLst/>
-          </a:prstGeom>
-          <a:solidFill>
-            <a:schemeClr val="bg1"/>
-          </a:solidFill>
-          <a:ln w="38100">
+            <a:ln w="38100">
+              <a:solidFill>
+                <a:srgbClr val="000064"/>
+              </a:solidFill>
+            </a:ln>
+            <a:scene3d>
+              <a:camera prst="isometricOffAxis1Right"/>
+              <a:lightRig rig="threePt" dir="t"/>
+            </a:scene3d>
+          </p:spPr>
+          <p:style>
+            <a:lnRef idx="2">
+              <a:schemeClr val="accent1">
+                <a:shade val="50000"/>
+              </a:schemeClr>
+            </a:lnRef>
+            <a:fillRef idx="1">
+              <a:schemeClr val="accent1"/>
+            </a:fillRef>
+            <a:effectRef idx="0">
+              <a:schemeClr val="accent1"/>
+            </a:effectRef>
+            <a:fontRef idx="minor">
+              <a:schemeClr val="lt1"/>
+            </a:fontRef>
+          </p:style>
+          <p:txBody>
+            <a:bodyPr rtlCol="0" anchor="ctr"/>
+            <a:lstStyle/>
+            <a:p>
+              <a:pPr algn="ctr"/>
+              <a:endParaRPr lang="en-US"/>
+            </a:p>
+          </p:txBody>
+        </p:sp>
+        <p:sp>
+          <p:nvSpPr>
+            <p:cNvPr id="10" name="Rectangle 9"/>
+            <p:cNvSpPr/>
+            <p:nvPr/>
+          </p:nvSpPr>
+          <p:spPr>
+            <a:xfrm>
+              <a:off x="1382360" y="1230185"/>
+              <a:ext cx="950649" cy="1556558"/>
+            </a:xfrm>
+            <a:prstGeom prst="rect">
+              <a:avLst/>
+            </a:prstGeom>
             <a:solidFill>
-              <a:srgbClr val="000064"/>
+              <a:schemeClr val="bg1"/>
             </a:solidFill>
-          </a:ln>
-          <a:scene3d>
-            <a:camera prst="isometricOffAxis2Left"/>
-            <a:lightRig rig="threePt" dir="t"/>
-          </a:scene3d>
-        </p:spPr>
-        <p:style>
-          <a:lnRef idx="2">
-            <a:schemeClr val="accent1">
-              <a:shade val="50000"/>
-            </a:schemeClr>
-          </a:lnRef>
-          <a:fillRef idx="1">
-            <a:schemeClr val="accent1"/>
-          </a:fillRef>
-          <a:effectRef idx="0">
-            <a:schemeClr val="accent1"/>
-          </a:effectRef>
-          <a:fontRef idx="minor">
-            <a:schemeClr val="lt1"/>
-          </a:fontRef>
-        </p:style>
-        <p:txBody>
-          <a:bodyPr rtlCol="0" anchor="ctr"/>
-          <a:lstStyle/>
-          <a:p>
-            <a:pPr algn="ctr"/>
-            <a:endParaRPr lang="en-US"/>
-          </a:p>
-        </p:txBody>
-      </p:sp>
+            <a:ln w="38100">
+              <a:solidFill>
+                <a:srgbClr val="000064"/>
+              </a:solidFill>
+            </a:ln>
+            <a:scene3d>
+              <a:camera prst="isometricOffAxis2Left"/>
+              <a:lightRig rig="threePt" dir="t"/>
+            </a:scene3d>
+          </p:spPr>
+          <p:style>
+            <a:lnRef idx="2">
+              <a:schemeClr val="accent1">
+                <a:shade val="50000"/>
+              </a:schemeClr>
+            </a:lnRef>
+            <a:fillRef idx="1">
+              <a:schemeClr val="accent1"/>
+            </a:fillRef>
+            <a:effectRef idx="0">
+              <a:schemeClr val="accent1"/>
+            </a:effectRef>
+            <a:fontRef idx="minor">
+              <a:schemeClr val="lt1"/>
+            </a:fontRef>
+          </p:style>
+          <p:txBody>
+            <a:bodyPr rtlCol="0" anchor="ctr"/>
+            <a:lstStyle/>
+            <a:p>
+              <a:pPr algn="ctr"/>
+              <a:endParaRPr lang="en-US"/>
+            </a:p>
+          </p:txBody>
+        </p:sp>
+      </p:grpSp>
     </p:spTree>
     <p:extLst>
       <p:ext uri="{BB962C8B-B14F-4D97-AF65-F5344CB8AC3E}">
@@ -5663,23 +5429,25 @@
       </p:grpSpPr>
       <p:sp>
         <p:nvSpPr>
-          <p:cNvPr id="4" name="Oval 3"/>
+          <p:cNvPr id="7" name="Rectangle 6"/>
           <p:cNvSpPr/>
           <p:nvPr/>
         </p:nvSpPr>
         <p:spPr>
           <a:xfrm>
-            <a:off x="0" y="0"/>
+            <a:off x="-1" y="0"/>
             <a:ext cx="4572000" cy="4572000"/>
           </a:xfrm>
-          <a:prstGeom prst="ellipse">
+          <a:prstGeom prst="rect">
             <a:avLst/>
           </a:prstGeom>
           <a:solidFill>
             <a:srgbClr val="000064"/>
           </a:solidFill>
           <a:ln>
-            <a:noFill/>
+            <a:solidFill>
+              <a:srgbClr val="000064"/>
+            </a:solidFill>
           </a:ln>
         </p:spPr>
         <p:style>
@@ -5938,7 +5706,7 @@
       </p:grpSpPr>
       <p:sp>
         <p:nvSpPr>
-          <p:cNvPr id="4" name="Oval 3"/>
+          <p:cNvPr id="8" name="Rectangle 7"/>
           <p:cNvSpPr/>
           <p:nvPr/>
         </p:nvSpPr>
@@ -5946,6 +5714,198 @@
           <a:xfrm>
             <a:off x="0" y="0"/>
             <a:ext cx="4572000" cy="4572000"/>
+          </a:xfrm>
+          <a:prstGeom prst="rect">
+            <a:avLst/>
+          </a:prstGeom>
+          <a:solidFill>
+            <a:srgbClr val="000064"/>
+          </a:solidFill>
+          <a:ln>
+            <a:solidFill>
+              <a:srgbClr val="000064"/>
+            </a:solidFill>
+          </a:ln>
+        </p:spPr>
+        <p:style>
+          <a:lnRef idx="2">
+            <a:schemeClr val="accent1">
+              <a:shade val="50000"/>
+            </a:schemeClr>
+          </a:lnRef>
+          <a:fillRef idx="1">
+            <a:schemeClr val="accent1"/>
+          </a:fillRef>
+          <a:effectRef idx="0">
+            <a:schemeClr val="accent1"/>
+          </a:effectRef>
+          <a:fontRef idx="minor">
+            <a:schemeClr val="lt1"/>
+          </a:fontRef>
+        </p:style>
+        <p:txBody>
+          <a:bodyPr rtlCol="0" anchor="ctr"/>
+          <a:lstStyle/>
+          <a:p>
+            <a:pPr algn="ctr"/>
+            <a:endParaRPr lang="en-US"/>
+          </a:p>
+        </p:txBody>
+      </p:sp>
+      <p:sp>
+        <p:nvSpPr>
+          <p:cNvPr id="2" name="Rounded Rectangle 1"/>
+          <p:cNvSpPr/>
+          <p:nvPr/>
+        </p:nvSpPr>
+        <p:spPr>
+          <a:xfrm>
+            <a:off x="1485900" y="800100"/>
+            <a:ext cx="1600200" cy="2971800"/>
+          </a:xfrm>
+          <a:prstGeom prst="roundRect">
+            <a:avLst>
+              <a:gd name="adj" fmla="val 4312"/>
+            </a:avLst>
+          </a:prstGeom>
+          <a:solidFill>
+            <a:schemeClr val="bg1"/>
+          </a:solidFill>
+          <a:ln>
+            <a:solidFill>
+              <a:srgbClr val="000064"/>
+            </a:solidFill>
+          </a:ln>
+        </p:spPr>
+        <p:style>
+          <a:lnRef idx="2">
+            <a:schemeClr val="accent1">
+              <a:shade val="50000"/>
+            </a:schemeClr>
+          </a:lnRef>
+          <a:fillRef idx="1">
+            <a:schemeClr val="accent1"/>
+          </a:fillRef>
+          <a:effectRef idx="0">
+            <a:schemeClr val="accent1"/>
+          </a:effectRef>
+          <a:fontRef idx="minor">
+            <a:schemeClr val="lt1"/>
+          </a:fontRef>
+        </p:style>
+        <p:txBody>
+          <a:bodyPr rtlCol="0" anchor="ctr"/>
+          <a:lstStyle/>
+          <a:p>
+            <a:pPr algn="ctr"/>
+            <a:endParaRPr lang="en-US"/>
+          </a:p>
+        </p:txBody>
+      </p:sp>
+      <p:sp>
+        <p:nvSpPr>
+          <p:cNvPr id="3" name="Rectangle 2"/>
+          <p:cNvSpPr/>
+          <p:nvPr/>
+        </p:nvSpPr>
+        <p:spPr>
+          <a:xfrm>
+            <a:off x="1600200" y="1028700"/>
+            <a:ext cx="1371600" cy="2514600"/>
+          </a:xfrm>
+          <a:prstGeom prst="rect">
+            <a:avLst/>
+          </a:prstGeom>
+          <a:solidFill>
+            <a:srgbClr val="000064"/>
+          </a:solidFill>
+          <a:ln>
+            <a:solidFill>
+              <a:schemeClr val="bg1"/>
+            </a:solidFill>
+          </a:ln>
+        </p:spPr>
+        <p:style>
+          <a:lnRef idx="2">
+            <a:schemeClr val="accent1">
+              <a:shade val="50000"/>
+            </a:schemeClr>
+          </a:lnRef>
+          <a:fillRef idx="1">
+            <a:schemeClr val="accent1"/>
+          </a:fillRef>
+          <a:effectRef idx="0">
+            <a:schemeClr val="accent1"/>
+          </a:effectRef>
+          <a:fontRef idx="minor">
+            <a:schemeClr val="lt1"/>
+          </a:fontRef>
+        </p:style>
+        <p:txBody>
+          <a:bodyPr rtlCol="0" anchor="ctr"/>
+          <a:lstStyle/>
+          <a:p>
+            <a:pPr algn="ctr"/>
+            <a:endParaRPr lang="en-US"/>
+          </a:p>
+        </p:txBody>
+      </p:sp>
+      <p:sp>
+        <p:nvSpPr>
+          <p:cNvPr id="5" name="Rounded Rectangle 4"/>
+          <p:cNvSpPr/>
+          <p:nvPr/>
+        </p:nvSpPr>
+        <p:spPr>
+          <a:xfrm>
+            <a:off x="2171700" y="3589020"/>
+            <a:ext cx="228600" cy="137160"/>
+          </a:xfrm>
+          <a:prstGeom prst="roundRect">
+            <a:avLst/>
+          </a:prstGeom>
+          <a:solidFill>
+            <a:srgbClr val="000064"/>
+          </a:solidFill>
+          <a:ln>
+            <a:noFill/>
+          </a:ln>
+        </p:spPr>
+        <p:style>
+          <a:lnRef idx="2">
+            <a:schemeClr val="accent1">
+              <a:shade val="50000"/>
+            </a:schemeClr>
+          </a:lnRef>
+          <a:fillRef idx="1">
+            <a:schemeClr val="accent1"/>
+          </a:fillRef>
+          <a:effectRef idx="0">
+            <a:schemeClr val="accent1"/>
+          </a:effectRef>
+          <a:fontRef idx="minor">
+            <a:schemeClr val="lt1"/>
+          </a:fontRef>
+        </p:style>
+        <p:txBody>
+          <a:bodyPr rtlCol="0" anchor="ctr"/>
+          <a:lstStyle/>
+          <a:p>
+            <a:pPr algn="ctr"/>
+            <a:endParaRPr lang="en-US"/>
+          </a:p>
+        </p:txBody>
+      </p:sp>
+      <p:sp>
+        <p:nvSpPr>
+          <p:cNvPr id="6" name="Oval 5"/>
+          <p:cNvSpPr/>
+          <p:nvPr/>
+        </p:nvSpPr>
+        <p:spPr>
+          <a:xfrm>
+            <a:off x="2515630" y="868680"/>
+            <a:ext cx="91440" cy="91440"/>
           </a:xfrm>
           <a:prstGeom prst="ellipse">
             <a:avLst/>
@@ -5982,176 +5942,58 @@
           </a:p>
         </p:txBody>
       </p:sp>
-      <p:grpSp>
-        <p:nvGrpSpPr>
-          <p:cNvPr id="12" name="Group 11"/>
-          <p:cNvGrpSpPr/>
+      <p:sp>
+        <p:nvSpPr>
+          <p:cNvPr id="7" name="Rounded Rectangle 6"/>
+          <p:cNvSpPr/>
           <p:nvPr/>
-        </p:nvGrpSpPr>
-        <p:grpSpPr>
+        </p:nvSpPr>
+        <p:spPr>
           <a:xfrm>
-            <a:off x="771525" y="1355844"/>
-            <a:ext cx="2967037" cy="1863244"/>
-            <a:chOff x="771525" y="1355844"/>
-            <a:chExt cx="2967037" cy="1863244"/>
+            <a:off x="2217420" y="891540"/>
+            <a:ext cx="137160" cy="45719"/>
           </a:xfrm>
-        </p:grpSpPr>
-        <p:sp>
-          <p:nvSpPr>
-            <p:cNvPr id="9" name="Rounded Rectangle 8"/>
-            <p:cNvSpPr/>
-            <p:nvPr/>
-          </p:nvSpPr>
-          <p:spPr>
-            <a:xfrm>
-              <a:off x="1471612" y="1355844"/>
-              <a:ext cx="2266950" cy="1396699"/>
-            </a:xfrm>
-            <a:prstGeom prst="roundRect">
-              <a:avLst>
-                <a:gd name="adj" fmla="val 2821"/>
-              </a:avLst>
-            </a:prstGeom>
-            <a:solidFill>
-              <a:srgbClr val="000064"/>
-            </a:solidFill>
-            <a:ln w="76200">
-              <a:solidFill>
-                <a:schemeClr val="bg1"/>
-              </a:solidFill>
-            </a:ln>
-          </p:spPr>
-          <p:style>
-            <a:lnRef idx="2">
-              <a:schemeClr val="accent1">
-                <a:shade val="50000"/>
-              </a:schemeClr>
-            </a:lnRef>
-            <a:fillRef idx="1">
-              <a:schemeClr val="accent1"/>
-            </a:fillRef>
-            <a:effectRef idx="0">
-              <a:schemeClr val="accent1"/>
-            </a:effectRef>
-            <a:fontRef idx="minor">
-              <a:schemeClr val="lt1"/>
-            </a:fontRef>
-          </p:style>
-          <p:txBody>
-            <a:bodyPr rtlCol="0" anchor="ctr"/>
-            <a:lstStyle/>
-            <a:p>
-              <a:pPr algn="ctr"/>
-              <a:endParaRPr lang="en-US"/>
-            </a:p>
-          </p:txBody>
-        </p:sp>
-        <p:sp>
-          <p:nvSpPr>
-            <p:cNvPr id="8" name="Rounded Rectangle 7"/>
-            <p:cNvSpPr/>
-            <p:nvPr/>
-          </p:nvSpPr>
-          <p:spPr>
-            <a:xfrm>
-              <a:off x="771525" y="2285999"/>
-              <a:ext cx="1514475" cy="933089"/>
-            </a:xfrm>
-            <a:prstGeom prst="roundRect">
-              <a:avLst>
-                <a:gd name="adj" fmla="val 2821"/>
-              </a:avLst>
-            </a:prstGeom>
-            <a:solidFill>
-              <a:srgbClr val="000064"/>
-            </a:solidFill>
-            <a:ln w="76200">
-              <a:solidFill>
-                <a:schemeClr val="bg1"/>
-              </a:solidFill>
-            </a:ln>
-          </p:spPr>
-          <p:style>
-            <a:lnRef idx="2">
-              <a:schemeClr val="accent1">
-                <a:shade val="50000"/>
-              </a:schemeClr>
-            </a:lnRef>
-            <a:fillRef idx="1">
-              <a:schemeClr val="accent1"/>
-            </a:fillRef>
-            <a:effectRef idx="0">
-              <a:schemeClr val="accent1"/>
-            </a:effectRef>
-            <a:fontRef idx="minor">
-              <a:schemeClr val="lt1"/>
-            </a:fontRef>
-          </p:style>
-          <p:txBody>
-            <a:bodyPr rtlCol="0" anchor="ctr"/>
-            <a:lstStyle/>
-            <a:p>
-              <a:pPr algn="ctr"/>
-              <a:endParaRPr lang="en-US"/>
-            </a:p>
-          </p:txBody>
-        </p:sp>
-        <p:sp>
-          <p:nvSpPr>
-            <p:cNvPr id="11" name="Up Arrow 10"/>
-            <p:cNvSpPr/>
-            <p:nvPr/>
-          </p:nvSpPr>
-          <p:spPr>
-            <a:xfrm rot="2700000">
-              <a:off x="2047901" y="1530790"/>
-              <a:ext cx="557212" cy="1510417"/>
-            </a:xfrm>
-            <a:prstGeom prst="upArrow">
-              <a:avLst>
-                <a:gd name="adj1" fmla="val 50000"/>
-                <a:gd name="adj2" fmla="val 76318"/>
-              </a:avLst>
-            </a:prstGeom>
-            <a:solidFill>
-              <a:schemeClr val="bg1"/>
-            </a:solidFill>
-            <a:ln w="38100">
-              <a:solidFill>
-                <a:srgbClr val="000064"/>
-              </a:solidFill>
-            </a:ln>
-          </p:spPr>
-          <p:style>
-            <a:lnRef idx="2">
-              <a:schemeClr val="accent1">
-                <a:shade val="50000"/>
-              </a:schemeClr>
-            </a:lnRef>
-            <a:fillRef idx="1">
-              <a:schemeClr val="accent1"/>
-            </a:fillRef>
-            <a:effectRef idx="0">
-              <a:schemeClr val="accent1"/>
-            </a:effectRef>
-            <a:fontRef idx="minor">
-              <a:schemeClr val="lt1"/>
-            </a:fontRef>
-          </p:style>
-          <p:txBody>
-            <a:bodyPr rtlCol="0" anchor="ctr"/>
-            <a:lstStyle/>
-            <a:p>
-              <a:pPr algn="ctr"/>
-              <a:endParaRPr lang="en-US"/>
-            </a:p>
-          </p:txBody>
-        </p:sp>
-      </p:grpSp>
+          <a:prstGeom prst="roundRect">
+            <a:avLst>
+              <a:gd name="adj" fmla="val 38584"/>
+            </a:avLst>
+          </a:prstGeom>
+          <a:solidFill>
+            <a:srgbClr val="000064"/>
+          </a:solidFill>
+          <a:ln>
+            <a:noFill/>
+          </a:ln>
+        </p:spPr>
+        <p:style>
+          <a:lnRef idx="2">
+            <a:schemeClr val="accent1">
+              <a:shade val="50000"/>
+            </a:schemeClr>
+          </a:lnRef>
+          <a:fillRef idx="1">
+            <a:schemeClr val="accent1"/>
+          </a:fillRef>
+          <a:effectRef idx="0">
+            <a:schemeClr val="accent1"/>
+          </a:effectRef>
+          <a:fontRef idx="minor">
+            <a:schemeClr val="lt1"/>
+          </a:fontRef>
+        </p:style>
+        <p:txBody>
+          <a:bodyPr rtlCol="0" anchor="ctr"/>
+          <a:lstStyle/>
+          <a:p>
+            <a:pPr algn="ctr"/>
+            <a:endParaRPr lang="en-US"/>
+          </a:p>
+        </p:txBody>
+      </p:sp>
     </p:spTree>
     <p:extLst>
       <p:ext uri="{BB962C8B-B14F-4D97-AF65-F5344CB8AC3E}">
-        <p14:creationId xmlns:p14="http://schemas.microsoft.com/office/powerpoint/2010/main" val="540015416"/>
+        <p14:creationId xmlns:p14="http://schemas.microsoft.com/office/powerpoint/2010/main" val="2775428243"/>
       </p:ext>
     </p:extLst>
   </p:cSld>

--- a/Files/img/icons/icons.pptx
+++ b/Files/img/icons/icons.pptx
@@ -8,15 +8,17 @@
     <p:sldId id="261" r:id="rId2"/>
     <p:sldId id="265" r:id="rId3"/>
     <p:sldId id="256" r:id="rId4"/>
-    <p:sldId id="257" r:id="rId5"/>
-    <p:sldId id="259" r:id="rId6"/>
-    <p:sldId id="258" r:id="rId7"/>
-    <p:sldId id="262" r:id="rId8"/>
-    <p:sldId id="266" r:id="rId9"/>
-    <p:sldId id="268" r:id="rId10"/>
-    <p:sldId id="264" r:id="rId11"/>
-    <p:sldId id="267" r:id="rId12"/>
-    <p:sldId id="269" r:id="rId13"/>
+    <p:sldId id="270" r:id="rId5"/>
+    <p:sldId id="271" r:id="rId6"/>
+    <p:sldId id="268" r:id="rId7"/>
+    <p:sldId id="266" r:id="rId8"/>
+    <p:sldId id="257" r:id="rId9"/>
+    <p:sldId id="259" r:id="rId10"/>
+    <p:sldId id="258" r:id="rId11"/>
+    <p:sldId id="262" r:id="rId12"/>
+    <p:sldId id="264" r:id="rId13"/>
+    <p:sldId id="267" r:id="rId14"/>
+    <p:sldId id="269" r:id="rId15"/>
   </p:sldIdLst>
   <p:sldSz cx="12192000" cy="6858000"/>
   <p:notesSz cx="6858000" cy="9144000"/>
@@ -254,7 +256,7 @@
           <a:p>
             <a:fld id="{CC428904-F1C2-4D26-8D70-F5FEF6F0A606}" type="datetimeFigureOut">
               <a:rPr lang="en-US" smtClean="0"/>
-              <a:t>1/20/2017</a:t>
+              <a:t>1/22/2017</a:t>
             </a:fld>
             <a:endParaRPr lang="en-US"/>
           </a:p>
@@ -424,7 +426,7 @@
           <a:p>
             <a:fld id="{CC428904-F1C2-4D26-8D70-F5FEF6F0A606}" type="datetimeFigureOut">
               <a:rPr lang="en-US" smtClean="0"/>
-              <a:t>1/20/2017</a:t>
+              <a:t>1/22/2017</a:t>
             </a:fld>
             <a:endParaRPr lang="en-US"/>
           </a:p>
@@ -604,7 +606,7 @@
           <a:p>
             <a:fld id="{CC428904-F1C2-4D26-8D70-F5FEF6F0A606}" type="datetimeFigureOut">
               <a:rPr lang="en-US" smtClean="0"/>
-              <a:t>1/20/2017</a:t>
+              <a:t>1/22/2017</a:t>
             </a:fld>
             <a:endParaRPr lang="en-US"/>
           </a:p>
@@ -774,7 +776,7 @@
           <a:p>
             <a:fld id="{CC428904-F1C2-4D26-8D70-F5FEF6F0A606}" type="datetimeFigureOut">
               <a:rPr lang="en-US" smtClean="0"/>
-              <a:t>1/20/2017</a:t>
+              <a:t>1/22/2017</a:t>
             </a:fld>
             <a:endParaRPr lang="en-US"/>
           </a:p>
@@ -1020,7 +1022,7 @@
           <a:p>
             <a:fld id="{CC428904-F1C2-4D26-8D70-F5FEF6F0A606}" type="datetimeFigureOut">
               <a:rPr lang="en-US" smtClean="0"/>
-              <a:t>1/20/2017</a:t>
+              <a:t>1/22/2017</a:t>
             </a:fld>
             <a:endParaRPr lang="en-US"/>
           </a:p>
@@ -1252,7 +1254,7 @@
           <a:p>
             <a:fld id="{CC428904-F1C2-4D26-8D70-F5FEF6F0A606}" type="datetimeFigureOut">
               <a:rPr lang="en-US" smtClean="0"/>
-              <a:t>1/20/2017</a:t>
+              <a:t>1/22/2017</a:t>
             </a:fld>
             <a:endParaRPr lang="en-US"/>
           </a:p>
@@ -1619,7 +1621,7 @@
           <a:p>
             <a:fld id="{CC428904-F1C2-4D26-8D70-F5FEF6F0A606}" type="datetimeFigureOut">
               <a:rPr lang="en-US" smtClean="0"/>
-              <a:t>1/20/2017</a:t>
+              <a:t>1/22/2017</a:t>
             </a:fld>
             <a:endParaRPr lang="en-US"/>
           </a:p>
@@ -1737,7 +1739,7 @@
           <a:p>
             <a:fld id="{CC428904-F1C2-4D26-8D70-F5FEF6F0A606}" type="datetimeFigureOut">
               <a:rPr lang="en-US" smtClean="0"/>
-              <a:t>1/20/2017</a:t>
+              <a:t>1/22/2017</a:t>
             </a:fld>
             <a:endParaRPr lang="en-US"/>
           </a:p>
@@ -1832,7 +1834,7 @@
           <a:p>
             <a:fld id="{CC428904-F1C2-4D26-8D70-F5FEF6F0A606}" type="datetimeFigureOut">
               <a:rPr lang="en-US" smtClean="0"/>
-              <a:t>1/20/2017</a:t>
+              <a:t>1/22/2017</a:t>
             </a:fld>
             <a:endParaRPr lang="en-US"/>
           </a:p>
@@ -2109,7 +2111,7 @@
           <a:p>
             <a:fld id="{CC428904-F1C2-4D26-8D70-F5FEF6F0A606}" type="datetimeFigureOut">
               <a:rPr lang="en-US" smtClean="0"/>
-              <a:t>1/20/2017</a:t>
+              <a:t>1/22/2017</a:t>
             </a:fld>
             <a:endParaRPr lang="en-US"/>
           </a:p>
@@ -2362,7 +2364,7 @@
           <a:p>
             <a:fld id="{CC428904-F1C2-4D26-8D70-F5FEF6F0A606}" type="datetimeFigureOut">
               <a:rPr lang="en-US" smtClean="0"/>
-              <a:t>1/20/2017</a:t>
+              <a:t>1/22/2017</a:t>
             </a:fld>
             <a:endParaRPr lang="en-US"/>
           </a:p>
@@ -2575,7 +2577,7 @@
           <a:p>
             <a:fld id="{CC428904-F1C2-4D26-8D70-F5FEF6F0A606}" type="datetimeFigureOut">
               <a:rPr lang="en-US" smtClean="0"/>
-              <a:t>1/20/2017</a:t>
+              <a:t>1/22/2017</a:t>
             </a:fld>
             <a:endParaRPr lang="en-US"/>
           </a:p>
@@ -3158,6 +3160,525 @@
       </p:grpSpPr>
       <p:sp>
         <p:nvSpPr>
+          <p:cNvPr id="8" name="Rectangle 7"/>
+          <p:cNvSpPr/>
+          <p:nvPr/>
+        </p:nvSpPr>
+        <p:spPr>
+          <a:xfrm>
+            <a:off x="-1" y="0"/>
+            <a:ext cx="4572000" cy="4572000"/>
+          </a:xfrm>
+          <a:prstGeom prst="rect">
+            <a:avLst/>
+          </a:prstGeom>
+          <a:solidFill>
+            <a:srgbClr val="000064"/>
+          </a:solidFill>
+          <a:ln>
+            <a:solidFill>
+              <a:srgbClr val="000064"/>
+            </a:solidFill>
+          </a:ln>
+        </p:spPr>
+        <p:style>
+          <a:lnRef idx="2">
+            <a:schemeClr val="accent1">
+              <a:shade val="50000"/>
+            </a:schemeClr>
+          </a:lnRef>
+          <a:fillRef idx="1">
+            <a:schemeClr val="accent1"/>
+          </a:fillRef>
+          <a:effectRef idx="0">
+            <a:schemeClr val="accent1"/>
+          </a:effectRef>
+          <a:fontRef idx="minor">
+            <a:schemeClr val="lt1"/>
+          </a:fontRef>
+        </p:style>
+        <p:txBody>
+          <a:bodyPr rtlCol="0" anchor="ctr"/>
+          <a:lstStyle/>
+          <a:p>
+            <a:pPr algn="ctr"/>
+            <a:endParaRPr lang="en-US"/>
+          </a:p>
+        </p:txBody>
+      </p:sp>
+      <p:sp>
+        <p:nvSpPr>
+          <p:cNvPr id="3" name="Rectangle 2"/>
+          <p:cNvSpPr/>
+          <p:nvPr/>
+        </p:nvSpPr>
+        <p:spPr>
+          <a:xfrm>
+            <a:off x="1874520" y="661016"/>
+            <a:ext cx="822960" cy="822960"/>
+          </a:xfrm>
+          <a:prstGeom prst="rect">
+            <a:avLst/>
+          </a:prstGeom>
+          <a:solidFill>
+            <a:schemeClr val="bg1"/>
+          </a:solidFill>
+          <a:ln>
+            <a:noFill/>
+          </a:ln>
+        </p:spPr>
+        <p:style>
+          <a:lnRef idx="2">
+            <a:schemeClr val="accent1">
+              <a:shade val="50000"/>
+            </a:schemeClr>
+          </a:lnRef>
+          <a:fillRef idx="1">
+            <a:schemeClr val="accent1"/>
+          </a:fillRef>
+          <a:effectRef idx="0">
+            <a:schemeClr val="accent1"/>
+          </a:effectRef>
+          <a:fontRef idx="minor">
+            <a:schemeClr val="lt1"/>
+          </a:fontRef>
+        </p:style>
+        <p:txBody>
+          <a:bodyPr rtlCol="0" anchor="ctr"/>
+          <a:lstStyle/>
+          <a:p>
+            <a:pPr algn="ctr"/>
+            <a:endParaRPr lang="en-US"/>
+          </a:p>
+        </p:txBody>
+      </p:sp>
+      <p:sp>
+        <p:nvSpPr>
+          <p:cNvPr id="12" name="Rectangle 11"/>
+          <p:cNvSpPr/>
+          <p:nvPr/>
+        </p:nvSpPr>
+        <p:spPr>
+          <a:xfrm>
+            <a:off x="1600200" y="1770611"/>
+            <a:ext cx="1371600" cy="2518756"/>
+          </a:xfrm>
+          <a:prstGeom prst="rect">
+            <a:avLst/>
+          </a:prstGeom>
+          <a:solidFill>
+            <a:schemeClr val="bg1"/>
+          </a:solidFill>
+          <a:ln>
+            <a:noFill/>
+          </a:ln>
+        </p:spPr>
+        <p:style>
+          <a:lnRef idx="2">
+            <a:schemeClr val="accent1">
+              <a:shade val="50000"/>
+            </a:schemeClr>
+          </a:lnRef>
+          <a:fillRef idx="1">
+            <a:schemeClr val="accent1"/>
+          </a:fillRef>
+          <a:effectRef idx="0">
+            <a:schemeClr val="accent1"/>
+          </a:effectRef>
+          <a:fontRef idx="minor">
+            <a:schemeClr val="lt1"/>
+          </a:fontRef>
+        </p:style>
+        <p:txBody>
+          <a:bodyPr rtlCol="0" anchor="ctr"/>
+          <a:lstStyle/>
+          <a:p>
+            <a:pPr algn="ctr"/>
+            <a:endParaRPr lang="en-US"/>
+          </a:p>
+        </p:txBody>
+      </p:sp>
+      <p:sp>
+        <p:nvSpPr>
+          <p:cNvPr id="13" name="Rectangle 12"/>
+          <p:cNvSpPr/>
+          <p:nvPr/>
+        </p:nvSpPr>
+        <p:spPr>
+          <a:xfrm>
+            <a:off x="914400" y="1770611"/>
+            <a:ext cx="2743200" cy="457200"/>
+          </a:xfrm>
+          <a:prstGeom prst="rect">
+            <a:avLst/>
+          </a:prstGeom>
+          <a:solidFill>
+            <a:schemeClr val="bg1"/>
+          </a:solidFill>
+          <a:ln>
+            <a:noFill/>
+          </a:ln>
+        </p:spPr>
+        <p:style>
+          <a:lnRef idx="2">
+            <a:schemeClr val="accent1">
+              <a:shade val="50000"/>
+            </a:schemeClr>
+          </a:lnRef>
+          <a:fillRef idx="1">
+            <a:schemeClr val="accent1"/>
+          </a:fillRef>
+          <a:effectRef idx="0">
+            <a:schemeClr val="accent1"/>
+          </a:effectRef>
+          <a:fontRef idx="minor">
+            <a:schemeClr val="lt1"/>
+          </a:fontRef>
+        </p:style>
+        <p:txBody>
+          <a:bodyPr rtlCol="0" anchor="ctr"/>
+          <a:lstStyle/>
+          <a:p>
+            <a:pPr algn="ctr"/>
+            <a:endParaRPr lang="en-US"/>
+          </a:p>
+        </p:txBody>
+      </p:sp>
+      <p:sp>
+        <p:nvSpPr>
+          <p:cNvPr id="14" name="Rectangle 13"/>
+          <p:cNvSpPr/>
+          <p:nvPr/>
+        </p:nvSpPr>
+        <p:spPr>
+          <a:xfrm>
+            <a:off x="914400" y="2113588"/>
+            <a:ext cx="423949" cy="1477510"/>
+          </a:xfrm>
+          <a:prstGeom prst="rect">
+            <a:avLst/>
+          </a:prstGeom>
+          <a:solidFill>
+            <a:schemeClr val="bg1"/>
+          </a:solidFill>
+          <a:ln>
+            <a:noFill/>
+          </a:ln>
+        </p:spPr>
+        <p:style>
+          <a:lnRef idx="2">
+            <a:schemeClr val="accent1">
+              <a:shade val="50000"/>
+            </a:schemeClr>
+          </a:lnRef>
+          <a:fillRef idx="1">
+            <a:schemeClr val="accent1"/>
+          </a:fillRef>
+          <a:effectRef idx="0">
+            <a:schemeClr val="accent1"/>
+          </a:effectRef>
+          <a:fontRef idx="minor">
+            <a:schemeClr val="lt1"/>
+          </a:fontRef>
+        </p:style>
+        <p:txBody>
+          <a:bodyPr rtlCol="0" anchor="ctr"/>
+          <a:lstStyle/>
+          <a:p>
+            <a:pPr algn="ctr"/>
+            <a:endParaRPr lang="en-US"/>
+          </a:p>
+        </p:txBody>
+      </p:sp>
+      <p:sp>
+        <p:nvSpPr>
+          <p:cNvPr id="15" name="Rectangle 14"/>
+          <p:cNvSpPr/>
+          <p:nvPr/>
+        </p:nvSpPr>
+        <p:spPr>
+          <a:xfrm>
+            <a:off x="3233651" y="2113588"/>
+            <a:ext cx="423949" cy="1477510"/>
+          </a:xfrm>
+          <a:prstGeom prst="rect">
+            <a:avLst/>
+          </a:prstGeom>
+          <a:solidFill>
+            <a:schemeClr val="bg1"/>
+          </a:solidFill>
+          <a:ln>
+            <a:noFill/>
+          </a:ln>
+        </p:spPr>
+        <p:style>
+          <a:lnRef idx="2">
+            <a:schemeClr val="accent1">
+              <a:shade val="50000"/>
+            </a:schemeClr>
+          </a:lnRef>
+          <a:fillRef idx="1">
+            <a:schemeClr val="accent1"/>
+          </a:fillRef>
+          <a:effectRef idx="0">
+            <a:schemeClr val="accent1"/>
+          </a:effectRef>
+          <a:fontRef idx="minor">
+            <a:schemeClr val="lt1"/>
+          </a:fontRef>
+        </p:style>
+        <p:txBody>
+          <a:bodyPr rtlCol="0" anchor="ctr"/>
+          <a:lstStyle/>
+          <a:p>
+            <a:pPr algn="ctr"/>
+            <a:endParaRPr lang="en-US"/>
+          </a:p>
+        </p:txBody>
+      </p:sp>
+    </p:spTree>
+    <p:extLst>
+      <p:ext uri="{BB962C8B-B14F-4D97-AF65-F5344CB8AC3E}">
+        <p14:creationId xmlns:p14="http://schemas.microsoft.com/office/powerpoint/2010/main" val="2477081356"/>
+      </p:ext>
+    </p:extLst>
+  </p:cSld>
+  <p:clrMapOvr>
+    <a:masterClrMapping/>
+  </p:clrMapOvr>
+  <p:timing>
+    <p:tnLst>
+      <p:par>
+        <p:cTn id="1" dur="indefinite" restart="never" nodeType="tmRoot"/>
+      </p:par>
+    </p:tnLst>
+  </p:timing>
+</p:sld>
+</file>
+
+<file path=ppt/slides/slide11.xml><?xml version="1.0" encoding="utf-8"?>
+<p:sld xmlns:a="http://schemas.openxmlformats.org/drawingml/2006/main" xmlns:r="http://schemas.openxmlformats.org/officeDocument/2006/relationships" xmlns:p="http://schemas.openxmlformats.org/presentationml/2006/main">
+  <p:cSld>
+    <p:spTree>
+      <p:nvGrpSpPr>
+        <p:cNvPr id="1" name=""/>
+        <p:cNvGrpSpPr/>
+        <p:nvPr/>
+      </p:nvGrpSpPr>
+      <p:grpSpPr>
+        <a:xfrm>
+          <a:off x="0" y="0"/>
+          <a:ext cx="0" cy="0"/>
+          <a:chOff x="0" y="0"/>
+          <a:chExt cx="0" cy="0"/>
+        </a:xfrm>
+      </p:grpSpPr>
+      <p:sp>
+        <p:nvSpPr>
+          <p:cNvPr id="5" name="Rectangle 4"/>
+          <p:cNvSpPr/>
+          <p:nvPr/>
+        </p:nvSpPr>
+        <p:spPr>
+          <a:xfrm>
+            <a:off x="-1" y="0"/>
+            <a:ext cx="4572000" cy="4572000"/>
+          </a:xfrm>
+          <a:prstGeom prst="rect">
+            <a:avLst/>
+          </a:prstGeom>
+          <a:solidFill>
+            <a:srgbClr val="000064"/>
+          </a:solidFill>
+          <a:ln>
+            <a:solidFill>
+              <a:srgbClr val="000064"/>
+            </a:solidFill>
+          </a:ln>
+        </p:spPr>
+        <p:style>
+          <a:lnRef idx="2">
+            <a:schemeClr val="accent1">
+              <a:shade val="50000"/>
+            </a:schemeClr>
+          </a:lnRef>
+          <a:fillRef idx="1">
+            <a:schemeClr val="accent1"/>
+          </a:fillRef>
+          <a:effectRef idx="0">
+            <a:schemeClr val="accent1"/>
+          </a:effectRef>
+          <a:fontRef idx="minor">
+            <a:schemeClr val="lt1"/>
+          </a:fontRef>
+        </p:style>
+        <p:txBody>
+          <a:bodyPr rtlCol="0" anchor="ctr"/>
+          <a:lstStyle/>
+          <a:p>
+            <a:pPr algn="ctr"/>
+            <a:endParaRPr lang="en-US"/>
+          </a:p>
+        </p:txBody>
+      </p:sp>
+      <p:grpSp>
+        <p:nvGrpSpPr>
+          <p:cNvPr id="2" name="Group 1"/>
+          <p:cNvGrpSpPr/>
+          <p:nvPr/>
+        </p:nvGrpSpPr>
+        <p:grpSpPr>
+          <a:xfrm>
+            <a:off x="1382359" y="1507721"/>
+            <a:ext cx="1807279" cy="1556558"/>
+            <a:chOff x="1382360" y="1230185"/>
+            <a:chExt cx="1807279" cy="1556558"/>
+          </a:xfrm>
+        </p:grpSpPr>
+        <p:sp>
+          <p:nvSpPr>
+            <p:cNvPr id="9" name="Rectangle 8"/>
+            <p:cNvSpPr/>
+            <p:nvPr/>
+          </p:nvSpPr>
+          <p:spPr>
+            <a:xfrm>
+              <a:off x="2238990" y="1230185"/>
+              <a:ext cx="950649" cy="1556558"/>
+            </a:xfrm>
+            <a:prstGeom prst="rect">
+              <a:avLst/>
+            </a:prstGeom>
+            <a:solidFill>
+              <a:schemeClr val="bg1"/>
+            </a:solidFill>
+            <a:ln w="38100">
+              <a:solidFill>
+                <a:srgbClr val="000064"/>
+              </a:solidFill>
+            </a:ln>
+            <a:scene3d>
+              <a:camera prst="isometricOffAxis1Right"/>
+              <a:lightRig rig="threePt" dir="t"/>
+            </a:scene3d>
+          </p:spPr>
+          <p:style>
+            <a:lnRef idx="2">
+              <a:schemeClr val="accent1">
+                <a:shade val="50000"/>
+              </a:schemeClr>
+            </a:lnRef>
+            <a:fillRef idx="1">
+              <a:schemeClr val="accent1"/>
+            </a:fillRef>
+            <a:effectRef idx="0">
+              <a:schemeClr val="accent1"/>
+            </a:effectRef>
+            <a:fontRef idx="minor">
+              <a:schemeClr val="lt1"/>
+            </a:fontRef>
+          </p:style>
+          <p:txBody>
+            <a:bodyPr rtlCol="0" anchor="ctr"/>
+            <a:lstStyle/>
+            <a:p>
+              <a:pPr algn="ctr"/>
+              <a:endParaRPr lang="en-US"/>
+            </a:p>
+          </p:txBody>
+        </p:sp>
+        <p:sp>
+          <p:nvSpPr>
+            <p:cNvPr id="10" name="Rectangle 9"/>
+            <p:cNvSpPr/>
+            <p:nvPr/>
+          </p:nvSpPr>
+          <p:spPr>
+            <a:xfrm>
+              <a:off x="1382360" y="1230185"/>
+              <a:ext cx="950649" cy="1556558"/>
+            </a:xfrm>
+            <a:prstGeom prst="rect">
+              <a:avLst/>
+            </a:prstGeom>
+            <a:solidFill>
+              <a:schemeClr val="bg1"/>
+            </a:solidFill>
+            <a:ln w="38100">
+              <a:solidFill>
+                <a:srgbClr val="000064"/>
+              </a:solidFill>
+            </a:ln>
+            <a:scene3d>
+              <a:camera prst="isometricOffAxis2Left"/>
+              <a:lightRig rig="threePt" dir="t"/>
+            </a:scene3d>
+          </p:spPr>
+          <p:style>
+            <a:lnRef idx="2">
+              <a:schemeClr val="accent1">
+                <a:shade val="50000"/>
+              </a:schemeClr>
+            </a:lnRef>
+            <a:fillRef idx="1">
+              <a:schemeClr val="accent1"/>
+            </a:fillRef>
+            <a:effectRef idx="0">
+              <a:schemeClr val="accent1"/>
+            </a:effectRef>
+            <a:fontRef idx="minor">
+              <a:schemeClr val="lt1"/>
+            </a:fontRef>
+          </p:style>
+          <p:txBody>
+            <a:bodyPr rtlCol="0" anchor="ctr"/>
+            <a:lstStyle/>
+            <a:p>
+              <a:pPr algn="ctr"/>
+              <a:endParaRPr lang="en-US"/>
+            </a:p>
+          </p:txBody>
+        </p:sp>
+      </p:grpSp>
+    </p:spTree>
+    <p:extLst>
+      <p:ext uri="{BB962C8B-B14F-4D97-AF65-F5344CB8AC3E}">
+        <p14:creationId xmlns:p14="http://schemas.microsoft.com/office/powerpoint/2010/main" val="231432628"/>
+      </p:ext>
+    </p:extLst>
+  </p:cSld>
+  <p:clrMapOvr>
+    <a:masterClrMapping/>
+  </p:clrMapOvr>
+  <p:timing>
+    <p:tnLst>
+      <p:par>
+        <p:cTn id="1" dur="indefinite" restart="never" nodeType="tmRoot"/>
+      </p:par>
+    </p:tnLst>
+  </p:timing>
+</p:sld>
+</file>
+
+<file path=ppt/slides/slide12.xml><?xml version="1.0" encoding="utf-8"?>
+<p:sld xmlns:a="http://schemas.openxmlformats.org/drawingml/2006/main" xmlns:r="http://schemas.openxmlformats.org/officeDocument/2006/relationships" xmlns:p="http://schemas.openxmlformats.org/presentationml/2006/main">
+  <p:cSld>
+    <p:spTree>
+      <p:nvGrpSpPr>
+        <p:cNvPr id="1" name=""/>
+        <p:cNvGrpSpPr/>
+        <p:nvPr/>
+      </p:nvGrpSpPr>
+      <p:grpSpPr>
+        <a:xfrm>
+          <a:off x="0" y="0"/>
+          <a:ext cx="0" cy="0"/>
+          <a:chOff x="0" y="0"/>
+          <a:chExt cx="0" cy="0"/>
+        </a:xfrm>
+      </p:grpSpPr>
+      <p:sp>
+        <p:nvSpPr>
           <p:cNvPr id="3" name="Half Frame 2"/>
           <p:cNvSpPr/>
           <p:nvPr/>
@@ -3226,7 +3747,7 @@
 </p:sld>
 </file>
 
-<file path=ppt/slides/slide11.xml><?xml version="1.0" encoding="utf-8"?>
+<file path=ppt/slides/slide13.xml><?xml version="1.0" encoding="utf-8"?>
 <p:sld xmlns:a="http://schemas.openxmlformats.org/drawingml/2006/main" xmlns:r="http://schemas.openxmlformats.org/officeDocument/2006/relationships" xmlns:p="http://schemas.openxmlformats.org/presentationml/2006/main">
   <p:cSld>
     <p:spTree>
@@ -3477,7 +3998,7 @@
 </p:sld>
 </file>
 
-<file path=ppt/slides/slide12.xml><?xml version="1.0" encoding="utf-8"?>
+<file path=ppt/slides/slide14.xml><?xml version="1.0" encoding="utf-8"?>
 <p:sld xmlns:a="http://schemas.openxmlformats.org/drawingml/2006/main" xmlns:r="http://schemas.openxmlformats.org/officeDocument/2006/relationships" xmlns:p="http://schemas.openxmlformats.org/presentationml/2006/main">
   <p:cSld>
     <p:spTree>
@@ -4339,6 +4860,1874 @@
       </p:grpSpPr>
       <p:sp>
         <p:nvSpPr>
+          <p:cNvPr id="4" name="Rectangle 3"/>
+          <p:cNvSpPr/>
+          <p:nvPr/>
+        </p:nvSpPr>
+        <p:spPr>
+          <a:xfrm>
+            <a:off x="0" y="0"/>
+            <a:ext cx="4572000" cy="4572000"/>
+          </a:xfrm>
+          <a:prstGeom prst="rect">
+            <a:avLst/>
+          </a:prstGeom>
+          <a:solidFill>
+            <a:srgbClr val="000064"/>
+          </a:solidFill>
+          <a:ln>
+            <a:solidFill>
+              <a:srgbClr val="000064"/>
+            </a:solidFill>
+          </a:ln>
+        </p:spPr>
+        <p:style>
+          <a:lnRef idx="2">
+            <a:schemeClr val="accent1">
+              <a:shade val="50000"/>
+            </a:schemeClr>
+          </a:lnRef>
+          <a:fillRef idx="1">
+            <a:schemeClr val="accent1"/>
+          </a:fillRef>
+          <a:effectRef idx="0">
+            <a:schemeClr val="accent1"/>
+          </a:effectRef>
+          <a:fontRef idx="minor">
+            <a:schemeClr val="lt1"/>
+          </a:fontRef>
+        </p:style>
+        <p:txBody>
+          <a:bodyPr rtlCol="0" anchor="ctr"/>
+          <a:lstStyle/>
+          <a:p>
+            <a:pPr algn="ctr"/>
+            <a:endParaRPr lang="en-US"/>
+          </a:p>
+        </p:txBody>
+      </p:sp>
+      <p:grpSp>
+        <p:nvGrpSpPr>
+          <p:cNvPr id="23" name="Group 22"/>
+          <p:cNvGrpSpPr/>
+          <p:nvPr/>
+        </p:nvGrpSpPr>
+        <p:grpSpPr>
+          <a:xfrm>
+            <a:off x="914400" y="1417320"/>
+            <a:ext cx="2743200" cy="1737360"/>
+            <a:chOff x="891540" y="1182128"/>
+            <a:chExt cx="2743200" cy="1737360"/>
+          </a:xfrm>
+        </p:grpSpPr>
+        <p:sp>
+          <p:nvSpPr>
+            <p:cNvPr id="17" name="Round Same Side Corner Rectangle 16"/>
+            <p:cNvSpPr/>
+            <p:nvPr/>
+          </p:nvSpPr>
+          <p:spPr>
+            <a:xfrm>
+              <a:off x="891540" y="1182128"/>
+              <a:ext cx="2743200" cy="1737360"/>
+            </a:xfrm>
+            <a:prstGeom prst="round2SameRect">
+              <a:avLst>
+                <a:gd name="adj1" fmla="val 2109"/>
+                <a:gd name="adj2" fmla="val 0"/>
+              </a:avLst>
+            </a:prstGeom>
+            <a:solidFill>
+              <a:schemeClr val="bg1"/>
+            </a:solidFill>
+            <a:ln>
+              <a:noFill/>
+            </a:ln>
+          </p:spPr>
+          <p:style>
+            <a:lnRef idx="2">
+              <a:schemeClr val="accent1">
+                <a:shade val="50000"/>
+              </a:schemeClr>
+            </a:lnRef>
+            <a:fillRef idx="1">
+              <a:schemeClr val="accent1"/>
+            </a:fillRef>
+            <a:effectRef idx="0">
+              <a:schemeClr val="accent1"/>
+            </a:effectRef>
+            <a:fontRef idx="minor">
+              <a:schemeClr val="lt1"/>
+            </a:fontRef>
+          </p:style>
+          <p:txBody>
+            <a:bodyPr rtlCol="0" anchor="ctr"/>
+            <a:lstStyle/>
+            <a:p>
+              <a:pPr algn="ctr"/>
+              <a:endParaRPr lang="en-US"/>
+            </a:p>
+          </p:txBody>
+        </p:sp>
+        <p:sp>
+          <p:nvSpPr>
+            <p:cNvPr id="19" name="Round Same Side Corner Rectangle 18"/>
+            <p:cNvSpPr/>
+            <p:nvPr/>
+          </p:nvSpPr>
+          <p:spPr>
+            <a:xfrm>
+              <a:off x="982980" y="1260600"/>
+              <a:ext cx="2560320" cy="1600200"/>
+            </a:xfrm>
+            <a:prstGeom prst="round2SameRect">
+              <a:avLst>
+                <a:gd name="adj1" fmla="val 0"/>
+                <a:gd name="adj2" fmla="val 0"/>
+              </a:avLst>
+            </a:prstGeom>
+            <a:solidFill>
+              <a:srgbClr val="000064"/>
+            </a:solidFill>
+            <a:ln>
+              <a:noFill/>
+            </a:ln>
+          </p:spPr>
+          <p:style>
+            <a:lnRef idx="2">
+              <a:schemeClr val="accent1">
+                <a:shade val="50000"/>
+              </a:schemeClr>
+            </a:lnRef>
+            <a:fillRef idx="1">
+              <a:schemeClr val="accent1"/>
+            </a:fillRef>
+            <a:effectRef idx="0">
+              <a:schemeClr val="accent1"/>
+            </a:effectRef>
+            <a:fontRef idx="minor">
+              <a:schemeClr val="lt1"/>
+            </a:fontRef>
+          </p:style>
+          <p:txBody>
+            <a:bodyPr rtlCol="0" anchor="ctr"/>
+            <a:lstStyle/>
+            <a:p>
+              <a:pPr algn="ctr"/>
+              <a:endParaRPr lang="en-US"/>
+            </a:p>
+          </p:txBody>
+        </p:sp>
+        <p:sp>
+          <p:nvSpPr>
+            <p:cNvPr id="20" name="Oval 19"/>
+            <p:cNvSpPr/>
+            <p:nvPr/>
+          </p:nvSpPr>
+          <p:spPr>
+            <a:xfrm>
+              <a:off x="2240280" y="1198504"/>
+              <a:ext cx="45720" cy="45720"/>
+            </a:xfrm>
+            <a:prstGeom prst="ellipse">
+              <a:avLst/>
+            </a:prstGeom>
+            <a:solidFill>
+              <a:srgbClr val="000064"/>
+            </a:solidFill>
+            <a:ln>
+              <a:noFill/>
+            </a:ln>
+          </p:spPr>
+          <p:style>
+            <a:lnRef idx="2">
+              <a:schemeClr val="accent1">
+                <a:shade val="50000"/>
+              </a:schemeClr>
+            </a:lnRef>
+            <a:fillRef idx="1">
+              <a:schemeClr val="accent1"/>
+            </a:fillRef>
+            <a:effectRef idx="0">
+              <a:schemeClr val="accent1"/>
+            </a:effectRef>
+            <a:fontRef idx="minor">
+              <a:schemeClr val="lt1"/>
+            </a:fontRef>
+          </p:style>
+          <p:txBody>
+            <a:bodyPr rtlCol="0" anchor="ctr"/>
+            <a:lstStyle/>
+            <a:p>
+              <a:pPr algn="ctr"/>
+              <a:endParaRPr lang="en-US"/>
+            </a:p>
+          </p:txBody>
+        </p:sp>
+      </p:grpSp>
+      <p:sp>
+        <p:nvSpPr>
+          <p:cNvPr id="7" name="Rectangle 6"/>
+          <p:cNvSpPr/>
+          <p:nvPr/>
+        </p:nvSpPr>
+        <p:spPr>
+          <a:xfrm>
+            <a:off x="685800" y="3187432"/>
+            <a:ext cx="3200400" cy="91440"/>
+          </a:xfrm>
+          <a:prstGeom prst="rect">
+            <a:avLst/>
+          </a:prstGeom>
+          <a:solidFill>
+            <a:schemeClr val="bg1"/>
+          </a:solidFill>
+          <a:ln>
+            <a:noFill/>
+          </a:ln>
+        </p:spPr>
+        <p:style>
+          <a:lnRef idx="2">
+            <a:schemeClr val="accent1">
+              <a:shade val="50000"/>
+            </a:schemeClr>
+          </a:lnRef>
+          <a:fillRef idx="1">
+            <a:schemeClr val="accent1"/>
+          </a:fillRef>
+          <a:effectRef idx="0">
+            <a:schemeClr val="accent1"/>
+          </a:effectRef>
+          <a:fontRef idx="minor">
+            <a:schemeClr val="lt1"/>
+          </a:fontRef>
+        </p:style>
+        <p:txBody>
+          <a:bodyPr rtlCol="0" anchor="ctr"/>
+          <a:lstStyle/>
+          <a:p>
+            <a:pPr algn="ctr"/>
+            <a:endParaRPr lang="en-US"/>
+          </a:p>
+        </p:txBody>
+      </p:sp>
+      <p:sp>
+        <p:nvSpPr>
+          <p:cNvPr id="8" name="Right Triangle 7"/>
+          <p:cNvSpPr/>
+          <p:nvPr/>
+        </p:nvSpPr>
+        <p:spPr>
+          <a:xfrm>
+            <a:off x="685800" y="3187432"/>
+            <a:ext cx="228600" cy="91440"/>
+          </a:xfrm>
+          <a:prstGeom prst="rtTriangle">
+            <a:avLst/>
+          </a:prstGeom>
+          <a:solidFill>
+            <a:srgbClr val="000064"/>
+          </a:solidFill>
+          <a:ln>
+            <a:noFill/>
+          </a:ln>
+        </p:spPr>
+        <p:style>
+          <a:lnRef idx="2">
+            <a:schemeClr val="accent1">
+              <a:shade val="50000"/>
+            </a:schemeClr>
+          </a:lnRef>
+          <a:fillRef idx="1">
+            <a:schemeClr val="accent1"/>
+          </a:fillRef>
+          <a:effectRef idx="0">
+            <a:schemeClr val="accent1"/>
+          </a:effectRef>
+          <a:fontRef idx="minor">
+            <a:schemeClr val="lt1"/>
+          </a:fontRef>
+        </p:style>
+        <p:txBody>
+          <a:bodyPr rtlCol="0" anchor="ctr"/>
+          <a:lstStyle/>
+          <a:p>
+            <a:pPr algn="ctr"/>
+            <a:endParaRPr lang="en-US"/>
+          </a:p>
+        </p:txBody>
+      </p:sp>
+      <p:sp>
+        <p:nvSpPr>
+          <p:cNvPr id="22" name="Right Triangle 21"/>
+          <p:cNvSpPr/>
+          <p:nvPr/>
+        </p:nvSpPr>
+        <p:spPr>
+          <a:xfrm flipH="1">
+            <a:off x="3657600" y="3187432"/>
+            <a:ext cx="228600" cy="91440"/>
+          </a:xfrm>
+          <a:prstGeom prst="rtTriangle">
+            <a:avLst/>
+          </a:prstGeom>
+          <a:solidFill>
+            <a:srgbClr val="000064"/>
+          </a:solidFill>
+          <a:ln>
+            <a:noFill/>
+          </a:ln>
+        </p:spPr>
+        <p:style>
+          <a:lnRef idx="2">
+            <a:schemeClr val="accent1">
+              <a:shade val="50000"/>
+            </a:schemeClr>
+          </a:lnRef>
+          <a:fillRef idx="1">
+            <a:schemeClr val="accent1"/>
+          </a:fillRef>
+          <a:effectRef idx="0">
+            <a:schemeClr val="accent1"/>
+          </a:effectRef>
+          <a:fontRef idx="minor">
+            <a:schemeClr val="lt1"/>
+          </a:fontRef>
+        </p:style>
+        <p:txBody>
+          <a:bodyPr rtlCol="0" anchor="ctr"/>
+          <a:lstStyle/>
+          <a:p>
+            <a:pPr algn="ctr"/>
+            <a:endParaRPr lang="en-US"/>
+          </a:p>
+        </p:txBody>
+      </p:sp>
+    </p:spTree>
+    <p:extLst>
+      <p:ext uri="{BB962C8B-B14F-4D97-AF65-F5344CB8AC3E}">
+        <p14:creationId xmlns:p14="http://schemas.microsoft.com/office/powerpoint/2010/main" val="3333692"/>
+      </p:ext>
+    </p:extLst>
+  </p:cSld>
+  <p:clrMapOvr>
+    <a:masterClrMapping/>
+  </p:clrMapOvr>
+</p:sld>
+</file>
+
+<file path=ppt/slides/slide5.xml><?xml version="1.0" encoding="utf-8"?>
+<p:sld xmlns:a="http://schemas.openxmlformats.org/drawingml/2006/main" xmlns:r="http://schemas.openxmlformats.org/officeDocument/2006/relationships" xmlns:p="http://schemas.openxmlformats.org/presentationml/2006/main">
+  <p:cSld>
+    <p:spTree>
+      <p:nvGrpSpPr>
+        <p:cNvPr id="1" name=""/>
+        <p:cNvGrpSpPr/>
+        <p:nvPr/>
+      </p:nvGrpSpPr>
+      <p:grpSpPr>
+        <a:xfrm>
+          <a:off x="0" y="0"/>
+          <a:ext cx="0" cy="0"/>
+          <a:chOff x="0" y="0"/>
+          <a:chExt cx="0" cy="0"/>
+        </a:xfrm>
+      </p:grpSpPr>
+      <p:sp>
+        <p:nvSpPr>
+          <p:cNvPr id="4" name="Rectangle 3"/>
+          <p:cNvSpPr/>
+          <p:nvPr/>
+        </p:nvSpPr>
+        <p:spPr>
+          <a:xfrm>
+            <a:off x="8333" y="0"/>
+            <a:ext cx="4572000" cy="4572000"/>
+          </a:xfrm>
+          <a:prstGeom prst="rect">
+            <a:avLst/>
+          </a:prstGeom>
+          <a:solidFill>
+            <a:srgbClr val="000064"/>
+          </a:solidFill>
+          <a:ln>
+            <a:solidFill>
+              <a:srgbClr val="000064"/>
+            </a:solidFill>
+          </a:ln>
+        </p:spPr>
+        <p:style>
+          <a:lnRef idx="2">
+            <a:schemeClr val="accent1">
+              <a:shade val="50000"/>
+            </a:schemeClr>
+          </a:lnRef>
+          <a:fillRef idx="1">
+            <a:schemeClr val="accent1"/>
+          </a:fillRef>
+          <a:effectRef idx="0">
+            <a:schemeClr val="accent1"/>
+          </a:effectRef>
+          <a:fontRef idx="minor">
+            <a:schemeClr val="lt1"/>
+          </a:fontRef>
+        </p:style>
+        <p:txBody>
+          <a:bodyPr rtlCol="0" anchor="ctr"/>
+          <a:lstStyle/>
+          <a:p>
+            <a:pPr algn="ctr"/>
+            <a:endParaRPr lang="en-US"/>
+          </a:p>
+        </p:txBody>
+      </p:sp>
+      <p:grpSp>
+        <p:nvGrpSpPr>
+          <p:cNvPr id="62" name="Group 61"/>
+          <p:cNvGrpSpPr/>
+          <p:nvPr/>
+        </p:nvGrpSpPr>
+        <p:grpSpPr>
+          <a:xfrm>
+            <a:off x="1259998" y="1356116"/>
+            <a:ext cx="2068669" cy="1859768"/>
+            <a:chOff x="1361617" y="1194294"/>
+            <a:chExt cx="2068669" cy="1859768"/>
+          </a:xfrm>
+        </p:grpSpPr>
+        <p:sp>
+          <p:nvSpPr>
+            <p:cNvPr id="6" name="Oval 5"/>
+            <p:cNvSpPr/>
+            <p:nvPr/>
+          </p:nvSpPr>
+          <p:spPr>
+            <a:xfrm>
+              <a:off x="1553575" y="2953478"/>
+              <a:ext cx="100584" cy="100584"/>
+            </a:xfrm>
+            <a:prstGeom prst="ellipse">
+              <a:avLst/>
+            </a:prstGeom>
+            <a:solidFill>
+              <a:schemeClr val="bg1"/>
+            </a:solidFill>
+            <a:ln>
+              <a:noFill/>
+            </a:ln>
+          </p:spPr>
+          <p:style>
+            <a:lnRef idx="2">
+              <a:schemeClr val="accent1">
+                <a:shade val="50000"/>
+              </a:schemeClr>
+            </a:lnRef>
+            <a:fillRef idx="1">
+              <a:schemeClr val="accent1"/>
+            </a:fillRef>
+            <a:effectRef idx="0">
+              <a:schemeClr val="accent1"/>
+            </a:effectRef>
+            <a:fontRef idx="minor">
+              <a:schemeClr val="lt1"/>
+            </a:fontRef>
+          </p:style>
+          <p:txBody>
+            <a:bodyPr rtlCol="0" anchor="ctr"/>
+            <a:lstStyle/>
+            <a:p>
+              <a:pPr algn="ctr"/>
+              <a:endParaRPr lang="en-US"/>
+            </a:p>
+          </p:txBody>
+        </p:sp>
+        <p:grpSp>
+          <p:nvGrpSpPr>
+            <p:cNvPr id="3" name="Group 2"/>
+            <p:cNvGrpSpPr/>
+            <p:nvPr/>
+          </p:nvGrpSpPr>
+          <p:grpSpPr>
+            <a:xfrm>
+              <a:off x="1601486" y="2953478"/>
+              <a:ext cx="1828800" cy="100584"/>
+              <a:chOff x="838200" y="3339832"/>
+              <a:chExt cx="3200400" cy="91440"/>
+            </a:xfrm>
+          </p:grpSpPr>
+          <p:sp>
+            <p:nvSpPr>
+              <p:cNvPr id="11" name="Rectangle 10"/>
+              <p:cNvSpPr/>
+              <p:nvPr/>
+            </p:nvSpPr>
+            <p:spPr>
+              <a:xfrm>
+                <a:off x="838200" y="3339832"/>
+                <a:ext cx="3200400" cy="91440"/>
+              </a:xfrm>
+              <a:prstGeom prst="rect">
+                <a:avLst/>
+              </a:prstGeom>
+              <a:solidFill>
+                <a:schemeClr val="bg1"/>
+              </a:solidFill>
+              <a:ln>
+                <a:noFill/>
+              </a:ln>
+            </p:spPr>
+            <p:style>
+              <a:lnRef idx="2">
+                <a:schemeClr val="accent1">
+                  <a:shade val="50000"/>
+                </a:schemeClr>
+              </a:lnRef>
+              <a:fillRef idx="1">
+                <a:schemeClr val="accent1"/>
+              </a:fillRef>
+              <a:effectRef idx="0">
+                <a:schemeClr val="accent1"/>
+              </a:effectRef>
+              <a:fontRef idx="minor">
+                <a:schemeClr val="lt1"/>
+              </a:fontRef>
+            </p:style>
+            <p:txBody>
+              <a:bodyPr rtlCol="0" anchor="ctr"/>
+              <a:lstStyle/>
+              <a:p>
+                <a:pPr algn="ctr"/>
+                <a:endParaRPr lang="en-US"/>
+              </a:p>
+            </p:txBody>
+          </p:sp>
+          <p:sp>
+            <p:nvSpPr>
+              <p:cNvPr id="13" name="Right Triangle 12"/>
+              <p:cNvSpPr/>
+              <p:nvPr/>
+            </p:nvSpPr>
+            <p:spPr>
+              <a:xfrm flipH="1">
+                <a:off x="3810000" y="3339832"/>
+                <a:ext cx="228600" cy="91440"/>
+              </a:xfrm>
+              <a:prstGeom prst="rtTriangle">
+                <a:avLst/>
+              </a:prstGeom>
+              <a:solidFill>
+                <a:srgbClr val="000064"/>
+              </a:solidFill>
+              <a:ln>
+                <a:noFill/>
+              </a:ln>
+            </p:spPr>
+            <p:style>
+              <a:lnRef idx="2">
+                <a:schemeClr val="accent1">
+                  <a:shade val="50000"/>
+                </a:schemeClr>
+              </a:lnRef>
+              <a:fillRef idx="1">
+                <a:schemeClr val="accent1"/>
+              </a:fillRef>
+              <a:effectRef idx="0">
+                <a:schemeClr val="accent1"/>
+              </a:effectRef>
+              <a:fontRef idx="minor">
+                <a:schemeClr val="lt1"/>
+              </a:fontRef>
+            </p:style>
+            <p:txBody>
+              <a:bodyPr rtlCol="0" anchor="ctr"/>
+              <a:lstStyle/>
+              <a:p>
+                <a:pPr algn="ctr"/>
+                <a:endParaRPr lang="en-US"/>
+              </a:p>
+            </p:txBody>
+          </p:sp>
+        </p:grpSp>
+        <p:grpSp>
+          <p:nvGrpSpPr>
+            <p:cNvPr id="16" name="Group 15"/>
+            <p:cNvGrpSpPr/>
+            <p:nvPr/>
+          </p:nvGrpSpPr>
+          <p:grpSpPr>
+            <a:xfrm rot="15300000" flipV="1">
+              <a:off x="492937" y="2062974"/>
+              <a:ext cx="1828800" cy="91440"/>
+              <a:chOff x="838200" y="3339832"/>
+              <a:chExt cx="3200400" cy="91440"/>
+            </a:xfrm>
+          </p:grpSpPr>
+          <p:sp>
+            <p:nvSpPr>
+              <p:cNvPr id="18" name="Rectangle 17"/>
+              <p:cNvSpPr/>
+              <p:nvPr/>
+            </p:nvSpPr>
+            <p:spPr>
+              <a:xfrm>
+                <a:off x="838200" y="3339832"/>
+                <a:ext cx="3200400" cy="91440"/>
+              </a:xfrm>
+              <a:prstGeom prst="rect">
+                <a:avLst/>
+              </a:prstGeom>
+              <a:solidFill>
+                <a:schemeClr val="bg1"/>
+              </a:solidFill>
+              <a:ln>
+                <a:noFill/>
+              </a:ln>
+            </p:spPr>
+            <p:style>
+              <a:lnRef idx="2">
+                <a:schemeClr val="accent1">
+                  <a:shade val="50000"/>
+                </a:schemeClr>
+              </a:lnRef>
+              <a:fillRef idx="1">
+                <a:schemeClr val="accent1"/>
+              </a:fillRef>
+              <a:effectRef idx="0">
+                <a:schemeClr val="accent1"/>
+              </a:effectRef>
+              <a:fontRef idx="minor">
+                <a:schemeClr val="lt1"/>
+              </a:fontRef>
+            </p:style>
+            <p:txBody>
+              <a:bodyPr rtlCol="0" anchor="ctr"/>
+              <a:lstStyle/>
+              <a:p>
+                <a:pPr algn="ctr"/>
+                <a:endParaRPr lang="en-US"/>
+              </a:p>
+            </p:txBody>
+          </p:sp>
+          <p:sp>
+            <p:nvSpPr>
+              <p:cNvPr id="21" name="Right Triangle 20"/>
+              <p:cNvSpPr/>
+              <p:nvPr/>
+            </p:nvSpPr>
+            <p:spPr>
+              <a:xfrm flipH="1">
+                <a:off x="3810000" y="3339832"/>
+                <a:ext cx="228600" cy="91440"/>
+              </a:xfrm>
+              <a:prstGeom prst="rtTriangle">
+                <a:avLst/>
+              </a:prstGeom>
+              <a:solidFill>
+                <a:srgbClr val="000064"/>
+              </a:solidFill>
+              <a:ln>
+                <a:solidFill>
+                  <a:srgbClr val="000064"/>
+                </a:solidFill>
+              </a:ln>
+            </p:spPr>
+            <p:style>
+              <a:lnRef idx="2">
+                <a:schemeClr val="accent1">
+                  <a:shade val="50000"/>
+                </a:schemeClr>
+              </a:lnRef>
+              <a:fillRef idx="1">
+                <a:schemeClr val="accent1"/>
+              </a:fillRef>
+              <a:effectRef idx="0">
+                <a:schemeClr val="accent1"/>
+              </a:effectRef>
+              <a:fontRef idx="minor">
+                <a:schemeClr val="lt1"/>
+              </a:fontRef>
+            </p:style>
+            <p:txBody>
+              <a:bodyPr rtlCol="0" anchor="ctr"/>
+              <a:lstStyle/>
+              <a:p>
+                <a:pPr algn="ctr"/>
+                <a:endParaRPr lang="en-US"/>
+              </a:p>
+            </p:txBody>
+          </p:sp>
+        </p:grpSp>
+        <p:grpSp>
+          <p:nvGrpSpPr>
+            <p:cNvPr id="46" name="Group 45"/>
+            <p:cNvGrpSpPr/>
+            <p:nvPr/>
+          </p:nvGrpSpPr>
+          <p:grpSpPr>
+            <a:xfrm>
+              <a:off x="1670066" y="2971766"/>
+              <a:ext cx="64008" cy="64008"/>
+              <a:chOff x="1373545" y="2366488"/>
+              <a:chExt cx="64008" cy="64008"/>
+            </a:xfrm>
+          </p:grpSpPr>
+          <p:sp>
+            <p:nvSpPr>
+              <p:cNvPr id="9" name="Oval 8"/>
+              <p:cNvSpPr/>
+              <p:nvPr/>
+            </p:nvSpPr>
+            <p:spPr>
+              <a:xfrm>
+                <a:off x="1373545" y="2366488"/>
+                <a:ext cx="64008" cy="64008"/>
+              </a:xfrm>
+              <a:prstGeom prst="ellipse">
+                <a:avLst/>
+              </a:prstGeom>
+              <a:solidFill>
+                <a:srgbClr val="000064"/>
+              </a:solidFill>
+              <a:ln>
+                <a:noFill/>
+              </a:ln>
+            </p:spPr>
+            <p:style>
+              <a:lnRef idx="2">
+                <a:schemeClr val="accent1">
+                  <a:shade val="50000"/>
+                </a:schemeClr>
+              </a:lnRef>
+              <a:fillRef idx="1">
+                <a:schemeClr val="accent1"/>
+              </a:fillRef>
+              <a:effectRef idx="0">
+                <a:schemeClr val="accent1"/>
+              </a:effectRef>
+              <a:fontRef idx="minor">
+                <a:schemeClr val="lt1"/>
+              </a:fontRef>
+            </p:style>
+            <p:txBody>
+              <a:bodyPr rtlCol="0" anchor="ctr"/>
+              <a:lstStyle/>
+              <a:p>
+                <a:pPr algn="ctr"/>
+                <a:endParaRPr lang="en-US"/>
+              </a:p>
+            </p:txBody>
+          </p:sp>
+          <p:sp>
+            <p:nvSpPr>
+              <p:cNvPr id="24" name="Oval 23"/>
+              <p:cNvSpPr/>
+              <p:nvPr/>
+            </p:nvSpPr>
+            <p:spPr>
+              <a:xfrm>
+                <a:off x="1396405" y="2389348"/>
+                <a:ext cx="18288" cy="18288"/>
+              </a:xfrm>
+              <a:prstGeom prst="ellipse">
+                <a:avLst/>
+              </a:prstGeom>
+              <a:solidFill>
+                <a:schemeClr val="bg1"/>
+              </a:solidFill>
+              <a:ln>
+                <a:noFill/>
+              </a:ln>
+            </p:spPr>
+            <p:style>
+              <a:lnRef idx="2">
+                <a:schemeClr val="accent1">
+                  <a:shade val="50000"/>
+                </a:schemeClr>
+              </a:lnRef>
+              <a:fillRef idx="1">
+                <a:schemeClr val="accent1"/>
+              </a:fillRef>
+              <a:effectRef idx="0">
+                <a:schemeClr val="accent1"/>
+              </a:effectRef>
+              <a:fontRef idx="minor">
+                <a:schemeClr val="lt1"/>
+              </a:fontRef>
+            </p:style>
+            <p:txBody>
+              <a:bodyPr rtlCol="0" anchor="ctr"/>
+              <a:lstStyle/>
+              <a:p>
+                <a:pPr algn="ctr"/>
+                <a:endParaRPr lang="en-US"/>
+              </a:p>
+            </p:txBody>
+          </p:sp>
+        </p:grpSp>
+        <p:grpSp>
+          <p:nvGrpSpPr>
+            <p:cNvPr id="36" name="Group 35"/>
+            <p:cNvGrpSpPr/>
+            <p:nvPr/>
+          </p:nvGrpSpPr>
+          <p:grpSpPr>
+            <a:xfrm>
+              <a:off x="2299790" y="2980909"/>
+              <a:ext cx="91440" cy="45719"/>
+              <a:chOff x="2248575" y="2976338"/>
+              <a:chExt cx="91440" cy="45719"/>
+            </a:xfrm>
+          </p:grpSpPr>
+          <p:sp>
+            <p:nvSpPr>
+              <p:cNvPr id="25" name="Rectangle 24"/>
+              <p:cNvSpPr/>
+              <p:nvPr/>
+            </p:nvSpPr>
+            <p:spPr>
+              <a:xfrm>
+                <a:off x="2248575" y="2976338"/>
+                <a:ext cx="91440" cy="45719"/>
+              </a:xfrm>
+              <a:prstGeom prst="rect">
+                <a:avLst/>
+              </a:prstGeom>
+              <a:solidFill>
+                <a:srgbClr val="000064"/>
+              </a:solidFill>
+              <a:ln>
+                <a:noFill/>
+              </a:ln>
+            </p:spPr>
+            <p:style>
+              <a:lnRef idx="2">
+                <a:schemeClr val="accent1">
+                  <a:shade val="50000"/>
+                </a:schemeClr>
+              </a:lnRef>
+              <a:fillRef idx="1">
+                <a:schemeClr val="accent1"/>
+              </a:fillRef>
+              <a:effectRef idx="0">
+                <a:schemeClr val="accent1"/>
+              </a:effectRef>
+              <a:fontRef idx="minor">
+                <a:schemeClr val="lt1"/>
+              </a:fontRef>
+            </p:style>
+            <p:txBody>
+              <a:bodyPr rtlCol="0" anchor="ctr"/>
+              <a:lstStyle/>
+              <a:p>
+                <a:pPr algn="ctr"/>
+                <a:endParaRPr lang="en-US"/>
+              </a:p>
+            </p:txBody>
+          </p:sp>
+          <p:sp>
+            <p:nvSpPr>
+              <p:cNvPr id="26" name="Rectangle 25"/>
+              <p:cNvSpPr/>
+              <p:nvPr/>
+            </p:nvSpPr>
+            <p:spPr>
+              <a:xfrm>
+                <a:off x="2257719" y="2999197"/>
+                <a:ext cx="73152" cy="9144"/>
+              </a:xfrm>
+              <a:prstGeom prst="rect">
+                <a:avLst/>
+              </a:prstGeom>
+              <a:solidFill>
+                <a:schemeClr val="bg1"/>
+              </a:solidFill>
+              <a:ln>
+                <a:noFill/>
+              </a:ln>
+            </p:spPr>
+            <p:style>
+              <a:lnRef idx="2">
+                <a:schemeClr val="accent1">
+                  <a:shade val="50000"/>
+                </a:schemeClr>
+              </a:lnRef>
+              <a:fillRef idx="1">
+                <a:schemeClr val="accent1"/>
+              </a:fillRef>
+              <a:effectRef idx="0">
+                <a:schemeClr val="accent1"/>
+              </a:effectRef>
+              <a:fontRef idx="minor">
+                <a:schemeClr val="lt1"/>
+              </a:fontRef>
+            </p:style>
+            <p:txBody>
+              <a:bodyPr rtlCol="0" anchor="ctr"/>
+              <a:lstStyle/>
+              <a:p>
+                <a:pPr algn="ctr"/>
+                <a:endParaRPr lang="en-US"/>
+              </a:p>
+            </p:txBody>
+          </p:sp>
+        </p:grpSp>
+        <p:grpSp>
+          <p:nvGrpSpPr>
+            <p:cNvPr id="45" name="Group 44"/>
+            <p:cNvGrpSpPr/>
+            <p:nvPr/>
+          </p:nvGrpSpPr>
+          <p:grpSpPr>
+            <a:xfrm>
+              <a:off x="1996869" y="2980910"/>
+              <a:ext cx="118872" cy="45720"/>
+              <a:chOff x="1945705" y="2972362"/>
+              <a:chExt cx="118872" cy="45720"/>
+            </a:xfrm>
+          </p:grpSpPr>
+          <p:sp>
+            <p:nvSpPr>
+              <p:cNvPr id="32" name="Snip Same Side Corner Rectangle 31"/>
+              <p:cNvSpPr/>
+              <p:nvPr/>
+            </p:nvSpPr>
+            <p:spPr>
+              <a:xfrm flipV="1">
+                <a:off x="1945705" y="2972362"/>
+                <a:ext cx="118872" cy="45720"/>
+              </a:xfrm>
+              <a:prstGeom prst="snip2SameRect">
+                <a:avLst>
+                  <a:gd name="adj1" fmla="val 41844"/>
+                  <a:gd name="adj2" fmla="val 0"/>
+                </a:avLst>
+              </a:prstGeom>
+              <a:solidFill>
+                <a:srgbClr val="000064"/>
+              </a:solidFill>
+              <a:ln>
+                <a:noFill/>
+              </a:ln>
+            </p:spPr>
+            <p:style>
+              <a:lnRef idx="2">
+                <a:schemeClr val="accent1">
+                  <a:shade val="50000"/>
+                </a:schemeClr>
+              </a:lnRef>
+              <a:fillRef idx="1">
+                <a:schemeClr val="accent1"/>
+              </a:fillRef>
+              <a:effectRef idx="0">
+                <a:schemeClr val="accent1"/>
+              </a:effectRef>
+              <a:fontRef idx="minor">
+                <a:schemeClr val="lt1"/>
+              </a:fontRef>
+            </p:style>
+            <p:txBody>
+              <a:bodyPr rtlCol="0" anchor="ctr"/>
+              <a:lstStyle/>
+              <a:p>
+                <a:pPr algn="ctr"/>
+                <a:endParaRPr lang="en-US"/>
+              </a:p>
+            </p:txBody>
+          </p:sp>
+          <p:sp>
+            <p:nvSpPr>
+              <p:cNvPr id="44" name="Rectangle 43"/>
+              <p:cNvSpPr/>
+              <p:nvPr/>
+            </p:nvSpPr>
+            <p:spPr>
+              <a:xfrm>
+                <a:off x="1959421" y="2990650"/>
+                <a:ext cx="91440" cy="9144"/>
+              </a:xfrm>
+              <a:prstGeom prst="rect">
+                <a:avLst/>
+              </a:prstGeom>
+              <a:solidFill>
+                <a:schemeClr val="bg1"/>
+              </a:solidFill>
+              <a:ln>
+                <a:noFill/>
+              </a:ln>
+            </p:spPr>
+            <p:style>
+              <a:lnRef idx="2">
+                <a:schemeClr val="accent1">
+                  <a:shade val="50000"/>
+                </a:schemeClr>
+              </a:lnRef>
+              <a:fillRef idx="1">
+                <a:schemeClr val="accent1"/>
+              </a:fillRef>
+              <a:effectRef idx="0">
+                <a:schemeClr val="accent1"/>
+              </a:effectRef>
+              <a:fontRef idx="minor">
+                <a:schemeClr val="lt1"/>
+              </a:fontRef>
+            </p:style>
+            <p:txBody>
+              <a:bodyPr rtlCol="0" anchor="ctr"/>
+              <a:lstStyle/>
+              <a:p>
+                <a:pPr algn="ctr"/>
+                <a:endParaRPr lang="en-US"/>
+              </a:p>
+            </p:txBody>
+          </p:sp>
+        </p:grpSp>
+        <p:grpSp>
+          <p:nvGrpSpPr>
+            <p:cNvPr id="56" name="Group 55"/>
+            <p:cNvGrpSpPr/>
+            <p:nvPr/>
+          </p:nvGrpSpPr>
+          <p:grpSpPr>
+            <a:xfrm>
+              <a:off x="2439141" y="2980908"/>
+              <a:ext cx="91440" cy="45719"/>
+              <a:chOff x="2248575" y="2976338"/>
+              <a:chExt cx="91440" cy="45719"/>
+            </a:xfrm>
+          </p:grpSpPr>
+          <p:sp>
+            <p:nvSpPr>
+              <p:cNvPr id="57" name="Rectangle 56"/>
+              <p:cNvSpPr/>
+              <p:nvPr/>
+            </p:nvSpPr>
+            <p:spPr>
+              <a:xfrm>
+                <a:off x="2248575" y="2976338"/>
+                <a:ext cx="91440" cy="45719"/>
+              </a:xfrm>
+              <a:prstGeom prst="rect">
+                <a:avLst/>
+              </a:prstGeom>
+              <a:solidFill>
+                <a:srgbClr val="000064"/>
+              </a:solidFill>
+              <a:ln>
+                <a:noFill/>
+              </a:ln>
+            </p:spPr>
+            <p:style>
+              <a:lnRef idx="2">
+                <a:schemeClr val="accent1">
+                  <a:shade val="50000"/>
+                </a:schemeClr>
+              </a:lnRef>
+              <a:fillRef idx="1">
+                <a:schemeClr val="accent1"/>
+              </a:fillRef>
+              <a:effectRef idx="0">
+                <a:schemeClr val="accent1"/>
+              </a:effectRef>
+              <a:fontRef idx="minor">
+                <a:schemeClr val="lt1"/>
+              </a:fontRef>
+            </p:style>
+            <p:txBody>
+              <a:bodyPr rtlCol="0" anchor="ctr"/>
+              <a:lstStyle/>
+              <a:p>
+                <a:pPr algn="ctr"/>
+                <a:endParaRPr lang="en-US"/>
+              </a:p>
+            </p:txBody>
+          </p:sp>
+          <p:sp>
+            <p:nvSpPr>
+              <p:cNvPr id="58" name="Rectangle 57"/>
+              <p:cNvSpPr/>
+              <p:nvPr/>
+            </p:nvSpPr>
+            <p:spPr>
+              <a:xfrm>
+                <a:off x="2257719" y="2999197"/>
+                <a:ext cx="73152" cy="9144"/>
+              </a:xfrm>
+              <a:prstGeom prst="rect">
+                <a:avLst/>
+              </a:prstGeom>
+              <a:solidFill>
+                <a:schemeClr val="bg1"/>
+              </a:solidFill>
+              <a:ln>
+                <a:noFill/>
+              </a:ln>
+            </p:spPr>
+            <p:style>
+              <a:lnRef idx="2">
+                <a:schemeClr val="accent1">
+                  <a:shade val="50000"/>
+                </a:schemeClr>
+              </a:lnRef>
+              <a:fillRef idx="1">
+                <a:schemeClr val="accent1"/>
+              </a:fillRef>
+              <a:effectRef idx="0">
+                <a:schemeClr val="accent1"/>
+              </a:effectRef>
+              <a:fontRef idx="minor">
+                <a:schemeClr val="lt1"/>
+              </a:fontRef>
+            </p:style>
+            <p:txBody>
+              <a:bodyPr rtlCol="0" anchor="ctr"/>
+              <a:lstStyle/>
+              <a:p>
+                <a:pPr algn="ctr"/>
+                <a:endParaRPr lang="en-US"/>
+              </a:p>
+            </p:txBody>
+          </p:sp>
+        </p:grpSp>
+        <p:grpSp>
+          <p:nvGrpSpPr>
+            <p:cNvPr id="59" name="Group 58"/>
+            <p:cNvGrpSpPr/>
+            <p:nvPr/>
+          </p:nvGrpSpPr>
+          <p:grpSpPr>
+            <a:xfrm>
+              <a:off x="2166012" y="2980908"/>
+              <a:ext cx="91440" cy="45719"/>
+              <a:chOff x="2248575" y="2976338"/>
+              <a:chExt cx="91440" cy="45719"/>
+            </a:xfrm>
+          </p:grpSpPr>
+          <p:sp>
+            <p:nvSpPr>
+              <p:cNvPr id="60" name="Rectangle 59"/>
+              <p:cNvSpPr/>
+              <p:nvPr/>
+            </p:nvSpPr>
+            <p:spPr>
+              <a:xfrm>
+                <a:off x="2248575" y="2976338"/>
+                <a:ext cx="91440" cy="45719"/>
+              </a:xfrm>
+              <a:prstGeom prst="rect">
+                <a:avLst/>
+              </a:prstGeom>
+              <a:solidFill>
+                <a:srgbClr val="000064"/>
+              </a:solidFill>
+              <a:ln>
+                <a:noFill/>
+              </a:ln>
+            </p:spPr>
+            <p:style>
+              <a:lnRef idx="2">
+                <a:schemeClr val="accent1">
+                  <a:shade val="50000"/>
+                </a:schemeClr>
+              </a:lnRef>
+              <a:fillRef idx="1">
+                <a:schemeClr val="accent1"/>
+              </a:fillRef>
+              <a:effectRef idx="0">
+                <a:schemeClr val="accent1"/>
+              </a:effectRef>
+              <a:fontRef idx="minor">
+                <a:schemeClr val="lt1"/>
+              </a:fontRef>
+            </p:style>
+            <p:txBody>
+              <a:bodyPr rtlCol="0" anchor="ctr"/>
+              <a:lstStyle/>
+              <a:p>
+                <a:pPr algn="ctr"/>
+                <a:endParaRPr lang="en-US"/>
+              </a:p>
+            </p:txBody>
+          </p:sp>
+          <p:sp>
+            <p:nvSpPr>
+              <p:cNvPr id="61" name="Rectangle 60"/>
+              <p:cNvSpPr/>
+              <p:nvPr/>
+            </p:nvSpPr>
+            <p:spPr>
+              <a:xfrm>
+                <a:off x="2257719" y="2999197"/>
+                <a:ext cx="73152" cy="9144"/>
+              </a:xfrm>
+              <a:prstGeom prst="rect">
+                <a:avLst/>
+              </a:prstGeom>
+              <a:solidFill>
+                <a:schemeClr val="bg1"/>
+              </a:solidFill>
+              <a:ln>
+                <a:noFill/>
+              </a:ln>
+            </p:spPr>
+            <p:style>
+              <a:lnRef idx="2">
+                <a:schemeClr val="accent1">
+                  <a:shade val="50000"/>
+                </a:schemeClr>
+              </a:lnRef>
+              <a:fillRef idx="1">
+                <a:schemeClr val="accent1"/>
+              </a:fillRef>
+              <a:effectRef idx="0">
+                <a:schemeClr val="accent1"/>
+              </a:effectRef>
+              <a:fontRef idx="minor">
+                <a:schemeClr val="lt1"/>
+              </a:fontRef>
+            </p:style>
+            <p:txBody>
+              <a:bodyPr rtlCol="0" anchor="ctr"/>
+              <a:lstStyle/>
+              <a:p>
+                <a:pPr algn="ctr"/>
+                <a:endParaRPr lang="en-US"/>
+              </a:p>
+            </p:txBody>
+          </p:sp>
+        </p:grpSp>
+      </p:grpSp>
+    </p:spTree>
+    <p:extLst>
+      <p:ext uri="{BB962C8B-B14F-4D97-AF65-F5344CB8AC3E}">
+        <p14:creationId xmlns:p14="http://schemas.microsoft.com/office/powerpoint/2010/main" val="2274529631"/>
+      </p:ext>
+    </p:extLst>
+  </p:cSld>
+  <p:clrMapOvr>
+    <a:masterClrMapping/>
+  </p:clrMapOvr>
+</p:sld>
+</file>
+
+<file path=ppt/slides/slide6.xml><?xml version="1.0" encoding="utf-8"?>
+<p:sld xmlns:a="http://schemas.openxmlformats.org/drawingml/2006/main" xmlns:r="http://schemas.openxmlformats.org/officeDocument/2006/relationships" xmlns:p="http://schemas.openxmlformats.org/presentationml/2006/main">
+  <p:cSld>
+    <p:spTree>
+      <p:nvGrpSpPr>
+        <p:cNvPr id="1" name=""/>
+        <p:cNvGrpSpPr/>
+        <p:nvPr/>
+      </p:nvGrpSpPr>
+      <p:grpSpPr>
+        <a:xfrm>
+          <a:off x="0" y="0"/>
+          <a:ext cx="0" cy="0"/>
+          <a:chOff x="0" y="0"/>
+          <a:chExt cx="0" cy="0"/>
+        </a:xfrm>
+      </p:grpSpPr>
+      <p:sp>
+        <p:nvSpPr>
+          <p:cNvPr id="8" name="Rectangle 7"/>
+          <p:cNvSpPr/>
+          <p:nvPr/>
+        </p:nvSpPr>
+        <p:spPr>
+          <a:xfrm>
+            <a:off x="0" y="0"/>
+            <a:ext cx="4572000" cy="4572000"/>
+          </a:xfrm>
+          <a:prstGeom prst="rect">
+            <a:avLst/>
+          </a:prstGeom>
+          <a:solidFill>
+            <a:srgbClr val="000064"/>
+          </a:solidFill>
+          <a:ln>
+            <a:solidFill>
+              <a:srgbClr val="000064"/>
+            </a:solidFill>
+          </a:ln>
+        </p:spPr>
+        <p:style>
+          <a:lnRef idx="2">
+            <a:schemeClr val="accent1">
+              <a:shade val="50000"/>
+            </a:schemeClr>
+          </a:lnRef>
+          <a:fillRef idx="1">
+            <a:schemeClr val="accent1"/>
+          </a:fillRef>
+          <a:effectRef idx="0">
+            <a:schemeClr val="accent1"/>
+          </a:effectRef>
+          <a:fontRef idx="minor">
+            <a:schemeClr val="lt1"/>
+          </a:fontRef>
+        </p:style>
+        <p:txBody>
+          <a:bodyPr rtlCol="0" anchor="ctr"/>
+          <a:lstStyle/>
+          <a:p>
+            <a:pPr algn="ctr"/>
+            <a:endParaRPr lang="en-US"/>
+          </a:p>
+        </p:txBody>
+      </p:sp>
+      <p:sp>
+        <p:nvSpPr>
+          <p:cNvPr id="2" name="Rounded Rectangle 1"/>
+          <p:cNvSpPr/>
+          <p:nvPr/>
+        </p:nvSpPr>
+        <p:spPr>
+          <a:xfrm>
+            <a:off x="1485900" y="800100"/>
+            <a:ext cx="1600200" cy="2971800"/>
+          </a:xfrm>
+          <a:prstGeom prst="roundRect">
+            <a:avLst>
+              <a:gd name="adj" fmla="val 4312"/>
+            </a:avLst>
+          </a:prstGeom>
+          <a:solidFill>
+            <a:schemeClr val="bg1"/>
+          </a:solidFill>
+          <a:ln>
+            <a:solidFill>
+              <a:srgbClr val="000064"/>
+            </a:solidFill>
+          </a:ln>
+        </p:spPr>
+        <p:style>
+          <a:lnRef idx="2">
+            <a:schemeClr val="accent1">
+              <a:shade val="50000"/>
+            </a:schemeClr>
+          </a:lnRef>
+          <a:fillRef idx="1">
+            <a:schemeClr val="accent1"/>
+          </a:fillRef>
+          <a:effectRef idx="0">
+            <a:schemeClr val="accent1"/>
+          </a:effectRef>
+          <a:fontRef idx="minor">
+            <a:schemeClr val="lt1"/>
+          </a:fontRef>
+        </p:style>
+        <p:txBody>
+          <a:bodyPr rtlCol="0" anchor="ctr"/>
+          <a:lstStyle/>
+          <a:p>
+            <a:pPr algn="ctr"/>
+            <a:endParaRPr lang="en-US"/>
+          </a:p>
+        </p:txBody>
+      </p:sp>
+      <p:sp>
+        <p:nvSpPr>
+          <p:cNvPr id="3" name="Rectangle 2"/>
+          <p:cNvSpPr/>
+          <p:nvPr/>
+        </p:nvSpPr>
+        <p:spPr>
+          <a:xfrm>
+            <a:off x="1600200" y="1028700"/>
+            <a:ext cx="1371600" cy="2514600"/>
+          </a:xfrm>
+          <a:prstGeom prst="rect">
+            <a:avLst/>
+          </a:prstGeom>
+          <a:solidFill>
+            <a:srgbClr val="000064"/>
+          </a:solidFill>
+          <a:ln>
+            <a:solidFill>
+              <a:schemeClr val="bg1"/>
+            </a:solidFill>
+          </a:ln>
+        </p:spPr>
+        <p:style>
+          <a:lnRef idx="2">
+            <a:schemeClr val="accent1">
+              <a:shade val="50000"/>
+            </a:schemeClr>
+          </a:lnRef>
+          <a:fillRef idx="1">
+            <a:schemeClr val="accent1"/>
+          </a:fillRef>
+          <a:effectRef idx="0">
+            <a:schemeClr val="accent1"/>
+          </a:effectRef>
+          <a:fontRef idx="minor">
+            <a:schemeClr val="lt1"/>
+          </a:fontRef>
+        </p:style>
+        <p:txBody>
+          <a:bodyPr rtlCol="0" anchor="ctr"/>
+          <a:lstStyle/>
+          <a:p>
+            <a:pPr algn="ctr"/>
+            <a:endParaRPr lang="en-US"/>
+          </a:p>
+        </p:txBody>
+      </p:sp>
+      <p:sp>
+        <p:nvSpPr>
+          <p:cNvPr id="5" name="Rounded Rectangle 4"/>
+          <p:cNvSpPr/>
+          <p:nvPr/>
+        </p:nvSpPr>
+        <p:spPr>
+          <a:xfrm>
+            <a:off x="2171700" y="3589020"/>
+            <a:ext cx="228600" cy="137160"/>
+          </a:xfrm>
+          <a:prstGeom prst="roundRect">
+            <a:avLst/>
+          </a:prstGeom>
+          <a:solidFill>
+            <a:srgbClr val="000064"/>
+          </a:solidFill>
+          <a:ln>
+            <a:noFill/>
+          </a:ln>
+        </p:spPr>
+        <p:style>
+          <a:lnRef idx="2">
+            <a:schemeClr val="accent1">
+              <a:shade val="50000"/>
+            </a:schemeClr>
+          </a:lnRef>
+          <a:fillRef idx="1">
+            <a:schemeClr val="accent1"/>
+          </a:fillRef>
+          <a:effectRef idx="0">
+            <a:schemeClr val="accent1"/>
+          </a:effectRef>
+          <a:fontRef idx="minor">
+            <a:schemeClr val="lt1"/>
+          </a:fontRef>
+        </p:style>
+        <p:txBody>
+          <a:bodyPr rtlCol="0" anchor="ctr"/>
+          <a:lstStyle/>
+          <a:p>
+            <a:pPr algn="ctr"/>
+            <a:endParaRPr lang="en-US"/>
+          </a:p>
+        </p:txBody>
+      </p:sp>
+      <p:sp>
+        <p:nvSpPr>
+          <p:cNvPr id="6" name="Oval 5"/>
+          <p:cNvSpPr/>
+          <p:nvPr/>
+        </p:nvSpPr>
+        <p:spPr>
+          <a:xfrm>
+            <a:off x="2515630" y="868680"/>
+            <a:ext cx="91440" cy="91440"/>
+          </a:xfrm>
+          <a:prstGeom prst="ellipse">
+            <a:avLst/>
+          </a:prstGeom>
+          <a:solidFill>
+            <a:srgbClr val="000064"/>
+          </a:solidFill>
+          <a:ln>
+            <a:noFill/>
+          </a:ln>
+        </p:spPr>
+        <p:style>
+          <a:lnRef idx="2">
+            <a:schemeClr val="accent1">
+              <a:shade val="50000"/>
+            </a:schemeClr>
+          </a:lnRef>
+          <a:fillRef idx="1">
+            <a:schemeClr val="accent1"/>
+          </a:fillRef>
+          <a:effectRef idx="0">
+            <a:schemeClr val="accent1"/>
+          </a:effectRef>
+          <a:fontRef idx="minor">
+            <a:schemeClr val="lt1"/>
+          </a:fontRef>
+        </p:style>
+        <p:txBody>
+          <a:bodyPr rtlCol="0" anchor="ctr"/>
+          <a:lstStyle/>
+          <a:p>
+            <a:pPr algn="ctr"/>
+            <a:endParaRPr lang="en-US"/>
+          </a:p>
+        </p:txBody>
+      </p:sp>
+      <p:sp>
+        <p:nvSpPr>
+          <p:cNvPr id="7" name="Rounded Rectangle 6"/>
+          <p:cNvSpPr/>
+          <p:nvPr/>
+        </p:nvSpPr>
+        <p:spPr>
+          <a:xfrm>
+            <a:off x="2217420" y="891540"/>
+            <a:ext cx="137160" cy="45719"/>
+          </a:xfrm>
+          <a:prstGeom prst="roundRect">
+            <a:avLst>
+              <a:gd name="adj" fmla="val 38584"/>
+            </a:avLst>
+          </a:prstGeom>
+          <a:solidFill>
+            <a:srgbClr val="000064"/>
+          </a:solidFill>
+          <a:ln>
+            <a:noFill/>
+          </a:ln>
+        </p:spPr>
+        <p:style>
+          <a:lnRef idx="2">
+            <a:schemeClr val="accent1">
+              <a:shade val="50000"/>
+            </a:schemeClr>
+          </a:lnRef>
+          <a:fillRef idx="1">
+            <a:schemeClr val="accent1"/>
+          </a:fillRef>
+          <a:effectRef idx="0">
+            <a:schemeClr val="accent1"/>
+          </a:effectRef>
+          <a:fontRef idx="minor">
+            <a:schemeClr val="lt1"/>
+          </a:fontRef>
+        </p:style>
+        <p:txBody>
+          <a:bodyPr rtlCol="0" anchor="ctr"/>
+          <a:lstStyle/>
+          <a:p>
+            <a:pPr algn="ctr"/>
+            <a:endParaRPr lang="en-US"/>
+          </a:p>
+        </p:txBody>
+      </p:sp>
+    </p:spTree>
+    <p:extLst>
+      <p:ext uri="{BB962C8B-B14F-4D97-AF65-F5344CB8AC3E}">
+        <p14:creationId xmlns:p14="http://schemas.microsoft.com/office/powerpoint/2010/main" val="2775428243"/>
+      </p:ext>
+    </p:extLst>
+  </p:cSld>
+  <p:clrMapOvr>
+    <a:masterClrMapping/>
+  </p:clrMapOvr>
+  <p:timing>
+    <p:tnLst>
+      <p:par>
+        <p:cTn id="1" dur="indefinite" restart="never" nodeType="tmRoot"/>
+      </p:par>
+    </p:tnLst>
+  </p:timing>
+</p:sld>
+</file>
+
+<file path=ppt/slides/slide7.xml><?xml version="1.0" encoding="utf-8"?>
+<p:sld xmlns:a="http://schemas.openxmlformats.org/drawingml/2006/main" xmlns:r="http://schemas.openxmlformats.org/officeDocument/2006/relationships" xmlns:p="http://schemas.openxmlformats.org/presentationml/2006/main">
+  <p:cSld>
+    <p:spTree>
+      <p:nvGrpSpPr>
+        <p:cNvPr id="1" name=""/>
+        <p:cNvGrpSpPr/>
+        <p:nvPr/>
+      </p:nvGrpSpPr>
+      <p:grpSpPr>
+        <a:xfrm>
+          <a:off x="0" y="0"/>
+          <a:ext cx="0" cy="0"/>
+          <a:chOff x="0" y="0"/>
+          <a:chExt cx="0" cy="0"/>
+        </a:xfrm>
+      </p:grpSpPr>
+      <p:sp>
+        <p:nvSpPr>
+          <p:cNvPr id="7" name="Rectangle 6"/>
+          <p:cNvSpPr/>
+          <p:nvPr/>
+        </p:nvSpPr>
+        <p:spPr>
+          <a:xfrm>
+            <a:off x="-1" y="0"/>
+            <a:ext cx="4572000" cy="4572000"/>
+          </a:xfrm>
+          <a:prstGeom prst="rect">
+            <a:avLst/>
+          </a:prstGeom>
+          <a:solidFill>
+            <a:srgbClr val="000064"/>
+          </a:solidFill>
+          <a:ln>
+            <a:solidFill>
+              <a:srgbClr val="000064"/>
+            </a:solidFill>
+          </a:ln>
+        </p:spPr>
+        <p:style>
+          <a:lnRef idx="2">
+            <a:schemeClr val="accent1">
+              <a:shade val="50000"/>
+            </a:schemeClr>
+          </a:lnRef>
+          <a:fillRef idx="1">
+            <a:schemeClr val="accent1"/>
+          </a:fillRef>
+          <a:effectRef idx="0">
+            <a:schemeClr val="accent1"/>
+          </a:effectRef>
+          <a:fontRef idx="minor">
+            <a:schemeClr val="lt1"/>
+          </a:fontRef>
+        </p:style>
+        <p:txBody>
+          <a:bodyPr rtlCol="0" anchor="ctr"/>
+          <a:lstStyle/>
+          <a:p>
+            <a:pPr algn="ctr"/>
+            <a:endParaRPr lang="en-US"/>
+          </a:p>
+        </p:txBody>
+      </p:sp>
+      <p:sp>
+        <p:nvSpPr>
+          <p:cNvPr id="2" name="Rounded Rectangle 1"/>
+          <p:cNvSpPr/>
+          <p:nvPr/>
+        </p:nvSpPr>
+        <p:spPr>
+          <a:xfrm>
+            <a:off x="685800" y="1371600"/>
+            <a:ext cx="3200400" cy="1828800"/>
+          </a:xfrm>
+          <a:prstGeom prst="roundRect">
+            <a:avLst>
+              <a:gd name="adj" fmla="val 3419"/>
+            </a:avLst>
+          </a:prstGeom>
+          <a:solidFill>
+            <a:schemeClr val="bg1"/>
+          </a:solidFill>
+          <a:ln>
+            <a:solidFill>
+              <a:schemeClr val="bg1"/>
+            </a:solidFill>
+          </a:ln>
+        </p:spPr>
+        <p:style>
+          <a:lnRef idx="2">
+            <a:schemeClr val="accent1">
+              <a:shade val="50000"/>
+            </a:schemeClr>
+          </a:lnRef>
+          <a:fillRef idx="1">
+            <a:schemeClr val="accent1"/>
+          </a:fillRef>
+          <a:effectRef idx="0">
+            <a:schemeClr val="accent1"/>
+          </a:effectRef>
+          <a:fontRef idx="minor">
+            <a:schemeClr val="lt1"/>
+          </a:fontRef>
+        </p:style>
+        <p:txBody>
+          <a:bodyPr rtlCol="0" anchor="ctr"/>
+          <a:lstStyle/>
+          <a:p>
+            <a:pPr algn="ctr"/>
+            <a:endParaRPr lang="en-US"/>
+          </a:p>
+        </p:txBody>
+      </p:sp>
+      <p:sp>
+        <p:nvSpPr>
+          <p:cNvPr id="3" name="Oval 2"/>
+          <p:cNvSpPr/>
+          <p:nvPr/>
+        </p:nvSpPr>
+        <p:spPr>
+          <a:xfrm>
+            <a:off x="2353963" y="1648389"/>
+            <a:ext cx="1276865" cy="1275222"/>
+          </a:xfrm>
+          <a:prstGeom prst="ellipse">
+            <a:avLst/>
+          </a:prstGeom>
+          <a:solidFill>
+            <a:schemeClr val="bg1"/>
+          </a:solidFill>
+          <a:ln w="127000">
+            <a:solidFill>
+              <a:srgbClr val="000064"/>
+            </a:solidFill>
+          </a:ln>
+        </p:spPr>
+        <p:style>
+          <a:lnRef idx="2">
+            <a:schemeClr val="accent1">
+              <a:shade val="50000"/>
+            </a:schemeClr>
+          </a:lnRef>
+          <a:fillRef idx="1">
+            <a:schemeClr val="accent1"/>
+          </a:fillRef>
+          <a:effectRef idx="0">
+            <a:schemeClr val="accent1"/>
+          </a:effectRef>
+          <a:fontRef idx="minor">
+            <a:schemeClr val="lt1"/>
+          </a:fontRef>
+        </p:style>
+        <p:txBody>
+          <a:bodyPr rtlCol="0" anchor="ctr"/>
+          <a:lstStyle/>
+          <a:p>
+            <a:pPr algn="ctr"/>
+            <a:endParaRPr lang="en-US"/>
+          </a:p>
+        </p:txBody>
+      </p:sp>
+      <p:sp>
+        <p:nvSpPr>
+          <p:cNvPr id="12" name="Oval 11"/>
+          <p:cNvSpPr/>
+          <p:nvPr/>
+        </p:nvSpPr>
+        <p:spPr>
+          <a:xfrm>
+            <a:off x="2154436" y="1516994"/>
+            <a:ext cx="263128" cy="262789"/>
+          </a:xfrm>
+          <a:prstGeom prst="ellipse">
+            <a:avLst/>
+          </a:prstGeom>
+          <a:solidFill>
+            <a:srgbClr val="000064"/>
+          </a:solidFill>
+          <a:ln w="38100">
+            <a:noFill/>
+          </a:ln>
+        </p:spPr>
+        <p:style>
+          <a:lnRef idx="2">
+            <a:schemeClr val="accent1">
+              <a:shade val="50000"/>
+            </a:schemeClr>
+          </a:lnRef>
+          <a:fillRef idx="1">
+            <a:schemeClr val="accent1"/>
+          </a:fillRef>
+          <a:effectRef idx="0">
+            <a:schemeClr val="accent1"/>
+          </a:effectRef>
+          <a:fontRef idx="minor">
+            <a:schemeClr val="lt1"/>
+          </a:fontRef>
+        </p:style>
+        <p:txBody>
+          <a:bodyPr rtlCol="0" anchor="ctr"/>
+          <a:lstStyle/>
+          <a:p>
+            <a:pPr algn="ctr"/>
+            <a:endParaRPr lang="en-US"/>
+          </a:p>
+        </p:txBody>
+      </p:sp>
+      <p:sp>
+        <p:nvSpPr>
+          <p:cNvPr id="13" name="Rounded Rectangle 12"/>
+          <p:cNvSpPr/>
+          <p:nvPr/>
+        </p:nvSpPr>
+        <p:spPr>
+          <a:xfrm>
+            <a:off x="999864" y="1192390"/>
+            <a:ext cx="314064" cy="119473"/>
+          </a:xfrm>
+          <a:prstGeom prst="roundRect">
+            <a:avLst>
+              <a:gd name="adj" fmla="val 6738"/>
+            </a:avLst>
+          </a:prstGeom>
+          <a:solidFill>
+            <a:schemeClr val="bg1"/>
+          </a:solidFill>
+          <a:ln>
+            <a:noFill/>
+          </a:ln>
+        </p:spPr>
+        <p:style>
+          <a:lnRef idx="2">
+            <a:schemeClr val="accent1">
+              <a:shade val="50000"/>
+            </a:schemeClr>
+          </a:lnRef>
+          <a:fillRef idx="1">
+            <a:schemeClr val="accent1"/>
+          </a:fillRef>
+          <a:effectRef idx="0">
+            <a:schemeClr val="accent1"/>
+          </a:effectRef>
+          <a:fontRef idx="minor">
+            <a:schemeClr val="lt1"/>
+          </a:fontRef>
+        </p:style>
+        <p:txBody>
+          <a:bodyPr rtlCol="0" anchor="ctr"/>
+          <a:lstStyle/>
+          <a:p>
+            <a:pPr algn="ctr"/>
+            <a:endParaRPr lang="en-US"/>
+          </a:p>
+        </p:txBody>
+      </p:sp>
+    </p:spTree>
+    <p:extLst>
+      <p:ext uri="{BB962C8B-B14F-4D97-AF65-F5344CB8AC3E}">
+        <p14:creationId xmlns:p14="http://schemas.microsoft.com/office/powerpoint/2010/main" val="561755351"/>
+      </p:ext>
+    </p:extLst>
+  </p:cSld>
+  <p:clrMapOvr>
+    <a:masterClrMapping/>
+  </p:clrMapOvr>
+  <p:timing>
+    <p:tnLst>
+      <p:par>
+        <p:cTn id="1" dur="indefinite" restart="never" nodeType="tmRoot"/>
+      </p:par>
+    </p:tnLst>
+  </p:timing>
+</p:sld>
+</file>
+
+<file path=ppt/slides/slide8.xml><?xml version="1.0" encoding="utf-8"?>
+<p:sld xmlns:a="http://schemas.openxmlformats.org/drawingml/2006/main" xmlns:r="http://schemas.openxmlformats.org/officeDocument/2006/relationships" xmlns:p="http://schemas.openxmlformats.org/presentationml/2006/main">
+  <p:cSld>
+    <p:spTree>
+      <p:nvGrpSpPr>
+        <p:cNvPr id="1" name=""/>
+        <p:cNvGrpSpPr/>
+        <p:nvPr/>
+      </p:nvGrpSpPr>
+      <p:grpSpPr>
+        <a:xfrm>
+          <a:off x="0" y="0"/>
+          <a:ext cx="0" cy="0"/>
+          <a:chOff x="0" y="0"/>
+          <a:chExt cx="0" cy="0"/>
+        </a:xfrm>
+      </p:grpSpPr>
+      <p:sp>
+        <p:nvSpPr>
           <p:cNvPr id="9" name="Rectangle 8"/>
           <p:cNvSpPr/>
           <p:nvPr/>
@@ -4658,7 +7047,7 @@
 </p:sld>
 </file>
 
-<file path=ppt/slides/slide5.xml><?xml version="1.0" encoding="utf-8"?>
+<file path=ppt/slides/slide9.xml><?xml version="1.0" encoding="utf-8"?>
 <p:sld xmlns:a="http://schemas.openxmlformats.org/drawingml/2006/main" xmlns:r="http://schemas.openxmlformats.org/officeDocument/2006/relationships" xmlns:p="http://schemas.openxmlformats.org/presentationml/2006/main">
   <p:cSld>
     <p:spTree>
@@ -4875,1125 +7264,6 @@
     <p:extLst>
       <p:ext uri="{BB962C8B-B14F-4D97-AF65-F5344CB8AC3E}">
         <p14:creationId xmlns:p14="http://schemas.microsoft.com/office/powerpoint/2010/main" val="3926861122"/>
-      </p:ext>
-    </p:extLst>
-  </p:cSld>
-  <p:clrMapOvr>
-    <a:masterClrMapping/>
-  </p:clrMapOvr>
-  <p:timing>
-    <p:tnLst>
-      <p:par>
-        <p:cTn id="1" dur="indefinite" restart="never" nodeType="tmRoot"/>
-      </p:par>
-    </p:tnLst>
-  </p:timing>
-</p:sld>
-</file>
-
-<file path=ppt/slides/slide6.xml><?xml version="1.0" encoding="utf-8"?>
-<p:sld xmlns:a="http://schemas.openxmlformats.org/drawingml/2006/main" xmlns:r="http://schemas.openxmlformats.org/officeDocument/2006/relationships" xmlns:p="http://schemas.openxmlformats.org/presentationml/2006/main">
-  <p:cSld>
-    <p:spTree>
-      <p:nvGrpSpPr>
-        <p:cNvPr id="1" name=""/>
-        <p:cNvGrpSpPr/>
-        <p:nvPr/>
-      </p:nvGrpSpPr>
-      <p:grpSpPr>
-        <a:xfrm>
-          <a:off x="0" y="0"/>
-          <a:ext cx="0" cy="0"/>
-          <a:chOff x="0" y="0"/>
-          <a:chExt cx="0" cy="0"/>
-        </a:xfrm>
-      </p:grpSpPr>
-      <p:sp>
-        <p:nvSpPr>
-          <p:cNvPr id="8" name="Rectangle 7"/>
-          <p:cNvSpPr/>
-          <p:nvPr/>
-        </p:nvSpPr>
-        <p:spPr>
-          <a:xfrm>
-            <a:off x="-1" y="0"/>
-            <a:ext cx="4572000" cy="4572000"/>
-          </a:xfrm>
-          <a:prstGeom prst="rect">
-            <a:avLst/>
-          </a:prstGeom>
-          <a:solidFill>
-            <a:srgbClr val="000064"/>
-          </a:solidFill>
-          <a:ln>
-            <a:solidFill>
-              <a:srgbClr val="000064"/>
-            </a:solidFill>
-          </a:ln>
-        </p:spPr>
-        <p:style>
-          <a:lnRef idx="2">
-            <a:schemeClr val="accent1">
-              <a:shade val="50000"/>
-            </a:schemeClr>
-          </a:lnRef>
-          <a:fillRef idx="1">
-            <a:schemeClr val="accent1"/>
-          </a:fillRef>
-          <a:effectRef idx="0">
-            <a:schemeClr val="accent1"/>
-          </a:effectRef>
-          <a:fontRef idx="minor">
-            <a:schemeClr val="lt1"/>
-          </a:fontRef>
-        </p:style>
-        <p:txBody>
-          <a:bodyPr rtlCol="0" anchor="ctr"/>
-          <a:lstStyle/>
-          <a:p>
-            <a:pPr algn="ctr"/>
-            <a:endParaRPr lang="en-US"/>
-          </a:p>
-        </p:txBody>
-      </p:sp>
-      <p:sp>
-        <p:nvSpPr>
-          <p:cNvPr id="3" name="Rectangle 2"/>
-          <p:cNvSpPr/>
-          <p:nvPr/>
-        </p:nvSpPr>
-        <p:spPr>
-          <a:xfrm>
-            <a:off x="1874520" y="661016"/>
-            <a:ext cx="822960" cy="822960"/>
-          </a:xfrm>
-          <a:prstGeom prst="rect">
-            <a:avLst/>
-          </a:prstGeom>
-          <a:solidFill>
-            <a:schemeClr val="bg1"/>
-          </a:solidFill>
-          <a:ln>
-            <a:noFill/>
-          </a:ln>
-        </p:spPr>
-        <p:style>
-          <a:lnRef idx="2">
-            <a:schemeClr val="accent1">
-              <a:shade val="50000"/>
-            </a:schemeClr>
-          </a:lnRef>
-          <a:fillRef idx="1">
-            <a:schemeClr val="accent1"/>
-          </a:fillRef>
-          <a:effectRef idx="0">
-            <a:schemeClr val="accent1"/>
-          </a:effectRef>
-          <a:fontRef idx="minor">
-            <a:schemeClr val="lt1"/>
-          </a:fontRef>
-        </p:style>
-        <p:txBody>
-          <a:bodyPr rtlCol="0" anchor="ctr"/>
-          <a:lstStyle/>
-          <a:p>
-            <a:pPr algn="ctr"/>
-            <a:endParaRPr lang="en-US"/>
-          </a:p>
-        </p:txBody>
-      </p:sp>
-      <p:sp>
-        <p:nvSpPr>
-          <p:cNvPr id="12" name="Rectangle 11"/>
-          <p:cNvSpPr/>
-          <p:nvPr/>
-        </p:nvSpPr>
-        <p:spPr>
-          <a:xfrm>
-            <a:off x="1600200" y="1770611"/>
-            <a:ext cx="1371600" cy="2518756"/>
-          </a:xfrm>
-          <a:prstGeom prst="rect">
-            <a:avLst/>
-          </a:prstGeom>
-          <a:solidFill>
-            <a:schemeClr val="bg1"/>
-          </a:solidFill>
-          <a:ln>
-            <a:noFill/>
-          </a:ln>
-        </p:spPr>
-        <p:style>
-          <a:lnRef idx="2">
-            <a:schemeClr val="accent1">
-              <a:shade val="50000"/>
-            </a:schemeClr>
-          </a:lnRef>
-          <a:fillRef idx="1">
-            <a:schemeClr val="accent1"/>
-          </a:fillRef>
-          <a:effectRef idx="0">
-            <a:schemeClr val="accent1"/>
-          </a:effectRef>
-          <a:fontRef idx="minor">
-            <a:schemeClr val="lt1"/>
-          </a:fontRef>
-        </p:style>
-        <p:txBody>
-          <a:bodyPr rtlCol="0" anchor="ctr"/>
-          <a:lstStyle/>
-          <a:p>
-            <a:pPr algn="ctr"/>
-            <a:endParaRPr lang="en-US"/>
-          </a:p>
-        </p:txBody>
-      </p:sp>
-      <p:sp>
-        <p:nvSpPr>
-          <p:cNvPr id="13" name="Rectangle 12"/>
-          <p:cNvSpPr/>
-          <p:nvPr/>
-        </p:nvSpPr>
-        <p:spPr>
-          <a:xfrm>
-            <a:off x="914400" y="1770611"/>
-            <a:ext cx="2743200" cy="457200"/>
-          </a:xfrm>
-          <a:prstGeom prst="rect">
-            <a:avLst/>
-          </a:prstGeom>
-          <a:solidFill>
-            <a:schemeClr val="bg1"/>
-          </a:solidFill>
-          <a:ln>
-            <a:noFill/>
-          </a:ln>
-        </p:spPr>
-        <p:style>
-          <a:lnRef idx="2">
-            <a:schemeClr val="accent1">
-              <a:shade val="50000"/>
-            </a:schemeClr>
-          </a:lnRef>
-          <a:fillRef idx="1">
-            <a:schemeClr val="accent1"/>
-          </a:fillRef>
-          <a:effectRef idx="0">
-            <a:schemeClr val="accent1"/>
-          </a:effectRef>
-          <a:fontRef idx="minor">
-            <a:schemeClr val="lt1"/>
-          </a:fontRef>
-        </p:style>
-        <p:txBody>
-          <a:bodyPr rtlCol="0" anchor="ctr"/>
-          <a:lstStyle/>
-          <a:p>
-            <a:pPr algn="ctr"/>
-            <a:endParaRPr lang="en-US"/>
-          </a:p>
-        </p:txBody>
-      </p:sp>
-      <p:sp>
-        <p:nvSpPr>
-          <p:cNvPr id="14" name="Rectangle 13"/>
-          <p:cNvSpPr/>
-          <p:nvPr/>
-        </p:nvSpPr>
-        <p:spPr>
-          <a:xfrm>
-            <a:off x="914400" y="2113588"/>
-            <a:ext cx="423949" cy="1477510"/>
-          </a:xfrm>
-          <a:prstGeom prst="rect">
-            <a:avLst/>
-          </a:prstGeom>
-          <a:solidFill>
-            <a:schemeClr val="bg1"/>
-          </a:solidFill>
-          <a:ln>
-            <a:noFill/>
-          </a:ln>
-        </p:spPr>
-        <p:style>
-          <a:lnRef idx="2">
-            <a:schemeClr val="accent1">
-              <a:shade val="50000"/>
-            </a:schemeClr>
-          </a:lnRef>
-          <a:fillRef idx="1">
-            <a:schemeClr val="accent1"/>
-          </a:fillRef>
-          <a:effectRef idx="0">
-            <a:schemeClr val="accent1"/>
-          </a:effectRef>
-          <a:fontRef idx="minor">
-            <a:schemeClr val="lt1"/>
-          </a:fontRef>
-        </p:style>
-        <p:txBody>
-          <a:bodyPr rtlCol="0" anchor="ctr"/>
-          <a:lstStyle/>
-          <a:p>
-            <a:pPr algn="ctr"/>
-            <a:endParaRPr lang="en-US"/>
-          </a:p>
-        </p:txBody>
-      </p:sp>
-      <p:sp>
-        <p:nvSpPr>
-          <p:cNvPr id="15" name="Rectangle 14"/>
-          <p:cNvSpPr/>
-          <p:nvPr/>
-        </p:nvSpPr>
-        <p:spPr>
-          <a:xfrm>
-            <a:off x="3233651" y="2113588"/>
-            <a:ext cx="423949" cy="1477510"/>
-          </a:xfrm>
-          <a:prstGeom prst="rect">
-            <a:avLst/>
-          </a:prstGeom>
-          <a:solidFill>
-            <a:schemeClr val="bg1"/>
-          </a:solidFill>
-          <a:ln>
-            <a:noFill/>
-          </a:ln>
-        </p:spPr>
-        <p:style>
-          <a:lnRef idx="2">
-            <a:schemeClr val="accent1">
-              <a:shade val="50000"/>
-            </a:schemeClr>
-          </a:lnRef>
-          <a:fillRef idx="1">
-            <a:schemeClr val="accent1"/>
-          </a:fillRef>
-          <a:effectRef idx="0">
-            <a:schemeClr val="accent1"/>
-          </a:effectRef>
-          <a:fontRef idx="minor">
-            <a:schemeClr val="lt1"/>
-          </a:fontRef>
-        </p:style>
-        <p:txBody>
-          <a:bodyPr rtlCol="0" anchor="ctr"/>
-          <a:lstStyle/>
-          <a:p>
-            <a:pPr algn="ctr"/>
-            <a:endParaRPr lang="en-US"/>
-          </a:p>
-        </p:txBody>
-      </p:sp>
-    </p:spTree>
-    <p:extLst>
-      <p:ext uri="{BB962C8B-B14F-4D97-AF65-F5344CB8AC3E}">
-        <p14:creationId xmlns:p14="http://schemas.microsoft.com/office/powerpoint/2010/main" val="2477081356"/>
-      </p:ext>
-    </p:extLst>
-  </p:cSld>
-  <p:clrMapOvr>
-    <a:masterClrMapping/>
-  </p:clrMapOvr>
-  <p:timing>
-    <p:tnLst>
-      <p:par>
-        <p:cTn id="1" dur="indefinite" restart="never" nodeType="tmRoot"/>
-      </p:par>
-    </p:tnLst>
-  </p:timing>
-</p:sld>
-</file>
-
-<file path=ppt/slides/slide7.xml><?xml version="1.0" encoding="utf-8"?>
-<p:sld xmlns:a="http://schemas.openxmlformats.org/drawingml/2006/main" xmlns:r="http://schemas.openxmlformats.org/officeDocument/2006/relationships" xmlns:p="http://schemas.openxmlformats.org/presentationml/2006/main">
-  <p:cSld>
-    <p:spTree>
-      <p:nvGrpSpPr>
-        <p:cNvPr id="1" name=""/>
-        <p:cNvGrpSpPr/>
-        <p:nvPr/>
-      </p:nvGrpSpPr>
-      <p:grpSpPr>
-        <a:xfrm>
-          <a:off x="0" y="0"/>
-          <a:ext cx="0" cy="0"/>
-          <a:chOff x="0" y="0"/>
-          <a:chExt cx="0" cy="0"/>
-        </a:xfrm>
-      </p:grpSpPr>
-      <p:sp>
-        <p:nvSpPr>
-          <p:cNvPr id="5" name="Rectangle 4"/>
-          <p:cNvSpPr/>
-          <p:nvPr/>
-        </p:nvSpPr>
-        <p:spPr>
-          <a:xfrm>
-            <a:off x="-1" y="0"/>
-            <a:ext cx="4572000" cy="4572000"/>
-          </a:xfrm>
-          <a:prstGeom prst="rect">
-            <a:avLst/>
-          </a:prstGeom>
-          <a:solidFill>
-            <a:srgbClr val="000064"/>
-          </a:solidFill>
-          <a:ln>
-            <a:solidFill>
-              <a:srgbClr val="000064"/>
-            </a:solidFill>
-          </a:ln>
-        </p:spPr>
-        <p:style>
-          <a:lnRef idx="2">
-            <a:schemeClr val="accent1">
-              <a:shade val="50000"/>
-            </a:schemeClr>
-          </a:lnRef>
-          <a:fillRef idx="1">
-            <a:schemeClr val="accent1"/>
-          </a:fillRef>
-          <a:effectRef idx="0">
-            <a:schemeClr val="accent1"/>
-          </a:effectRef>
-          <a:fontRef idx="minor">
-            <a:schemeClr val="lt1"/>
-          </a:fontRef>
-        </p:style>
-        <p:txBody>
-          <a:bodyPr rtlCol="0" anchor="ctr"/>
-          <a:lstStyle/>
-          <a:p>
-            <a:pPr algn="ctr"/>
-            <a:endParaRPr lang="en-US"/>
-          </a:p>
-        </p:txBody>
-      </p:sp>
-      <p:grpSp>
-        <p:nvGrpSpPr>
-          <p:cNvPr id="2" name="Group 1"/>
-          <p:cNvGrpSpPr/>
-          <p:nvPr/>
-        </p:nvGrpSpPr>
-        <p:grpSpPr>
-          <a:xfrm>
-            <a:off x="1382359" y="1507721"/>
-            <a:ext cx="1807279" cy="1556558"/>
-            <a:chOff x="1382360" y="1230185"/>
-            <a:chExt cx="1807279" cy="1556558"/>
-          </a:xfrm>
-        </p:grpSpPr>
-        <p:sp>
-          <p:nvSpPr>
-            <p:cNvPr id="9" name="Rectangle 8"/>
-            <p:cNvSpPr/>
-            <p:nvPr/>
-          </p:nvSpPr>
-          <p:spPr>
-            <a:xfrm>
-              <a:off x="2238990" y="1230185"/>
-              <a:ext cx="950649" cy="1556558"/>
-            </a:xfrm>
-            <a:prstGeom prst="rect">
-              <a:avLst/>
-            </a:prstGeom>
-            <a:solidFill>
-              <a:schemeClr val="bg1"/>
-            </a:solidFill>
-            <a:ln w="38100">
-              <a:solidFill>
-                <a:srgbClr val="000064"/>
-              </a:solidFill>
-            </a:ln>
-            <a:scene3d>
-              <a:camera prst="isometricOffAxis1Right"/>
-              <a:lightRig rig="threePt" dir="t"/>
-            </a:scene3d>
-          </p:spPr>
-          <p:style>
-            <a:lnRef idx="2">
-              <a:schemeClr val="accent1">
-                <a:shade val="50000"/>
-              </a:schemeClr>
-            </a:lnRef>
-            <a:fillRef idx="1">
-              <a:schemeClr val="accent1"/>
-            </a:fillRef>
-            <a:effectRef idx="0">
-              <a:schemeClr val="accent1"/>
-            </a:effectRef>
-            <a:fontRef idx="minor">
-              <a:schemeClr val="lt1"/>
-            </a:fontRef>
-          </p:style>
-          <p:txBody>
-            <a:bodyPr rtlCol="0" anchor="ctr"/>
-            <a:lstStyle/>
-            <a:p>
-              <a:pPr algn="ctr"/>
-              <a:endParaRPr lang="en-US"/>
-            </a:p>
-          </p:txBody>
-        </p:sp>
-        <p:sp>
-          <p:nvSpPr>
-            <p:cNvPr id="10" name="Rectangle 9"/>
-            <p:cNvSpPr/>
-            <p:nvPr/>
-          </p:nvSpPr>
-          <p:spPr>
-            <a:xfrm>
-              <a:off x="1382360" y="1230185"/>
-              <a:ext cx="950649" cy="1556558"/>
-            </a:xfrm>
-            <a:prstGeom prst="rect">
-              <a:avLst/>
-            </a:prstGeom>
-            <a:solidFill>
-              <a:schemeClr val="bg1"/>
-            </a:solidFill>
-            <a:ln w="38100">
-              <a:solidFill>
-                <a:srgbClr val="000064"/>
-              </a:solidFill>
-            </a:ln>
-            <a:scene3d>
-              <a:camera prst="isometricOffAxis2Left"/>
-              <a:lightRig rig="threePt" dir="t"/>
-            </a:scene3d>
-          </p:spPr>
-          <p:style>
-            <a:lnRef idx="2">
-              <a:schemeClr val="accent1">
-                <a:shade val="50000"/>
-              </a:schemeClr>
-            </a:lnRef>
-            <a:fillRef idx="1">
-              <a:schemeClr val="accent1"/>
-            </a:fillRef>
-            <a:effectRef idx="0">
-              <a:schemeClr val="accent1"/>
-            </a:effectRef>
-            <a:fontRef idx="minor">
-              <a:schemeClr val="lt1"/>
-            </a:fontRef>
-          </p:style>
-          <p:txBody>
-            <a:bodyPr rtlCol="0" anchor="ctr"/>
-            <a:lstStyle/>
-            <a:p>
-              <a:pPr algn="ctr"/>
-              <a:endParaRPr lang="en-US"/>
-            </a:p>
-          </p:txBody>
-        </p:sp>
-      </p:grpSp>
-    </p:spTree>
-    <p:extLst>
-      <p:ext uri="{BB962C8B-B14F-4D97-AF65-F5344CB8AC3E}">
-        <p14:creationId xmlns:p14="http://schemas.microsoft.com/office/powerpoint/2010/main" val="231432628"/>
-      </p:ext>
-    </p:extLst>
-  </p:cSld>
-  <p:clrMapOvr>
-    <a:masterClrMapping/>
-  </p:clrMapOvr>
-  <p:timing>
-    <p:tnLst>
-      <p:par>
-        <p:cTn id="1" dur="indefinite" restart="never" nodeType="tmRoot"/>
-      </p:par>
-    </p:tnLst>
-  </p:timing>
-</p:sld>
-</file>
-
-<file path=ppt/slides/slide8.xml><?xml version="1.0" encoding="utf-8"?>
-<p:sld xmlns:a="http://schemas.openxmlformats.org/drawingml/2006/main" xmlns:r="http://schemas.openxmlformats.org/officeDocument/2006/relationships" xmlns:p="http://schemas.openxmlformats.org/presentationml/2006/main">
-  <p:cSld>
-    <p:spTree>
-      <p:nvGrpSpPr>
-        <p:cNvPr id="1" name=""/>
-        <p:cNvGrpSpPr/>
-        <p:nvPr/>
-      </p:nvGrpSpPr>
-      <p:grpSpPr>
-        <a:xfrm>
-          <a:off x="0" y="0"/>
-          <a:ext cx="0" cy="0"/>
-          <a:chOff x="0" y="0"/>
-          <a:chExt cx="0" cy="0"/>
-        </a:xfrm>
-      </p:grpSpPr>
-      <p:sp>
-        <p:nvSpPr>
-          <p:cNvPr id="7" name="Rectangle 6"/>
-          <p:cNvSpPr/>
-          <p:nvPr/>
-        </p:nvSpPr>
-        <p:spPr>
-          <a:xfrm>
-            <a:off x="-1" y="0"/>
-            <a:ext cx="4572000" cy="4572000"/>
-          </a:xfrm>
-          <a:prstGeom prst="rect">
-            <a:avLst/>
-          </a:prstGeom>
-          <a:solidFill>
-            <a:srgbClr val="000064"/>
-          </a:solidFill>
-          <a:ln>
-            <a:solidFill>
-              <a:srgbClr val="000064"/>
-            </a:solidFill>
-          </a:ln>
-        </p:spPr>
-        <p:style>
-          <a:lnRef idx="2">
-            <a:schemeClr val="accent1">
-              <a:shade val="50000"/>
-            </a:schemeClr>
-          </a:lnRef>
-          <a:fillRef idx="1">
-            <a:schemeClr val="accent1"/>
-          </a:fillRef>
-          <a:effectRef idx="0">
-            <a:schemeClr val="accent1"/>
-          </a:effectRef>
-          <a:fontRef idx="minor">
-            <a:schemeClr val="lt1"/>
-          </a:fontRef>
-        </p:style>
-        <p:txBody>
-          <a:bodyPr rtlCol="0" anchor="ctr"/>
-          <a:lstStyle/>
-          <a:p>
-            <a:pPr algn="ctr"/>
-            <a:endParaRPr lang="en-US"/>
-          </a:p>
-        </p:txBody>
-      </p:sp>
-      <p:sp>
-        <p:nvSpPr>
-          <p:cNvPr id="2" name="Rounded Rectangle 1"/>
-          <p:cNvSpPr/>
-          <p:nvPr/>
-        </p:nvSpPr>
-        <p:spPr>
-          <a:xfrm>
-            <a:off x="685800" y="1371600"/>
-            <a:ext cx="3200400" cy="1828800"/>
-          </a:xfrm>
-          <a:prstGeom prst="roundRect">
-            <a:avLst>
-              <a:gd name="adj" fmla="val 3419"/>
-            </a:avLst>
-          </a:prstGeom>
-          <a:solidFill>
-            <a:schemeClr val="bg1"/>
-          </a:solidFill>
-          <a:ln>
-            <a:solidFill>
-              <a:schemeClr val="bg1"/>
-            </a:solidFill>
-          </a:ln>
-        </p:spPr>
-        <p:style>
-          <a:lnRef idx="2">
-            <a:schemeClr val="accent1">
-              <a:shade val="50000"/>
-            </a:schemeClr>
-          </a:lnRef>
-          <a:fillRef idx="1">
-            <a:schemeClr val="accent1"/>
-          </a:fillRef>
-          <a:effectRef idx="0">
-            <a:schemeClr val="accent1"/>
-          </a:effectRef>
-          <a:fontRef idx="minor">
-            <a:schemeClr val="lt1"/>
-          </a:fontRef>
-        </p:style>
-        <p:txBody>
-          <a:bodyPr rtlCol="0" anchor="ctr"/>
-          <a:lstStyle/>
-          <a:p>
-            <a:pPr algn="ctr"/>
-            <a:endParaRPr lang="en-US"/>
-          </a:p>
-        </p:txBody>
-      </p:sp>
-      <p:sp>
-        <p:nvSpPr>
-          <p:cNvPr id="3" name="Oval 2"/>
-          <p:cNvSpPr/>
-          <p:nvPr/>
-        </p:nvSpPr>
-        <p:spPr>
-          <a:xfrm>
-            <a:off x="2353963" y="1648389"/>
-            <a:ext cx="1276865" cy="1275222"/>
-          </a:xfrm>
-          <a:prstGeom prst="ellipse">
-            <a:avLst/>
-          </a:prstGeom>
-          <a:solidFill>
-            <a:schemeClr val="bg1"/>
-          </a:solidFill>
-          <a:ln w="127000">
-            <a:solidFill>
-              <a:srgbClr val="000064"/>
-            </a:solidFill>
-          </a:ln>
-        </p:spPr>
-        <p:style>
-          <a:lnRef idx="2">
-            <a:schemeClr val="accent1">
-              <a:shade val="50000"/>
-            </a:schemeClr>
-          </a:lnRef>
-          <a:fillRef idx="1">
-            <a:schemeClr val="accent1"/>
-          </a:fillRef>
-          <a:effectRef idx="0">
-            <a:schemeClr val="accent1"/>
-          </a:effectRef>
-          <a:fontRef idx="minor">
-            <a:schemeClr val="lt1"/>
-          </a:fontRef>
-        </p:style>
-        <p:txBody>
-          <a:bodyPr rtlCol="0" anchor="ctr"/>
-          <a:lstStyle/>
-          <a:p>
-            <a:pPr algn="ctr"/>
-            <a:endParaRPr lang="en-US"/>
-          </a:p>
-        </p:txBody>
-      </p:sp>
-      <p:sp>
-        <p:nvSpPr>
-          <p:cNvPr id="12" name="Oval 11"/>
-          <p:cNvSpPr/>
-          <p:nvPr/>
-        </p:nvSpPr>
-        <p:spPr>
-          <a:xfrm>
-            <a:off x="2154436" y="1516994"/>
-            <a:ext cx="263128" cy="262789"/>
-          </a:xfrm>
-          <a:prstGeom prst="ellipse">
-            <a:avLst/>
-          </a:prstGeom>
-          <a:solidFill>
-            <a:srgbClr val="000064"/>
-          </a:solidFill>
-          <a:ln w="38100">
-            <a:noFill/>
-          </a:ln>
-        </p:spPr>
-        <p:style>
-          <a:lnRef idx="2">
-            <a:schemeClr val="accent1">
-              <a:shade val="50000"/>
-            </a:schemeClr>
-          </a:lnRef>
-          <a:fillRef idx="1">
-            <a:schemeClr val="accent1"/>
-          </a:fillRef>
-          <a:effectRef idx="0">
-            <a:schemeClr val="accent1"/>
-          </a:effectRef>
-          <a:fontRef idx="minor">
-            <a:schemeClr val="lt1"/>
-          </a:fontRef>
-        </p:style>
-        <p:txBody>
-          <a:bodyPr rtlCol="0" anchor="ctr"/>
-          <a:lstStyle/>
-          <a:p>
-            <a:pPr algn="ctr"/>
-            <a:endParaRPr lang="en-US"/>
-          </a:p>
-        </p:txBody>
-      </p:sp>
-      <p:sp>
-        <p:nvSpPr>
-          <p:cNvPr id="13" name="Rounded Rectangle 12"/>
-          <p:cNvSpPr/>
-          <p:nvPr/>
-        </p:nvSpPr>
-        <p:spPr>
-          <a:xfrm>
-            <a:off x="999864" y="1192390"/>
-            <a:ext cx="314064" cy="119473"/>
-          </a:xfrm>
-          <a:prstGeom prst="roundRect">
-            <a:avLst>
-              <a:gd name="adj" fmla="val 6738"/>
-            </a:avLst>
-          </a:prstGeom>
-          <a:solidFill>
-            <a:schemeClr val="bg1"/>
-          </a:solidFill>
-          <a:ln>
-            <a:noFill/>
-          </a:ln>
-        </p:spPr>
-        <p:style>
-          <a:lnRef idx="2">
-            <a:schemeClr val="accent1">
-              <a:shade val="50000"/>
-            </a:schemeClr>
-          </a:lnRef>
-          <a:fillRef idx="1">
-            <a:schemeClr val="accent1"/>
-          </a:fillRef>
-          <a:effectRef idx="0">
-            <a:schemeClr val="accent1"/>
-          </a:effectRef>
-          <a:fontRef idx="minor">
-            <a:schemeClr val="lt1"/>
-          </a:fontRef>
-        </p:style>
-        <p:txBody>
-          <a:bodyPr rtlCol="0" anchor="ctr"/>
-          <a:lstStyle/>
-          <a:p>
-            <a:pPr algn="ctr"/>
-            <a:endParaRPr lang="en-US"/>
-          </a:p>
-        </p:txBody>
-      </p:sp>
-    </p:spTree>
-    <p:extLst>
-      <p:ext uri="{BB962C8B-B14F-4D97-AF65-F5344CB8AC3E}">
-        <p14:creationId xmlns:p14="http://schemas.microsoft.com/office/powerpoint/2010/main" val="561755351"/>
-      </p:ext>
-    </p:extLst>
-  </p:cSld>
-  <p:clrMapOvr>
-    <a:masterClrMapping/>
-  </p:clrMapOvr>
-  <p:timing>
-    <p:tnLst>
-      <p:par>
-        <p:cTn id="1" dur="indefinite" restart="never" nodeType="tmRoot"/>
-      </p:par>
-    </p:tnLst>
-  </p:timing>
-</p:sld>
-</file>
-
-<file path=ppt/slides/slide9.xml><?xml version="1.0" encoding="utf-8"?>
-<p:sld xmlns:a="http://schemas.openxmlformats.org/drawingml/2006/main" xmlns:r="http://schemas.openxmlformats.org/officeDocument/2006/relationships" xmlns:p="http://schemas.openxmlformats.org/presentationml/2006/main">
-  <p:cSld>
-    <p:spTree>
-      <p:nvGrpSpPr>
-        <p:cNvPr id="1" name=""/>
-        <p:cNvGrpSpPr/>
-        <p:nvPr/>
-      </p:nvGrpSpPr>
-      <p:grpSpPr>
-        <a:xfrm>
-          <a:off x="0" y="0"/>
-          <a:ext cx="0" cy="0"/>
-          <a:chOff x="0" y="0"/>
-          <a:chExt cx="0" cy="0"/>
-        </a:xfrm>
-      </p:grpSpPr>
-      <p:sp>
-        <p:nvSpPr>
-          <p:cNvPr id="8" name="Rectangle 7"/>
-          <p:cNvSpPr/>
-          <p:nvPr/>
-        </p:nvSpPr>
-        <p:spPr>
-          <a:xfrm>
-            <a:off x="0" y="0"/>
-            <a:ext cx="4572000" cy="4572000"/>
-          </a:xfrm>
-          <a:prstGeom prst="rect">
-            <a:avLst/>
-          </a:prstGeom>
-          <a:solidFill>
-            <a:srgbClr val="000064"/>
-          </a:solidFill>
-          <a:ln>
-            <a:solidFill>
-              <a:srgbClr val="000064"/>
-            </a:solidFill>
-          </a:ln>
-        </p:spPr>
-        <p:style>
-          <a:lnRef idx="2">
-            <a:schemeClr val="accent1">
-              <a:shade val="50000"/>
-            </a:schemeClr>
-          </a:lnRef>
-          <a:fillRef idx="1">
-            <a:schemeClr val="accent1"/>
-          </a:fillRef>
-          <a:effectRef idx="0">
-            <a:schemeClr val="accent1"/>
-          </a:effectRef>
-          <a:fontRef idx="minor">
-            <a:schemeClr val="lt1"/>
-          </a:fontRef>
-        </p:style>
-        <p:txBody>
-          <a:bodyPr rtlCol="0" anchor="ctr"/>
-          <a:lstStyle/>
-          <a:p>
-            <a:pPr algn="ctr"/>
-            <a:endParaRPr lang="en-US"/>
-          </a:p>
-        </p:txBody>
-      </p:sp>
-      <p:sp>
-        <p:nvSpPr>
-          <p:cNvPr id="2" name="Rounded Rectangle 1"/>
-          <p:cNvSpPr/>
-          <p:nvPr/>
-        </p:nvSpPr>
-        <p:spPr>
-          <a:xfrm>
-            <a:off x="1485900" y="800100"/>
-            <a:ext cx="1600200" cy="2971800"/>
-          </a:xfrm>
-          <a:prstGeom prst="roundRect">
-            <a:avLst>
-              <a:gd name="adj" fmla="val 4312"/>
-            </a:avLst>
-          </a:prstGeom>
-          <a:solidFill>
-            <a:schemeClr val="bg1"/>
-          </a:solidFill>
-          <a:ln>
-            <a:solidFill>
-              <a:srgbClr val="000064"/>
-            </a:solidFill>
-          </a:ln>
-        </p:spPr>
-        <p:style>
-          <a:lnRef idx="2">
-            <a:schemeClr val="accent1">
-              <a:shade val="50000"/>
-            </a:schemeClr>
-          </a:lnRef>
-          <a:fillRef idx="1">
-            <a:schemeClr val="accent1"/>
-          </a:fillRef>
-          <a:effectRef idx="0">
-            <a:schemeClr val="accent1"/>
-          </a:effectRef>
-          <a:fontRef idx="minor">
-            <a:schemeClr val="lt1"/>
-          </a:fontRef>
-        </p:style>
-        <p:txBody>
-          <a:bodyPr rtlCol="0" anchor="ctr"/>
-          <a:lstStyle/>
-          <a:p>
-            <a:pPr algn="ctr"/>
-            <a:endParaRPr lang="en-US"/>
-          </a:p>
-        </p:txBody>
-      </p:sp>
-      <p:sp>
-        <p:nvSpPr>
-          <p:cNvPr id="3" name="Rectangle 2"/>
-          <p:cNvSpPr/>
-          <p:nvPr/>
-        </p:nvSpPr>
-        <p:spPr>
-          <a:xfrm>
-            <a:off x="1600200" y="1028700"/>
-            <a:ext cx="1371600" cy="2514600"/>
-          </a:xfrm>
-          <a:prstGeom prst="rect">
-            <a:avLst/>
-          </a:prstGeom>
-          <a:solidFill>
-            <a:srgbClr val="000064"/>
-          </a:solidFill>
-          <a:ln>
-            <a:solidFill>
-              <a:schemeClr val="bg1"/>
-            </a:solidFill>
-          </a:ln>
-        </p:spPr>
-        <p:style>
-          <a:lnRef idx="2">
-            <a:schemeClr val="accent1">
-              <a:shade val="50000"/>
-            </a:schemeClr>
-          </a:lnRef>
-          <a:fillRef idx="1">
-            <a:schemeClr val="accent1"/>
-          </a:fillRef>
-          <a:effectRef idx="0">
-            <a:schemeClr val="accent1"/>
-          </a:effectRef>
-          <a:fontRef idx="minor">
-            <a:schemeClr val="lt1"/>
-          </a:fontRef>
-        </p:style>
-        <p:txBody>
-          <a:bodyPr rtlCol="0" anchor="ctr"/>
-          <a:lstStyle/>
-          <a:p>
-            <a:pPr algn="ctr"/>
-            <a:endParaRPr lang="en-US"/>
-          </a:p>
-        </p:txBody>
-      </p:sp>
-      <p:sp>
-        <p:nvSpPr>
-          <p:cNvPr id="5" name="Rounded Rectangle 4"/>
-          <p:cNvSpPr/>
-          <p:nvPr/>
-        </p:nvSpPr>
-        <p:spPr>
-          <a:xfrm>
-            <a:off x="2171700" y="3589020"/>
-            <a:ext cx="228600" cy="137160"/>
-          </a:xfrm>
-          <a:prstGeom prst="roundRect">
-            <a:avLst/>
-          </a:prstGeom>
-          <a:solidFill>
-            <a:srgbClr val="000064"/>
-          </a:solidFill>
-          <a:ln>
-            <a:noFill/>
-          </a:ln>
-        </p:spPr>
-        <p:style>
-          <a:lnRef idx="2">
-            <a:schemeClr val="accent1">
-              <a:shade val="50000"/>
-            </a:schemeClr>
-          </a:lnRef>
-          <a:fillRef idx="1">
-            <a:schemeClr val="accent1"/>
-          </a:fillRef>
-          <a:effectRef idx="0">
-            <a:schemeClr val="accent1"/>
-          </a:effectRef>
-          <a:fontRef idx="minor">
-            <a:schemeClr val="lt1"/>
-          </a:fontRef>
-        </p:style>
-        <p:txBody>
-          <a:bodyPr rtlCol="0" anchor="ctr"/>
-          <a:lstStyle/>
-          <a:p>
-            <a:pPr algn="ctr"/>
-            <a:endParaRPr lang="en-US"/>
-          </a:p>
-        </p:txBody>
-      </p:sp>
-      <p:sp>
-        <p:nvSpPr>
-          <p:cNvPr id="6" name="Oval 5"/>
-          <p:cNvSpPr/>
-          <p:nvPr/>
-        </p:nvSpPr>
-        <p:spPr>
-          <a:xfrm>
-            <a:off x="2515630" y="868680"/>
-            <a:ext cx="91440" cy="91440"/>
-          </a:xfrm>
-          <a:prstGeom prst="ellipse">
-            <a:avLst/>
-          </a:prstGeom>
-          <a:solidFill>
-            <a:srgbClr val="000064"/>
-          </a:solidFill>
-          <a:ln>
-            <a:noFill/>
-          </a:ln>
-        </p:spPr>
-        <p:style>
-          <a:lnRef idx="2">
-            <a:schemeClr val="accent1">
-              <a:shade val="50000"/>
-            </a:schemeClr>
-          </a:lnRef>
-          <a:fillRef idx="1">
-            <a:schemeClr val="accent1"/>
-          </a:fillRef>
-          <a:effectRef idx="0">
-            <a:schemeClr val="accent1"/>
-          </a:effectRef>
-          <a:fontRef idx="minor">
-            <a:schemeClr val="lt1"/>
-          </a:fontRef>
-        </p:style>
-        <p:txBody>
-          <a:bodyPr rtlCol="0" anchor="ctr"/>
-          <a:lstStyle/>
-          <a:p>
-            <a:pPr algn="ctr"/>
-            <a:endParaRPr lang="en-US"/>
-          </a:p>
-        </p:txBody>
-      </p:sp>
-      <p:sp>
-        <p:nvSpPr>
-          <p:cNvPr id="7" name="Rounded Rectangle 6"/>
-          <p:cNvSpPr/>
-          <p:nvPr/>
-        </p:nvSpPr>
-        <p:spPr>
-          <a:xfrm>
-            <a:off x="2217420" y="891540"/>
-            <a:ext cx="137160" cy="45719"/>
-          </a:xfrm>
-          <a:prstGeom prst="roundRect">
-            <a:avLst>
-              <a:gd name="adj" fmla="val 38584"/>
-            </a:avLst>
-          </a:prstGeom>
-          <a:solidFill>
-            <a:srgbClr val="000064"/>
-          </a:solidFill>
-          <a:ln>
-            <a:noFill/>
-          </a:ln>
-        </p:spPr>
-        <p:style>
-          <a:lnRef idx="2">
-            <a:schemeClr val="accent1">
-              <a:shade val="50000"/>
-            </a:schemeClr>
-          </a:lnRef>
-          <a:fillRef idx="1">
-            <a:schemeClr val="accent1"/>
-          </a:fillRef>
-          <a:effectRef idx="0">
-            <a:schemeClr val="accent1"/>
-          </a:effectRef>
-          <a:fontRef idx="minor">
-            <a:schemeClr val="lt1"/>
-          </a:fontRef>
-        </p:style>
-        <p:txBody>
-          <a:bodyPr rtlCol="0" anchor="ctr"/>
-          <a:lstStyle/>
-          <a:p>
-            <a:pPr algn="ctr"/>
-            <a:endParaRPr lang="en-US"/>
-          </a:p>
-        </p:txBody>
-      </p:sp>
-    </p:spTree>
-    <p:extLst>
-      <p:ext uri="{BB962C8B-B14F-4D97-AF65-F5344CB8AC3E}">
-        <p14:creationId xmlns:p14="http://schemas.microsoft.com/office/powerpoint/2010/main" val="2775428243"/>
       </p:ext>
     </p:extLst>
   </p:cSld>

--- a/Files/img/icons/icons.pptx
+++ b/Files/img/icons/icons.pptx
@@ -16,9 +16,11 @@
     <p:sldId id="259" r:id="rId10"/>
     <p:sldId id="258" r:id="rId11"/>
     <p:sldId id="262" r:id="rId12"/>
-    <p:sldId id="264" r:id="rId13"/>
-    <p:sldId id="267" r:id="rId14"/>
-    <p:sldId id="269" r:id="rId15"/>
+    <p:sldId id="272" r:id="rId13"/>
+    <p:sldId id="274" r:id="rId14"/>
+    <p:sldId id="275" r:id="rId15"/>
+    <p:sldId id="276" r:id="rId16"/>
+    <p:sldId id="273" r:id="rId17"/>
   </p:sldIdLst>
   <p:sldSz cx="12192000" cy="6858000"/>
   <p:notesSz cx="6858000" cy="9144000"/>
@@ -256,7 +258,7 @@
           <a:p>
             <a:fld id="{CC428904-F1C2-4D26-8D70-F5FEF6F0A606}" type="datetimeFigureOut">
               <a:rPr lang="en-US" smtClean="0"/>
-              <a:t>1/22/2017</a:t>
+              <a:t>14-May-17</a:t>
             </a:fld>
             <a:endParaRPr lang="en-US"/>
           </a:p>
@@ -426,7 +428,7 @@
           <a:p>
             <a:fld id="{CC428904-F1C2-4D26-8D70-F5FEF6F0A606}" type="datetimeFigureOut">
               <a:rPr lang="en-US" smtClean="0"/>
-              <a:t>1/22/2017</a:t>
+              <a:t>14-May-17</a:t>
             </a:fld>
             <a:endParaRPr lang="en-US"/>
           </a:p>
@@ -606,7 +608,7 @@
           <a:p>
             <a:fld id="{CC428904-F1C2-4D26-8D70-F5FEF6F0A606}" type="datetimeFigureOut">
               <a:rPr lang="en-US" smtClean="0"/>
-              <a:t>1/22/2017</a:t>
+              <a:t>14-May-17</a:t>
             </a:fld>
             <a:endParaRPr lang="en-US"/>
           </a:p>
@@ -776,7 +778,7 @@
           <a:p>
             <a:fld id="{CC428904-F1C2-4D26-8D70-F5FEF6F0A606}" type="datetimeFigureOut">
               <a:rPr lang="en-US" smtClean="0"/>
-              <a:t>1/22/2017</a:t>
+              <a:t>14-May-17</a:t>
             </a:fld>
             <a:endParaRPr lang="en-US"/>
           </a:p>
@@ -1022,7 +1024,7 @@
           <a:p>
             <a:fld id="{CC428904-F1C2-4D26-8D70-F5FEF6F0A606}" type="datetimeFigureOut">
               <a:rPr lang="en-US" smtClean="0"/>
-              <a:t>1/22/2017</a:t>
+              <a:t>14-May-17</a:t>
             </a:fld>
             <a:endParaRPr lang="en-US"/>
           </a:p>
@@ -1254,7 +1256,7 @@
           <a:p>
             <a:fld id="{CC428904-F1C2-4D26-8D70-F5FEF6F0A606}" type="datetimeFigureOut">
               <a:rPr lang="en-US" smtClean="0"/>
-              <a:t>1/22/2017</a:t>
+              <a:t>14-May-17</a:t>
             </a:fld>
             <a:endParaRPr lang="en-US"/>
           </a:p>
@@ -1621,7 +1623,7 @@
           <a:p>
             <a:fld id="{CC428904-F1C2-4D26-8D70-F5FEF6F0A606}" type="datetimeFigureOut">
               <a:rPr lang="en-US" smtClean="0"/>
-              <a:t>1/22/2017</a:t>
+              <a:t>14-May-17</a:t>
             </a:fld>
             <a:endParaRPr lang="en-US"/>
           </a:p>
@@ -1739,7 +1741,7 @@
           <a:p>
             <a:fld id="{CC428904-F1C2-4D26-8D70-F5FEF6F0A606}" type="datetimeFigureOut">
               <a:rPr lang="en-US" smtClean="0"/>
-              <a:t>1/22/2017</a:t>
+              <a:t>14-May-17</a:t>
             </a:fld>
             <a:endParaRPr lang="en-US"/>
           </a:p>
@@ -1834,7 +1836,7 @@
           <a:p>
             <a:fld id="{CC428904-F1C2-4D26-8D70-F5FEF6F0A606}" type="datetimeFigureOut">
               <a:rPr lang="en-US" smtClean="0"/>
-              <a:t>1/22/2017</a:t>
+              <a:t>14-May-17</a:t>
             </a:fld>
             <a:endParaRPr lang="en-US"/>
           </a:p>
@@ -2111,7 +2113,7 @@
           <a:p>
             <a:fld id="{CC428904-F1C2-4D26-8D70-F5FEF6F0A606}" type="datetimeFigureOut">
               <a:rPr lang="en-US" smtClean="0"/>
-              <a:t>1/22/2017</a:t>
+              <a:t>14-May-17</a:t>
             </a:fld>
             <a:endParaRPr lang="en-US"/>
           </a:p>
@@ -2364,7 +2366,7 @@
           <a:p>
             <a:fld id="{CC428904-F1C2-4D26-8D70-F5FEF6F0A606}" type="datetimeFigureOut">
               <a:rPr lang="en-US" smtClean="0"/>
-              <a:t>1/22/2017</a:t>
+              <a:t>14-May-17</a:t>
             </a:fld>
             <a:endParaRPr lang="en-US"/>
           </a:p>
@@ -2429,9 +2431,14 @@
 <p:sldMaster xmlns:a="http://schemas.openxmlformats.org/drawingml/2006/main" xmlns:r="http://schemas.openxmlformats.org/officeDocument/2006/relationships" xmlns:p="http://schemas.openxmlformats.org/presentationml/2006/main">
   <p:cSld>
     <p:bg>
-      <p:bgRef idx="1001">
-        <a:schemeClr val="bg1"/>
-      </p:bgRef>
+      <p:bgPr>
+        <a:solidFill>
+          <a:schemeClr val="bg2">
+            <a:lumMod val="75000"/>
+          </a:schemeClr>
+        </a:solidFill>
+        <a:effectLst/>
+      </p:bgPr>
     </p:bg>
     <p:spTree>
       <p:nvGrpSpPr>
@@ -2577,7 +2584,7 @@
           <a:p>
             <a:fld id="{CC428904-F1C2-4D26-8D70-F5FEF6F0A606}" type="datetimeFigureOut">
               <a:rPr lang="en-US" smtClean="0"/>
-              <a:t>1/22/2017</a:t>
+              <a:t>14-May-17</a:t>
             </a:fld>
             <a:endParaRPr lang="en-US"/>
           </a:p>
@@ -2968,16 +2975,6 @@
 <file path=ppt/slides/slide1.xml><?xml version="1.0" encoding="utf-8"?>
 <p:sld xmlns:a="http://schemas.openxmlformats.org/drawingml/2006/main" xmlns:r="http://schemas.openxmlformats.org/officeDocument/2006/relationships" xmlns:p="http://schemas.openxmlformats.org/presentationml/2006/main">
   <p:cSld>
-    <p:bg>
-      <p:bgPr>
-        <a:solidFill>
-          <a:schemeClr val="bg1">
-            <a:lumMod val="50000"/>
-          </a:schemeClr>
-        </a:solidFill>
-        <a:effectLst/>
-      </p:bgPr>
-    </p:bg>
     <p:spTree>
       <p:nvGrpSpPr>
         <p:cNvPr id="1" name=""/>
@@ -3172,13 +3169,9 @@
           <a:prstGeom prst="rect">
             <a:avLst/>
           </a:prstGeom>
-          <a:solidFill>
-            <a:srgbClr val="000064"/>
-          </a:solidFill>
+          <a:noFill/>
           <a:ln>
-            <a:solidFill>
-              <a:srgbClr val="000064"/>
-            </a:solidFill>
+            <a:noFill/>
           </a:ln>
         </p:spPr>
         <p:style>
@@ -3487,13 +3480,9 @@
           <a:prstGeom prst="rect">
             <a:avLst/>
           </a:prstGeom>
-          <a:solidFill>
-            <a:srgbClr val="000064"/>
-          </a:solidFill>
+          <a:noFill/>
           <a:ln>
-            <a:solidFill>
-              <a:srgbClr val="000064"/>
-            </a:solidFill>
+            <a:noFill/>
           </a:ln>
         </p:spPr>
         <p:style>
@@ -3523,122 +3512,286 @@
       </p:sp>
       <p:grpSp>
         <p:nvGrpSpPr>
-          <p:cNvPr id="2" name="Group 1"/>
+          <p:cNvPr id="28" name="Group 27"/>
           <p:cNvGrpSpPr/>
           <p:nvPr/>
         </p:nvGrpSpPr>
         <p:grpSpPr>
           <a:xfrm>
-            <a:off x="1382359" y="1507721"/>
-            <a:ext cx="1807279" cy="1556558"/>
-            <a:chOff x="1382360" y="1230185"/>
-            <a:chExt cx="1807279" cy="1556558"/>
+            <a:off x="1335023" y="1132604"/>
+            <a:ext cx="1901952" cy="2306791"/>
+            <a:chOff x="7682277" y="3064377"/>
+            <a:chExt cx="1901952" cy="2306791"/>
           </a:xfrm>
         </p:grpSpPr>
-        <p:sp>
-          <p:nvSpPr>
-            <p:cNvPr id="9" name="Rectangle 8"/>
-            <p:cNvSpPr/>
+        <p:grpSp>
+          <p:nvGrpSpPr>
+            <p:cNvPr id="29" name="Group 28"/>
+            <p:cNvGrpSpPr/>
             <p:nvPr/>
-          </p:nvSpPr>
-          <p:spPr>
+          </p:nvGrpSpPr>
+          <p:grpSpPr>
             <a:xfrm>
-              <a:off x="2238990" y="1230185"/>
-              <a:ext cx="950649" cy="1556558"/>
+              <a:off x="7682277" y="3816688"/>
+              <a:ext cx="1901952" cy="1554480"/>
+              <a:chOff x="2238662" y="4525241"/>
+              <a:chExt cx="1901952" cy="1554480"/>
             </a:xfrm>
-            <a:prstGeom prst="rect">
-              <a:avLst/>
-            </a:prstGeom>
-            <a:solidFill>
-              <a:schemeClr val="bg1"/>
-            </a:solidFill>
-            <a:ln w="38100">
+          </p:grpSpPr>
+          <p:sp>
+            <p:nvSpPr>
+              <p:cNvPr id="34" name="Parallelogram 33"/>
+              <p:cNvSpPr/>
+              <p:nvPr/>
+            </p:nvSpPr>
+            <p:spPr>
+              <a:xfrm rot="5400000">
+                <a:off x="1936910" y="4826993"/>
+                <a:ext cx="1554480" cy="950976"/>
+              </a:xfrm>
+              <a:prstGeom prst="parallelogram">
+                <a:avLst>
+                  <a:gd name="adj" fmla="val 27681"/>
+                </a:avLst>
+              </a:prstGeom>
               <a:solidFill>
-                <a:srgbClr val="000064"/>
+                <a:schemeClr val="bg1"/>
               </a:solidFill>
-            </a:ln>
-            <a:scene3d>
-              <a:camera prst="isometricOffAxis1Right"/>
-              <a:lightRig rig="threePt" dir="t"/>
-            </a:scene3d>
-          </p:spPr>
-          <p:style>
-            <a:lnRef idx="2">
-              <a:schemeClr val="accent1">
-                <a:shade val="50000"/>
-              </a:schemeClr>
-            </a:lnRef>
-            <a:fillRef idx="1">
-              <a:schemeClr val="accent1"/>
-            </a:fillRef>
-            <a:effectRef idx="0">
-              <a:schemeClr val="accent1"/>
-            </a:effectRef>
-            <a:fontRef idx="minor">
-              <a:schemeClr val="lt1"/>
-            </a:fontRef>
-          </p:style>
-          <p:txBody>
-            <a:bodyPr rtlCol="0" anchor="ctr"/>
-            <a:lstStyle/>
-            <a:p>
-              <a:pPr algn="ctr"/>
-              <a:endParaRPr lang="en-US"/>
-            </a:p>
-          </p:txBody>
-        </p:sp>
-        <p:sp>
-          <p:nvSpPr>
-            <p:cNvPr id="10" name="Rectangle 9"/>
-            <p:cNvSpPr/>
+              <a:ln w="38100">
+                <a:solidFill>
+                  <a:schemeClr val="tx1"/>
+                </a:solidFill>
+              </a:ln>
+            </p:spPr>
+            <p:style>
+              <a:lnRef idx="2">
+                <a:schemeClr val="accent1">
+                  <a:shade val="50000"/>
+                </a:schemeClr>
+              </a:lnRef>
+              <a:fillRef idx="1">
+                <a:schemeClr val="accent1"/>
+              </a:fillRef>
+              <a:effectRef idx="0">
+                <a:schemeClr val="accent1"/>
+              </a:effectRef>
+              <a:fontRef idx="minor">
+                <a:schemeClr val="lt1"/>
+              </a:fontRef>
+            </p:style>
+            <p:txBody>
+              <a:bodyPr rtlCol="0" anchor="ctr"/>
+              <a:lstStyle/>
+              <a:p>
+                <a:pPr algn="ctr"/>
+                <a:endParaRPr lang="en-US"/>
+              </a:p>
+            </p:txBody>
+          </p:sp>
+          <p:sp>
+            <p:nvSpPr>
+              <p:cNvPr id="35" name="Parallelogram 34"/>
+              <p:cNvSpPr/>
+              <p:nvPr/>
+            </p:nvSpPr>
+            <p:spPr>
+              <a:xfrm rot="5400000" flipV="1">
+                <a:off x="2887886" y="4826993"/>
+                <a:ext cx="1554480" cy="950976"/>
+              </a:xfrm>
+              <a:prstGeom prst="parallelogram">
+                <a:avLst>
+                  <a:gd name="adj" fmla="val 27681"/>
+                </a:avLst>
+              </a:prstGeom>
+              <a:solidFill>
+                <a:schemeClr val="bg1"/>
+              </a:solidFill>
+              <a:ln w="38100">
+                <a:solidFill>
+                  <a:schemeClr val="tx1"/>
+                </a:solidFill>
+              </a:ln>
+            </p:spPr>
+            <p:style>
+              <a:lnRef idx="2">
+                <a:schemeClr val="accent1">
+                  <a:shade val="50000"/>
+                </a:schemeClr>
+              </a:lnRef>
+              <a:fillRef idx="1">
+                <a:schemeClr val="accent1"/>
+              </a:fillRef>
+              <a:effectRef idx="0">
+                <a:schemeClr val="accent1"/>
+              </a:effectRef>
+              <a:fontRef idx="minor">
+                <a:schemeClr val="lt1"/>
+              </a:fontRef>
+            </p:style>
+            <p:txBody>
+              <a:bodyPr rtlCol="0" anchor="ctr"/>
+              <a:lstStyle/>
+              <a:p>
+                <a:pPr algn="ctr"/>
+                <a:endParaRPr lang="en-US"/>
+              </a:p>
+            </p:txBody>
+          </p:sp>
+        </p:grpSp>
+        <p:grpSp>
+          <p:nvGrpSpPr>
+            <p:cNvPr id="30" name="Group 29"/>
+            <p:cNvGrpSpPr/>
             <p:nvPr/>
-          </p:nvSpPr>
-          <p:spPr>
+          </p:nvGrpSpPr>
+          <p:grpSpPr>
             <a:xfrm>
-              <a:off x="1382360" y="1230185"/>
-              <a:ext cx="950649" cy="1556558"/>
+              <a:off x="8276857" y="3064377"/>
+              <a:ext cx="685800" cy="685800"/>
+              <a:chOff x="8276857" y="3064377"/>
+              <a:chExt cx="685800" cy="685800"/>
             </a:xfrm>
-            <a:prstGeom prst="rect">
-              <a:avLst/>
-            </a:prstGeom>
-            <a:solidFill>
-              <a:schemeClr val="bg1"/>
-            </a:solidFill>
-            <a:ln w="38100">
+          </p:grpSpPr>
+          <p:sp>
+            <p:nvSpPr>
+              <p:cNvPr id="31" name="Oval 30"/>
+              <p:cNvSpPr/>
+              <p:nvPr/>
+            </p:nvSpPr>
+            <p:spPr>
+              <a:xfrm>
+                <a:off x="8276857" y="3064377"/>
+                <a:ext cx="685800" cy="685800"/>
+              </a:xfrm>
+              <a:prstGeom prst="ellipse">
+                <a:avLst/>
+              </a:prstGeom>
               <a:solidFill>
-                <a:srgbClr val="000064"/>
+                <a:schemeClr val="bg1"/>
               </a:solidFill>
-            </a:ln>
-            <a:scene3d>
-              <a:camera prst="isometricOffAxis2Left"/>
-              <a:lightRig rig="threePt" dir="t"/>
-            </a:scene3d>
-          </p:spPr>
-          <p:style>
-            <a:lnRef idx="2">
-              <a:schemeClr val="accent1">
-                <a:shade val="50000"/>
-              </a:schemeClr>
-            </a:lnRef>
-            <a:fillRef idx="1">
-              <a:schemeClr val="accent1"/>
-            </a:fillRef>
-            <a:effectRef idx="0">
-              <a:schemeClr val="accent1"/>
-            </a:effectRef>
-            <a:fontRef idx="minor">
-              <a:schemeClr val="lt1"/>
-            </a:fontRef>
-          </p:style>
-          <p:txBody>
-            <a:bodyPr rtlCol="0" anchor="ctr"/>
-            <a:lstStyle/>
-            <a:p>
-              <a:pPr algn="ctr"/>
-              <a:endParaRPr lang="en-US"/>
-            </a:p>
-          </p:txBody>
-        </p:sp>
+              <a:ln>
+                <a:noFill/>
+              </a:ln>
+            </p:spPr>
+            <p:style>
+              <a:lnRef idx="2">
+                <a:schemeClr val="accent1">
+                  <a:shade val="50000"/>
+                </a:schemeClr>
+              </a:lnRef>
+              <a:fillRef idx="1">
+                <a:schemeClr val="accent1"/>
+              </a:fillRef>
+              <a:effectRef idx="0">
+                <a:schemeClr val="accent1"/>
+              </a:effectRef>
+              <a:fontRef idx="minor">
+                <a:schemeClr val="lt1"/>
+              </a:fontRef>
+            </p:style>
+            <p:txBody>
+              <a:bodyPr rtlCol="0" anchor="ctr"/>
+              <a:lstStyle/>
+              <a:p>
+                <a:pPr algn="ctr"/>
+                <a:endParaRPr lang="en-US"/>
+              </a:p>
+            </p:txBody>
+          </p:sp>
+          <p:sp>
+            <p:nvSpPr>
+              <p:cNvPr id="32" name="Oval 31"/>
+              <p:cNvSpPr/>
+              <p:nvPr/>
+            </p:nvSpPr>
+            <p:spPr>
+              <a:xfrm>
+                <a:off x="8369474" y="3407277"/>
+                <a:ext cx="115330" cy="118872"/>
+              </a:xfrm>
+              <a:prstGeom prst="ellipse">
+                <a:avLst/>
+              </a:prstGeom>
+              <a:solidFill>
+                <a:schemeClr val="tx1"/>
+              </a:solidFill>
+              <a:ln>
+                <a:noFill/>
+              </a:ln>
+            </p:spPr>
+            <p:style>
+              <a:lnRef idx="2">
+                <a:schemeClr val="accent1">
+                  <a:shade val="50000"/>
+                </a:schemeClr>
+              </a:lnRef>
+              <a:fillRef idx="1">
+                <a:schemeClr val="accent1"/>
+              </a:fillRef>
+              <a:effectRef idx="0">
+                <a:schemeClr val="accent1"/>
+              </a:effectRef>
+              <a:fontRef idx="minor">
+                <a:schemeClr val="lt1"/>
+              </a:fontRef>
+            </p:style>
+            <p:txBody>
+              <a:bodyPr rtlCol="0" anchor="ctr"/>
+              <a:lstStyle/>
+              <a:p>
+                <a:pPr algn="ctr"/>
+                <a:endParaRPr lang="en-US"/>
+              </a:p>
+            </p:txBody>
+          </p:sp>
+          <p:sp>
+            <p:nvSpPr>
+              <p:cNvPr id="33" name="Oval 32"/>
+              <p:cNvSpPr/>
+              <p:nvPr/>
+            </p:nvSpPr>
+            <p:spPr>
+              <a:xfrm>
+                <a:off x="8577421" y="3474497"/>
+                <a:ext cx="115330" cy="118872"/>
+              </a:xfrm>
+              <a:prstGeom prst="ellipse">
+                <a:avLst/>
+              </a:prstGeom>
+              <a:solidFill>
+                <a:schemeClr val="tx1"/>
+              </a:solidFill>
+              <a:ln>
+                <a:noFill/>
+              </a:ln>
+            </p:spPr>
+            <p:style>
+              <a:lnRef idx="2">
+                <a:schemeClr val="accent1">
+                  <a:shade val="50000"/>
+                </a:schemeClr>
+              </a:lnRef>
+              <a:fillRef idx="1">
+                <a:schemeClr val="accent1"/>
+              </a:fillRef>
+              <a:effectRef idx="0">
+                <a:schemeClr val="accent1"/>
+              </a:effectRef>
+              <a:fontRef idx="minor">
+                <a:schemeClr val="lt1"/>
+              </a:fontRef>
+            </p:style>
+            <p:txBody>
+              <a:bodyPr rtlCol="0" anchor="ctr"/>
+              <a:lstStyle/>
+              <a:p>
+                <a:pPr algn="ctr"/>
+                <a:endParaRPr lang="en-US"/>
+              </a:p>
+            </p:txBody>
+          </p:sp>
+        </p:grpSp>
       </p:grpSp>
     </p:spTree>
     <p:extLst>
@@ -3679,21 +3832,19 @@
       </p:grpSpPr>
       <p:sp>
         <p:nvSpPr>
-          <p:cNvPr id="3" name="Half Frame 2"/>
+          <p:cNvPr id="5" name="Rectangle 4"/>
           <p:cNvSpPr/>
           <p:nvPr/>
         </p:nvSpPr>
         <p:spPr>
-          <a:xfrm rot="18900000">
-            <a:off x="670223" y="670223"/>
-            <a:ext cx="3236125" cy="3236125"/>
+          <a:xfrm>
+            <a:off x="-1" y="0"/>
+            <a:ext cx="4572000" cy="4572000"/>
           </a:xfrm>
-          <a:prstGeom prst="halfFrame">
+          <a:prstGeom prst="rect">
             <a:avLst/>
           </a:prstGeom>
-          <a:solidFill>
-            <a:srgbClr val="000064"/>
-          </a:solidFill>
+          <a:noFill/>
           <a:ln>
             <a:noFill/>
           </a:ln>
@@ -3719,18 +3870,213 @@
           <a:lstStyle/>
           <a:p>
             <a:pPr algn="ctr"/>
-            <a:endParaRPr lang="en-US">
-              <a:solidFill>
-                <a:schemeClr val="tx1"/>
-              </a:solidFill>
-            </a:endParaRPr>
-          </a:p>
-        </p:txBody>
-      </p:sp>
+            <a:endParaRPr lang="en-US"/>
+          </a:p>
+        </p:txBody>
+      </p:sp>
+      <p:grpSp>
+        <p:nvGrpSpPr>
+          <p:cNvPr id="3" name="Group 2"/>
+          <p:cNvGrpSpPr/>
+          <p:nvPr/>
+        </p:nvGrpSpPr>
+        <p:grpSpPr>
+          <a:xfrm>
+            <a:off x="1283557" y="1261419"/>
+            <a:ext cx="2004883" cy="2049162"/>
+            <a:chOff x="1155356" y="1075038"/>
+            <a:chExt cx="2004883" cy="2049162"/>
+          </a:xfrm>
+        </p:grpSpPr>
+        <p:sp>
+          <p:nvSpPr>
+            <p:cNvPr id="2" name="Rectangle 1"/>
+            <p:cNvSpPr/>
+            <p:nvPr/>
+          </p:nvSpPr>
+          <p:spPr>
+            <a:xfrm>
+              <a:off x="2245839" y="1075038"/>
+              <a:ext cx="914400" cy="914400"/>
+            </a:xfrm>
+            <a:prstGeom prst="rect">
+              <a:avLst/>
+            </a:prstGeom>
+            <a:solidFill>
+              <a:schemeClr val="bg1"/>
+            </a:solidFill>
+            <a:ln>
+              <a:noFill/>
+            </a:ln>
+          </p:spPr>
+          <p:style>
+            <a:lnRef idx="2">
+              <a:schemeClr val="accent1">
+                <a:shade val="50000"/>
+              </a:schemeClr>
+            </a:lnRef>
+            <a:fillRef idx="1">
+              <a:schemeClr val="accent1"/>
+            </a:fillRef>
+            <a:effectRef idx="0">
+              <a:schemeClr val="accent1"/>
+            </a:effectRef>
+            <a:fontRef idx="minor">
+              <a:schemeClr val="lt1"/>
+            </a:fontRef>
+          </p:style>
+          <p:txBody>
+            <a:bodyPr rtlCol="0" anchor="ctr"/>
+            <a:lstStyle/>
+            <a:p>
+              <a:pPr algn="ctr"/>
+              <a:endParaRPr lang="en-US"/>
+            </a:p>
+          </p:txBody>
+        </p:sp>
+        <p:sp>
+          <p:nvSpPr>
+            <p:cNvPr id="12" name="Rectangle 11"/>
+            <p:cNvSpPr/>
+            <p:nvPr/>
+          </p:nvSpPr>
+          <p:spPr>
+            <a:xfrm>
+              <a:off x="2245839" y="2209800"/>
+              <a:ext cx="914400" cy="914400"/>
+            </a:xfrm>
+            <a:prstGeom prst="rect">
+              <a:avLst/>
+            </a:prstGeom>
+            <a:solidFill>
+              <a:schemeClr val="bg1"/>
+            </a:solidFill>
+            <a:ln>
+              <a:noFill/>
+            </a:ln>
+          </p:spPr>
+          <p:style>
+            <a:lnRef idx="2">
+              <a:schemeClr val="accent1">
+                <a:shade val="50000"/>
+              </a:schemeClr>
+            </a:lnRef>
+            <a:fillRef idx="1">
+              <a:schemeClr val="accent1"/>
+            </a:fillRef>
+            <a:effectRef idx="0">
+              <a:schemeClr val="accent1"/>
+            </a:effectRef>
+            <a:fontRef idx="minor">
+              <a:schemeClr val="lt1"/>
+            </a:fontRef>
+          </p:style>
+          <p:txBody>
+            <a:bodyPr rtlCol="0" anchor="ctr"/>
+            <a:lstStyle/>
+            <a:p>
+              <a:pPr algn="ctr"/>
+              <a:endParaRPr lang="en-US"/>
+            </a:p>
+          </p:txBody>
+        </p:sp>
+        <p:sp>
+          <p:nvSpPr>
+            <p:cNvPr id="13" name="Rectangle 12"/>
+            <p:cNvSpPr/>
+            <p:nvPr/>
+          </p:nvSpPr>
+          <p:spPr>
+            <a:xfrm>
+              <a:off x="1155356" y="2209800"/>
+              <a:ext cx="914400" cy="914400"/>
+            </a:xfrm>
+            <a:prstGeom prst="rect">
+              <a:avLst/>
+            </a:prstGeom>
+            <a:solidFill>
+              <a:schemeClr val="bg1"/>
+            </a:solidFill>
+            <a:ln>
+              <a:noFill/>
+            </a:ln>
+          </p:spPr>
+          <p:style>
+            <a:lnRef idx="2">
+              <a:schemeClr val="accent1">
+                <a:shade val="50000"/>
+              </a:schemeClr>
+            </a:lnRef>
+            <a:fillRef idx="1">
+              <a:schemeClr val="accent1"/>
+            </a:fillRef>
+            <a:effectRef idx="0">
+              <a:schemeClr val="accent1"/>
+            </a:effectRef>
+            <a:fontRef idx="minor">
+              <a:schemeClr val="lt1"/>
+            </a:fontRef>
+          </p:style>
+          <p:txBody>
+            <a:bodyPr rtlCol="0" anchor="ctr"/>
+            <a:lstStyle/>
+            <a:p>
+              <a:pPr algn="ctr"/>
+              <a:endParaRPr lang="en-US"/>
+            </a:p>
+          </p:txBody>
+        </p:sp>
+        <p:sp>
+          <p:nvSpPr>
+            <p:cNvPr id="14" name="Rectangle 13"/>
+            <p:cNvSpPr/>
+            <p:nvPr/>
+          </p:nvSpPr>
+          <p:spPr>
+            <a:xfrm>
+              <a:off x="1155356" y="1075038"/>
+              <a:ext cx="914400" cy="914400"/>
+            </a:xfrm>
+            <a:prstGeom prst="rect">
+              <a:avLst/>
+            </a:prstGeom>
+            <a:solidFill>
+              <a:schemeClr val="bg1"/>
+            </a:solidFill>
+            <a:ln>
+              <a:noFill/>
+            </a:ln>
+          </p:spPr>
+          <p:style>
+            <a:lnRef idx="2">
+              <a:schemeClr val="accent1">
+                <a:shade val="50000"/>
+              </a:schemeClr>
+            </a:lnRef>
+            <a:fillRef idx="1">
+              <a:schemeClr val="accent1"/>
+            </a:fillRef>
+            <a:effectRef idx="0">
+              <a:schemeClr val="accent1"/>
+            </a:effectRef>
+            <a:fontRef idx="minor">
+              <a:schemeClr val="lt1"/>
+            </a:fontRef>
+          </p:style>
+          <p:txBody>
+            <a:bodyPr rtlCol="0" anchor="ctr"/>
+            <a:lstStyle/>
+            <a:p>
+              <a:pPr algn="ctr"/>
+              <a:endParaRPr lang="en-US"/>
+            </a:p>
+          </p:txBody>
+        </p:sp>
+      </p:grpSp>
     </p:spTree>
     <p:extLst>
       <p:ext uri="{BB962C8B-B14F-4D97-AF65-F5344CB8AC3E}">
-        <p14:creationId xmlns:p14="http://schemas.microsoft.com/office/powerpoint/2010/main" val="829015734"/>
+        <p14:creationId xmlns:p14="http://schemas.microsoft.com/office/powerpoint/2010/main" val="3568481823"/>
       </p:ext>
     </p:extLst>
   </p:cSld>
@@ -3766,25 +4112,23 @@
       </p:grpSpPr>
       <p:sp>
         <p:nvSpPr>
-          <p:cNvPr id="7" name="Rectangle 6"/>
+          <p:cNvPr id="21" name="Rectangle 20"/>
           <p:cNvSpPr/>
           <p:nvPr/>
         </p:nvSpPr>
         <p:spPr>
           <a:xfrm>
-            <a:off x="-1" y="0"/>
-            <a:ext cx="4572000" cy="4572000"/>
+            <a:off x="0" y="0"/>
+            <a:ext cx="2286000" cy="2286000"/>
           </a:xfrm>
           <a:prstGeom prst="rect">
             <a:avLst/>
           </a:prstGeom>
           <a:solidFill>
-            <a:srgbClr val="000064"/>
+            <a:schemeClr val="tx1"/>
           </a:solidFill>
           <a:ln>
-            <a:solidFill>
-              <a:srgbClr val="000064"/>
-            </a:solidFill>
+            <a:noFill/>
           </a:ln>
         </p:spPr>
         <p:style>
@@ -3812,176 +4156,108 @@
           </a:p>
         </p:txBody>
       </p:sp>
-      <p:grpSp>
-        <p:nvGrpSpPr>
-          <p:cNvPr id="12" name="Group 11"/>
-          <p:cNvGrpSpPr/>
+      <p:sp>
+        <p:nvSpPr>
+          <p:cNvPr id="10" name="Donut 9"/>
+          <p:cNvSpPr/>
           <p:nvPr/>
-        </p:nvGrpSpPr>
-        <p:grpSpPr>
+        </p:nvSpPr>
+        <p:spPr>
           <a:xfrm>
-            <a:off x="771525" y="1355844"/>
-            <a:ext cx="2967037" cy="1863244"/>
-            <a:chOff x="771525" y="1355844"/>
-            <a:chExt cx="2967037" cy="1863244"/>
+            <a:off x="571500" y="571500"/>
+            <a:ext cx="1143000" cy="1143000"/>
           </a:xfrm>
-        </p:grpSpPr>
-        <p:sp>
-          <p:nvSpPr>
-            <p:cNvPr id="9" name="Rounded Rectangle 8"/>
-            <p:cNvSpPr/>
-            <p:nvPr/>
-          </p:nvSpPr>
-          <p:spPr>
-            <a:xfrm>
-              <a:off x="1471612" y="1355844"/>
-              <a:ext cx="2266950" cy="1396699"/>
-            </a:xfrm>
-            <a:prstGeom prst="roundRect">
-              <a:avLst>
-                <a:gd name="adj" fmla="val 2821"/>
-              </a:avLst>
-            </a:prstGeom>
-            <a:solidFill>
-              <a:srgbClr val="000064"/>
-            </a:solidFill>
-            <a:ln w="76200">
+          <a:prstGeom prst="donut">
+            <a:avLst>
+              <a:gd name="adj" fmla="val 14542"/>
+            </a:avLst>
+          </a:prstGeom>
+          <a:solidFill>
+            <a:schemeClr val="bg1"/>
+          </a:solidFill>
+          <a:ln>
+            <a:noFill/>
+          </a:ln>
+        </p:spPr>
+        <p:style>
+          <a:lnRef idx="2">
+            <a:schemeClr val="accent1">
+              <a:shade val="50000"/>
+            </a:schemeClr>
+          </a:lnRef>
+          <a:fillRef idx="1">
+            <a:schemeClr val="accent1"/>
+          </a:fillRef>
+          <a:effectRef idx="0">
+            <a:schemeClr val="accent1"/>
+          </a:effectRef>
+          <a:fontRef idx="minor">
+            <a:schemeClr val="lt1"/>
+          </a:fontRef>
+        </p:style>
+        <p:txBody>
+          <a:bodyPr rtlCol="0" anchor="ctr"/>
+          <a:lstStyle/>
+          <a:p>
+            <a:pPr algn="ctr"/>
+            <a:endParaRPr lang="en-US">
               <a:solidFill>
-                <a:schemeClr val="bg1"/>
+                <a:schemeClr val="tx1"/>
               </a:solidFill>
-            </a:ln>
-          </p:spPr>
-          <p:style>
-            <a:lnRef idx="2">
-              <a:schemeClr val="accent1">
-                <a:shade val="50000"/>
-              </a:schemeClr>
-            </a:lnRef>
-            <a:fillRef idx="1">
-              <a:schemeClr val="accent1"/>
-            </a:fillRef>
-            <a:effectRef idx="0">
-              <a:schemeClr val="accent1"/>
-            </a:effectRef>
-            <a:fontRef idx="minor">
-              <a:schemeClr val="lt1"/>
-            </a:fontRef>
-          </p:style>
-          <p:txBody>
-            <a:bodyPr rtlCol="0" anchor="ctr"/>
-            <a:lstStyle/>
-            <a:p>
-              <a:pPr algn="ctr"/>
-              <a:endParaRPr lang="en-US"/>
-            </a:p>
-          </p:txBody>
-        </p:sp>
-        <p:sp>
-          <p:nvSpPr>
-            <p:cNvPr id="8" name="Rounded Rectangle 7"/>
-            <p:cNvSpPr/>
-            <p:nvPr/>
-          </p:nvSpPr>
-          <p:spPr>
-            <a:xfrm>
-              <a:off x="771525" y="2285999"/>
-              <a:ext cx="1514475" cy="933089"/>
-            </a:xfrm>
-            <a:prstGeom prst="roundRect">
-              <a:avLst>
-                <a:gd name="adj" fmla="val 2821"/>
-              </a:avLst>
-            </a:prstGeom>
-            <a:solidFill>
-              <a:srgbClr val="000064"/>
-            </a:solidFill>
-            <a:ln w="76200">
-              <a:solidFill>
-                <a:schemeClr val="bg1"/>
-              </a:solidFill>
-            </a:ln>
-          </p:spPr>
-          <p:style>
-            <a:lnRef idx="2">
-              <a:schemeClr val="accent1">
-                <a:shade val="50000"/>
-              </a:schemeClr>
-            </a:lnRef>
-            <a:fillRef idx="1">
-              <a:schemeClr val="accent1"/>
-            </a:fillRef>
-            <a:effectRef idx="0">
-              <a:schemeClr val="accent1"/>
-            </a:effectRef>
-            <a:fontRef idx="minor">
-              <a:schemeClr val="lt1"/>
-            </a:fontRef>
-          </p:style>
-          <p:txBody>
-            <a:bodyPr rtlCol="0" anchor="ctr"/>
-            <a:lstStyle/>
-            <a:p>
-              <a:pPr algn="ctr"/>
-              <a:endParaRPr lang="en-US"/>
-            </a:p>
-          </p:txBody>
-        </p:sp>
-        <p:sp>
-          <p:nvSpPr>
-            <p:cNvPr id="11" name="Up Arrow 10"/>
-            <p:cNvSpPr/>
-            <p:nvPr/>
-          </p:nvSpPr>
-          <p:spPr>
-            <a:xfrm rot="2700000">
-              <a:off x="2047901" y="1530790"/>
-              <a:ext cx="557212" cy="1510417"/>
-            </a:xfrm>
-            <a:prstGeom prst="upArrow">
-              <a:avLst>
-                <a:gd name="adj1" fmla="val 50000"/>
-                <a:gd name="adj2" fmla="val 76318"/>
-              </a:avLst>
-            </a:prstGeom>
-            <a:solidFill>
-              <a:schemeClr val="bg1"/>
-            </a:solidFill>
-            <a:ln w="38100">
-              <a:solidFill>
-                <a:srgbClr val="000064"/>
-              </a:solidFill>
-            </a:ln>
-          </p:spPr>
-          <p:style>
-            <a:lnRef idx="2">
-              <a:schemeClr val="accent1">
-                <a:shade val="50000"/>
-              </a:schemeClr>
-            </a:lnRef>
-            <a:fillRef idx="1">
-              <a:schemeClr val="accent1"/>
-            </a:fillRef>
-            <a:effectRef idx="0">
-              <a:schemeClr val="accent1"/>
-            </a:effectRef>
-            <a:fontRef idx="minor">
-              <a:schemeClr val="lt1"/>
-            </a:fontRef>
-          </p:style>
-          <p:txBody>
-            <a:bodyPr rtlCol="0" anchor="ctr"/>
-            <a:lstStyle/>
-            <a:p>
-              <a:pPr algn="ctr"/>
-              <a:endParaRPr lang="en-US"/>
-            </a:p>
-          </p:txBody>
-        </p:sp>
-      </p:grpSp>
+            </a:endParaRPr>
+          </a:p>
+        </p:txBody>
+      </p:sp>
+      <p:sp>
+        <p:nvSpPr>
+          <p:cNvPr id="16" name="Oval 15"/>
+          <p:cNvSpPr/>
+          <p:nvPr/>
+        </p:nvSpPr>
+        <p:spPr>
+          <a:xfrm>
+            <a:off x="1714500" y="342900"/>
+            <a:ext cx="228600" cy="228600"/>
+          </a:xfrm>
+          <a:prstGeom prst="ellipse">
+            <a:avLst/>
+          </a:prstGeom>
+          <a:solidFill>
+            <a:schemeClr val="bg1"/>
+          </a:solidFill>
+          <a:ln>
+            <a:noFill/>
+          </a:ln>
+        </p:spPr>
+        <p:style>
+          <a:lnRef idx="2">
+            <a:schemeClr val="accent1">
+              <a:shade val="50000"/>
+            </a:schemeClr>
+          </a:lnRef>
+          <a:fillRef idx="1">
+            <a:schemeClr val="accent1"/>
+          </a:fillRef>
+          <a:effectRef idx="0">
+            <a:schemeClr val="accent1"/>
+          </a:effectRef>
+          <a:fontRef idx="minor">
+            <a:schemeClr val="lt1"/>
+          </a:fontRef>
+        </p:style>
+        <p:txBody>
+          <a:bodyPr rtlCol="0" anchor="ctr"/>
+          <a:lstStyle/>
+          <a:p>
+            <a:pPr algn="ctr"/>
+            <a:endParaRPr lang="en-US"/>
+          </a:p>
+        </p:txBody>
+      </p:sp>
     </p:spTree>
     <p:extLst>
       <p:ext uri="{BB962C8B-B14F-4D97-AF65-F5344CB8AC3E}">
-        <p14:creationId xmlns:p14="http://schemas.microsoft.com/office/powerpoint/2010/main" val="540015416"/>
+        <p14:creationId xmlns:p14="http://schemas.microsoft.com/office/powerpoint/2010/main" val="1008272086"/>
       </p:ext>
     </p:extLst>
   </p:cSld>
@@ -4017,25 +4293,23 @@
       </p:grpSpPr>
       <p:sp>
         <p:nvSpPr>
-          <p:cNvPr id="7" name="Rectangle 6"/>
+          <p:cNvPr id="21" name="Rectangle 20"/>
           <p:cNvSpPr/>
           <p:nvPr/>
         </p:nvSpPr>
         <p:spPr>
           <a:xfrm>
-            <a:off x="-1" y="0"/>
-            <a:ext cx="4572000" cy="4572000"/>
+            <a:off x="0" y="0"/>
+            <a:ext cx="2286000" cy="2286000"/>
           </a:xfrm>
           <a:prstGeom prst="rect">
             <a:avLst/>
           </a:prstGeom>
           <a:solidFill>
-            <a:srgbClr val="000064"/>
+            <a:schemeClr val="tx1"/>
           </a:solidFill>
           <a:ln>
-            <a:solidFill>
-              <a:srgbClr val="000064"/>
-            </a:solidFill>
+            <a:noFill/>
           </a:ln>
         </p:spPr>
         <p:style>
@@ -4063,43 +4337,89 @@
           </a:p>
         </p:txBody>
       </p:sp>
+      <p:sp>
+        <p:nvSpPr>
+          <p:cNvPr id="20" name="Oval Callout 19"/>
+          <p:cNvSpPr/>
+          <p:nvPr/>
+        </p:nvSpPr>
+        <p:spPr>
+          <a:xfrm>
+            <a:off x="400050" y="454818"/>
+            <a:ext cx="1480088" cy="1364457"/>
+          </a:xfrm>
+          <a:prstGeom prst="wedgeEllipseCallout">
+            <a:avLst>
+              <a:gd name="adj1" fmla="val -31101"/>
+              <a:gd name="adj2" fmla="val 57657"/>
+            </a:avLst>
+          </a:prstGeom>
+          <a:solidFill>
+            <a:schemeClr val="bg1"/>
+          </a:solidFill>
+          <a:ln>
+            <a:noFill/>
+          </a:ln>
+        </p:spPr>
+        <p:style>
+          <a:lnRef idx="2">
+            <a:schemeClr val="accent1">
+              <a:shade val="50000"/>
+            </a:schemeClr>
+          </a:lnRef>
+          <a:fillRef idx="1">
+            <a:schemeClr val="accent1"/>
+          </a:fillRef>
+          <a:effectRef idx="0">
+            <a:schemeClr val="accent1"/>
+          </a:effectRef>
+          <a:fontRef idx="minor">
+            <a:schemeClr val="lt1"/>
+          </a:fontRef>
+        </p:style>
+        <p:txBody>
+          <a:bodyPr rtlCol="0" anchor="ctr"/>
+          <a:lstStyle/>
+          <a:p>
+            <a:pPr algn="ctr"/>
+            <a:endParaRPr lang="en-US"/>
+          </a:p>
+        </p:txBody>
+      </p:sp>
       <p:grpSp>
         <p:nvGrpSpPr>
-          <p:cNvPr id="2" name="Group 1"/>
+          <p:cNvPr id="32" name="Group 31"/>
           <p:cNvGrpSpPr/>
           <p:nvPr/>
         </p:nvGrpSpPr>
         <p:grpSpPr>
           <a:xfrm>
-            <a:off x="771525" y="1355844"/>
-            <a:ext cx="2967037" cy="1863244"/>
-            <a:chOff x="771525" y="1355844"/>
-            <a:chExt cx="2967037" cy="1863244"/>
+            <a:off x="653371" y="937731"/>
+            <a:ext cx="973446" cy="398629"/>
+            <a:chOff x="5281736" y="2981086"/>
+            <a:chExt cx="1464255" cy="599617"/>
           </a:xfrm>
+          <a:solidFill>
+            <a:schemeClr val="tx1"/>
+          </a:solidFill>
         </p:grpSpPr>
         <p:sp>
           <p:nvSpPr>
-            <p:cNvPr id="9" name="Rounded Rectangle 8"/>
+            <p:cNvPr id="24" name="Right Triangle 23"/>
             <p:cNvSpPr/>
             <p:nvPr/>
           </p:nvSpPr>
           <p:spPr>
-            <a:xfrm>
-              <a:off x="1471612" y="1355844"/>
-              <a:ext cx="2266950" cy="1396699"/>
+            <a:xfrm rot="2700000" flipH="1">
+              <a:off x="6365810" y="2840980"/>
+              <a:ext cx="186267" cy="574095"/>
             </a:xfrm>
-            <a:prstGeom prst="roundRect">
-              <a:avLst>
-                <a:gd name="adj" fmla="val 2821"/>
-              </a:avLst>
+            <a:prstGeom prst="rtTriangle">
+              <a:avLst/>
             </a:prstGeom>
-            <a:solidFill>
-              <a:srgbClr val="000064"/>
-            </a:solidFill>
-            <a:ln w="76200">
-              <a:solidFill>
-                <a:schemeClr val="bg1"/>
-              </a:solidFill>
+            <a:grpFill/>
+            <a:ln>
+              <a:noFill/>
             </a:ln>
           </p:spPr>
           <p:style>
@@ -4129,27 +4449,21 @@
         </p:sp>
         <p:sp>
           <p:nvSpPr>
-            <p:cNvPr id="8" name="Rounded Rectangle 7"/>
+            <p:cNvPr id="30" name="Right Triangle 29"/>
             <p:cNvSpPr/>
             <p:nvPr/>
           </p:nvSpPr>
           <p:spPr>
-            <a:xfrm>
-              <a:off x="771525" y="2285999"/>
-              <a:ext cx="1514475" cy="933089"/>
+            <a:xfrm rot="13500000" flipH="1">
+              <a:off x="5475650" y="3146713"/>
+              <a:ext cx="186267" cy="574095"/>
             </a:xfrm>
-            <a:prstGeom prst="roundRect">
-              <a:avLst>
-                <a:gd name="adj" fmla="val 2821"/>
-              </a:avLst>
+            <a:prstGeom prst="rtTriangle">
+              <a:avLst/>
             </a:prstGeom>
-            <a:solidFill>
-              <a:srgbClr val="000064"/>
-            </a:solidFill>
-            <a:ln w="76200">
-              <a:solidFill>
-                <a:schemeClr val="bg1"/>
-              </a:solidFill>
+            <a:grpFill/>
+            <a:ln>
+              <a:noFill/>
             </a:ln>
           </p:spPr>
           <p:style>
@@ -4179,28 +4493,21 @@
         </p:sp>
         <p:sp>
           <p:nvSpPr>
-            <p:cNvPr id="11" name="Up Arrow 10"/>
+            <p:cNvPr id="31" name="Rectangle 30"/>
             <p:cNvSpPr/>
             <p:nvPr/>
           </p:nvSpPr>
           <p:spPr>
-            <a:xfrm rot="13500000">
-              <a:off x="1976464" y="1530790"/>
-              <a:ext cx="557212" cy="1510417"/>
+            <a:xfrm rot="2700351">
+              <a:off x="5714055" y="3139165"/>
+              <a:ext cx="599617" cy="283460"/>
             </a:xfrm>
-            <a:prstGeom prst="upArrow">
-              <a:avLst>
-                <a:gd name="adj1" fmla="val 50000"/>
-                <a:gd name="adj2" fmla="val 76318"/>
-              </a:avLst>
+            <a:prstGeom prst="rect">
+              <a:avLst/>
             </a:prstGeom>
-            <a:solidFill>
-              <a:schemeClr val="bg1"/>
-            </a:solidFill>
-            <a:ln w="38100">
-              <a:solidFill>
-                <a:srgbClr val="000064"/>
-              </a:solidFill>
+            <a:grpFill/>
+            <a:ln>
+              <a:noFill/>
             </a:ln>
           </p:spPr>
           <p:style>
@@ -4232,7 +4539,285 @@
     </p:spTree>
     <p:extLst>
       <p:ext uri="{BB962C8B-B14F-4D97-AF65-F5344CB8AC3E}">
-        <p14:creationId xmlns:p14="http://schemas.microsoft.com/office/powerpoint/2010/main" val="3936721240"/>
+        <p14:creationId xmlns:p14="http://schemas.microsoft.com/office/powerpoint/2010/main" val="513977991"/>
+      </p:ext>
+    </p:extLst>
+  </p:cSld>
+  <p:clrMapOvr>
+    <a:masterClrMapping/>
+  </p:clrMapOvr>
+  <p:timing>
+    <p:tnLst>
+      <p:par>
+        <p:cTn id="1" dur="indefinite" restart="never" nodeType="tmRoot"/>
+      </p:par>
+    </p:tnLst>
+  </p:timing>
+</p:sld>
+</file>
+
+<file path=ppt/slides/slide15.xml><?xml version="1.0" encoding="utf-8"?>
+<p:sld xmlns:a="http://schemas.openxmlformats.org/drawingml/2006/main" xmlns:r="http://schemas.openxmlformats.org/officeDocument/2006/relationships" xmlns:p="http://schemas.openxmlformats.org/presentationml/2006/main">
+  <p:cSld>
+    <p:spTree>
+      <p:nvGrpSpPr>
+        <p:cNvPr id="1" name=""/>
+        <p:cNvGrpSpPr/>
+        <p:nvPr/>
+      </p:nvGrpSpPr>
+      <p:grpSpPr>
+        <a:xfrm>
+          <a:off x="0" y="0"/>
+          <a:ext cx="0" cy="0"/>
+          <a:chOff x="0" y="0"/>
+          <a:chExt cx="0" cy="0"/>
+        </a:xfrm>
+      </p:grpSpPr>
+      <p:sp>
+        <p:nvSpPr>
+          <p:cNvPr id="21" name="Rectangle 20"/>
+          <p:cNvSpPr/>
+          <p:nvPr/>
+        </p:nvSpPr>
+        <p:spPr>
+          <a:xfrm>
+            <a:off x="0" y="0"/>
+            <a:ext cx="2286000" cy="2286000"/>
+          </a:xfrm>
+          <a:prstGeom prst="rect">
+            <a:avLst/>
+          </a:prstGeom>
+          <a:solidFill>
+            <a:schemeClr val="tx1"/>
+          </a:solidFill>
+          <a:ln>
+            <a:noFill/>
+          </a:ln>
+        </p:spPr>
+        <p:style>
+          <a:lnRef idx="2">
+            <a:schemeClr val="accent1">
+              <a:shade val="50000"/>
+            </a:schemeClr>
+          </a:lnRef>
+          <a:fillRef idx="1">
+            <a:schemeClr val="accent1"/>
+          </a:fillRef>
+          <a:effectRef idx="0">
+            <a:schemeClr val="accent1"/>
+          </a:effectRef>
+          <a:fontRef idx="minor">
+            <a:schemeClr val="lt1"/>
+          </a:fontRef>
+        </p:style>
+        <p:txBody>
+          <a:bodyPr rtlCol="0" anchor="ctr"/>
+          <a:lstStyle/>
+          <a:p>
+            <a:pPr algn="ctr"/>
+            <a:endParaRPr lang="en-US"/>
+          </a:p>
+        </p:txBody>
+      </p:sp>
+      <p:pic>
+        <p:nvPicPr>
+          <p:cNvPr id="30" name="Picture 29"/>
+          <p:cNvPicPr>
+            <a:picLocks noChangeAspect="1"/>
+          </p:cNvPicPr>
+          <p:nvPr/>
+        </p:nvPicPr>
+        <p:blipFill>
+          <a:blip r:embed="rId2" cstate="print">
+            <a:extLst>
+              <a:ext uri="{BEBA8EAE-BF5A-486C-A8C5-ECC9F3942E4B}">
+                <a14:imgProps xmlns:a14="http://schemas.microsoft.com/office/drawing/2010/main">
+                  <a14:imgLayer r:embed="rId3">
+                    <a14:imgEffect>
+                      <a14:backgroundRemoval t="10000" b="90000" l="10000" r="90000"/>
+                    </a14:imgEffect>
+                  </a14:imgLayer>
+                </a14:imgProps>
+              </a:ext>
+              <a:ext uri="{28A0092B-C50C-407E-A947-70E740481C1C}">
+                <a14:useLocalDpi xmlns:a14="http://schemas.microsoft.com/office/drawing/2010/main" val="0"/>
+              </a:ext>
+            </a:extLst>
+          </a:blip>
+          <a:stretch>
+            <a:fillRect/>
+          </a:stretch>
+        </p:blipFill>
+        <p:spPr>
+          <a:xfrm>
+            <a:off x="342900" y="342900"/>
+            <a:ext cx="1600200" cy="1600200"/>
+          </a:xfrm>
+          <a:prstGeom prst="rect">
+            <a:avLst/>
+          </a:prstGeom>
+        </p:spPr>
+      </p:pic>
+    </p:spTree>
+    <p:extLst>
+      <p:ext uri="{BB962C8B-B14F-4D97-AF65-F5344CB8AC3E}">
+        <p14:creationId xmlns:p14="http://schemas.microsoft.com/office/powerpoint/2010/main" val="1527086066"/>
+      </p:ext>
+    </p:extLst>
+  </p:cSld>
+  <p:clrMapOvr>
+    <a:masterClrMapping/>
+  </p:clrMapOvr>
+  <p:timing>
+    <p:tnLst>
+      <p:par>
+        <p:cTn id="1" dur="indefinite" restart="never" nodeType="tmRoot"/>
+      </p:par>
+    </p:tnLst>
+  </p:timing>
+</p:sld>
+</file>
+
+<file path=ppt/slides/slide16.xml><?xml version="1.0" encoding="utf-8"?>
+<p:sld xmlns:a="http://schemas.openxmlformats.org/drawingml/2006/main" xmlns:r="http://schemas.openxmlformats.org/officeDocument/2006/relationships" xmlns:p="http://schemas.openxmlformats.org/presentationml/2006/main">
+  <p:cSld>
+    <p:spTree>
+      <p:nvGrpSpPr>
+        <p:cNvPr id="1" name=""/>
+        <p:cNvGrpSpPr/>
+        <p:nvPr/>
+      </p:nvGrpSpPr>
+      <p:grpSpPr>
+        <a:xfrm>
+          <a:off x="0" y="0"/>
+          <a:ext cx="0" cy="0"/>
+          <a:chOff x="0" y="0"/>
+          <a:chExt cx="0" cy="0"/>
+        </a:xfrm>
+      </p:grpSpPr>
+      <p:grpSp>
+        <p:nvGrpSpPr>
+          <p:cNvPr id="7" name="Group 6"/>
+          <p:cNvGrpSpPr/>
+          <p:nvPr/>
+        </p:nvGrpSpPr>
+        <p:grpSpPr>
+          <a:xfrm>
+            <a:off x="0" y="0"/>
+            <a:ext cx="2286000" cy="4569708"/>
+            <a:chOff x="3106912" y="909435"/>
+            <a:chExt cx="2286000" cy="4569708"/>
+          </a:xfrm>
+        </p:grpSpPr>
+        <p:sp>
+          <p:nvSpPr>
+            <p:cNvPr id="6" name="Diagonal Stripe 5"/>
+            <p:cNvSpPr/>
+            <p:nvPr/>
+          </p:nvSpPr>
+          <p:spPr>
+            <a:xfrm rot="10800000">
+              <a:off x="3106912" y="909435"/>
+              <a:ext cx="2286000" cy="2283708"/>
+            </a:xfrm>
+            <a:prstGeom prst="diagStripe">
+              <a:avLst>
+                <a:gd name="adj" fmla="val 33316"/>
+              </a:avLst>
+            </a:prstGeom>
+            <a:solidFill>
+              <a:schemeClr val="bg1"/>
+            </a:solidFill>
+            <a:ln>
+              <a:noFill/>
+            </a:ln>
+          </p:spPr>
+          <p:style>
+            <a:lnRef idx="2">
+              <a:schemeClr val="accent1">
+                <a:shade val="50000"/>
+              </a:schemeClr>
+            </a:lnRef>
+            <a:fillRef idx="1">
+              <a:schemeClr val="accent1"/>
+            </a:fillRef>
+            <a:effectRef idx="0">
+              <a:schemeClr val="accent1"/>
+            </a:effectRef>
+            <a:fontRef idx="minor">
+              <a:schemeClr val="lt1"/>
+            </a:fontRef>
+          </p:style>
+          <p:txBody>
+            <a:bodyPr rtlCol="0" anchor="ctr"/>
+            <a:lstStyle/>
+            <a:p>
+              <a:pPr algn="ctr"/>
+              <a:endParaRPr lang="en-US">
+                <a:solidFill>
+                  <a:schemeClr val="tx1"/>
+                </a:solidFill>
+              </a:endParaRPr>
+            </a:p>
+          </p:txBody>
+        </p:sp>
+        <p:sp>
+          <p:nvSpPr>
+            <p:cNvPr id="10" name="Diagonal Stripe 9"/>
+            <p:cNvSpPr/>
+            <p:nvPr/>
+          </p:nvSpPr>
+          <p:spPr>
+            <a:xfrm rot="5400000">
+              <a:off x="3108058" y="3194289"/>
+              <a:ext cx="2286000" cy="2283708"/>
+            </a:xfrm>
+            <a:prstGeom prst="diagStripe">
+              <a:avLst>
+                <a:gd name="adj" fmla="val 33316"/>
+              </a:avLst>
+            </a:prstGeom>
+            <a:solidFill>
+              <a:schemeClr val="bg1"/>
+            </a:solidFill>
+            <a:ln>
+              <a:noFill/>
+            </a:ln>
+          </p:spPr>
+          <p:style>
+            <a:lnRef idx="2">
+              <a:schemeClr val="accent1">
+                <a:shade val="50000"/>
+              </a:schemeClr>
+            </a:lnRef>
+            <a:fillRef idx="1">
+              <a:schemeClr val="accent1"/>
+            </a:fillRef>
+            <a:effectRef idx="0">
+              <a:schemeClr val="accent1"/>
+            </a:effectRef>
+            <a:fontRef idx="minor">
+              <a:schemeClr val="lt1"/>
+            </a:fontRef>
+          </p:style>
+          <p:txBody>
+            <a:bodyPr rtlCol="0" anchor="ctr"/>
+            <a:lstStyle/>
+            <a:p>
+              <a:pPr algn="ctr"/>
+              <a:endParaRPr lang="en-US">
+                <a:solidFill>
+                  <a:schemeClr val="tx1"/>
+                </a:solidFill>
+              </a:endParaRPr>
+            </a:p>
+          </p:txBody>
+        </p:sp>
+      </p:grpSp>
+    </p:spTree>
+    <p:extLst>
+      <p:ext uri="{BB962C8B-B14F-4D97-AF65-F5344CB8AC3E}">
+        <p14:creationId xmlns:p14="http://schemas.microsoft.com/office/powerpoint/2010/main" val="3828971004"/>
       </p:ext>
     </p:extLst>
   </p:cSld>
@@ -4280,13 +4865,9 @@
           <a:prstGeom prst="rect">
             <a:avLst/>
           </a:prstGeom>
-          <a:solidFill>
-            <a:srgbClr val="000064"/>
-          </a:solidFill>
+          <a:noFill/>
           <a:ln>
-            <a:solidFill>
-              <a:srgbClr val="000064"/>
-            </a:solidFill>
+            <a:noFill/>
           </a:ln>
         </p:spPr>
         <p:style>
@@ -4494,13 +5075,9 @@
           <a:prstGeom prst="rect">
             <a:avLst/>
           </a:prstGeom>
-          <a:solidFill>
-            <a:srgbClr val="000064"/>
-          </a:solidFill>
+          <a:noFill/>
           <a:ln>
-            <a:solidFill>
-              <a:srgbClr val="000064"/>
-            </a:solidFill>
+            <a:noFill/>
           </a:ln>
         </p:spPr>
         <p:style>
@@ -4530,204 +5107,18 @@
       </p:sp>
       <p:grpSp>
         <p:nvGrpSpPr>
-          <p:cNvPr id="2" name="Group 1"/>
+          <p:cNvPr id="16" name="Group 15"/>
           <p:cNvGrpSpPr/>
           <p:nvPr/>
         </p:nvGrpSpPr>
         <p:grpSpPr>
           <a:xfrm>
-            <a:off x="731520" y="914400"/>
-            <a:ext cx="3108960" cy="2743200"/>
-            <a:chOff x="731520" y="914400"/>
-            <a:chExt cx="3108960" cy="2743200"/>
+            <a:off x="1828800" y="1276350"/>
+            <a:ext cx="2011680" cy="1741170"/>
+            <a:chOff x="1828800" y="1276350"/>
+            <a:chExt cx="2011680" cy="1741170"/>
           </a:xfrm>
         </p:grpSpPr>
-        <p:sp>
-          <p:nvSpPr>
-            <p:cNvPr id="5" name="Rectangle 4"/>
-            <p:cNvSpPr>
-              <a:spLocks noChangeAspect="1"/>
-            </p:cNvSpPr>
-            <p:nvPr/>
-          </p:nvSpPr>
-          <p:spPr>
-            <a:xfrm flipH="1">
-              <a:off x="731520" y="914400"/>
-              <a:ext cx="914400" cy="2743200"/>
-            </a:xfrm>
-            <a:prstGeom prst="rect">
-              <a:avLst/>
-            </a:prstGeom>
-            <a:solidFill>
-              <a:schemeClr val="bg1"/>
-            </a:solidFill>
-            <a:ln>
-              <a:noFill/>
-            </a:ln>
-          </p:spPr>
-          <p:style>
-            <a:lnRef idx="2">
-              <a:schemeClr val="accent1">
-                <a:shade val="50000"/>
-              </a:schemeClr>
-            </a:lnRef>
-            <a:fillRef idx="1">
-              <a:schemeClr val="accent1"/>
-            </a:fillRef>
-            <a:effectRef idx="0">
-              <a:schemeClr val="accent1"/>
-            </a:effectRef>
-            <a:fontRef idx="minor">
-              <a:schemeClr val="lt1"/>
-            </a:fontRef>
-          </p:style>
-          <p:txBody>
-            <a:bodyPr rtlCol="0" anchor="ctr"/>
-            <a:lstStyle/>
-            <a:p>
-              <a:pPr algn="ctr"/>
-              <a:endParaRPr lang="en-US"/>
-            </a:p>
-          </p:txBody>
-        </p:sp>
-        <p:sp>
-          <p:nvSpPr>
-            <p:cNvPr id="6" name="Rectangle 5"/>
-            <p:cNvSpPr/>
-            <p:nvPr/>
-          </p:nvSpPr>
-          <p:spPr>
-            <a:xfrm>
-              <a:off x="1188720" y="2286000"/>
-              <a:ext cx="274320" cy="1097280"/>
-            </a:xfrm>
-            <a:prstGeom prst="rect">
-              <a:avLst/>
-            </a:prstGeom>
-            <a:solidFill>
-              <a:srgbClr val="000064"/>
-            </a:solidFill>
-            <a:ln>
-              <a:noFill/>
-            </a:ln>
-          </p:spPr>
-          <p:style>
-            <a:lnRef idx="2">
-              <a:schemeClr val="accent1">
-                <a:shade val="50000"/>
-              </a:schemeClr>
-            </a:lnRef>
-            <a:fillRef idx="1">
-              <a:schemeClr val="accent1"/>
-            </a:fillRef>
-            <a:effectRef idx="0">
-              <a:schemeClr val="accent1"/>
-            </a:effectRef>
-            <a:fontRef idx="minor">
-              <a:schemeClr val="lt1"/>
-            </a:fontRef>
-          </p:style>
-          <p:txBody>
-            <a:bodyPr rtlCol="0" anchor="ctr"/>
-            <a:lstStyle/>
-            <a:p>
-              <a:pPr algn="ctr"/>
-              <a:endParaRPr lang="en-US"/>
-            </a:p>
-          </p:txBody>
-        </p:sp>
-        <p:sp>
-          <p:nvSpPr>
-            <p:cNvPr id="7" name="Rectangle 6"/>
-            <p:cNvSpPr/>
-            <p:nvPr/>
-          </p:nvSpPr>
-          <p:spPr>
-            <a:xfrm>
-              <a:off x="1828800" y="1280160"/>
-              <a:ext cx="2011680" cy="1463040"/>
-            </a:xfrm>
-            <a:prstGeom prst="rect">
-              <a:avLst/>
-            </a:prstGeom>
-            <a:solidFill>
-              <a:schemeClr val="bg1"/>
-            </a:solidFill>
-            <a:ln>
-              <a:noFill/>
-            </a:ln>
-          </p:spPr>
-          <p:style>
-            <a:lnRef idx="2">
-              <a:schemeClr val="accent1">
-                <a:shade val="50000"/>
-              </a:schemeClr>
-            </a:lnRef>
-            <a:fillRef idx="1">
-              <a:schemeClr val="accent1"/>
-            </a:fillRef>
-            <a:effectRef idx="0">
-              <a:schemeClr val="accent1"/>
-            </a:effectRef>
-            <a:fontRef idx="minor">
-              <a:schemeClr val="lt1"/>
-            </a:fontRef>
-          </p:style>
-          <p:txBody>
-            <a:bodyPr rtlCol="0" anchor="ctr"/>
-            <a:lstStyle/>
-            <a:p>
-              <a:pPr algn="ctr"/>
-              <a:endParaRPr lang="en-US"/>
-            </a:p>
-          </p:txBody>
-        </p:sp>
-        <p:sp>
-          <p:nvSpPr>
-            <p:cNvPr id="8" name="Rectangle 7"/>
-            <p:cNvSpPr/>
-            <p:nvPr/>
-          </p:nvSpPr>
-          <p:spPr>
-            <a:xfrm>
-              <a:off x="1965960" y="1417320"/>
-              <a:ext cx="1737360" cy="1188720"/>
-            </a:xfrm>
-            <a:prstGeom prst="rect">
-              <a:avLst/>
-            </a:prstGeom>
-            <a:solidFill>
-              <a:srgbClr val="000064"/>
-            </a:solidFill>
-            <a:ln>
-              <a:noFill/>
-            </a:ln>
-          </p:spPr>
-          <p:style>
-            <a:lnRef idx="2">
-              <a:schemeClr val="accent1">
-                <a:shade val="50000"/>
-              </a:schemeClr>
-            </a:lnRef>
-            <a:fillRef idx="1">
-              <a:schemeClr val="accent1"/>
-            </a:fillRef>
-            <a:effectRef idx="0">
-              <a:schemeClr val="accent1"/>
-            </a:effectRef>
-            <a:fontRef idx="minor">
-              <a:schemeClr val="lt1"/>
-            </a:fontRef>
-          </p:style>
-          <p:txBody>
-            <a:bodyPr rtlCol="0" anchor="ctr"/>
-            <a:lstStyle/>
-            <a:p>
-              <a:pPr algn="ctr"/>
-              <a:endParaRPr lang="en-US"/>
-            </a:p>
-          </p:txBody>
-        </p:sp>
         <p:sp>
           <p:nvSpPr>
             <p:cNvPr id="9" name="Rectangle 8"/>
@@ -4820,6 +5211,230 @@
             </a:p>
           </p:txBody>
         </p:sp>
+        <p:sp>
+          <p:nvSpPr>
+            <p:cNvPr id="3" name="Frame 2"/>
+            <p:cNvSpPr/>
+            <p:nvPr/>
+          </p:nvSpPr>
+          <p:spPr>
+            <a:xfrm>
+              <a:off x="1828800" y="1276350"/>
+              <a:ext cx="2011680" cy="1464310"/>
+            </a:xfrm>
+            <a:prstGeom prst="frame">
+              <a:avLst>
+                <a:gd name="adj1" fmla="val 9687"/>
+              </a:avLst>
+            </a:prstGeom>
+            <a:solidFill>
+              <a:schemeClr val="bg1"/>
+            </a:solidFill>
+            <a:ln>
+              <a:noFill/>
+            </a:ln>
+          </p:spPr>
+          <p:style>
+            <a:lnRef idx="2">
+              <a:schemeClr val="accent1">
+                <a:shade val="50000"/>
+              </a:schemeClr>
+            </a:lnRef>
+            <a:fillRef idx="1">
+              <a:schemeClr val="accent1"/>
+            </a:fillRef>
+            <a:effectRef idx="0">
+              <a:schemeClr val="accent1"/>
+            </a:effectRef>
+            <a:fontRef idx="minor">
+              <a:schemeClr val="lt1"/>
+            </a:fontRef>
+          </p:style>
+          <p:txBody>
+            <a:bodyPr rtlCol="0" anchor="ctr"/>
+            <a:lstStyle/>
+            <a:p>
+              <a:pPr algn="ctr"/>
+              <a:endParaRPr lang="en-US">
+                <a:solidFill>
+                  <a:schemeClr val="tx1"/>
+                </a:solidFill>
+              </a:endParaRPr>
+            </a:p>
+          </p:txBody>
+        </p:sp>
+      </p:grpSp>
+      <p:grpSp>
+        <p:nvGrpSpPr>
+          <p:cNvPr id="15" name="Group 14"/>
+          <p:cNvGrpSpPr/>
+          <p:nvPr/>
+        </p:nvGrpSpPr>
+        <p:grpSpPr>
+          <a:xfrm>
+            <a:off x="731516" y="914400"/>
+            <a:ext cx="914404" cy="2743200"/>
+            <a:chOff x="731516" y="914400"/>
+            <a:chExt cx="914404" cy="2743200"/>
+          </a:xfrm>
+          <a:solidFill>
+            <a:schemeClr val="bg1"/>
+          </a:solidFill>
+        </p:grpSpPr>
+        <p:grpSp>
+          <p:nvGrpSpPr>
+            <p:cNvPr id="14" name="Group 13"/>
+            <p:cNvGrpSpPr/>
+            <p:nvPr/>
+          </p:nvGrpSpPr>
+          <p:grpSpPr>
+            <a:xfrm>
+              <a:off x="731516" y="2143120"/>
+              <a:ext cx="914404" cy="1514480"/>
+              <a:chOff x="731516" y="2143120"/>
+              <a:chExt cx="914404" cy="1514480"/>
+            </a:xfrm>
+            <a:grpFill/>
+          </p:grpSpPr>
+          <p:sp>
+            <p:nvSpPr>
+              <p:cNvPr id="4" name="L-Shape 3"/>
+              <p:cNvSpPr/>
+              <p:nvPr/>
+            </p:nvSpPr>
+            <p:spPr>
+              <a:xfrm>
+                <a:off x="731520" y="2274094"/>
+                <a:ext cx="914400" cy="1383506"/>
+              </a:xfrm>
+              <a:prstGeom prst="corner">
+                <a:avLst>
+                  <a:gd name="adj1" fmla="val 22796"/>
+                  <a:gd name="adj2" fmla="val 49900"/>
+                </a:avLst>
+              </a:prstGeom>
+              <a:grpFill/>
+              <a:ln>
+                <a:noFill/>
+              </a:ln>
+            </p:spPr>
+            <p:style>
+              <a:lnRef idx="2">
+                <a:schemeClr val="accent1">
+                  <a:shade val="50000"/>
+                </a:schemeClr>
+              </a:lnRef>
+              <a:fillRef idx="1">
+                <a:schemeClr val="accent1"/>
+              </a:fillRef>
+              <a:effectRef idx="0">
+                <a:schemeClr val="accent1"/>
+              </a:effectRef>
+              <a:fontRef idx="minor">
+                <a:schemeClr val="lt1"/>
+              </a:fontRef>
+            </p:style>
+            <p:txBody>
+              <a:bodyPr rtlCol="0" anchor="ctr"/>
+              <a:lstStyle/>
+              <a:p>
+                <a:pPr algn="ctr"/>
+                <a:endParaRPr lang="en-US"/>
+              </a:p>
+            </p:txBody>
+          </p:sp>
+          <p:sp>
+            <p:nvSpPr>
+              <p:cNvPr id="11" name="L-Shape 10"/>
+              <p:cNvSpPr/>
+              <p:nvPr/>
+            </p:nvSpPr>
+            <p:spPr>
+              <a:xfrm rot="10800000">
+                <a:off x="731516" y="2143120"/>
+                <a:ext cx="914403" cy="1309691"/>
+              </a:xfrm>
+              <a:prstGeom prst="corner">
+                <a:avLst>
+                  <a:gd name="adj1" fmla="val 15803"/>
+                  <a:gd name="adj2" fmla="val 20899"/>
+                </a:avLst>
+              </a:prstGeom>
+              <a:grpFill/>
+              <a:ln>
+                <a:noFill/>
+              </a:ln>
+            </p:spPr>
+            <p:style>
+              <a:lnRef idx="2">
+                <a:schemeClr val="accent1">
+                  <a:shade val="50000"/>
+                </a:schemeClr>
+              </a:lnRef>
+              <a:fillRef idx="1">
+                <a:schemeClr val="accent1"/>
+              </a:fillRef>
+              <a:effectRef idx="0">
+                <a:schemeClr val="accent1"/>
+              </a:effectRef>
+              <a:fontRef idx="minor">
+                <a:schemeClr val="lt1"/>
+              </a:fontRef>
+            </p:style>
+            <p:txBody>
+              <a:bodyPr rtlCol="0" anchor="ctr"/>
+              <a:lstStyle/>
+              <a:p>
+                <a:pPr algn="ctr"/>
+                <a:endParaRPr lang="en-US"/>
+              </a:p>
+            </p:txBody>
+          </p:sp>
+        </p:grpSp>
+        <p:sp>
+          <p:nvSpPr>
+            <p:cNvPr id="13" name="Rectangle 12"/>
+            <p:cNvSpPr/>
+            <p:nvPr/>
+          </p:nvSpPr>
+          <p:spPr>
+            <a:xfrm>
+              <a:off x="731516" y="914400"/>
+              <a:ext cx="914404" cy="1228721"/>
+            </a:xfrm>
+            <a:prstGeom prst="rect">
+              <a:avLst/>
+            </a:prstGeom>
+            <a:grpFill/>
+            <a:ln>
+              <a:noFill/>
+            </a:ln>
+          </p:spPr>
+          <p:style>
+            <a:lnRef idx="2">
+              <a:schemeClr val="accent1">
+                <a:shade val="50000"/>
+              </a:schemeClr>
+            </a:lnRef>
+            <a:fillRef idx="1">
+              <a:schemeClr val="accent1"/>
+            </a:fillRef>
+            <a:effectRef idx="0">
+              <a:schemeClr val="accent1"/>
+            </a:effectRef>
+            <a:fontRef idx="minor">
+              <a:schemeClr val="lt1"/>
+            </a:fontRef>
+          </p:style>
+          <p:txBody>
+            <a:bodyPr rtlCol="0" anchor="ctr"/>
+            <a:lstStyle/>
+            <a:p>
+              <a:pPr algn="ctr"/>
+              <a:endParaRPr lang="en-US"/>
+            </a:p>
+          </p:txBody>
+        </p:sp>
       </p:grpSp>
     </p:spTree>
     <p:extLst>
@@ -4872,13 +5487,9 @@
           <a:prstGeom prst="rect">
             <a:avLst/>
           </a:prstGeom>
-          <a:solidFill>
-            <a:srgbClr val="000064"/>
-          </a:solidFill>
+          <a:noFill/>
           <a:ln>
-            <a:solidFill>
-              <a:srgbClr val="000064"/>
-            </a:solidFill>
+            <a:noFill/>
           </a:ln>
         </p:spPr>
         <p:style>
@@ -4908,34 +5519,31 @@
       </p:sp>
       <p:grpSp>
         <p:nvGrpSpPr>
-          <p:cNvPr id="23" name="Group 22"/>
+          <p:cNvPr id="13" name="Group 12"/>
           <p:cNvGrpSpPr/>
           <p:nvPr/>
         </p:nvGrpSpPr>
         <p:grpSpPr>
           <a:xfrm>
-            <a:off x="914400" y="1417320"/>
-            <a:ext cx="2743200" cy="1737360"/>
-            <a:chOff x="891540" y="1182128"/>
-            <a:chExt cx="2743200" cy="1737360"/>
+            <a:off x="685800" y="3187432"/>
+            <a:ext cx="3200400" cy="91440"/>
+            <a:chOff x="685800" y="3187432"/>
+            <a:chExt cx="3200400" cy="91440"/>
           </a:xfrm>
         </p:grpSpPr>
         <p:sp>
           <p:nvSpPr>
-            <p:cNvPr id="17" name="Round Same Side Corner Rectangle 16"/>
+            <p:cNvPr id="8" name="Right Triangle 7"/>
             <p:cNvSpPr/>
             <p:nvPr/>
           </p:nvSpPr>
           <p:spPr>
-            <a:xfrm>
-              <a:off x="891540" y="1182128"/>
-              <a:ext cx="2743200" cy="1737360"/>
+            <a:xfrm rot="10800000">
+              <a:off x="685800" y="3187432"/>
+              <a:ext cx="228600" cy="91440"/>
             </a:xfrm>
-            <a:prstGeom prst="round2SameRect">
-              <a:avLst>
-                <a:gd name="adj1" fmla="val 2109"/>
-                <a:gd name="adj2" fmla="val 0"/>
-              </a:avLst>
+            <a:prstGeom prst="rtTriangle">
+              <a:avLst/>
             </a:prstGeom>
             <a:solidFill>
               <a:schemeClr val="bg1"/>
@@ -4971,342 +5579,16 @@
         </p:sp>
         <p:sp>
           <p:nvSpPr>
-            <p:cNvPr id="19" name="Round Same Side Corner Rectangle 18"/>
+            <p:cNvPr id="22" name="Right Triangle 21"/>
             <p:cNvSpPr/>
             <p:nvPr/>
           </p:nvSpPr>
           <p:spPr>
-            <a:xfrm>
-              <a:off x="982980" y="1260600"/>
-              <a:ext cx="2560320" cy="1600200"/>
+            <a:xfrm rot="10800000" flipH="1">
+              <a:off x="3657600" y="3187432"/>
+              <a:ext cx="228600" cy="91440"/>
             </a:xfrm>
-            <a:prstGeom prst="round2SameRect">
-              <a:avLst>
-                <a:gd name="adj1" fmla="val 0"/>
-                <a:gd name="adj2" fmla="val 0"/>
-              </a:avLst>
-            </a:prstGeom>
-            <a:solidFill>
-              <a:srgbClr val="000064"/>
-            </a:solidFill>
-            <a:ln>
-              <a:noFill/>
-            </a:ln>
-          </p:spPr>
-          <p:style>
-            <a:lnRef idx="2">
-              <a:schemeClr val="accent1">
-                <a:shade val="50000"/>
-              </a:schemeClr>
-            </a:lnRef>
-            <a:fillRef idx="1">
-              <a:schemeClr val="accent1"/>
-            </a:fillRef>
-            <a:effectRef idx="0">
-              <a:schemeClr val="accent1"/>
-            </a:effectRef>
-            <a:fontRef idx="minor">
-              <a:schemeClr val="lt1"/>
-            </a:fontRef>
-          </p:style>
-          <p:txBody>
-            <a:bodyPr rtlCol="0" anchor="ctr"/>
-            <a:lstStyle/>
-            <a:p>
-              <a:pPr algn="ctr"/>
-              <a:endParaRPr lang="en-US"/>
-            </a:p>
-          </p:txBody>
-        </p:sp>
-        <p:sp>
-          <p:nvSpPr>
-            <p:cNvPr id="20" name="Oval 19"/>
-            <p:cNvSpPr/>
-            <p:nvPr/>
-          </p:nvSpPr>
-          <p:spPr>
-            <a:xfrm>
-              <a:off x="2240280" y="1198504"/>
-              <a:ext cx="45720" cy="45720"/>
-            </a:xfrm>
-            <a:prstGeom prst="ellipse">
-              <a:avLst/>
-            </a:prstGeom>
-            <a:solidFill>
-              <a:srgbClr val="000064"/>
-            </a:solidFill>
-            <a:ln>
-              <a:noFill/>
-            </a:ln>
-          </p:spPr>
-          <p:style>
-            <a:lnRef idx="2">
-              <a:schemeClr val="accent1">
-                <a:shade val="50000"/>
-              </a:schemeClr>
-            </a:lnRef>
-            <a:fillRef idx="1">
-              <a:schemeClr val="accent1"/>
-            </a:fillRef>
-            <a:effectRef idx="0">
-              <a:schemeClr val="accent1"/>
-            </a:effectRef>
-            <a:fontRef idx="minor">
-              <a:schemeClr val="lt1"/>
-            </a:fontRef>
-          </p:style>
-          <p:txBody>
-            <a:bodyPr rtlCol="0" anchor="ctr"/>
-            <a:lstStyle/>
-            <a:p>
-              <a:pPr algn="ctr"/>
-              <a:endParaRPr lang="en-US"/>
-            </a:p>
-          </p:txBody>
-        </p:sp>
-      </p:grpSp>
-      <p:sp>
-        <p:nvSpPr>
-          <p:cNvPr id="7" name="Rectangle 6"/>
-          <p:cNvSpPr/>
-          <p:nvPr/>
-        </p:nvSpPr>
-        <p:spPr>
-          <a:xfrm>
-            <a:off x="685800" y="3187432"/>
-            <a:ext cx="3200400" cy="91440"/>
-          </a:xfrm>
-          <a:prstGeom prst="rect">
-            <a:avLst/>
-          </a:prstGeom>
-          <a:solidFill>
-            <a:schemeClr val="bg1"/>
-          </a:solidFill>
-          <a:ln>
-            <a:noFill/>
-          </a:ln>
-        </p:spPr>
-        <p:style>
-          <a:lnRef idx="2">
-            <a:schemeClr val="accent1">
-              <a:shade val="50000"/>
-            </a:schemeClr>
-          </a:lnRef>
-          <a:fillRef idx="1">
-            <a:schemeClr val="accent1"/>
-          </a:fillRef>
-          <a:effectRef idx="0">
-            <a:schemeClr val="accent1"/>
-          </a:effectRef>
-          <a:fontRef idx="minor">
-            <a:schemeClr val="lt1"/>
-          </a:fontRef>
-        </p:style>
-        <p:txBody>
-          <a:bodyPr rtlCol="0" anchor="ctr"/>
-          <a:lstStyle/>
-          <a:p>
-            <a:pPr algn="ctr"/>
-            <a:endParaRPr lang="en-US"/>
-          </a:p>
-        </p:txBody>
-      </p:sp>
-      <p:sp>
-        <p:nvSpPr>
-          <p:cNvPr id="8" name="Right Triangle 7"/>
-          <p:cNvSpPr/>
-          <p:nvPr/>
-        </p:nvSpPr>
-        <p:spPr>
-          <a:xfrm>
-            <a:off x="685800" y="3187432"/>
-            <a:ext cx="228600" cy="91440"/>
-          </a:xfrm>
-          <a:prstGeom prst="rtTriangle">
-            <a:avLst/>
-          </a:prstGeom>
-          <a:solidFill>
-            <a:srgbClr val="000064"/>
-          </a:solidFill>
-          <a:ln>
-            <a:noFill/>
-          </a:ln>
-        </p:spPr>
-        <p:style>
-          <a:lnRef idx="2">
-            <a:schemeClr val="accent1">
-              <a:shade val="50000"/>
-            </a:schemeClr>
-          </a:lnRef>
-          <a:fillRef idx="1">
-            <a:schemeClr val="accent1"/>
-          </a:fillRef>
-          <a:effectRef idx="0">
-            <a:schemeClr val="accent1"/>
-          </a:effectRef>
-          <a:fontRef idx="minor">
-            <a:schemeClr val="lt1"/>
-          </a:fontRef>
-        </p:style>
-        <p:txBody>
-          <a:bodyPr rtlCol="0" anchor="ctr"/>
-          <a:lstStyle/>
-          <a:p>
-            <a:pPr algn="ctr"/>
-            <a:endParaRPr lang="en-US"/>
-          </a:p>
-        </p:txBody>
-      </p:sp>
-      <p:sp>
-        <p:nvSpPr>
-          <p:cNvPr id="22" name="Right Triangle 21"/>
-          <p:cNvSpPr/>
-          <p:nvPr/>
-        </p:nvSpPr>
-        <p:spPr>
-          <a:xfrm flipH="1">
-            <a:off x="3657600" y="3187432"/>
-            <a:ext cx="228600" cy="91440"/>
-          </a:xfrm>
-          <a:prstGeom prst="rtTriangle">
-            <a:avLst/>
-          </a:prstGeom>
-          <a:solidFill>
-            <a:srgbClr val="000064"/>
-          </a:solidFill>
-          <a:ln>
-            <a:noFill/>
-          </a:ln>
-        </p:spPr>
-        <p:style>
-          <a:lnRef idx="2">
-            <a:schemeClr val="accent1">
-              <a:shade val="50000"/>
-            </a:schemeClr>
-          </a:lnRef>
-          <a:fillRef idx="1">
-            <a:schemeClr val="accent1"/>
-          </a:fillRef>
-          <a:effectRef idx="0">
-            <a:schemeClr val="accent1"/>
-          </a:effectRef>
-          <a:fontRef idx="minor">
-            <a:schemeClr val="lt1"/>
-          </a:fontRef>
-        </p:style>
-        <p:txBody>
-          <a:bodyPr rtlCol="0" anchor="ctr"/>
-          <a:lstStyle/>
-          <a:p>
-            <a:pPr algn="ctr"/>
-            <a:endParaRPr lang="en-US"/>
-          </a:p>
-        </p:txBody>
-      </p:sp>
-    </p:spTree>
-    <p:extLst>
-      <p:ext uri="{BB962C8B-B14F-4D97-AF65-F5344CB8AC3E}">
-        <p14:creationId xmlns:p14="http://schemas.microsoft.com/office/powerpoint/2010/main" val="3333692"/>
-      </p:ext>
-    </p:extLst>
-  </p:cSld>
-  <p:clrMapOvr>
-    <a:masterClrMapping/>
-  </p:clrMapOvr>
-</p:sld>
-</file>
-
-<file path=ppt/slides/slide5.xml><?xml version="1.0" encoding="utf-8"?>
-<p:sld xmlns:a="http://schemas.openxmlformats.org/drawingml/2006/main" xmlns:r="http://schemas.openxmlformats.org/officeDocument/2006/relationships" xmlns:p="http://schemas.openxmlformats.org/presentationml/2006/main">
-  <p:cSld>
-    <p:spTree>
-      <p:nvGrpSpPr>
-        <p:cNvPr id="1" name=""/>
-        <p:cNvGrpSpPr/>
-        <p:nvPr/>
-      </p:nvGrpSpPr>
-      <p:grpSpPr>
-        <a:xfrm>
-          <a:off x="0" y="0"/>
-          <a:ext cx="0" cy="0"/>
-          <a:chOff x="0" y="0"/>
-          <a:chExt cx="0" cy="0"/>
-        </a:xfrm>
-      </p:grpSpPr>
-      <p:sp>
-        <p:nvSpPr>
-          <p:cNvPr id="4" name="Rectangle 3"/>
-          <p:cNvSpPr/>
-          <p:nvPr/>
-        </p:nvSpPr>
-        <p:spPr>
-          <a:xfrm>
-            <a:off x="8333" y="0"/>
-            <a:ext cx="4572000" cy="4572000"/>
-          </a:xfrm>
-          <a:prstGeom prst="rect">
-            <a:avLst/>
-          </a:prstGeom>
-          <a:solidFill>
-            <a:srgbClr val="000064"/>
-          </a:solidFill>
-          <a:ln>
-            <a:solidFill>
-              <a:srgbClr val="000064"/>
-            </a:solidFill>
-          </a:ln>
-        </p:spPr>
-        <p:style>
-          <a:lnRef idx="2">
-            <a:schemeClr val="accent1">
-              <a:shade val="50000"/>
-            </a:schemeClr>
-          </a:lnRef>
-          <a:fillRef idx="1">
-            <a:schemeClr val="accent1"/>
-          </a:fillRef>
-          <a:effectRef idx="0">
-            <a:schemeClr val="accent1"/>
-          </a:effectRef>
-          <a:fontRef idx="minor">
-            <a:schemeClr val="lt1"/>
-          </a:fontRef>
-        </p:style>
-        <p:txBody>
-          <a:bodyPr rtlCol="0" anchor="ctr"/>
-          <a:lstStyle/>
-          <a:p>
-            <a:pPr algn="ctr"/>
-            <a:endParaRPr lang="en-US"/>
-          </a:p>
-        </p:txBody>
-      </p:sp>
-      <p:grpSp>
-        <p:nvGrpSpPr>
-          <p:cNvPr id="62" name="Group 61"/>
-          <p:cNvGrpSpPr/>
-          <p:nvPr/>
-        </p:nvGrpSpPr>
-        <p:grpSpPr>
-          <a:xfrm>
-            <a:off x="1259998" y="1356116"/>
-            <a:ext cx="2068669" cy="1859768"/>
-            <a:chOff x="1361617" y="1194294"/>
-            <a:chExt cx="2068669" cy="1859768"/>
-          </a:xfrm>
-        </p:grpSpPr>
-        <p:sp>
-          <p:nvSpPr>
-            <p:cNvPr id="6" name="Oval 5"/>
-            <p:cNvSpPr/>
-            <p:nvPr/>
-          </p:nvSpPr>
-          <p:spPr>
-            <a:xfrm>
-              <a:off x="1553575" y="2953478"/>
-              <a:ext cx="100584" cy="100584"/>
-            </a:xfrm>
-            <a:prstGeom prst="ellipse">
+            <a:prstGeom prst="rtTriangle">
               <a:avLst/>
             </a:prstGeom>
             <a:solidFill>
@@ -5341,30 +5623,139 @@
             </a:p>
           </p:txBody>
         </p:sp>
+        <p:sp>
+          <p:nvSpPr>
+            <p:cNvPr id="3" name="Rectangle 2"/>
+            <p:cNvSpPr/>
+            <p:nvPr/>
+          </p:nvSpPr>
+          <p:spPr>
+            <a:xfrm>
+              <a:off x="914400" y="3187432"/>
+              <a:ext cx="2743200" cy="91440"/>
+            </a:xfrm>
+            <a:prstGeom prst="rect">
+              <a:avLst/>
+            </a:prstGeom>
+            <a:solidFill>
+              <a:schemeClr val="bg1"/>
+            </a:solidFill>
+            <a:ln>
+              <a:noFill/>
+            </a:ln>
+          </p:spPr>
+          <p:style>
+            <a:lnRef idx="2">
+              <a:schemeClr val="accent1">
+                <a:shade val="50000"/>
+              </a:schemeClr>
+            </a:lnRef>
+            <a:fillRef idx="1">
+              <a:schemeClr val="accent1"/>
+            </a:fillRef>
+            <a:effectRef idx="0">
+              <a:schemeClr val="accent1"/>
+            </a:effectRef>
+            <a:fontRef idx="minor">
+              <a:schemeClr val="lt1"/>
+            </a:fontRef>
+          </p:style>
+          <p:txBody>
+            <a:bodyPr rtlCol="0" anchor="ctr"/>
+            <a:lstStyle/>
+            <a:p>
+              <a:pPr algn="ctr"/>
+              <a:endParaRPr lang="en-US"/>
+            </a:p>
+          </p:txBody>
+        </p:sp>
+      </p:grpSp>
+      <p:grpSp>
+        <p:nvGrpSpPr>
+          <p:cNvPr id="11" name="Group 10"/>
+          <p:cNvGrpSpPr/>
+          <p:nvPr/>
+        </p:nvGrpSpPr>
+        <p:grpSpPr>
+          <a:xfrm>
+            <a:off x="914399" y="1379247"/>
+            <a:ext cx="2743200" cy="1737363"/>
+            <a:chOff x="914399" y="1379247"/>
+            <a:chExt cx="2743200" cy="1737363"/>
+          </a:xfrm>
+        </p:grpSpPr>
         <p:grpSp>
           <p:nvGrpSpPr>
-            <p:cNvPr id="3" name="Group 2"/>
+            <p:cNvPr id="10" name="Group 9"/>
             <p:cNvGrpSpPr/>
             <p:nvPr/>
           </p:nvGrpSpPr>
           <p:grpSpPr>
             <a:xfrm>
-              <a:off x="1601486" y="2953478"/>
-              <a:ext cx="1828800" cy="100584"/>
-              <a:chOff x="838200" y="3339832"/>
-              <a:chExt cx="3200400" cy="91440"/>
+              <a:off x="914399" y="1379247"/>
+              <a:ext cx="2743200" cy="1737363"/>
+              <a:chOff x="5486400" y="3278870"/>
+              <a:chExt cx="2743200" cy="1737363"/>
             </a:xfrm>
           </p:grpSpPr>
           <p:sp>
             <p:nvSpPr>
-              <p:cNvPr id="11" name="Rectangle 10"/>
+              <p:cNvPr id="14" name="Round Single Corner Rectangle 13"/>
+              <p:cNvSpPr/>
+              <p:nvPr/>
+            </p:nvSpPr>
+            <p:spPr>
+              <a:xfrm flipH="1">
+                <a:off x="5486400" y="3278871"/>
+                <a:ext cx="91440" cy="1737361"/>
+              </a:xfrm>
+              <a:prstGeom prst="round1Rect">
+                <a:avLst>
+                  <a:gd name="adj" fmla="val 32291"/>
+                </a:avLst>
+              </a:prstGeom>
+              <a:solidFill>
+                <a:schemeClr val="bg1"/>
+              </a:solidFill>
+              <a:ln>
+                <a:noFill/>
+              </a:ln>
+            </p:spPr>
+            <p:style>
+              <a:lnRef idx="2">
+                <a:schemeClr val="accent1">
+                  <a:shade val="50000"/>
+                </a:schemeClr>
+              </a:lnRef>
+              <a:fillRef idx="1">
+                <a:schemeClr val="accent1"/>
+              </a:fillRef>
+              <a:effectRef idx="0">
+                <a:schemeClr val="accent1"/>
+              </a:effectRef>
+              <a:fontRef idx="minor">
+                <a:schemeClr val="lt1"/>
+              </a:fontRef>
+            </p:style>
+            <p:txBody>
+              <a:bodyPr rtlCol="0" anchor="ctr"/>
+              <a:lstStyle/>
+              <a:p>
+                <a:pPr algn="ctr"/>
+                <a:endParaRPr lang="en-US"/>
+              </a:p>
+            </p:txBody>
+          </p:sp>
+          <p:sp>
+            <p:nvSpPr>
+              <p:cNvPr id="9" name="Rectangle 8"/>
               <p:cNvSpPr/>
               <p:nvPr/>
             </p:nvSpPr>
             <p:spPr>
               <a:xfrm>
-                <a:off x="838200" y="3339832"/>
-                <a:ext cx="3200400" cy="91440"/>
+                <a:off x="5577840" y="4957545"/>
+                <a:ext cx="2560320" cy="58688"/>
               </a:xfrm>
               <a:prstGeom prst="rect">
                 <a:avLst/>
@@ -5403,20 +5794,68 @@
           </p:sp>
           <p:sp>
             <p:nvSpPr>
-              <p:cNvPr id="13" name="Right Triangle 12"/>
+              <p:cNvPr id="16" name="Rectangle 15"/>
               <p:cNvSpPr/>
               <p:nvPr/>
             </p:nvSpPr>
             <p:spPr>
-              <a:xfrm flipH="1">
-                <a:off x="3810000" y="3339832"/>
-                <a:ext cx="228600" cy="91440"/>
+              <a:xfrm>
+                <a:off x="5577840" y="3278870"/>
+                <a:ext cx="2560320" cy="82416"/>
               </a:xfrm>
-              <a:prstGeom prst="rtTriangle">
+              <a:prstGeom prst="rect">
                 <a:avLst/>
               </a:prstGeom>
               <a:solidFill>
-                <a:srgbClr val="000064"/>
+                <a:schemeClr val="bg1"/>
+              </a:solidFill>
+              <a:ln>
+                <a:noFill/>
+              </a:ln>
+            </p:spPr>
+            <p:style>
+              <a:lnRef idx="2">
+                <a:schemeClr val="accent1">
+                  <a:shade val="50000"/>
+                </a:schemeClr>
+              </a:lnRef>
+              <a:fillRef idx="1">
+                <a:schemeClr val="accent1"/>
+              </a:fillRef>
+              <a:effectRef idx="0">
+                <a:schemeClr val="accent1"/>
+              </a:effectRef>
+              <a:fontRef idx="minor">
+                <a:schemeClr val="lt1"/>
+              </a:fontRef>
+            </p:style>
+            <p:txBody>
+              <a:bodyPr rtlCol="0" anchor="ctr"/>
+              <a:lstStyle/>
+              <a:p>
+                <a:pPr algn="ctr"/>
+                <a:endParaRPr lang="en-US"/>
+              </a:p>
+            </p:txBody>
+          </p:sp>
+          <p:sp>
+            <p:nvSpPr>
+              <p:cNvPr id="18" name="Round Single Corner Rectangle 17"/>
+              <p:cNvSpPr/>
+              <p:nvPr/>
+            </p:nvSpPr>
+            <p:spPr>
+              <a:xfrm>
+                <a:off x="8138160" y="3278871"/>
+                <a:ext cx="91440" cy="1737361"/>
+              </a:xfrm>
+              <a:prstGeom prst="round1Rect">
+                <a:avLst>
+                  <a:gd name="adj" fmla="val 32291"/>
+                </a:avLst>
+              </a:prstGeom>
+              <a:solidFill>
+                <a:schemeClr val="bg1"/>
               </a:solidFill>
               <a:ln>
                 <a:noFill/>
@@ -5448,19 +5887,160 @@
             </p:txBody>
           </p:sp>
         </p:grpSp>
+        <p:sp>
+          <p:nvSpPr>
+            <p:cNvPr id="21" name="Oval 20"/>
+            <p:cNvSpPr/>
+            <p:nvPr/>
+          </p:nvSpPr>
+          <p:spPr>
+            <a:xfrm>
+              <a:off x="2285999" y="1397595"/>
+              <a:ext cx="45720" cy="45720"/>
+            </a:xfrm>
+            <a:prstGeom prst="ellipse">
+              <a:avLst/>
+            </a:prstGeom>
+            <a:solidFill>
+              <a:schemeClr val="tx1"/>
+            </a:solidFill>
+            <a:ln>
+              <a:noFill/>
+            </a:ln>
+          </p:spPr>
+          <p:style>
+            <a:lnRef idx="2">
+              <a:schemeClr val="accent1">
+                <a:shade val="50000"/>
+              </a:schemeClr>
+            </a:lnRef>
+            <a:fillRef idx="1">
+              <a:schemeClr val="accent1"/>
+            </a:fillRef>
+            <a:effectRef idx="0">
+              <a:schemeClr val="accent1"/>
+            </a:effectRef>
+            <a:fontRef idx="minor">
+              <a:schemeClr val="lt1"/>
+            </a:fontRef>
+          </p:style>
+          <p:txBody>
+            <a:bodyPr rtlCol="0" anchor="ctr"/>
+            <a:lstStyle/>
+            <a:p>
+              <a:pPr algn="ctr"/>
+              <a:endParaRPr lang="en-US"/>
+            </a:p>
+          </p:txBody>
+        </p:sp>
+      </p:grpSp>
+    </p:spTree>
+    <p:extLst>
+      <p:ext uri="{BB962C8B-B14F-4D97-AF65-F5344CB8AC3E}">
+        <p14:creationId xmlns:p14="http://schemas.microsoft.com/office/powerpoint/2010/main" val="3333692"/>
+      </p:ext>
+    </p:extLst>
+  </p:cSld>
+  <p:clrMapOvr>
+    <a:masterClrMapping/>
+  </p:clrMapOvr>
+</p:sld>
+</file>
+
+<file path=ppt/slides/slide5.xml><?xml version="1.0" encoding="utf-8"?>
+<p:sld xmlns:a="http://schemas.openxmlformats.org/drawingml/2006/main" xmlns:r="http://schemas.openxmlformats.org/officeDocument/2006/relationships" xmlns:p="http://schemas.openxmlformats.org/presentationml/2006/main">
+  <p:cSld>
+    <p:spTree>
+      <p:nvGrpSpPr>
+        <p:cNvPr id="1" name=""/>
+        <p:cNvGrpSpPr/>
+        <p:nvPr/>
+      </p:nvGrpSpPr>
+      <p:grpSpPr>
+        <a:xfrm>
+          <a:off x="0" y="0"/>
+          <a:ext cx="0" cy="0"/>
+          <a:chOff x="0" y="0"/>
+          <a:chExt cx="0" cy="0"/>
+        </a:xfrm>
+      </p:grpSpPr>
+      <p:sp>
+        <p:nvSpPr>
+          <p:cNvPr id="4" name="Rectangle 3"/>
+          <p:cNvSpPr/>
+          <p:nvPr/>
+        </p:nvSpPr>
+        <p:spPr>
+          <a:xfrm>
+            <a:off x="8333" y="0"/>
+            <a:ext cx="4572000" cy="4572000"/>
+          </a:xfrm>
+          <a:prstGeom prst="rect">
+            <a:avLst/>
+          </a:prstGeom>
+          <a:noFill/>
+          <a:ln>
+            <a:noFill/>
+          </a:ln>
+        </p:spPr>
+        <p:style>
+          <a:lnRef idx="2">
+            <a:schemeClr val="accent1">
+              <a:shade val="50000"/>
+            </a:schemeClr>
+          </a:lnRef>
+          <a:fillRef idx="1">
+            <a:schemeClr val="accent1"/>
+          </a:fillRef>
+          <a:effectRef idx="0">
+            <a:schemeClr val="accent1"/>
+          </a:effectRef>
+          <a:fontRef idx="minor">
+            <a:schemeClr val="lt1"/>
+          </a:fontRef>
+        </p:style>
+        <p:txBody>
+          <a:bodyPr rtlCol="0" anchor="ctr"/>
+          <a:lstStyle/>
+          <a:p>
+            <a:pPr algn="ctr"/>
+            <a:endParaRPr lang="en-US"/>
+          </a:p>
+        </p:txBody>
+      </p:sp>
+      <p:grpSp>
+        <p:nvGrpSpPr>
+          <p:cNvPr id="17" name="Group 16"/>
+          <p:cNvGrpSpPr/>
+          <p:nvPr/>
+        </p:nvGrpSpPr>
+        <p:grpSpPr>
+          <a:xfrm>
+            <a:off x="1304339" y="1523550"/>
+            <a:ext cx="1979988" cy="1524899"/>
+            <a:chOff x="1869379" y="2637135"/>
+            <a:chExt cx="1979988" cy="1524899"/>
+          </a:xfrm>
+        </p:grpSpPr>
         <p:grpSp>
           <p:nvGrpSpPr>
-            <p:cNvPr id="16" name="Group 15"/>
+            <p:cNvPr id="15" name="Group 14"/>
             <p:cNvGrpSpPr/>
             <p:nvPr/>
           </p:nvGrpSpPr>
           <p:grpSpPr>
-            <a:xfrm rot="15300000" flipV="1">
-              <a:off x="492937" y="2062974"/>
-              <a:ext cx="1828800" cy="91440"/>
-              <a:chOff x="838200" y="3339832"/>
-              <a:chExt cx="3200400" cy="91440"/>
+            <a:xfrm>
+              <a:off x="1869379" y="2637135"/>
+              <a:ext cx="91847" cy="1524067"/>
+              <a:chOff x="2020568" y="2596816"/>
+              <a:chExt cx="91847" cy="1524067"/>
             </a:xfrm>
+            <a:scene3d>
+              <a:camera prst="orthographicFront">
+                <a:rot lat="0" lon="0" rev="600000"/>
+              </a:camera>
+              <a:lightRig rig="threePt" dir="t"/>
+            </a:scene3d>
           </p:grpSpPr>
           <p:sp>
             <p:nvSpPr>
@@ -5469,9 +6049,9 @@
               <p:nvPr/>
             </p:nvSpPr>
             <p:spPr>
-              <a:xfrm>
-                <a:off x="838200" y="3339832"/>
-                <a:ext cx="3200400" cy="91440"/>
+              <a:xfrm rot="16200000" flipV="1">
+                <a:off x="1369977" y="3378445"/>
+                <a:ext cx="1393436" cy="91440"/>
               </a:xfrm>
               <a:prstGeom prst="rect">
                 <a:avLst/>
@@ -5515,120 +6095,11 @@
               <p:nvPr/>
             </p:nvSpPr>
             <p:spPr>
-              <a:xfrm flipH="1">
-                <a:off x="3810000" y="3339832"/>
-                <a:ext cx="228600" cy="91440"/>
+              <a:xfrm rot="5400000" flipH="1" flipV="1">
+                <a:off x="2000973" y="2616411"/>
+                <a:ext cx="130629" cy="91440"/>
               </a:xfrm>
               <a:prstGeom prst="rtTriangle">
-                <a:avLst/>
-              </a:prstGeom>
-              <a:solidFill>
-                <a:srgbClr val="000064"/>
-              </a:solidFill>
-              <a:ln>
-                <a:solidFill>
-                  <a:srgbClr val="000064"/>
-                </a:solidFill>
-              </a:ln>
-            </p:spPr>
-            <p:style>
-              <a:lnRef idx="2">
-                <a:schemeClr val="accent1">
-                  <a:shade val="50000"/>
-                </a:schemeClr>
-              </a:lnRef>
-              <a:fillRef idx="1">
-                <a:schemeClr val="accent1"/>
-              </a:fillRef>
-              <a:effectRef idx="0">
-                <a:schemeClr val="accent1"/>
-              </a:effectRef>
-              <a:fontRef idx="minor">
-                <a:schemeClr val="lt1"/>
-              </a:fontRef>
-            </p:style>
-            <p:txBody>
-              <a:bodyPr rtlCol="0" anchor="ctr"/>
-              <a:lstStyle/>
-              <a:p>
-                <a:pPr algn="ctr"/>
-                <a:endParaRPr lang="en-US"/>
-              </a:p>
-            </p:txBody>
-          </p:sp>
-        </p:grpSp>
-        <p:grpSp>
-          <p:nvGrpSpPr>
-            <p:cNvPr id="46" name="Group 45"/>
-            <p:cNvGrpSpPr/>
-            <p:nvPr/>
-          </p:nvGrpSpPr>
-          <p:grpSpPr>
-            <a:xfrm>
-              <a:off x="1670066" y="2971766"/>
-              <a:ext cx="64008" cy="64008"/>
-              <a:chOff x="1373545" y="2366488"/>
-              <a:chExt cx="64008" cy="64008"/>
-            </a:xfrm>
-          </p:grpSpPr>
-          <p:sp>
-            <p:nvSpPr>
-              <p:cNvPr id="9" name="Oval 8"/>
-              <p:cNvSpPr/>
-              <p:nvPr/>
-            </p:nvSpPr>
-            <p:spPr>
-              <a:xfrm>
-                <a:off x="1373545" y="2366488"/>
-                <a:ext cx="64008" cy="64008"/>
-              </a:xfrm>
-              <a:prstGeom prst="ellipse">
-                <a:avLst/>
-              </a:prstGeom>
-              <a:solidFill>
-                <a:srgbClr val="000064"/>
-              </a:solidFill>
-              <a:ln>
-                <a:noFill/>
-              </a:ln>
-            </p:spPr>
-            <p:style>
-              <a:lnRef idx="2">
-                <a:schemeClr val="accent1">
-                  <a:shade val="50000"/>
-                </a:schemeClr>
-              </a:lnRef>
-              <a:fillRef idx="1">
-                <a:schemeClr val="accent1"/>
-              </a:fillRef>
-              <a:effectRef idx="0">
-                <a:schemeClr val="accent1"/>
-              </a:effectRef>
-              <a:fontRef idx="minor">
-                <a:schemeClr val="lt1"/>
-              </a:fontRef>
-            </p:style>
-            <p:txBody>
-              <a:bodyPr rtlCol="0" anchor="ctr"/>
-              <a:lstStyle/>
-              <a:p>
-                <a:pPr algn="ctr"/>
-                <a:endParaRPr lang="en-US"/>
-              </a:p>
-            </p:txBody>
-          </p:sp>
-          <p:sp>
-            <p:nvSpPr>
-              <p:cNvPr id="24" name="Oval 23"/>
-              <p:cNvSpPr/>
-              <p:nvPr/>
-            </p:nvSpPr>
-            <p:spPr>
-              <a:xfrm>
-                <a:off x="1396405" y="2389348"/>
-                <a:ext cx="18288" cy="18288"/>
-              </a:xfrm>
-              <a:prstGeom prst="ellipse">
                 <a:avLst/>
               </a:prstGeom>
               <a:solidFill>
@@ -5666,76 +6137,30 @@
         </p:grpSp>
         <p:grpSp>
           <p:nvGrpSpPr>
-            <p:cNvPr id="36" name="Group 35"/>
+            <p:cNvPr id="12" name="Group 11"/>
             <p:cNvGrpSpPr/>
             <p:nvPr/>
           </p:nvGrpSpPr>
           <p:grpSpPr>
             <a:xfrm>
-              <a:off x="2299790" y="2980909"/>
-              <a:ext cx="91440" cy="45719"/>
-              <a:chOff x="2248575" y="2976338"/>
-              <a:chExt cx="91440" cy="45719"/>
+              <a:off x="1972656" y="4061449"/>
+              <a:ext cx="1876711" cy="100585"/>
+              <a:chOff x="1451956" y="3115299"/>
+              <a:chExt cx="1876711" cy="100585"/>
             </a:xfrm>
           </p:grpSpPr>
           <p:sp>
             <p:nvSpPr>
-              <p:cNvPr id="25" name="Rectangle 24"/>
+              <p:cNvPr id="6" name="Oval 5"/>
               <p:cNvSpPr/>
               <p:nvPr/>
             </p:nvSpPr>
             <p:spPr>
               <a:xfrm>
-                <a:off x="2248575" y="2976338"/>
-                <a:ext cx="91440" cy="45719"/>
+                <a:off x="1451956" y="3115300"/>
+                <a:ext cx="100584" cy="100584"/>
               </a:xfrm>
-              <a:prstGeom prst="rect">
-                <a:avLst/>
-              </a:prstGeom>
-              <a:solidFill>
-                <a:srgbClr val="000064"/>
-              </a:solidFill>
-              <a:ln>
-                <a:noFill/>
-              </a:ln>
-            </p:spPr>
-            <p:style>
-              <a:lnRef idx="2">
-                <a:schemeClr val="accent1">
-                  <a:shade val="50000"/>
-                </a:schemeClr>
-              </a:lnRef>
-              <a:fillRef idx="1">
-                <a:schemeClr val="accent1"/>
-              </a:fillRef>
-              <a:effectRef idx="0">
-                <a:schemeClr val="accent1"/>
-              </a:effectRef>
-              <a:fontRef idx="minor">
-                <a:schemeClr val="lt1"/>
-              </a:fontRef>
-            </p:style>
-            <p:txBody>
-              <a:bodyPr rtlCol="0" anchor="ctr"/>
-              <a:lstStyle/>
-              <a:p>
-                <a:pPr algn="ctr"/>
-                <a:endParaRPr lang="en-US"/>
-              </a:p>
-            </p:txBody>
-          </p:sp>
-          <p:sp>
-            <p:nvSpPr>
-              <p:cNvPr id="26" name="Rectangle 25"/>
-              <p:cNvSpPr/>
-              <p:nvPr/>
-            </p:nvSpPr>
-            <p:spPr>
-              <a:xfrm>
-                <a:off x="2257719" y="2999197"/>
-                <a:ext cx="73152" cy="9144"/>
-              </a:xfrm>
-              <a:prstGeom prst="rect">
+              <a:prstGeom prst="ellipse">
                 <a:avLst/>
               </a:prstGeom>
               <a:solidFill>
@@ -5770,83 +6195,878 @@
               </a:p>
             </p:txBody>
           </p:sp>
+          <p:grpSp>
+            <p:nvGrpSpPr>
+              <p:cNvPr id="8" name="Group 7"/>
+              <p:cNvGrpSpPr/>
+              <p:nvPr/>
+            </p:nvGrpSpPr>
+            <p:grpSpPr>
+              <a:xfrm>
+                <a:off x="1494895" y="3115299"/>
+                <a:ext cx="1833772" cy="100585"/>
+                <a:chOff x="1494895" y="3115299"/>
+                <a:chExt cx="1833772" cy="100585"/>
+              </a:xfrm>
+            </p:grpSpPr>
+            <p:sp>
+              <p:nvSpPr>
+                <p:cNvPr id="11" name="Rectangle 10"/>
+                <p:cNvSpPr/>
+                <p:nvPr/>
+              </p:nvSpPr>
+              <p:spPr>
+                <a:xfrm>
+                  <a:off x="1494895" y="3115299"/>
+                  <a:ext cx="1703144" cy="99753"/>
+                </a:xfrm>
+                <a:prstGeom prst="rect">
+                  <a:avLst/>
+                </a:prstGeom>
+                <a:solidFill>
+                  <a:schemeClr val="bg1"/>
+                </a:solidFill>
+                <a:ln>
+                  <a:noFill/>
+                </a:ln>
+              </p:spPr>
+              <p:style>
+                <a:lnRef idx="2">
+                  <a:schemeClr val="accent1">
+                    <a:shade val="50000"/>
+                  </a:schemeClr>
+                </a:lnRef>
+                <a:fillRef idx="1">
+                  <a:schemeClr val="accent1"/>
+                </a:fillRef>
+                <a:effectRef idx="0">
+                  <a:schemeClr val="accent1"/>
+                </a:effectRef>
+                <a:fontRef idx="minor">
+                  <a:schemeClr val="lt1"/>
+                </a:fontRef>
+              </p:style>
+              <p:txBody>
+                <a:bodyPr rtlCol="0" anchor="ctr"/>
+                <a:lstStyle/>
+                <a:p>
+                  <a:pPr algn="ctr"/>
+                  <a:endParaRPr lang="en-US"/>
+                </a:p>
+              </p:txBody>
+            </p:sp>
+            <p:sp>
+              <p:nvSpPr>
+                <p:cNvPr id="13" name="Right Triangle 12"/>
+                <p:cNvSpPr/>
+                <p:nvPr/>
+              </p:nvSpPr>
+              <p:spPr>
+                <a:xfrm rot="10800000" flipH="1">
+                  <a:off x="3198038" y="3115300"/>
+                  <a:ext cx="130629" cy="100584"/>
+                </a:xfrm>
+                <a:prstGeom prst="rtTriangle">
+                  <a:avLst/>
+                </a:prstGeom>
+                <a:solidFill>
+                  <a:schemeClr val="bg1"/>
+                </a:solidFill>
+                <a:ln>
+                  <a:noFill/>
+                </a:ln>
+              </p:spPr>
+              <p:style>
+                <a:lnRef idx="2">
+                  <a:schemeClr val="accent1">
+                    <a:shade val="50000"/>
+                  </a:schemeClr>
+                </a:lnRef>
+                <a:fillRef idx="1">
+                  <a:schemeClr val="accent1"/>
+                </a:fillRef>
+                <a:effectRef idx="0">
+                  <a:schemeClr val="accent1"/>
+                </a:effectRef>
+                <a:fontRef idx="minor">
+                  <a:schemeClr val="lt1"/>
+                </a:fontRef>
+              </p:style>
+              <p:txBody>
+                <a:bodyPr rtlCol="0" anchor="ctr"/>
+                <a:lstStyle/>
+                <a:p>
+                  <a:pPr algn="ctr"/>
+                  <a:endParaRPr lang="en-US"/>
+                </a:p>
+              </p:txBody>
+            </p:sp>
+          </p:grpSp>
+          <p:grpSp>
+            <p:nvGrpSpPr>
+              <p:cNvPr id="10" name="Group 9"/>
+              <p:cNvGrpSpPr/>
+              <p:nvPr/>
+            </p:nvGrpSpPr>
+            <p:grpSpPr>
+              <a:xfrm>
+                <a:off x="1568447" y="3133588"/>
+                <a:ext cx="860515" cy="64008"/>
+                <a:chOff x="1568447" y="3133588"/>
+                <a:chExt cx="860515" cy="64008"/>
+              </a:xfrm>
+            </p:grpSpPr>
+            <p:grpSp>
+              <p:nvGrpSpPr>
+                <p:cNvPr id="46" name="Group 45"/>
+                <p:cNvGrpSpPr/>
+                <p:nvPr/>
+              </p:nvGrpSpPr>
+              <p:grpSpPr>
+                <a:xfrm>
+                  <a:off x="1568447" y="3133588"/>
+                  <a:ext cx="64008" cy="64008"/>
+                  <a:chOff x="1373545" y="2366488"/>
+                  <a:chExt cx="64008" cy="64008"/>
+                </a:xfrm>
+              </p:grpSpPr>
+              <p:sp>
+                <p:nvSpPr>
+                  <p:cNvPr id="9" name="Oval 8"/>
+                  <p:cNvSpPr/>
+                  <p:nvPr/>
+                </p:nvSpPr>
+                <p:spPr>
+                  <a:xfrm>
+                    <a:off x="1373545" y="2366488"/>
+                    <a:ext cx="64008" cy="64008"/>
+                  </a:xfrm>
+                  <a:prstGeom prst="ellipse">
+                    <a:avLst/>
+                  </a:prstGeom>
+                  <a:solidFill>
+                    <a:schemeClr val="tx1"/>
+                  </a:solidFill>
+                  <a:ln>
+                    <a:noFill/>
+                  </a:ln>
+                </p:spPr>
+                <p:style>
+                  <a:lnRef idx="2">
+                    <a:schemeClr val="accent1">
+                      <a:shade val="50000"/>
+                    </a:schemeClr>
+                  </a:lnRef>
+                  <a:fillRef idx="1">
+                    <a:schemeClr val="accent1"/>
+                  </a:fillRef>
+                  <a:effectRef idx="0">
+                    <a:schemeClr val="accent1"/>
+                  </a:effectRef>
+                  <a:fontRef idx="minor">
+                    <a:schemeClr val="lt1"/>
+                  </a:fontRef>
+                </p:style>
+                <p:txBody>
+                  <a:bodyPr rtlCol="0" anchor="ctr"/>
+                  <a:lstStyle/>
+                  <a:p>
+                    <a:pPr algn="ctr"/>
+                    <a:endParaRPr lang="en-US"/>
+                  </a:p>
+                </p:txBody>
+              </p:sp>
+              <p:sp>
+                <p:nvSpPr>
+                  <p:cNvPr id="24" name="Oval 23"/>
+                  <p:cNvSpPr/>
+                  <p:nvPr/>
+                </p:nvSpPr>
+                <p:spPr>
+                  <a:xfrm>
+                    <a:off x="1396405" y="2389348"/>
+                    <a:ext cx="18288" cy="18288"/>
+                  </a:xfrm>
+                  <a:prstGeom prst="ellipse">
+                    <a:avLst/>
+                  </a:prstGeom>
+                  <a:solidFill>
+                    <a:schemeClr val="bg1"/>
+                  </a:solidFill>
+                  <a:ln>
+                    <a:noFill/>
+                  </a:ln>
+                </p:spPr>
+                <p:style>
+                  <a:lnRef idx="2">
+                    <a:schemeClr val="accent1">
+                      <a:shade val="50000"/>
+                    </a:schemeClr>
+                  </a:lnRef>
+                  <a:fillRef idx="1">
+                    <a:schemeClr val="accent1"/>
+                  </a:fillRef>
+                  <a:effectRef idx="0">
+                    <a:schemeClr val="accent1"/>
+                  </a:effectRef>
+                  <a:fontRef idx="minor">
+                    <a:schemeClr val="lt1"/>
+                  </a:fontRef>
+                </p:style>
+                <p:txBody>
+                  <a:bodyPr rtlCol="0" anchor="ctr"/>
+                  <a:lstStyle/>
+                  <a:p>
+                    <a:pPr algn="ctr"/>
+                    <a:endParaRPr lang="en-US"/>
+                  </a:p>
+                </p:txBody>
+              </p:sp>
+            </p:grpSp>
+            <p:grpSp>
+              <p:nvGrpSpPr>
+                <p:cNvPr id="36" name="Group 35"/>
+                <p:cNvGrpSpPr/>
+                <p:nvPr/>
+              </p:nvGrpSpPr>
+              <p:grpSpPr>
+                <a:xfrm>
+                  <a:off x="2198171" y="3142731"/>
+                  <a:ext cx="91440" cy="45719"/>
+                  <a:chOff x="2248575" y="2976338"/>
+                  <a:chExt cx="91440" cy="45719"/>
+                </a:xfrm>
+              </p:grpSpPr>
+              <p:sp>
+                <p:nvSpPr>
+                  <p:cNvPr id="25" name="Rectangle 24"/>
+                  <p:cNvSpPr/>
+                  <p:nvPr/>
+                </p:nvSpPr>
+                <p:spPr>
+                  <a:xfrm>
+                    <a:off x="2248575" y="2976338"/>
+                    <a:ext cx="91440" cy="45719"/>
+                  </a:xfrm>
+                  <a:prstGeom prst="rect">
+                    <a:avLst/>
+                  </a:prstGeom>
+                  <a:solidFill>
+                    <a:schemeClr val="tx1"/>
+                  </a:solidFill>
+                  <a:ln>
+                    <a:noFill/>
+                  </a:ln>
+                </p:spPr>
+                <p:style>
+                  <a:lnRef idx="2">
+                    <a:schemeClr val="accent1">
+                      <a:shade val="50000"/>
+                    </a:schemeClr>
+                  </a:lnRef>
+                  <a:fillRef idx="1">
+                    <a:schemeClr val="accent1"/>
+                  </a:fillRef>
+                  <a:effectRef idx="0">
+                    <a:schemeClr val="accent1"/>
+                  </a:effectRef>
+                  <a:fontRef idx="minor">
+                    <a:schemeClr val="lt1"/>
+                  </a:fontRef>
+                </p:style>
+                <p:txBody>
+                  <a:bodyPr rtlCol="0" anchor="ctr"/>
+                  <a:lstStyle/>
+                  <a:p>
+                    <a:pPr algn="ctr"/>
+                    <a:endParaRPr lang="en-US"/>
+                  </a:p>
+                </p:txBody>
+              </p:sp>
+              <p:sp>
+                <p:nvSpPr>
+                  <p:cNvPr id="26" name="Rectangle 25"/>
+                  <p:cNvSpPr/>
+                  <p:nvPr/>
+                </p:nvSpPr>
+                <p:spPr>
+                  <a:xfrm>
+                    <a:off x="2257719" y="2999197"/>
+                    <a:ext cx="73152" cy="9144"/>
+                  </a:xfrm>
+                  <a:prstGeom prst="rect">
+                    <a:avLst/>
+                  </a:prstGeom>
+                  <a:solidFill>
+                    <a:schemeClr val="bg1"/>
+                  </a:solidFill>
+                  <a:ln>
+                    <a:noFill/>
+                  </a:ln>
+                </p:spPr>
+                <p:style>
+                  <a:lnRef idx="2">
+                    <a:schemeClr val="accent1">
+                      <a:shade val="50000"/>
+                    </a:schemeClr>
+                  </a:lnRef>
+                  <a:fillRef idx="1">
+                    <a:schemeClr val="accent1"/>
+                  </a:fillRef>
+                  <a:effectRef idx="0">
+                    <a:schemeClr val="accent1"/>
+                  </a:effectRef>
+                  <a:fontRef idx="minor">
+                    <a:schemeClr val="lt1"/>
+                  </a:fontRef>
+                </p:style>
+                <p:txBody>
+                  <a:bodyPr rtlCol="0" anchor="ctr"/>
+                  <a:lstStyle/>
+                  <a:p>
+                    <a:pPr algn="ctr"/>
+                    <a:endParaRPr lang="en-US"/>
+                  </a:p>
+                </p:txBody>
+              </p:sp>
+            </p:grpSp>
+            <p:grpSp>
+              <p:nvGrpSpPr>
+                <p:cNvPr id="45" name="Group 44"/>
+                <p:cNvGrpSpPr/>
+                <p:nvPr/>
+              </p:nvGrpSpPr>
+              <p:grpSpPr>
+                <a:xfrm>
+                  <a:off x="1895250" y="3142732"/>
+                  <a:ext cx="118872" cy="45720"/>
+                  <a:chOff x="1945705" y="2972362"/>
+                  <a:chExt cx="118872" cy="45720"/>
+                </a:xfrm>
+              </p:grpSpPr>
+              <p:sp>
+                <p:nvSpPr>
+                  <p:cNvPr id="32" name="Snip Same Side Corner Rectangle 31"/>
+                  <p:cNvSpPr/>
+                  <p:nvPr/>
+                </p:nvSpPr>
+                <p:spPr>
+                  <a:xfrm flipV="1">
+                    <a:off x="1945705" y="2972362"/>
+                    <a:ext cx="118872" cy="45720"/>
+                  </a:xfrm>
+                  <a:prstGeom prst="snip2SameRect">
+                    <a:avLst>
+                      <a:gd name="adj1" fmla="val 41844"/>
+                      <a:gd name="adj2" fmla="val 0"/>
+                    </a:avLst>
+                  </a:prstGeom>
+                  <a:solidFill>
+                    <a:schemeClr val="tx1"/>
+                  </a:solidFill>
+                  <a:ln>
+                    <a:noFill/>
+                  </a:ln>
+                </p:spPr>
+                <p:style>
+                  <a:lnRef idx="2">
+                    <a:schemeClr val="accent1">
+                      <a:shade val="50000"/>
+                    </a:schemeClr>
+                  </a:lnRef>
+                  <a:fillRef idx="1">
+                    <a:schemeClr val="accent1"/>
+                  </a:fillRef>
+                  <a:effectRef idx="0">
+                    <a:schemeClr val="accent1"/>
+                  </a:effectRef>
+                  <a:fontRef idx="minor">
+                    <a:schemeClr val="lt1"/>
+                  </a:fontRef>
+                </p:style>
+                <p:txBody>
+                  <a:bodyPr rtlCol="0" anchor="ctr"/>
+                  <a:lstStyle/>
+                  <a:p>
+                    <a:pPr algn="ctr"/>
+                    <a:endParaRPr lang="en-US"/>
+                  </a:p>
+                </p:txBody>
+              </p:sp>
+              <p:sp>
+                <p:nvSpPr>
+                  <p:cNvPr id="44" name="Rectangle 43"/>
+                  <p:cNvSpPr/>
+                  <p:nvPr/>
+                </p:nvSpPr>
+                <p:spPr>
+                  <a:xfrm>
+                    <a:off x="1959421" y="2990650"/>
+                    <a:ext cx="91440" cy="9144"/>
+                  </a:xfrm>
+                  <a:prstGeom prst="rect">
+                    <a:avLst/>
+                  </a:prstGeom>
+                  <a:solidFill>
+                    <a:schemeClr val="bg1"/>
+                  </a:solidFill>
+                  <a:ln>
+                    <a:noFill/>
+                  </a:ln>
+                </p:spPr>
+                <p:style>
+                  <a:lnRef idx="2">
+                    <a:schemeClr val="accent1">
+                      <a:shade val="50000"/>
+                    </a:schemeClr>
+                  </a:lnRef>
+                  <a:fillRef idx="1">
+                    <a:schemeClr val="accent1"/>
+                  </a:fillRef>
+                  <a:effectRef idx="0">
+                    <a:schemeClr val="accent1"/>
+                  </a:effectRef>
+                  <a:fontRef idx="minor">
+                    <a:schemeClr val="lt1"/>
+                  </a:fontRef>
+                </p:style>
+                <p:txBody>
+                  <a:bodyPr rtlCol="0" anchor="ctr"/>
+                  <a:lstStyle/>
+                  <a:p>
+                    <a:pPr algn="ctr"/>
+                    <a:endParaRPr lang="en-US"/>
+                  </a:p>
+                </p:txBody>
+              </p:sp>
+            </p:grpSp>
+            <p:grpSp>
+              <p:nvGrpSpPr>
+                <p:cNvPr id="56" name="Group 55"/>
+                <p:cNvGrpSpPr/>
+                <p:nvPr/>
+              </p:nvGrpSpPr>
+              <p:grpSpPr>
+                <a:xfrm>
+                  <a:off x="2337522" y="3142730"/>
+                  <a:ext cx="91440" cy="45719"/>
+                  <a:chOff x="2248575" y="2976338"/>
+                  <a:chExt cx="91440" cy="45719"/>
+                </a:xfrm>
+              </p:grpSpPr>
+              <p:sp>
+                <p:nvSpPr>
+                  <p:cNvPr id="57" name="Rectangle 56"/>
+                  <p:cNvSpPr/>
+                  <p:nvPr/>
+                </p:nvSpPr>
+                <p:spPr>
+                  <a:xfrm>
+                    <a:off x="2248575" y="2976338"/>
+                    <a:ext cx="91440" cy="45719"/>
+                  </a:xfrm>
+                  <a:prstGeom prst="rect">
+                    <a:avLst/>
+                  </a:prstGeom>
+                  <a:solidFill>
+                    <a:schemeClr val="tx1"/>
+                  </a:solidFill>
+                  <a:ln>
+                    <a:noFill/>
+                  </a:ln>
+                </p:spPr>
+                <p:style>
+                  <a:lnRef idx="2">
+                    <a:schemeClr val="accent1">
+                      <a:shade val="50000"/>
+                    </a:schemeClr>
+                  </a:lnRef>
+                  <a:fillRef idx="1">
+                    <a:schemeClr val="accent1"/>
+                  </a:fillRef>
+                  <a:effectRef idx="0">
+                    <a:schemeClr val="accent1"/>
+                  </a:effectRef>
+                  <a:fontRef idx="minor">
+                    <a:schemeClr val="lt1"/>
+                  </a:fontRef>
+                </p:style>
+                <p:txBody>
+                  <a:bodyPr rtlCol="0" anchor="ctr"/>
+                  <a:lstStyle/>
+                  <a:p>
+                    <a:pPr algn="ctr"/>
+                    <a:endParaRPr lang="en-US"/>
+                  </a:p>
+                </p:txBody>
+              </p:sp>
+              <p:sp>
+                <p:nvSpPr>
+                  <p:cNvPr id="58" name="Rectangle 57"/>
+                  <p:cNvSpPr/>
+                  <p:nvPr/>
+                </p:nvSpPr>
+                <p:spPr>
+                  <a:xfrm>
+                    <a:off x="2257719" y="2999197"/>
+                    <a:ext cx="73152" cy="9144"/>
+                  </a:xfrm>
+                  <a:prstGeom prst="rect">
+                    <a:avLst/>
+                  </a:prstGeom>
+                  <a:solidFill>
+                    <a:schemeClr val="bg1"/>
+                  </a:solidFill>
+                  <a:ln>
+                    <a:noFill/>
+                  </a:ln>
+                </p:spPr>
+                <p:style>
+                  <a:lnRef idx="2">
+                    <a:schemeClr val="accent1">
+                      <a:shade val="50000"/>
+                    </a:schemeClr>
+                  </a:lnRef>
+                  <a:fillRef idx="1">
+                    <a:schemeClr val="accent1"/>
+                  </a:fillRef>
+                  <a:effectRef idx="0">
+                    <a:schemeClr val="accent1"/>
+                  </a:effectRef>
+                  <a:fontRef idx="minor">
+                    <a:schemeClr val="lt1"/>
+                  </a:fontRef>
+                </p:style>
+                <p:txBody>
+                  <a:bodyPr rtlCol="0" anchor="ctr"/>
+                  <a:lstStyle/>
+                  <a:p>
+                    <a:pPr algn="ctr"/>
+                    <a:endParaRPr lang="en-US"/>
+                  </a:p>
+                </p:txBody>
+              </p:sp>
+            </p:grpSp>
+            <p:grpSp>
+              <p:nvGrpSpPr>
+                <p:cNvPr id="59" name="Group 58"/>
+                <p:cNvGrpSpPr/>
+                <p:nvPr/>
+              </p:nvGrpSpPr>
+              <p:grpSpPr>
+                <a:xfrm>
+                  <a:off x="2064393" y="3142730"/>
+                  <a:ext cx="91440" cy="45719"/>
+                  <a:chOff x="2248575" y="2976338"/>
+                  <a:chExt cx="91440" cy="45719"/>
+                </a:xfrm>
+              </p:grpSpPr>
+              <p:sp>
+                <p:nvSpPr>
+                  <p:cNvPr id="60" name="Rectangle 59"/>
+                  <p:cNvSpPr/>
+                  <p:nvPr/>
+                </p:nvSpPr>
+                <p:spPr>
+                  <a:xfrm>
+                    <a:off x="2248575" y="2976338"/>
+                    <a:ext cx="91440" cy="45719"/>
+                  </a:xfrm>
+                  <a:prstGeom prst="rect">
+                    <a:avLst/>
+                  </a:prstGeom>
+                  <a:solidFill>
+                    <a:schemeClr val="tx1"/>
+                  </a:solidFill>
+                  <a:ln>
+                    <a:noFill/>
+                  </a:ln>
+                </p:spPr>
+                <p:style>
+                  <a:lnRef idx="2">
+                    <a:schemeClr val="accent1">
+                      <a:shade val="50000"/>
+                    </a:schemeClr>
+                  </a:lnRef>
+                  <a:fillRef idx="1">
+                    <a:schemeClr val="accent1"/>
+                  </a:fillRef>
+                  <a:effectRef idx="0">
+                    <a:schemeClr val="accent1"/>
+                  </a:effectRef>
+                  <a:fontRef idx="minor">
+                    <a:schemeClr val="lt1"/>
+                  </a:fontRef>
+                </p:style>
+                <p:txBody>
+                  <a:bodyPr rtlCol="0" anchor="ctr"/>
+                  <a:lstStyle/>
+                  <a:p>
+                    <a:pPr algn="ctr"/>
+                    <a:endParaRPr lang="en-US"/>
+                  </a:p>
+                </p:txBody>
+              </p:sp>
+              <p:sp>
+                <p:nvSpPr>
+                  <p:cNvPr id="61" name="Rectangle 60"/>
+                  <p:cNvSpPr/>
+                  <p:nvPr/>
+                </p:nvSpPr>
+                <p:spPr>
+                  <a:xfrm>
+                    <a:off x="2257719" y="2999197"/>
+                    <a:ext cx="73152" cy="9144"/>
+                  </a:xfrm>
+                  <a:prstGeom prst="rect">
+                    <a:avLst/>
+                  </a:prstGeom>
+                  <a:solidFill>
+                    <a:schemeClr val="bg1"/>
+                  </a:solidFill>
+                  <a:ln>
+                    <a:noFill/>
+                  </a:ln>
+                </p:spPr>
+                <p:style>
+                  <a:lnRef idx="2">
+                    <a:schemeClr val="accent1">
+                      <a:shade val="50000"/>
+                    </a:schemeClr>
+                  </a:lnRef>
+                  <a:fillRef idx="1">
+                    <a:schemeClr val="accent1"/>
+                  </a:fillRef>
+                  <a:effectRef idx="0">
+                    <a:schemeClr val="accent1"/>
+                  </a:effectRef>
+                  <a:fontRef idx="minor">
+                    <a:schemeClr val="lt1"/>
+                  </a:fontRef>
+                </p:style>
+                <p:txBody>
+                  <a:bodyPr rtlCol="0" anchor="ctr"/>
+                  <a:lstStyle/>
+                  <a:p>
+                    <a:pPr algn="ctr"/>
+                    <a:endParaRPr lang="en-US"/>
+                  </a:p>
+                </p:txBody>
+              </p:sp>
+            </p:grpSp>
+          </p:grpSp>
         </p:grpSp>
+      </p:grpSp>
+    </p:spTree>
+    <p:extLst>
+      <p:ext uri="{BB962C8B-B14F-4D97-AF65-F5344CB8AC3E}">
+        <p14:creationId xmlns:p14="http://schemas.microsoft.com/office/powerpoint/2010/main" val="2274529631"/>
+      </p:ext>
+    </p:extLst>
+  </p:cSld>
+  <p:clrMapOvr>
+    <a:masterClrMapping/>
+  </p:clrMapOvr>
+</p:sld>
+</file>
+
+<file path=ppt/slides/slide6.xml><?xml version="1.0" encoding="utf-8"?>
+<p:sld xmlns:a="http://schemas.openxmlformats.org/drawingml/2006/main" xmlns:r="http://schemas.openxmlformats.org/officeDocument/2006/relationships" xmlns:p="http://schemas.openxmlformats.org/presentationml/2006/main">
+  <p:cSld>
+    <p:spTree>
+      <p:nvGrpSpPr>
+        <p:cNvPr id="1" name=""/>
+        <p:cNvGrpSpPr/>
+        <p:nvPr/>
+      </p:nvGrpSpPr>
+      <p:grpSpPr>
+        <a:xfrm>
+          <a:off x="0" y="0"/>
+          <a:ext cx="0" cy="0"/>
+          <a:chOff x="0" y="0"/>
+          <a:chExt cx="0" cy="0"/>
+        </a:xfrm>
+      </p:grpSpPr>
+      <p:sp>
+        <p:nvSpPr>
+          <p:cNvPr id="8" name="Rectangle 7"/>
+          <p:cNvSpPr/>
+          <p:nvPr/>
+        </p:nvSpPr>
+        <p:spPr>
+          <a:xfrm>
+            <a:off x="0" y="0"/>
+            <a:ext cx="4572000" cy="4572000"/>
+          </a:xfrm>
+          <a:prstGeom prst="rect">
+            <a:avLst/>
+          </a:prstGeom>
+          <a:noFill/>
+          <a:ln>
+            <a:noFill/>
+          </a:ln>
+        </p:spPr>
+        <p:style>
+          <a:lnRef idx="2">
+            <a:schemeClr val="accent1">
+              <a:shade val="50000"/>
+            </a:schemeClr>
+          </a:lnRef>
+          <a:fillRef idx="1">
+            <a:schemeClr val="accent1"/>
+          </a:fillRef>
+          <a:effectRef idx="0">
+            <a:schemeClr val="accent1"/>
+          </a:effectRef>
+          <a:fontRef idx="minor">
+            <a:schemeClr val="lt1"/>
+          </a:fontRef>
+        </p:style>
+        <p:txBody>
+          <a:bodyPr rtlCol="0" anchor="ctr"/>
+          <a:lstStyle/>
+          <a:p>
+            <a:pPr algn="ctr"/>
+            <a:endParaRPr lang="en-US"/>
+          </a:p>
+        </p:txBody>
+      </p:sp>
+      <p:grpSp>
+        <p:nvGrpSpPr>
+          <p:cNvPr id="18" name="Group 17"/>
+          <p:cNvGrpSpPr/>
+          <p:nvPr/>
+        </p:nvGrpSpPr>
+        <p:grpSpPr>
+          <a:xfrm>
+            <a:off x="1485900" y="785814"/>
+            <a:ext cx="1600200" cy="3000371"/>
+            <a:chOff x="6057900" y="2918461"/>
+            <a:chExt cx="1600200" cy="3000371"/>
+          </a:xfrm>
+        </p:grpSpPr>
+        <p:sp>
+          <p:nvSpPr>
+            <p:cNvPr id="10" name="Rectangle 9"/>
+            <p:cNvSpPr/>
+            <p:nvPr/>
+          </p:nvSpPr>
+          <p:spPr>
+            <a:xfrm>
+              <a:off x="7543800" y="3169919"/>
+              <a:ext cx="114300" cy="2514600"/>
+            </a:xfrm>
+            <a:prstGeom prst="rect">
+              <a:avLst/>
+            </a:prstGeom>
+            <a:solidFill>
+              <a:schemeClr val="bg1"/>
+            </a:solidFill>
+            <a:ln>
+              <a:noFill/>
+            </a:ln>
+          </p:spPr>
+          <p:style>
+            <a:lnRef idx="2">
+              <a:schemeClr val="accent1">
+                <a:shade val="50000"/>
+              </a:schemeClr>
+            </a:lnRef>
+            <a:fillRef idx="1">
+              <a:schemeClr val="accent1"/>
+            </a:fillRef>
+            <a:effectRef idx="0">
+              <a:schemeClr val="accent1"/>
+            </a:effectRef>
+            <a:fontRef idx="minor">
+              <a:schemeClr val="lt1"/>
+            </a:fontRef>
+          </p:style>
+          <p:txBody>
+            <a:bodyPr rtlCol="0" anchor="ctr"/>
+            <a:lstStyle/>
+            <a:p>
+              <a:pPr algn="ctr"/>
+              <a:endParaRPr lang="en-US"/>
+            </a:p>
+          </p:txBody>
+        </p:sp>
+        <p:sp>
+          <p:nvSpPr>
+            <p:cNvPr id="11" name="Rectangle 10"/>
+            <p:cNvSpPr/>
+            <p:nvPr/>
+          </p:nvSpPr>
+          <p:spPr>
+            <a:xfrm>
+              <a:off x="6057900" y="3169919"/>
+              <a:ext cx="114300" cy="2514600"/>
+            </a:xfrm>
+            <a:prstGeom prst="rect">
+              <a:avLst/>
+            </a:prstGeom>
+            <a:solidFill>
+              <a:schemeClr val="bg1"/>
+            </a:solidFill>
+            <a:ln>
+              <a:noFill/>
+            </a:ln>
+          </p:spPr>
+          <p:style>
+            <a:lnRef idx="2">
+              <a:schemeClr val="accent1">
+                <a:shade val="50000"/>
+              </a:schemeClr>
+            </a:lnRef>
+            <a:fillRef idx="1">
+              <a:schemeClr val="accent1"/>
+            </a:fillRef>
+            <a:effectRef idx="0">
+              <a:schemeClr val="accent1"/>
+            </a:effectRef>
+            <a:fontRef idx="minor">
+              <a:schemeClr val="lt1"/>
+            </a:fontRef>
+          </p:style>
+          <p:txBody>
+            <a:bodyPr rtlCol="0" anchor="ctr"/>
+            <a:lstStyle/>
+            <a:p>
+              <a:pPr algn="ctr"/>
+              <a:endParaRPr lang="en-US"/>
+            </a:p>
+          </p:txBody>
+        </p:sp>
         <p:grpSp>
           <p:nvGrpSpPr>
-            <p:cNvPr id="45" name="Group 44"/>
+            <p:cNvPr id="17" name="Group 16"/>
             <p:cNvGrpSpPr/>
             <p:nvPr/>
           </p:nvGrpSpPr>
           <p:grpSpPr>
             <a:xfrm>
-              <a:off x="1996869" y="2980910"/>
-              <a:ext cx="118872" cy="45720"/>
-              <a:chOff x="1945705" y="2972362"/>
-              <a:chExt cx="118872" cy="45720"/>
+              <a:off x="6057900" y="5678803"/>
+              <a:ext cx="1600200" cy="240029"/>
+              <a:chOff x="6057900" y="5678803"/>
+              <a:chExt cx="1600200" cy="240029"/>
             </a:xfrm>
           </p:grpSpPr>
           <p:sp>
             <p:nvSpPr>
-              <p:cNvPr id="32" name="Snip Same Side Corner Rectangle 31"/>
+              <p:cNvPr id="9" name="Round Same Side Corner Rectangle 8"/>
               <p:cNvSpPr/>
               <p:nvPr/>
             </p:nvSpPr>
             <p:spPr>
               <a:xfrm flipV="1">
-                <a:off x="1945705" y="2972362"/>
-                <a:ext cx="118872" cy="45720"/>
+                <a:off x="6057900" y="5678803"/>
+                <a:ext cx="1600200" cy="240029"/>
               </a:xfrm>
-              <a:prstGeom prst="snip2SameRect">
+              <a:prstGeom prst="round2SameRect">
                 <a:avLst>
-                  <a:gd name="adj1" fmla="val 41844"/>
+                  <a:gd name="adj1" fmla="val 35417"/>
                   <a:gd name="adj2" fmla="val 0"/>
                 </a:avLst>
-              </a:prstGeom>
-              <a:solidFill>
-                <a:srgbClr val="000064"/>
-              </a:solidFill>
-              <a:ln>
-                <a:noFill/>
-              </a:ln>
-            </p:spPr>
-            <p:style>
-              <a:lnRef idx="2">
-                <a:schemeClr val="accent1">
-                  <a:shade val="50000"/>
-                </a:schemeClr>
-              </a:lnRef>
-              <a:fillRef idx="1">
-                <a:schemeClr val="accent1"/>
-              </a:fillRef>
-              <a:effectRef idx="0">
-                <a:schemeClr val="accent1"/>
-              </a:effectRef>
-              <a:fontRef idx="minor">
-                <a:schemeClr val="lt1"/>
-              </a:fontRef>
-            </p:style>
-            <p:txBody>
-              <a:bodyPr rtlCol="0" anchor="ctr"/>
-              <a:lstStyle/>
-              <a:p>
-                <a:pPr algn="ctr"/>
-                <a:endParaRPr lang="en-US"/>
-              </a:p>
-            </p:txBody>
-          </p:sp>
-          <p:sp>
-            <p:nvSpPr>
-              <p:cNvPr id="44" name="Rectangle 43"/>
-              <p:cNvSpPr/>
-              <p:nvPr/>
-            </p:nvSpPr>
-            <p:spPr>
-              <a:xfrm>
-                <a:off x="1959421" y="2990650"/>
-                <a:ext cx="91440" cy="9144"/>
-              </a:xfrm>
-              <a:prstGeom prst="rect">
-                <a:avLst/>
               </a:prstGeom>
               <a:solidFill>
                 <a:schemeClr val="bg1"/>
@@ -5880,37 +7100,22 @@
               </a:p>
             </p:txBody>
           </p:sp>
-        </p:grpSp>
-        <p:grpSp>
-          <p:nvGrpSpPr>
-            <p:cNvPr id="56" name="Group 55"/>
-            <p:cNvGrpSpPr/>
-            <p:nvPr/>
-          </p:nvGrpSpPr>
-          <p:grpSpPr>
-            <a:xfrm>
-              <a:off x="2439141" y="2980908"/>
-              <a:ext cx="91440" cy="45719"/>
-              <a:chOff x="2248575" y="2976338"/>
-              <a:chExt cx="91440" cy="45719"/>
-            </a:xfrm>
-          </p:grpSpPr>
           <p:sp>
             <p:nvSpPr>
-              <p:cNvPr id="57" name="Rectangle 56"/>
+              <p:cNvPr id="12" name="Rounded Rectangle 11"/>
               <p:cNvSpPr/>
               <p:nvPr/>
             </p:nvSpPr>
             <p:spPr>
               <a:xfrm>
-                <a:off x="2248575" y="2976338"/>
-                <a:ext cx="91440" cy="45719"/>
+                <a:off x="6743700" y="5730237"/>
+                <a:ext cx="228600" cy="137160"/>
               </a:xfrm>
-              <a:prstGeom prst="rect">
+              <a:prstGeom prst="roundRect">
                 <a:avLst/>
               </a:prstGeom>
               <a:solidFill>
-                <a:srgbClr val="000064"/>
+                <a:schemeClr val="tx1"/>
               </a:solidFill>
               <a:ln>
                 <a:noFill/>
@@ -5941,19 +7146,37 @@
               </a:p>
             </p:txBody>
           </p:sp>
+        </p:grpSp>
+        <p:grpSp>
+          <p:nvGrpSpPr>
+            <p:cNvPr id="16" name="Group 15"/>
+            <p:cNvGrpSpPr/>
+            <p:nvPr/>
+          </p:nvGrpSpPr>
+          <p:grpSpPr>
+            <a:xfrm>
+              <a:off x="6057900" y="2918461"/>
+              <a:ext cx="1600200" cy="251458"/>
+              <a:chOff x="6057900" y="2918461"/>
+              <a:chExt cx="1600200" cy="251458"/>
+            </a:xfrm>
+          </p:grpSpPr>
           <p:sp>
             <p:nvSpPr>
-              <p:cNvPr id="58" name="Rectangle 57"/>
+              <p:cNvPr id="4" name="Round Same Side Corner Rectangle 3"/>
               <p:cNvSpPr/>
               <p:nvPr/>
             </p:nvSpPr>
             <p:spPr>
               <a:xfrm>
-                <a:off x="2257719" y="2999197"/>
-                <a:ext cx="73152" cy="9144"/>
+                <a:off x="6057900" y="2918461"/>
+                <a:ext cx="1600200" cy="251458"/>
               </a:xfrm>
-              <a:prstGeom prst="rect">
-                <a:avLst/>
+              <a:prstGeom prst="round2SameRect">
+                <a:avLst>
+                  <a:gd name="adj1" fmla="val 35417"/>
+                  <a:gd name="adj2" fmla="val 0"/>
+                </a:avLst>
               </a:prstGeom>
               <a:solidFill>
                 <a:schemeClr val="bg1"/>
@@ -5987,37 +7210,24 @@
               </a:p>
             </p:txBody>
           </p:sp>
-        </p:grpSp>
-        <p:grpSp>
-          <p:nvGrpSpPr>
-            <p:cNvPr id="59" name="Group 58"/>
-            <p:cNvGrpSpPr/>
-            <p:nvPr/>
-          </p:nvGrpSpPr>
-          <p:grpSpPr>
-            <a:xfrm>
-              <a:off x="2166012" y="2980908"/>
-              <a:ext cx="91440" cy="45719"/>
-              <a:chOff x="2248575" y="2976338"/>
-              <a:chExt cx="91440" cy="45719"/>
-            </a:xfrm>
-          </p:grpSpPr>
           <p:sp>
             <p:nvSpPr>
-              <p:cNvPr id="60" name="Rectangle 59"/>
+              <p:cNvPr id="13" name="Rounded Rectangle 12"/>
               <p:cNvSpPr/>
               <p:nvPr/>
             </p:nvSpPr>
             <p:spPr>
               <a:xfrm>
-                <a:off x="2248575" y="2976338"/>
-                <a:ext cx="91440" cy="45719"/>
+                <a:off x="6789420" y="3021330"/>
+                <a:ext cx="137160" cy="45719"/>
               </a:xfrm>
-              <a:prstGeom prst="rect">
-                <a:avLst/>
+              <a:prstGeom prst="roundRect">
+                <a:avLst>
+                  <a:gd name="adj" fmla="val 38584"/>
+                </a:avLst>
               </a:prstGeom>
               <a:solidFill>
-                <a:srgbClr val="000064"/>
+                <a:schemeClr val="tx1"/>
               </a:solidFill>
               <a:ln>
                 <a:noFill/>
@@ -6050,20 +7260,20 @@
           </p:sp>
           <p:sp>
             <p:nvSpPr>
-              <p:cNvPr id="61" name="Rectangle 60"/>
+              <p:cNvPr id="14" name="Oval 13"/>
               <p:cNvSpPr/>
               <p:nvPr/>
             </p:nvSpPr>
             <p:spPr>
               <a:xfrm>
-                <a:off x="2257719" y="2999197"/>
-                <a:ext cx="73152" cy="9144"/>
+                <a:off x="6972300" y="2998469"/>
+                <a:ext cx="91440" cy="91440"/>
               </a:xfrm>
-              <a:prstGeom prst="rect">
+              <a:prstGeom prst="ellipse">
                 <a:avLst/>
               </a:prstGeom>
               <a:solidFill>
-                <a:schemeClr val="bg1"/>
+                <a:schemeClr val="tx1"/>
               </a:solidFill>
               <a:ln>
                 <a:noFill/>
@@ -6096,322 +7306,6 @@
           </p:sp>
         </p:grpSp>
       </p:grpSp>
-    </p:spTree>
-    <p:extLst>
-      <p:ext uri="{BB962C8B-B14F-4D97-AF65-F5344CB8AC3E}">
-        <p14:creationId xmlns:p14="http://schemas.microsoft.com/office/powerpoint/2010/main" val="2274529631"/>
-      </p:ext>
-    </p:extLst>
-  </p:cSld>
-  <p:clrMapOvr>
-    <a:masterClrMapping/>
-  </p:clrMapOvr>
-</p:sld>
-</file>
-
-<file path=ppt/slides/slide6.xml><?xml version="1.0" encoding="utf-8"?>
-<p:sld xmlns:a="http://schemas.openxmlformats.org/drawingml/2006/main" xmlns:r="http://schemas.openxmlformats.org/officeDocument/2006/relationships" xmlns:p="http://schemas.openxmlformats.org/presentationml/2006/main">
-  <p:cSld>
-    <p:spTree>
-      <p:nvGrpSpPr>
-        <p:cNvPr id="1" name=""/>
-        <p:cNvGrpSpPr/>
-        <p:nvPr/>
-      </p:nvGrpSpPr>
-      <p:grpSpPr>
-        <a:xfrm>
-          <a:off x="0" y="0"/>
-          <a:ext cx="0" cy="0"/>
-          <a:chOff x="0" y="0"/>
-          <a:chExt cx="0" cy="0"/>
-        </a:xfrm>
-      </p:grpSpPr>
-      <p:sp>
-        <p:nvSpPr>
-          <p:cNvPr id="8" name="Rectangle 7"/>
-          <p:cNvSpPr/>
-          <p:nvPr/>
-        </p:nvSpPr>
-        <p:spPr>
-          <a:xfrm>
-            <a:off x="0" y="0"/>
-            <a:ext cx="4572000" cy="4572000"/>
-          </a:xfrm>
-          <a:prstGeom prst="rect">
-            <a:avLst/>
-          </a:prstGeom>
-          <a:solidFill>
-            <a:srgbClr val="000064"/>
-          </a:solidFill>
-          <a:ln>
-            <a:solidFill>
-              <a:srgbClr val="000064"/>
-            </a:solidFill>
-          </a:ln>
-        </p:spPr>
-        <p:style>
-          <a:lnRef idx="2">
-            <a:schemeClr val="accent1">
-              <a:shade val="50000"/>
-            </a:schemeClr>
-          </a:lnRef>
-          <a:fillRef idx="1">
-            <a:schemeClr val="accent1"/>
-          </a:fillRef>
-          <a:effectRef idx="0">
-            <a:schemeClr val="accent1"/>
-          </a:effectRef>
-          <a:fontRef idx="minor">
-            <a:schemeClr val="lt1"/>
-          </a:fontRef>
-        </p:style>
-        <p:txBody>
-          <a:bodyPr rtlCol="0" anchor="ctr"/>
-          <a:lstStyle/>
-          <a:p>
-            <a:pPr algn="ctr"/>
-            <a:endParaRPr lang="en-US"/>
-          </a:p>
-        </p:txBody>
-      </p:sp>
-      <p:sp>
-        <p:nvSpPr>
-          <p:cNvPr id="2" name="Rounded Rectangle 1"/>
-          <p:cNvSpPr/>
-          <p:nvPr/>
-        </p:nvSpPr>
-        <p:spPr>
-          <a:xfrm>
-            <a:off x="1485900" y="800100"/>
-            <a:ext cx="1600200" cy="2971800"/>
-          </a:xfrm>
-          <a:prstGeom prst="roundRect">
-            <a:avLst>
-              <a:gd name="adj" fmla="val 4312"/>
-            </a:avLst>
-          </a:prstGeom>
-          <a:solidFill>
-            <a:schemeClr val="bg1"/>
-          </a:solidFill>
-          <a:ln>
-            <a:solidFill>
-              <a:srgbClr val="000064"/>
-            </a:solidFill>
-          </a:ln>
-        </p:spPr>
-        <p:style>
-          <a:lnRef idx="2">
-            <a:schemeClr val="accent1">
-              <a:shade val="50000"/>
-            </a:schemeClr>
-          </a:lnRef>
-          <a:fillRef idx="1">
-            <a:schemeClr val="accent1"/>
-          </a:fillRef>
-          <a:effectRef idx="0">
-            <a:schemeClr val="accent1"/>
-          </a:effectRef>
-          <a:fontRef idx="minor">
-            <a:schemeClr val="lt1"/>
-          </a:fontRef>
-        </p:style>
-        <p:txBody>
-          <a:bodyPr rtlCol="0" anchor="ctr"/>
-          <a:lstStyle/>
-          <a:p>
-            <a:pPr algn="ctr"/>
-            <a:endParaRPr lang="en-US"/>
-          </a:p>
-        </p:txBody>
-      </p:sp>
-      <p:sp>
-        <p:nvSpPr>
-          <p:cNvPr id="3" name="Rectangle 2"/>
-          <p:cNvSpPr/>
-          <p:nvPr/>
-        </p:nvSpPr>
-        <p:spPr>
-          <a:xfrm>
-            <a:off x="1600200" y="1028700"/>
-            <a:ext cx="1371600" cy="2514600"/>
-          </a:xfrm>
-          <a:prstGeom prst="rect">
-            <a:avLst/>
-          </a:prstGeom>
-          <a:solidFill>
-            <a:srgbClr val="000064"/>
-          </a:solidFill>
-          <a:ln>
-            <a:solidFill>
-              <a:schemeClr val="bg1"/>
-            </a:solidFill>
-          </a:ln>
-        </p:spPr>
-        <p:style>
-          <a:lnRef idx="2">
-            <a:schemeClr val="accent1">
-              <a:shade val="50000"/>
-            </a:schemeClr>
-          </a:lnRef>
-          <a:fillRef idx="1">
-            <a:schemeClr val="accent1"/>
-          </a:fillRef>
-          <a:effectRef idx="0">
-            <a:schemeClr val="accent1"/>
-          </a:effectRef>
-          <a:fontRef idx="minor">
-            <a:schemeClr val="lt1"/>
-          </a:fontRef>
-        </p:style>
-        <p:txBody>
-          <a:bodyPr rtlCol="0" anchor="ctr"/>
-          <a:lstStyle/>
-          <a:p>
-            <a:pPr algn="ctr"/>
-            <a:endParaRPr lang="en-US"/>
-          </a:p>
-        </p:txBody>
-      </p:sp>
-      <p:sp>
-        <p:nvSpPr>
-          <p:cNvPr id="5" name="Rounded Rectangle 4"/>
-          <p:cNvSpPr/>
-          <p:nvPr/>
-        </p:nvSpPr>
-        <p:spPr>
-          <a:xfrm>
-            <a:off x="2171700" y="3589020"/>
-            <a:ext cx="228600" cy="137160"/>
-          </a:xfrm>
-          <a:prstGeom prst="roundRect">
-            <a:avLst/>
-          </a:prstGeom>
-          <a:solidFill>
-            <a:srgbClr val="000064"/>
-          </a:solidFill>
-          <a:ln>
-            <a:noFill/>
-          </a:ln>
-        </p:spPr>
-        <p:style>
-          <a:lnRef idx="2">
-            <a:schemeClr val="accent1">
-              <a:shade val="50000"/>
-            </a:schemeClr>
-          </a:lnRef>
-          <a:fillRef idx="1">
-            <a:schemeClr val="accent1"/>
-          </a:fillRef>
-          <a:effectRef idx="0">
-            <a:schemeClr val="accent1"/>
-          </a:effectRef>
-          <a:fontRef idx="minor">
-            <a:schemeClr val="lt1"/>
-          </a:fontRef>
-        </p:style>
-        <p:txBody>
-          <a:bodyPr rtlCol="0" anchor="ctr"/>
-          <a:lstStyle/>
-          <a:p>
-            <a:pPr algn="ctr"/>
-            <a:endParaRPr lang="en-US"/>
-          </a:p>
-        </p:txBody>
-      </p:sp>
-      <p:sp>
-        <p:nvSpPr>
-          <p:cNvPr id="6" name="Oval 5"/>
-          <p:cNvSpPr/>
-          <p:nvPr/>
-        </p:nvSpPr>
-        <p:spPr>
-          <a:xfrm>
-            <a:off x="2515630" y="868680"/>
-            <a:ext cx="91440" cy="91440"/>
-          </a:xfrm>
-          <a:prstGeom prst="ellipse">
-            <a:avLst/>
-          </a:prstGeom>
-          <a:solidFill>
-            <a:srgbClr val="000064"/>
-          </a:solidFill>
-          <a:ln>
-            <a:noFill/>
-          </a:ln>
-        </p:spPr>
-        <p:style>
-          <a:lnRef idx="2">
-            <a:schemeClr val="accent1">
-              <a:shade val="50000"/>
-            </a:schemeClr>
-          </a:lnRef>
-          <a:fillRef idx="1">
-            <a:schemeClr val="accent1"/>
-          </a:fillRef>
-          <a:effectRef idx="0">
-            <a:schemeClr val="accent1"/>
-          </a:effectRef>
-          <a:fontRef idx="minor">
-            <a:schemeClr val="lt1"/>
-          </a:fontRef>
-        </p:style>
-        <p:txBody>
-          <a:bodyPr rtlCol="0" anchor="ctr"/>
-          <a:lstStyle/>
-          <a:p>
-            <a:pPr algn="ctr"/>
-            <a:endParaRPr lang="en-US"/>
-          </a:p>
-        </p:txBody>
-      </p:sp>
-      <p:sp>
-        <p:nvSpPr>
-          <p:cNvPr id="7" name="Rounded Rectangle 6"/>
-          <p:cNvSpPr/>
-          <p:nvPr/>
-        </p:nvSpPr>
-        <p:spPr>
-          <a:xfrm>
-            <a:off x="2217420" y="891540"/>
-            <a:ext cx="137160" cy="45719"/>
-          </a:xfrm>
-          <a:prstGeom prst="roundRect">
-            <a:avLst>
-              <a:gd name="adj" fmla="val 38584"/>
-            </a:avLst>
-          </a:prstGeom>
-          <a:solidFill>
-            <a:srgbClr val="000064"/>
-          </a:solidFill>
-          <a:ln>
-            <a:noFill/>
-          </a:ln>
-        </p:spPr>
-        <p:style>
-          <a:lnRef idx="2">
-            <a:schemeClr val="accent1">
-              <a:shade val="50000"/>
-            </a:schemeClr>
-          </a:lnRef>
-          <a:fillRef idx="1">
-            <a:schemeClr val="accent1"/>
-          </a:fillRef>
-          <a:effectRef idx="0">
-            <a:schemeClr val="accent1"/>
-          </a:effectRef>
-          <a:fontRef idx="minor">
-            <a:schemeClr val="lt1"/>
-          </a:fontRef>
-        </p:style>
-        <p:txBody>
-          <a:bodyPr rtlCol="0" anchor="ctr"/>
-          <a:lstStyle/>
-          <a:p>
-            <a:pPr algn="ctr"/>
-            <a:endParaRPr lang="en-US"/>
-          </a:p>
-        </p:txBody>
-      </p:sp>
     </p:spTree>
     <p:extLst>
       <p:ext uri="{BB962C8B-B14F-4D97-AF65-F5344CB8AC3E}">
@@ -6463,203 +7357,7 @@
           <a:prstGeom prst="rect">
             <a:avLst/>
           </a:prstGeom>
-          <a:solidFill>
-            <a:srgbClr val="000064"/>
-          </a:solidFill>
-          <a:ln>
-            <a:solidFill>
-              <a:srgbClr val="000064"/>
-            </a:solidFill>
-          </a:ln>
-        </p:spPr>
-        <p:style>
-          <a:lnRef idx="2">
-            <a:schemeClr val="accent1">
-              <a:shade val="50000"/>
-            </a:schemeClr>
-          </a:lnRef>
-          <a:fillRef idx="1">
-            <a:schemeClr val="accent1"/>
-          </a:fillRef>
-          <a:effectRef idx="0">
-            <a:schemeClr val="accent1"/>
-          </a:effectRef>
-          <a:fontRef idx="minor">
-            <a:schemeClr val="lt1"/>
-          </a:fontRef>
-        </p:style>
-        <p:txBody>
-          <a:bodyPr rtlCol="0" anchor="ctr"/>
-          <a:lstStyle/>
-          <a:p>
-            <a:pPr algn="ctr"/>
-            <a:endParaRPr lang="en-US"/>
-          </a:p>
-        </p:txBody>
-      </p:sp>
-      <p:sp>
-        <p:nvSpPr>
-          <p:cNvPr id="2" name="Rounded Rectangle 1"/>
-          <p:cNvSpPr/>
-          <p:nvPr/>
-        </p:nvSpPr>
-        <p:spPr>
-          <a:xfrm>
-            <a:off x="685800" y="1371600"/>
-            <a:ext cx="3200400" cy="1828800"/>
-          </a:xfrm>
-          <a:prstGeom prst="roundRect">
-            <a:avLst>
-              <a:gd name="adj" fmla="val 3419"/>
-            </a:avLst>
-          </a:prstGeom>
-          <a:solidFill>
-            <a:schemeClr val="bg1"/>
-          </a:solidFill>
-          <a:ln>
-            <a:solidFill>
-              <a:schemeClr val="bg1"/>
-            </a:solidFill>
-          </a:ln>
-        </p:spPr>
-        <p:style>
-          <a:lnRef idx="2">
-            <a:schemeClr val="accent1">
-              <a:shade val="50000"/>
-            </a:schemeClr>
-          </a:lnRef>
-          <a:fillRef idx="1">
-            <a:schemeClr val="accent1"/>
-          </a:fillRef>
-          <a:effectRef idx="0">
-            <a:schemeClr val="accent1"/>
-          </a:effectRef>
-          <a:fontRef idx="minor">
-            <a:schemeClr val="lt1"/>
-          </a:fontRef>
-        </p:style>
-        <p:txBody>
-          <a:bodyPr rtlCol="0" anchor="ctr"/>
-          <a:lstStyle/>
-          <a:p>
-            <a:pPr algn="ctr"/>
-            <a:endParaRPr lang="en-US"/>
-          </a:p>
-        </p:txBody>
-      </p:sp>
-      <p:sp>
-        <p:nvSpPr>
-          <p:cNvPr id="3" name="Oval 2"/>
-          <p:cNvSpPr/>
-          <p:nvPr/>
-        </p:nvSpPr>
-        <p:spPr>
-          <a:xfrm>
-            <a:off x="2353963" y="1648389"/>
-            <a:ext cx="1276865" cy="1275222"/>
-          </a:xfrm>
-          <a:prstGeom prst="ellipse">
-            <a:avLst/>
-          </a:prstGeom>
-          <a:solidFill>
-            <a:schemeClr val="bg1"/>
-          </a:solidFill>
-          <a:ln w="127000">
-            <a:solidFill>
-              <a:srgbClr val="000064"/>
-            </a:solidFill>
-          </a:ln>
-        </p:spPr>
-        <p:style>
-          <a:lnRef idx="2">
-            <a:schemeClr val="accent1">
-              <a:shade val="50000"/>
-            </a:schemeClr>
-          </a:lnRef>
-          <a:fillRef idx="1">
-            <a:schemeClr val="accent1"/>
-          </a:fillRef>
-          <a:effectRef idx="0">
-            <a:schemeClr val="accent1"/>
-          </a:effectRef>
-          <a:fontRef idx="minor">
-            <a:schemeClr val="lt1"/>
-          </a:fontRef>
-        </p:style>
-        <p:txBody>
-          <a:bodyPr rtlCol="0" anchor="ctr"/>
-          <a:lstStyle/>
-          <a:p>
-            <a:pPr algn="ctr"/>
-            <a:endParaRPr lang="en-US"/>
-          </a:p>
-        </p:txBody>
-      </p:sp>
-      <p:sp>
-        <p:nvSpPr>
-          <p:cNvPr id="12" name="Oval 11"/>
-          <p:cNvSpPr/>
-          <p:nvPr/>
-        </p:nvSpPr>
-        <p:spPr>
-          <a:xfrm>
-            <a:off x="2154436" y="1516994"/>
-            <a:ext cx="263128" cy="262789"/>
-          </a:xfrm>
-          <a:prstGeom prst="ellipse">
-            <a:avLst/>
-          </a:prstGeom>
-          <a:solidFill>
-            <a:srgbClr val="000064"/>
-          </a:solidFill>
-          <a:ln w="38100">
-            <a:noFill/>
-          </a:ln>
-        </p:spPr>
-        <p:style>
-          <a:lnRef idx="2">
-            <a:schemeClr val="accent1">
-              <a:shade val="50000"/>
-            </a:schemeClr>
-          </a:lnRef>
-          <a:fillRef idx="1">
-            <a:schemeClr val="accent1"/>
-          </a:fillRef>
-          <a:effectRef idx="0">
-            <a:schemeClr val="accent1"/>
-          </a:effectRef>
-          <a:fontRef idx="minor">
-            <a:schemeClr val="lt1"/>
-          </a:fontRef>
-        </p:style>
-        <p:txBody>
-          <a:bodyPr rtlCol="0" anchor="ctr"/>
-          <a:lstStyle/>
-          <a:p>
-            <a:pPr algn="ctr"/>
-            <a:endParaRPr lang="en-US"/>
-          </a:p>
-        </p:txBody>
-      </p:sp>
-      <p:sp>
-        <p:nvSpPr>
-          <p:cNvPr id="13" name="Rounded Rectangle 12"/>
-          <p:cNvSpPr/>
-          <p:nvPr/>
-        </p:nvSpPr>
-        <p:spPr>
-          <a:xfrm>
-            <a:off x="999864" y="1192390"/>
-            <a:ext cx="314064" cy="119473"/>
-          </a:xfrm>
-          <a:prstGeom prst="roundRect">
-            <a:avLst>
-              <a:gd name="adj" fmla="val 6738"/>
-            </a:avLst>
-          </a:prstGeom>
-          <a:solidFill>
-            <a:schemeClr val="bg1"/>
-          </a:solidFill>
+          <a:noFill/>
           <a:ln>
             <a:noFill/>
           </a:ln>
@@ -6689,6 +7387,217 @@
           </a:p>
         </p:txBody>
       </p:sp>
+      <p:grpSp>
+        <p:nvGrpSpPr>
+          <p:cNvPr id="5" name="Group 4"/>
+          <p:cNvGrpSpPr/>
+          <p:nvPr/>
+        </p:nvGrpSpPr>
+        <p:grpSpPr>
+          <a:xfrm>
+            <a:off x="685800" y="1192390"/>
+            <a:ext cx="3200400" cy="2008010"/>
+            <a:chOff x="685800" y="1192390"/>
+            <a:chExt cx="3200400" cy="2008010"/>
+          </a:xfrm>
+        </p:grpSpPr>
+        <p:sp>
+          <p:nvSpPr>
+            <p:cNvPr id="2" name="Rounded Rectangle 1"/>
+            <p:cNvSpPr/>
+            <p:nvPr/>
+          </p:nvSpPr>
+          <p:spPr>
+            <a:xfrm>
+              <a:off x="685800" y="1371600"/>
+              <a:ext cx="3200400" cy="1828800"/>
+            </a:xfrm>
+            <a:prstGeom prst="roundRect">
+              <a:avLst>
+                <a:gd name="adj" fmla="val 3419"/>
+              </a:avLst>
+            </a:prstGeom>
+            <a:solidFill>
+              <a:schemeClr val="bg1"/>
+            </a:solidFill>
+            <a:ln>
+              <a:solidFill>
+                <a:schemeClr val="bg1"/>
+              </a:solidFill>
+            </a:ln>
+          </p:spPr>
+          <p:style>
+            <a:lnRef idx="2">
+              <a:schemeClr val="accent1">
+                <a:shade val="50000"/>
+              </a:schemeClr>
+            </a:lnRef>
+            <a:fillRef idx="1">
+              <a:schemeClr val="accent1"/>
+            </a:fillRef>
+            <a:effectRef idx="0">
+              <a:schemeClr val="accent1"/>
+            </a:effectRef>
+            <a:fontRef idx="minor">
+              <a:schemeClr val="lt1"/>
+            </a:fontRef>
+          </p:style>
+          <p:txBody>
+            <a:bodyPr rtlCol="0" anchor="ctr"/>
+            <a:lstStyle/>
+            <a:p>
+              <a:pPr algn="ctr"/>
+              <a:endParaRPr lang="en-US"/>
+            </a:p>
+          </p:txBody>
+        </p:sp>
+        <p:sp>
+          <p:nvSpPr>
+            <p:cNvPr id="12" name="Oval 11"/>
+            <p:cNvSpPr/>
+            <p:nvPr/>
+          </p:nvSpPr>
+          <p:spPr>
+            <a:xfrm>
+              <a:off x="2154436" y="1516994"/>
+              <a:ext cx="263128" cy="262789"/>
+            </a:xfrm>
+            <a:prstGeom prst="ellipse">
+              <a:avLst/>
+            </a:prstGeom>
+            <a:solidFill>
+              <a:schemeClr val="tx1"/>
+            </a:solidFill>
+            <a:ln w="38100">
+              <a:noFill/>
+            </a:ln>
+          </p:spPr>
+          <p:style>
+            <a:lnRef idx="2">
+              <a:schemeClr val="accent1">
+                <a:shade val="50000"/>
+              </a:schemeClr>
+            </a:lnRef>
+            <a:fillRef idx="1">
+              <a:schemeClr val="accent1"/>
+            </a:fillRef>
+            <a:effectRef idx="0">
+              <a:schemeClr val="accent1"/>
+            </a:effectRef>
+            <a:fontRef idx="minor">
+              <a:schemeClr val="lt1"/>
+            </a:fontRef>
+          </p:style>
+          <p:txBody>
+            <a:bodyPr rtlCol="0" anchor="ctr"/>
+            <a:lstStyle/>
+            <a:p>
+              <a:pPr algn="ctr"/>
+              <a:endParaRPr lang="en-US"/>
+            </a:p>
+          </p:txBody>
+        </p:sp>
+        <p:sp>
+          <p:nvSpPr>
+            <p:cNvPr id="13" name="Rounded Rectangle 12"/>
+            <p:cNvSpPr/>
+            <p:nvPr/>
+          </p:nvSpPr>
+          <p:spPr>
+            <a:xfrm>
+              <a:off x="999864" y="1192390"/>
+              <a:ext cx="314064" cy="119473"/>
+            </a:xfrm>
+            <a:prstGeom prst="roundRect">
+              <a:avLst>
+                <a:gd name="adj" fmla="val 6738"/>
+              </a:avLst>
+            </a:prstGeom>
+            <a:solidFill>
+              <a:schemeClr val="bg1"/>
+            </a:solidFill>
+            <a:ln>
+              <a:noFill/>
+            </a:ln>
+          </p:spPr>
+          <p:style>
+            <a:lnRef idx="2">
+              <a:schemeClr val="accent1">
+                <a:shade val="50000"/>
+              </a:schemeClr>
+            </a:lnRef>
+            <a:fillRef idx="1">
+              <a:schemeClr val="accent1"/>
+            </a:fillRef>
+            <a:effectRef idx="0">
+              <a:schemeClr val="accent1"/>
+            </a:effectRef>
+            <a:fontRef idx="minor">
+              <a:schemeClr val="lt1"/>
+            </a:fontRef>
+          </p:style>
+          <p:txBody>
+            <a:bodyPr rtlCol="0" anchor="ctr"/>
+            <a:lstStyle/>
+            <a:p>
+              <a:pPr algn="ctr"/>
+              <a:endParaRPr lang="en-US"/>
+            </a:p>
+          </p:txBody>
+        </p:sp>
+        <p:sp>
+          <p:nvSpPr>
+            <p:cNvPr id="4" name="Donut 3"/>
+            <p:cNvSpPr/>
+            <p:nvPr/>
+          </p:nvSpPr>
+          <p:spPr>
+            <a:xfrm>
+              <a:off x="2417565" y="1648388"/>
+              <a:ext cx="1371600" cy="1371600"/>
+            </a:xfrm>
+            <a:prstGeom prst="donut">
+              <a:avLst>
+                <a:gd name="adj" fmla="val 8087"/>
+              </a:avLst>
+            </a:prstGeom>
+            <a:solidFill>
+              <a:schemeClr val="tx1"/>
+            </a:solidFill>
+            <a:ln>
+              <a:noFill/>
+            </a:ln>
+          </p:spPr>
+          <p:style>
+            <a:lnRef idx="2">
+              <a:schemeClr val="accent1">
+                <a:shade val="50000"/>
+              </a:schemeClr>
+            </a:lnRef>
+            <a:fillRef idx="1">
+              <a:schemeClr val="accent1"/>
+            </a:fillRef>
+            <a:effectRef idx="0">
+              <a:schemeClr val="accent1"/>
+            </a:effectRef>
+            <a:fontRef idx="minor">
+              <a:schemeClr val="lt1"/>
+            </a:fontRef>
+          </p:style>
+          <p:txBody>
+            <a:bodyPr rtlCol="0" anchor="ctr"/>
+            <a:lstStyle/>
+            <a:p>
+              <a:pPr algn="ctr"/>
+              <a:endParaRPr lang="en-US">
+                <a:solidFill>
+                  <a:schemeClr val="tx1"/>
+                </a:solidFill>
+              </a:endParaRPr>
+            </a:p>
+          </p:txBody>
+        </p:sp>
+      </p:grpSp>
     </p:spTree>
     <p:extLst>
       <p:ext uri="{BB962C8B-B14F-4D97-AF65-F5344CB8AC3E}">
@@ -6740,13 +7649,9 @@
           <a:prstGeom prst="rect">
             <a:avLst/>
           </a:prstGeom>
-          <a:solidFill>
-            <a:srgbClr val="000064"/>
-          </a:solidFill>
+          <a:noFill/>
           <a:ln>
-            <a:solidFill>
-              <a:srgbClr val="000064"/>
-            </a:solidFill>
+            <a:noFill/>
           </a:ln>
         </p:spPr>
         <p:style>
@@ -7078,13 +7983,9 @@
           <a:prstGeom prst="rect">
             <a:avLst/>
           </a:prstGeom>
-          <a:solidFill>
-            <a:srgbClr val="000064"/>
-          </a:solidFill>
+          <a:noFill/>
           <a:ln>
-            <a:solidFill>
-              <a:srgbClr val="000064"/>
-            </a:solidFill>
+            <a:noFill/>
           </a:ln>
         </p:spPr>
         <p:style>
